--- a/研究室関連/TAPL/TAPL-23.pptx
+++ b/研究室関連/TAPL/TAPL-23.pptx
@@ -237,7 +237,7 @@
           <a:p>
             <a:fld id="{002B35ED-074F-4DA6-B0D2-0863611FB16F}" type="datetimeFigureOut">
               <a:rPr kumimoji="1" lang="ja-JP" altLang="en-US" smtClean="0"/>
-              <a:t>2024/11/25</a:t>
+              <a:t>2024/11/29</a:t>
             </a:fld>
             <a:endParaRPr kumimoji="1" lang="ja-JP" altLang="en-US"/>
           </a:p>
@@ -414,7 +414,7 @@
           <a:p>
             <a:fld id="{6DF0E2B0-78FD-4DED-8431-F478C5F5AC09}" type="datetimeFigureOut">
               <a:rPr kumimoji="1" lang="ja-JP" altLang="en-US" smtClean="0"/>
-              <a:t>2024/11/25</a:t>
+              <a:t>2024/11/29</a:t>
             </a:fld>
             <a:endParaRPr kumimoji="1" lang="ja-JP" altLang="en-US"/>
           </a:p>
@@ -1836,7 +1836,7 @@
           <a:p>
             <a:fld id="{E8CAF464-15F3-4BB4-BD7F-4E96634389B9}" type="datetime1">
               <a:rPr kumimoji="1" lang="ja-JP" altLang="en-US" smtClean="0"/>
-              <a:t>2024/11/25</a:t>
+              <a:t>2024/11/29</a:t>
             </a:fld>
             <a:endParaRPr kumimoji="1" lang="ja-JP" altLang="en-US"/>
           </a:p>
@@ -2611,7 +2611,7 @@
           <a:p>
             <a:fld id="{B4C738A0-993E-4FF2-A9D3-F8A25E5BED3D}" type="datetime1">
               <a:rPr kumimoji="1" lang="ja-JP" altLang="en-US" smtClean="0"/>
-              <a:t>2024/11/25</a:t>
+              <a:t>2024/11/29</a:t>
             </a:fld>
             <a:endParaRPr kumimoji="1" lang="ja-JP" altLang="en-US"/>
           </a:p>
@@ -2931,7 +2931,7 @@
           <a:p>
             <a:fld id="{6F43E0D6-D44E-4BB9-A41C-4EBA4BB1D0AA}" type="datetime1">
               <a:rPr kumimoji="1" lang="ja-JP" altLang="en-US" smtClean="0"/>
-              <a:t>2024/11/25</a:t>
+              <a:t>2024/11/29</a:t>
             </a:fld>
             <a:endParaRPr kumimoji="1" lang="ja-JP" altLang="en-US"/>
           </a:p>
@@ -3398,7 +3398,7 @@
           <a:p>
             <a:fld id="{80FBE12C-66DD-425F-87DA-45FA71D4B14C}" type="datetime1">
               <a:rPr kumimoji="1" lang="ja-JP" altLang="en-US" smtClean="0"/>
-              <a:t>2024/11/25</a:t>
+              <a:t>2024/11/29</a:t>
             </a:fld>
             <a:endParaRPr kumimoji="1" lang="ja-JP" altLang="en-US"/>
           </a:p>
@@ -3530,7 +3530,7 @@
           <a:p>
             <a:fld id="{5D337AB5-68CF-4C9A-84F0-CEB8B3F3804F}" type="datetime1">
               <a:rPr kumimoji="1" lang="ja-JP" altLang="en-US" smtClean="0"/>
-              <a:t>2024/11/25</a:t>
+              <a:t>2024/11/29</a:t>
             </a:fld>
             <a:endParaRPr kumimoji="1" lang="ja-JP" altLang="en-US"/>
           </a:p>
@@ -3634,7 +3634,7 @@
           <a:p>
             <a:fld id="{0224F364-07F3-46C8-84AA-302D169C9924}" type="datetime1">
               <a:rPr kumimoji="1" lang="ja-JP" altLang="en-US" smtClean="0"/>
-              <a:t>2024/11/25</a:t>
+              <a:t>2024/11/29</a:t>
             </a:fld>
             <a:endParaRPr kumimoji="1" lang="ja-JP" altLang="en-US"/>
           </a:p>
@@ -3968,7 +3968,7 @@
           <a:p>
             <a:fld id="{C98F773C-6196-4130-BAF3-BF8645CB42FA}" type="datetime1">
               <a:rPr kumimoji="1" lang="ja-JP" altLang="en-US" smtClean="0"/>
-              <a:t>2024/11/25</a:t>
+              <a:t>2024/11/29</a:t>
             </a:fld>
             <a:endParaRPr kumimoji="1" lang="ja-JP" altLang="en-US"/>
           </a:p>
@@ -4247,7 +4247,7 @@
           <a:p>
             <a:fld id="{E4883AD5-0DE6-4DC7-9375-A23AA371A5C4}" type="datetime1">
               <a:rPr kumimoji="1" lang="ja-JP" altLang="en-US" smtClean="0"/>
-              <a:t>2024/11/25</a:t>
+              <a:t>2024/11/29</a:t>
             </a:fld>
             <a:endParaRPr kumimoji="1" lang="ja-JP" altLang="en-US"/>
           </a:p>

--- a/研究室関連/TAPL/TAPL-23.pptx
+++ b/研究室関連/TAPL/TAPL-23.pptx
@@ -5,10 +5,10 @@
     <p:sldMasterId id="2147483671" r:id="rId1"/>
   </p:sldMasterIdLst>
   <p:notesMasterIdLst>
-    <p:notesMasterId r:id="rId25"/>
+    <p:notesMasterId r:id="rId41"/>
   </p:notesMasterIdLst>
   <p:handoutMasterIdLst>
-    <p:handoutMasterId r:id="rId26"/>
+    <p:handoutMasterId r:id="rId42"/>
   </p:handoutMasterIdLst>
   <p:sldIdLst>
     <p:sldId id="256" r:id="rId2"/>
@@ -34,6 +34,22 @@
     <p:sldId id="276" r:id="rId22"/>
     <p:sldId id="277" r:id="rId23"/>
     <p:sldId id="278" r:id="rId24"/>
+    <p:sldId id="279" r:id="rId25"/>
+    <p:sldId id="280" r:id="rId26"/>
+    <p:sldId id="281" r:id="rId27"/>
+    <p:sldId id="282" r:id="rId28"/>
+    <p:sldId id="283" r:id="rId29"/>
+    <p:sldId id="284" r:id="rId30"/>
+    <p:sldId id="285" r:id="rId31"/>
+    <p:sldId id="286" r:id="rId32"/>
+    <p:sldId id="287" r:id="rId33"/>
+    <p:sldId id="288" r:id="rId34"/>
+    <p:sldId id="289" r:id="rId35"/>
+    <p:sldId id="290" r:id="rId36"/>
+    <p:sldId id="291" r:id="rId37"/>
+    <p:sldId id="292" r:id="rId38"/>
+    <p:sldId id="294" r:id="rId39"/>
+    <p:sldId id="293" r:id="rId40"/>
   </p:sldIdLst>
   <p:sldSz cx="9144000" cy="6858000" type="screen4x3"/>
   <p:notesSz cx="6858000" cy="9144000"/>
@@ -237,7 +253,7 @@
           <a:p>
             <a:fld id="{002B35ED-074F-4DA6-B0D2-0863611FB16F}" type="datetimeFigureOut">
               <a:rPr kumimoji="1" lang="ja-JP" altLang="en-US" smtClean="0"/>
-              <a:t>2024/11/29</a:t>
+              <a:t>2024/11/30</a:t>
             </a:fld>
             <a:endParaRPr kumimoji="1" lang="ja-JP" altLang="en-US"/>
           </a:p>
@@ -414,7 +430,7 @@
           <a:p>
             <a:fld id="{6DF0E2B0-78FD-4DED-8431-F478C5F5AC09}" type="datetimeFigureOut">
               <a:rPr kumimoji="1" lang="ja-JP" altLang="en-US" smtClean="0"/>
-              <a:t>2024/11/29</a:t>
+              <a:t>2024/11/30</a:t>
             </a:fld>
             <a:endParaRPr kumimoji="1" lang="ja-JP" altLang="en-US"/>
           </a:p>
@@ -797,6 +813,1086 @@
 </p:notes>
 </file>
 
+<file path=ppt/notesSlides/notesSlide10.xml><?xml version="1.0" encoding="utf-8"?>
+<p:notes xmlns:a="http://schemas.openxmlformats.org/drawingml/2006/main" xmlns:r="http://schemas.openxmlformats.org/officeDocument/2006/relationships" xmlns:p="http://schemas.openxmlformats.org/presentationml/2006/main">
+  <p:cSld>
+    <p:spTree>
+      <p:nvGrpSpPr>
+        <p:cNvPr id="1" name="">
+          <a:extLst>
+            <a:ext uri="{FF2B5EF4-FFF2-40B4-BE49-F238E27FC236}">
+              <a16:creationId xmlns:a16="http://schemas.microsoft.com/office/drawing/2014/main" id="{8E6D82C2-C0B9-AA20-40B4-776DA4B6875B}"/>
+            </a:ext>
+          </a:extLst>
+        </p:cNvPr>
+        <p:cNvGrpSpPr/>
+        <p:nvPr/>
+      </p:nvGrpSpPr>
+      <p:grpSpPr>
+        <a:xfrm>
+          <a:off x="0" y="0"/>
+          <a:ext cx="0" cy="0"/>
+          <a:chOff x="0" y="0"/>
+          <a:chExt cx="0" cy="0"/>
+        </a:xfrm>
+      </p:grpSpPr>
+      <p:sp>
+        <p:nvSpPr>
+          <p:cNvPr id="2" name="スライド イメージ プレースホルダー 1">
+            <a:extLst>
+              <a:ext uri="{FF2B5EF4-FFF2-40B4-BE49-F238E27FC236}">
+                <a16:creationId xmlns:a16="http://schemas.microsoft.com/office/drawing/2014/main" id="{D9D1C3D4-0B30-B970-1762-C90EE365C560}"/>
+              </a:ext>
+            </a:extLst>
+          </p:cNvPr>
+          <p:cNvSpPr>
+            <a:spLocks noGrp="1" noRot="1" noChangeAspect="1"/>
+          </p:cNvSpPr>
+          <p:nvPr>
+            <p:ph type="sldImg"/>
+          </p:nvPr>
+        </p:nvSpPr>
+        <p:spPr/>
+      </p:sp>
+      <p:sp>
+        <p:nvSpPr>
+          <p:cNvPr id="3" name="ノート プレースホルダー 2">
+            <a:extLst>
+              <a:ext uri="{FF2B5EF4-FFF2-40B4-BE49-F238E27FC236}">
+                <a16:creationId xmlns:a16="http://schemas.microsoft.com/office/drawing/2014/main" id="{49AD5630-E5F5-AF0C-54BC-A9104490A83E}"/>
+              </a:ext>
+            </a:extLst>
+          </p:cNvPr>
+          <p:cNvSpPr>
+            <a:spLocks noGrp="1"/>
+          </p:cNvSpPr>
+          <p:nvPr>
+            <p:ph type="body" idx="1"/>
+          </p:nvPr>
+        </p:nvSpPr>
+        <p:spPr/>
+        <p:txBody>
+          <a:bodyPr/>
+          <a:lstStyle/>
+          <a:p>
+            <a:endParaRPr kumimoji="1" lang="ja-JP" altLang="en-US" dirty="0"/>
+          </a:p>
+        </p:txBody>
+      </p:sp>
+      <p:sp>
+        <p:nvSpPr>
+          <p:cNvPr id="4" name="スライド番号プレースホルダー 3">
+            <a:extLst>
+              <a:ext uri="{FF2B5EF4-FFF2-40B4-BE49-F238E27FC236}">
+                <a16:creationId xmlns:a16="http://schemas.microsoft.com/office/drawing/2014/main" id="{566318A9-1250-F7D2-A2EA-99F19856E352}"/>
+              </a:ext>
+            </a:extLst>
+          </p:cNvPr>
+          <p:cNvSpPr>
+            <a:spLocks noGrp="1"/>
+          </p:cNvSpPr>
+          <p:nvPr>
+            <p:ph type="sldNum" sz="quarter" idx="5"/>
+          </p:nvPr>
+        </p:nvSpPr>
+        <p:spPr/>
+        <p:txBody>
+          <a:bodyPr/>
+          <a:lstStyle/>
+          <a:p>
+            <a:fld id="{C7F483CF-092A-4979-9034-FFC6E09450F1}" type="slidenum">
+              <a:rPr kumimoji="1" lang="ja-JP" altLang="en-US" smtClean="0"/>
+              <a:t>26</a:t>
+            </a:fld>
+            <a:endParaRPr kumimoji="1" lang="ja-JP" altLang="en-US"/>
+          </a:p>
+        </p:txBody>
+      </p:sp>
+    </p:spTree>
+    <p:extLst>
+      <p:ext uri="{BB962C8B-B14F-4D97-AF65-F5344CB8AC3E}">
+        <p14:creationId xmlns:p14="http://schemas.microsoft.com/office/powerpoint/2010/main" val="1703798735"/>
+      </p:ext>
+    </p:extLst>
+  </p:cSld>
+  <p:clrMapOvr>
+    <a:masterClrMapping/>
+  </p:clrMapOvr>
+</p:notes>
+</file>
+
+<file path=ppt/notesSlides/notesSlide11.xml><?xml version="1.0" encoding="utf-8"?>
+<p:notes xmlns:a="http://schemas.openxmlformats.org/drawingml/2006/main" xmlns:r="http://schemas.openxmlformats.org/officeDocument/2006/relationships" xmlns:p="http://schemas.openxmlformats.org/presentationml/2006/main">
+  <p:cSld>
+    <p:spTree>
+      <p:nvGrpSpPr>
+        <p:cNvPr id="1" name="">
+          <a:extLst>
+            <a:ext uri="{FF2B5EF4-FFF2-40B4-BE49-F238E27FC236}">
+              <a16:creationId xmlns:a16="http://schemas.microsoft.com/office/drawing/2014/main" id="{4CC6AC2E-FAE9-BEFF-9C66-18FC768BD3FA}"/>
+            </a:ext>
+          </a:extLst>
+        </p:cNvPr>
+        <p:cNvGrpSpPr/>
+        <p:nvPr/>
+      </p:nvGrpSpPr>
+      <p:grpSpPr>
+        <a:xfrm>
+          <a:off x="0" y="0"/>
+          <a:ext cx="0" cy="0"/>
+          <a:chOff x="0" y="0"/>
+          <a:chExt cx="0" cy="0"/>
+        </a:xfrm>
+      </p:grpSpPr>
+      <p:sp>
+        <p:nvSpPr>
+          <p:cNvPr id="2" name="スライド イメージ プレースホルダー 1">
+            <a:extLst>
+              <a:ext uri="{FF2B5EF4-FFF2-40B4-BE49-F238E27FC236}">
+                <a16:creationId xmlns:a16="http://schemas.microsoft.com/office/drawing/2014/main" id="{FFA04015-B131-AFE7-E1D6-419E2CE477AB}"/>
+              </a:ext>
+            </a:extLst>
+          </p:cNvPr>
+          <p:cNvSpPr>
+            <a:spLocks noGrp="1" noRot="1" noChangeAspect="1"/>
+          </p:cNvSpPr>
+          <p:nvPr>
+            <p:ph type="sldImg"/>
+          </p:nvPr>
+        </p:nvSpPr>
+        <p:spPr/>
+      </p:sp>
+      <p:sp>
+        <p:nvSpPr>
+          <p:cNvPr id="3" name="ノート プレースホルダー 2">
+            <a:extLst>
+              <a:ext uri="{FF2B5EF4-FFF2-40B4-BE49-F238E27FC236}">
+                <a16:creationId xmlns:a16="http://schemas.microsoft.com/office/drawing/2014/main" id="{62A300A6-06C3-1D7E-E91B-4C31F553F542}"/>
+              </a:ext>
+            </a:extLst>
+          </p:cNvPr>
+          <p:cNvSpPr>
+            <a:spLocks noGrp="1"/>
+          </p:cNvSpPr>
+          <p:nvPr>
+            <p:ph type="body" idx="1"/>
+          </p:nvPr>
+        </p:nvSpPr>
+        <p:spPr/>
+        <p:txBody>
+          <a:bodyPr/>
+          <a:lstStyle/>
+          <a:p>
+            <a:endParaRPr kumimoji="1" lang="ja-JP" altLang="en-US" dirty="0"/>
+          </a:p>
+        </p:txBody>
+      </p:sp>
+      <p:sp>
+        <p:nvSpPr>
+          <p:cNvPr id="4" name="スライド番号プレースホルダー 3">
+            <a:extLst>
+              <a:ext uri="{FF2B5EF4-FFF2-40B4-BE49-F238E27FC236}">
+                <a16:creationId xmlns:a16="http://schemas.microsoft.com/office/drawing/2014/main" id="{4DDE644F-5888-B523-AB7A-1CF45AD1C382}"/>
+              </a:ext>
+            </a:extLst>
+          </p:cNvPr>
+          <p:cNvSpPr>
+            <a:spLocks noGrp="1"/>
+          </p:cNvSpPr>
+          <p:nvPr>
+            <p:ph type="sldNum" sz="quarter" idx="5"/>
+          </p:nvPr>
+        </p:nvSpPr>
+        <p:spPr/>
+        <p:txBody>
+          <a:bodyPr/>
+          <a:lstStyle/>
+          <a:p>
+            <a:fld id="{C7F483CF-092A-4979-9034-FFC6E09450F1}" type="slidenum">
+              <a:rPr kumimoji="1" lang="ja-JP" altLang="en-US" smtClean="0"/>
+              <a:t>27</a:t>
+            </a:fld>
+            <a:endParaRPr kumimoji="1" lang="ja-JP" altLang="en-US"/>
+          </a:p>
+        </p:txBody>
+      </p:sp>
+    </p:spTree>
+    <p:extLst>
+      <p:ext uri="{BB962C8B-B14F-4D97-AF65-F5344CB8AC3E}">
+        <p14:creationId xmlns:p14="http://schemas.microsoft.com/office/powerpoint/2010/main" val="3444375740"/>
+      </p:ext>
+    </p:extLst>
+  </p:cSld>
+  <p:clrMapOvr>
+    <a:masterClrMapping/>
+  </p:clrMapOvr>
+</p:notes>
+</file>
+
+<file path=ppt/notesSlides/notesSlide12.xml><?xml version="1.0" encoding="utf-8"?>
+<p:notes xmlns:a="http://schemas.openxmlformats.org/drawingml/2006/main" xmlns:r="http://schemas.openxmlformats.org/officeDocument/2006/relationships" xmlns:p="http://schemas.openxmlformats.org/presentationml/2006/main">
+  <p:cSld>
+    <p:spTree>
+      <p:nvGrpSpPr>
+        <p:cNvPr id="1" name="">
+          <a:extLst>
+            <a:ext uri="{FF2B5EF4-FFF2-40B4-BE49-F238E27FC236}">
+              <a16:creationId xmlns:a16="http://schemas.microsoft.com/office/drawing/2014/main" id="{7BDFC9DB-1930-7B87-80B0-DF344CED4458}"/>
+            </a:ext>
+          </a:extLst>
+        </p:cNvPr>
+        <p:cNvGrpSpPr/>
+        <p:nvPr/>
+      </p:nvGrpSpPr>
+      <p:grpSpPr>
+        <a:xfrm>
+          <a:off x="0" y="0"/>
+          <a:ext cx="0" cy="0"/>
+          <a:chOff x="0" y="0"/>
+          <a:chExt cx="0" cy="0"/>
+        </a:xfrm>
+      </p:grpSpPr>
+      <p:sp>
+        <p:nvSpPr>
+          <p:cNvPr id="2" name="スライド イメージ プレースホルダー 1">
+            <a:extLst>
+              <a:ext uri="{FF2B5EF4-FFF2-40B4-BE49-F238E27FC236}">
+                <a16:creationId xmlns:a16="http://schemas.microsoft.com/office/drawing/2014/main" id="{FAD33E3F-BDF9-230E-52A4-212DC525C1FB}"/>
+              </a:ext>
+            </a:extLst>
+          </p:cNvPr>
+          <p:cNvSpPr>
+            <a:spLocks noGrp="1" noRot="1" noChangeAspect="1"/>
+          </p:cNvSpPr>
+          <p:nvPr>
+            <p:ph type="sldImg"/>
+          </p:nvPr>
+        </p:nvSpPr>
+        <p:spPr/>
+      </p:sp>
+      <p:sp>
+        <p:nvSpPr>
+          <p:cNvPr id="3" name="ノート プレースホルダー 2">
+            <a:extLst>
+              <a:ext uri="{FF2B5EF4-FFF2-40B4-BE49-F238E27FC236}">
+                <a16:creationId xmlns:a16="http://schemas.microsoft.com/office/drawing/2014/main" id="{7F07D03C-16A3-3943-0F5B-E36BE5C67439}"/>
+              </a:ext>
+            </a:extLst>
+          </p:cNvPr>
+          <p:cNvSpPr>
+            <a:spLocks noGrp="1"/>
+          </p:cNvSpPr>
+          <p:nvPr>
+            <p:ph type="body" idx="1"/>
+          </p:nvPr>
+        </p:nvSpPr>
+        <p:spPr/>
+        <p:txBody>
+          <a:bodyPr/>
+          <a:lstStyle/>
+          <a:p>
+            <a:endParaRPr kumimoji="1" lang="ja-JP" altLang="en-US" dirty="0"/>
+          </a:p>
+        </p:txBody>
+      </p:sp>
+      <p:sp>
+        <p:nvSpPr>
+          <p:cNvPr id="4" name="スライド番号プレースホルダー 3">
+            <a:extLst>
+              <a:ext uri="{FF2B5EF4-FFF2-40B4-BE49-F238E27FC236}">
+                <a16:creationId xmlns:a16="http://schemas.microsoft.com/office/drawing/2014/main" id="{4DFC94F0-238D-0CFB-AC67-EC7FDDBED56C}"/>
+              </a:ext>
+            </a:extLst>
+          </p:cNvPr>
+          <p:cNvSpPr>
+            <a:spLocks noGrp="1"/>
+          </p:cNvSpPr>
+          <p:nvPr>
+            <p:ph type="sldNum" sz="quarter" idx="5"/>
+          </p:nvPr>
+        </p:nvSpPr>
+        <p:spPr/>
+        <p:txBody>
+          <a:bodyPr/>
+          <a:lstStyle/>
+          <a:p>
+            <a:fld id="{C7F483CF-092A-4979-9034-FFC6E09450F1}" type="slidenum">
+              <a:rPr kumimoji="1" lang="ja-JP" altLang="en-US" smtClean="0"/>
+              <a:t>28</a:t>
+            </a:fld>
+            <a:endParaRPr kumimoji="1" lang="ja-JP" altLang="en-US"/>
+          </a:p>
+        </p:txBody>
+      </p:sp>
+    </p:spTree>
+    <p:extLst>
+      <p:ext uri="{BB962C8B-B14F-4D97-AF65-F5344CB8AC3E}">
+        <p14:creationId xmlns:p14="http://schemas.microsoft.com/office/powerpoint/2010/main" val="849724233"/>
+      </p:ext>
+    </p:extLst>
+  </p:cSld>
+  <p:clrMapOvr>
+    <a:masterClrMapping/>
+  </p:clrMapOvr>
+</p:notes>
+</file>
+
+<file path=ppt/notesSlides/notesSlide13.xml><?xml version="1.0" encoding="utf-8"?>
+<p:notes xmlns:a="http://schemas.openxmlformats.org/drawingml/2006/main" xmlns:r="http://schemas.openxmlformats.org/officeDocument/2006/relationships" xmlns:p="http://schemas.openxmlformats.org/presentationml/2006/main">
+  <p:cSld>
+    <p:spTree>
+      <p:nvGrpSpPr>
+        <p:cNvPr id="1" name="">
+          <a:extLst>
+            <a:ext uri="{FF2B5EF4-FFF2-40B4-BE49-F238E27FC236}">
+              <a16:creationId xmlns:a16="http://schemas.microsoft.com/office/drawing/2014/main" id="{AAEFFEF7-852B-A9AC-6766-6202DD465001}"/>
+            </a:ext>
+          </a:extLst>
+        </p:cNvPr>
+        <p:cNvGrpSpPr/>
+        <p:nvPr/>
+      </p:nvGrpSpPr>
+      <p:grpSpPr>
+        <a:xfrm>
+          <a:off x="0" y="0"/>
+          <a:ext cx="0" cy="0"/>
+          <a:chOff x="0" y="0"/>
+          <a:chExt cx="0" cy="0"/>
+        </a:xfrm>
+      </p:grpSpPr>
+      <p:sp>
+        <p:nvSpPr>
+          <p:cNvPr id="2" name="スライド イメージ プレースホルダー 1">
+            <a:extLst>
+              <a:ext uri="{FF2B5EF4-FFF2-40B4-BE49-F238E27FC236}">
+                <a16:creationId xmlns:a16="http://schemas.microsoft.com/office/drawing/2014/main" id="{C101695A-F64E-FF5C-BD6C-0B776C8E9C17}"/>
+              </a:ext>
+            </a:extLst>
+          </p:cNvPr>
+          <p:cNvSpPr>
+            <a:spLocks noGrp="1" noRot="1" noChangeAspect="1"/>
+          </p:cNvSpPr>
+          <p:nvPr>
+            <p:ph type="sldImg"/>
+          </p:nvPr>
+        </p:nvSpPr>
+        <p:spPr/>
+      </p:sp>
+      <p:sp>
+        <p:nvSpPr>
+          <p:cNvPr id="3" name="ノート プレースホルダー 2">
+            <a:extLst>
+              <a:ext uri="{FF2B5EF4-FFF2-40B4-BE49-F238E27FC236}">
+                <a16:creationId xmlns:a16="http://schemas.microsoft.com/office/drawing/2014/main" id="{77279D99-4183-3049-7FB0-0F58242EAD5B}"/>
+              </a:ext>
+            </a:extLst>
+          </p:cNvPr>
+          <p:cNvSpPr>
+            <a:spLocks noGrp="1"/>
+          </p:cNvSpPr>
+          <p:nvPr>
+            <p:ph type="body" idx="1"/>
+          </p:nvPr>
+        </p:nvSpPr>
+        <p:spPr/>
+        <p:txBody>
+          <a:bodyPr/>
+          <a:lstStyle/>
+          <a:p>
+            <a:endParaRPr kumimoji="1" lang="ja-JP" altLang="en-US" dirty="0"/>
+          </a:p>
+        </p:txBody>
+      </p:sp>
+      <p:sp>
+        <p:nvSpPr>
+          <p:cNvPr id="4" name="スライド番号プレースホルダー 3">
+            <a:extLst>
+              <a:ext uri="{FF2B5EF4-FFF2-40B4-BE49-F238E27FC236}">
+                <a16:creationId xmlns:a16="http://schemas.microsoft.com/office/drawing/2014/main" id="{14D045F6-3E03-C3BD-1289-86E4379BA2EB}"/>
+              </a:ext>
+            </a:extLst>
+          </p:cNvPr>
+          <p:cNvSpPr>
+            <a:spLocks noGrp="1"/>
+          </p:cNvSpPr>
+          <p:nvPr>
+            <p:ph type="sldNum" sz="quarter" idx="5"/>
+          </p:nvPr>
+        </p:nvSpPr>
+        <p:spPr/>
+        <p:txBody>
+          <a:bodyPr/>
+          <a:lstStyle/>
+          <a:p>
+            <a:fld id="{C7F483CF-092A-4979-9034-FFC6E09450F1}" type="slidenum">
+              <a:rPr kumimoji="1" lang="ja-JP" altLang="en-US" smtClean="0"/>
+              <a:t>29</a:t>
+            </a:fld>
+            <a:endParaRPr kumimoji="1" lang="ja-JP" altLang="en-US"/>
+          </a:p>
+        </p:txBody>
+      </p:sp>
+    </p:spTree>
+    <p:extLst>
+      <p:ext uri="{BB962C8B-B14F-4D97-AF65-F5344CB8AC3E}">
+        <p14:creationId xmlns:p14="http://schemas.microsoft.com/office/powerpoint/2010/main" val="1319472832"/>
+      </p:ext>
+    </p:extLst>
+  </p:cSld>
+  <p:clrMapOvr>
+    <a:masterClrMapping/>
+  </p:clrMapOvr>
+</p:notes>
+</file>
+
+<file path=ppt/notesSlides/notesSlide14.xml><?xml version="1.0" encoding="utf-8"?>
+<p:notes xmlns:a="http://schemas.openxmlformats.org/drawingml/2006/main" xmlns:r="http://schemas.openxmlformats.org/officeDocument/2006/relationships" xmlns:p="http://schemas.openxmlformats.org/presentationml/2006/main">
+  <p:cSld>
+    <p:spTree>
+      <p:nvGrpSpPr>
+        <p:cNvPr id="1" name="">
+          <a:extLst>
+            <a:ext uri="{FF2B5EF4-FFF2-40B4-BE49-F238E27FC236}">
+              <a16:creationId xmlns:a16="http://schemas.microsoft.com/office/drawing/2014/main" id="{21ADDC49-F986-B9AE-DF19-52B64A152F9F}"/>
+            </a:ext>
+          </a:extLst>
+        </p:cNvPr>
+        <p:cNvGrpSpPr/>
+        <p:nvPr/>
+      </p:nvGrpSpPr>
+      <p:grpSpPr>
+        <a:xfrm>
+          <a:off x="0" y="0"/>
+          <a:ext cx="0" cy="0"/>
+          <a:chOff x="0" y="0"/>
+          <a:chExt cx="0" cy="0"/>
+        </a:xfrm>
+      </p:grpSpPr>
+      <p:sp>
+        <p:nvSpPr>
+          <p:cNvPr id="2" name="スライド イメージ プレースホルダー 1">
+            <a:extLst>
+              <a:ext uri="{FF2B5EF4-FFF2-40B4-BE49-F238E27FC236}">
+                <a16:creationId xmlns:a16="http://schemas.microsoft.com/office/drawing/2014/main" id="{639F4FF0-461D-2ECB-C307-462D98587DEE}"/>
+              </a:ext>
+            </a:extLst>
+          </p:cNvPr>
+          <p:cNvSpPr>
+            <a:spLocks noGrp="1" noRot="1" noChangeAspect="1"/>
+          </p:cNvSpPr>
+          <p:nvPr>
+            <p:ph type="sldImg"/>
+          </p:nvPr>
+        </p:nvSpPr>
+        <p:spPr/>
+      </p:sp>
+      <p:sp>
+        <p:nvSpPr>
+          <p:cNvPr id="3" name="ノート プレースホルダー 2">
+            <a:extLst>
+              <a:ext uri="{FF2B5EF4-FFF2-40B4-BE49-F238E27FC236}">
+                <a16:creationId xmlns:a16="http://schemas.microsoft.com/office/drawing/2014/main" id="{98D9F2D9-6E98-B9DB-4F81-5F33E27D0BA3}"/>
+              </a:ext>
+            </a:extLst>
+          </p:cNvPr>
+          <p:cNvSpPr>
+            <a:spLocks noGrp="1"/>
+          </p:cNvSpPr>
+          <p:nvPr>
+            <p:ph type="body" idx="1"/>
+          </p:nvPr>
+        </p:nvSpPr>
+        <p:spPr/>
+        <p:txBody>
+          <a:bodyPr/>
+          <a:lstStyle/>
+          <a:p>
+            <a:endParaRPr kumimoji="1" lang="ja-JP" altLang="en-US" dirty="0"/>
+          </a:p>
+        </p:txBody>
+      </p:sp>
+      <p:sp>
+        <p:nvSpPr>
+          <p:cNvPr id="4" name="スライド番号プレースホルダー 3">
+            <a:extLst>
+              <a:ext uri="{FF2B5EF4-FFF2-40B4-BE49-F238E27FC236}">
+                <a16:creationId xmlns:a16="http://schemas.microsoft.com/office/drawing/2014/main" id="{005495C4-7AF5-DA01-4BC9-79169C2F89EA}"/>
+              </a:ext>
+            </a:extLst>
+          </p:cNvPr>
+          <p:cNvSpPr>
+            <a:spLocks noGrp="1"/>
+          </p:cNvSpPr>
+          <p:nvPr>
+            <p:ph type="sldNum" sz="quarter" idx="5"/>
+          </p:nvPr>
+        </p:nvSpPr>
+        <p:spPr/>
+        <p:txBody>
+          <a:bodyPr/>
+          <a:lstStyle/>
+          <a:p>
+            <a:fld id="{C7F483CF-092A-4979-9034-FFC6E09450F1}" type="slidenum">
+              <a:rPr kumimoji="1" lang="ja-JP" altLang="en-US" smtClean="0"/>
+              <a:t>30</a:t>
+            </a:fld>
+            <a:endParaRPr kumimoji="1" lang="ja-JP" altLang="en-US"/>
+          </a:p>
+        </p:txBody>
+      </p:sp>
+    </p:spTree>
+    <p:extLst>
+      <p:ext uri="{BB962C8B-B14F-4D97-AF65-F5344CB8AC3E}">
+        <p14:creationId xmlns:p14="http://schemas.microsoft.com/office/powerpoint/2010/main" val="129418978"/>
+      </p:ext>
+    </p:extLst>
+  </p:cSld>
+  <p:clrMapOvr>
+    <a:masterClrMapping/>
+  </p:clrMapOvr>
+</p:notes>
+</file>
+
+<file path=ppt/notesSlides/notesSlide15.xml><?xml version="1.0" encoding="utf-8"?>
+<p:notes xmlns:a="http://schemas.openxmlformats.org/drawingml/2006/main" xmlns:r="http://schemas.openxmlformats.org/officeDocument/2006/relationships" xmlns:p="http://schemas.openxmlformats.org/presentationml/2006/main">
+  <p:cSld>
+    <p:spTree>
+      <p:nvGrpSpPr>
+        <p:cNvPr id="1" name="">
+          <a:extLst>
+            <a:ext uri="{FF2B5EF4-FFF2-40B4-BE49-F238E27FC236}">
+              <a16:creationId xmlns:a16="http://schemas.microsoft.com/office/drawing/2014/main" id="{E97E7203-29B4-F985-0F91-F157A6F547DB}"/>
+            </a:ext>
+          </a:extLst>
+        </p:cNvPr>
+        <p:cNvGrpSpPr/>
+        <p:nvPr/>
+      </p:nvGrpSpPr>
+      <p:grpSpPr>
+        <a:xfrm>
+          <a:off x="0" y="0"/>
+          <a:ext cx="0" cy="0"/>
+          <a:chOff x="0" y="0"/>
+          <a:chExt cx="0" cy="0"/>
+        </a:xfrm>
+      </p:grpSpPr>
+      <p:sp>
+        <p:nvSpPr>
+          <p:cNvPr id="2" name="スライド イメージ プレースホルダー 1">
+            <a:extLst>
+              <a:ext uri="{FF2B5EF4-FFF2-40B4-BE49-F238E27FC236}">
+                <a16:creationId xmlns:a16="http://schemas.microsoft.com/office/drawing/2014/main" id="{788E3787-56AC-C352-C138-4617AE8EFF7F}"/>
+              </a:ext>
+            </a:extLst>
+          </p:cNvPr>
+          <p:cNvSpPr>
+            <a:spLocks noGrp="1" noRot="1" noChangeAspect="1"/>
+          </p:cNvSpPr>
+          <p:nvPr>
+            <p:ph type="sldImg"/>
+          </p:nvPr>
+        </p:nvSpPr>
+        <p:spPr/>
+      </p:sp>
+      <p:sp>
+        <p:nvSpPr>
+          <p:cNvPr id="3" name="ノート プレースホルダー 2">
+            <a:extLst>
+              <a:ext uri="{FF2B5EF4-FFF2-40B4-BE49-F238E27FC236}">
+                <a16:creationId xmlns:a16="http://schemas.microsoft.com/office/drawing/2014/main" id="{BEB99F91-3197-E0F7-7FED-7DFEE777AC14}"/>
+              </a:ext>
+            </a:extLst>
+          </p:cNvPr>
+          <p:cNvSpPr>
+            <a:spLocks noGrp="1"/>
+          </p:cNvSpPr>
+          <p:nvPr>
+            <p:ph type="body" idx="1"/>
+          </p:nvPr>
+        </p:nvSpPr>
+        <p:spPr/>
+        <p:txBody>
+          <a:bodyPr/>
+          <a:lstStyle/>
+          <a:p>
+            <a:endParaRPr kumimoji="1" lang="ja-JP" altLang="en-US" dirty="0"/>
+          </a:p>
+        </p:txBody>
+      </p:sp>
+      <p:sp>
+        <p:nvSpPr>
+          <p:cNvPr id="4" name="スライド番号プレースホルダー 3">
+            <a:extLst>
+              <a:ext uri="{FF2B5EF4-FFF2-40B4-BE49-F238E27FC236}">
+                <a16:creationId xmlns:a16="http://schemas.microsoft.com/office/drawing/2014/main" id="{83C9C888-6E24-45DA-BB1E-A76394F3D0F3}"/>
+              </a:ext>
+            </a:extLst>
+          </p:cNvPr>
+          <p:cNvSpPr>
+            <a:spLocks noGrp="1"/>
+          </p:cNvSpPr>
+          <p:nvPr>
+            <p:ph type="sldNum" sz="quarter" idx="5"/>
+          </p:nvPr>
+        </p:nvSpPr>
+        <p:spPr/>
+        <p:txBody>
+          <a:bodyPr/>
+          <a:lstStyle/>
+          <a:p>
+            <a:fld id="{C7F483CF-092A-4979-9034-FFC6E09450F1}" type="slidenum">
+              <a:rPr kumimoji="1" lang="ja-JP" altLang="en-US" smtClean="0"/>
+              <a:t>31</a:t>
+            </a:fld>
+            <a:endParaRPr kumimoji="1" lang="ja-JP" altLang="en-US"/>
+          </a:p>
+        </p:txBody>
+      </p:sp>
+    </p:spTree>
+    <p:extLst>
+      <p:ext uri="{BB962C8B-B14F-4D97-AF65-F5344CB8AC3E}">
+        <p14:creationId xmlns:p14="http://schemas.microsoft.com/office/powerpoint/2010/main" val="3563151265"/>
+      </p:ext>
+    </p:extLst>
+  </p:cSld>
+  <p:clrMapOvr>
+    <a:masterClrMapping/>
+  </p:clrMapOvr>
+</p:notes>
+</file>
+
+<file path=ppt/notesSlides/notesSlide16.xml><?xml version="1.0" encoding="utf-8"?>
+<p:notes xmlns:a="http://schemas.openxmlformats.org/drawingml/2006/main" xmlns:r="http://schemas.openxmlformats.org/officeDocument/2006/relationships" xmlns:p="http://schemas.openxmlformats.org/presentationml/2006/main">
+  <p:cSld>
+    <p:spTree>
+      <p:nvGrpSpPr>
+        <p:cNvPr id="1" name="">
+          <a:extLst>
+            <a:ext uri="{FF2B5EF4-FFF2-40B4-BE49-F238E27FC236}">
+              <a16:creationId xmlns:a16="http://schemas.microsoft.com/office/drawing/2014/main" id="{E86F0E2D-ADF3-5726-41D8-AFC5DFA9D0BE}"/>
+            </a:ext>
+          </a:extLst>
+        </p:cNvPr>
+        <p:cNvGrpSpPr/>
+        <p:nvPr/>
+      </p:nvGrpSpPr>
+      <p:grpSpPr>
+        <a:xfrm>
+          <a:off x="0" y="0"/>
+          <a:ext cx="0" cy="0"/>
+          <a:chOff x="0" y="0"/>
+          <a:chExt cx="0" cy="0"/>
+        </a:xfrm>
+      </p:grpSpPr>
+      <p:sp>
+        <p:nvSpPr>
+          <p:cNvPr id="2" name="スライド イメージ プレースホルダー 1">
+            <a:extLst>
+              <a:ext uri="{FF2B5EF4-FFF2-40B4-BE49-F238E27FC236}">
+                <a16:creationId xmlns:a16="http://schemas.microsoft.com/office/drawing/2014/main" id="{9402190E-1BEE-AB7F-7346-9E442C573904}"/>
+              </a:ext>
+            </a:extLst>
+          </p:cNvPr>
+          <p:cNvSpPr>
+            <a:spLocks noGrp="1" noRot="1" noChangeAspect="1"/>
+          </p:cNvSpPr>
+          <p:nvPr>
+            <p:ph type="sldImg"/>
+          </p:nvPr>
+        </p:nvSpPr>
+        <p:spPr/>
+      </p:sp>
+      <p:sp>
+        <p:nvSpPr>
+          <p:cNvPr id="3" name="ノート プレースホルダー 2">
+            <a:extLst>
+              <a:ext uri="{FF2B5EF4-FFF2-40B4-BE49-F238E27FC236}">
+                <a16:creationId xmlns:a16="http://schemas.microsoft.com/office/drawing/2014/main" id="{1B7466EA-BDAA-BFD8-0158-FF0A399F7470}"/>
+              </a:ext>
+            </a:extLst>
+          </p:cNvPr>
+          <p:cNvSpPr>
+            <a:spLocks noGrp="1"/>
+          </p:cNvSpPr>
+          <p:nvPr>
+            <p:ph type="body" idx="1"/>
+          </p:nvPr>
+        </p:nvSpPr>
+        <p:spPr/>
+        <p:txBody>
+          <a:bodyPr/>
+          <a:lstStyle/>
+          <a:p>
+            <a:endParaRPr kumimoji="1" lang="ja-JP" altLang="en-US" dirty="0"/>
+          </a:p>
+        </p:txBody>
+      </p:sp>
+      <p:sp>
+        <p:nvSpPr>
+          <p:cNvPr id="4" name="スライド番号プレースホルダー 3">
+            <a:extLst>
+              <a:ext uri="{FF2B5EF4-FFF2-40B4-BE49-F238E27FC236}">
+                <a16:creationId xmlns:a16="http://schemas.microsoft.com/office/drawing/2014/main" id="{E6B260E9-3D78-31D8-B27D-92837BEB9FC5}"/>
+              </a:ext>
+            </a:extLst>
+          </p:cNvPr>
+          <p:cNvSpPr>
+            <a:spLocks noGrp="1"/>
+          </p:cNvSpPr>
+          <p:nvPr>
+            <p:ph type="sldNum" sz="quarter" idx="5"/>
+          </p:nvPr>
+        </p:nvSpPr>
+        <p:spPr/>
+        <p:txBody>
+          <a:bodyPr/>
+          <a:lstStyle/>
+          <a:p>
+            <a:fld id="{C7F483CF-092A-4979-9034-FFC6E09450F1}" type="slidenum">
+              <a:rPr kumimoji="1" lang="ja-JP" altLang="en-US" smtClean="0"/>
+              <a:t>32</a:t>
+            </a:fld>
+            <a:endParaRPr kumimoji="1" lang="ja-JP" altLang="en-US"/>
+          </a:p>
+        </p:txBody>
+      </p:sp>
+    </p:spTree>
+    <p:extLst>
+      <p:ext uri="{BB962C8B-B14F-4D97-AF65-F5344CB8AC3E}">
+        <p14:creationId xmlns:p14="http://schemas.microsoft.com/office/powerpoint/2010/main" val="4069740297"/>
+      </p:ext>
+    </p:extLst>
+  </p:cSld>
+  <p:clrMapOvr>
+    <a:masterClrMapping/>
+  </p:clrMapOvr>
+</p:notes>
+</file>
+
+<file path=ppt/notesSlides/notesSlide17.xml><?xml version="1.0" encoding="utf-8"?>
+<p:notes xmlns:a="http://schemas.openxmlformats.org/drawingml/2006/main" xmlns:r="http://schemas.openxmlformats.org/officeDocument/2006/relationships" xmlns:p="http://schemas.openxmlformats.org/presentationml/2006/main">
+  <p:cSld>
+    <p:spTree>
+      <p:nvGrpSpPr>
+        <p:cNvPr id="1" name="">
+          <a:extLst>
+            <a:ext uri="{FF2B5EF4-FFF2-40B4-BE49-F238E27FC236}">
+              <a16:creationId xmlns:a16="http://schemas.microsoft.com/office/drawing/2014/main" id="{0E18D128-5204-3037-1E58-5A8EF81B0A1D}"/>
+            </a:ext>
+          </a:extLst>
+        </p:cNvPr>
+        <p:cNvGrpSpPr/>
+        <p:nvPr/>
+      </p:nvGrpSpPr>
+      <p:grpSpPr>
+        <a:xfrm>
+          <a:off x="0" y="0"/>
+          <a:ext cx="0" cy="0"/>
+          <a:chOff x="0" y="0"/>
+          <a:chExt cx="0" cy="0"/>
+        </a:xfrm>
+      </p:grpSpPr>
+      <p:sp>
+        <p:nvSpPr>
+          <p:cNvPr id="2" name="スライド イメージ プレースホルダー 1">
+            <a:extLst>
+              <a:ext uri="{FF2B5EF4-FFF2-40B4-BE49-F238E27FC236}">
+                <a16:creationId xmlns:a16="http://schemas.microsoft.com/office/drawing/2014/main" id="{3B151C9E-C2CE-BE54-8953-EE5A2E762925}"/>
+              </a:ext>
+            </a:extLst>
+          </p:cNvPr>
+          <p:cNvSpPr>
+            <a:spLocks noGrp="1" noRot="1" noChangeAspect="1"/>
+          </p:cNvSpPr>
+          <p:nvPr>
+            <p:ph type="sldImg"/>
+          </p:nvPr>
+        </p:nvSpPr>
+        <p:spPr/>
+      </p:sp>
+      <p:sp>
+        <p:nvSpPr>
+          <p:cNvPr id="3" name="ノート プレースホルダー 2">
+            <a:extLst>
+              <a:ext uri="{FF2B5EF4-FFF2-40B4-BE49-F238E27FC236}">
+                <a16:creationId xmlns:a16="http://schemas.microsoft.com/office/drawing/2014/main" id="{C012A57B-A89A-9608-07DE-438524390DF4}"/>
+              </a:ext>
+            </a:extLst>
+          </p:cNvPr>
+          <p:cNvSpPr>
+            <a:spLocks noGrp="1"/>
+          </p:cNvSpPr>
+          <p:nvPr>
+            <p:ph type="body" idx="1"/>
+          </p:nvPr>
+        </p:nvSpPr>
+        <p:spPr/>
+        <p:txBody>
+          <a:bodyPr/>
+          <a:lstStyle/>
+          <a:p>
+            <a:endParaRPr kumimoji="1" lang="ja-JP" altLang="en-US" dirty="0"/>
+          </a:p>
+        </p:txBody>
+      </p:sp>
+      <p:sp>
+        <p:nvSpPr>
+          <p:cNvPr id="4" name="スライド番号プレースホルダー 3">
+            <a:extLst>
+              <a:ext uri="{FF2B5EF4-FFF2-40B4-BE49-F238E27FC236}">
+                <a16:creationId xmlns:a16="http://schemas.microsoft.com/office/drawing/2014/main" id="{4FE5A03F-BBB1-9052-795E-9B0649246EC6}"/>
+              </a:ext>
+            </a:extLst>
+          </p:cNvPr>
+          <p:cNvSpPr>
+            <a:spLocks noGrp="1"/>
+          </p:cNvSpPr>
+          <p:nvPr>
+            <p:ph type="sldNum" sz="quarter" idx="5"/>
+          </p:nvPr>
+        </p:nvSpPr>
+        <p:spPr/>
+        <p:txBody>
+          <a:bodyPr/>
+          <a:lstStyle/>
+          <a:p>
+            <a:fld id="{C7F483CF-092A-4979-9034-FFC6E09450F1}" type="slidenum">
+              <a:rPr kumimoji="1" lang="ja-JP" altLang="en-US" smtClean="0"/>
+              <a:t>33</a:t>
+            </a:fld>
+            <a:endParaRPr kumimoji="1" lang="ja-JP" altLang="en-US"/>
+          </a:p>
+        </p:txBody>
+      </p:sp>
+    </p:spTree>
+    <p:extLst>
+      <p:ext uri="{BB962C8B-B14F-4D97-AF65-F5344CB8AC3E}">
+        <p14:creationId xmlns:p14="http://schemas.microsoft.com/office/powerpoint/2010/main" val="1708272433"/>
+      </p:ext>
+    </p:extLst>
+  </p:cSld>
+  <p:clrMapOvr>
+    <a:masterClrMapping/>
+  </p:clrMapOvr>
+</p:notes>
+</file>
+
+<file path=ppt/notesSlides/notesSlide18.xml><?xml version="1.0" encoding="utf-8"?>
+<p:notes xmlns:a="http://schemas.openxmlformats.org/drawingml/2006/main" xmlns:r="http://schemas.openxmlformats.org/officeDocument/2006/relationships" xmlns:p="http://schemas.openxmlformats.org/presentationml/2006/main">
+  <p:cSld>
+    <p:spTree>
+      <p:nvGrpSpPr>
+        <p:cNvPr id="1" name="">
+          <a:extLst>
+            <a:ext uri="{FF2B5EF4-FFF2-40B4-BE49-F238E27FC236}">
+              <a16:creationId xmlns:a16="http://schemas.microsoft.com/office/drawing/2014/main" id="{17F6C95F-E13C-1EF0-5456-A0666FD2B381}"/>
+            </a:ext>
+          </a:extLst>
+        </p:cNvPr>
+        <p:cNvGrpSpPr/>
+        <p:nvPr/>
+      </p:nvGrpSpPr>
+      <p:grpSpPr>
+        <a:xfrm>
+          <a:off x="0" y="0"/>
+          <a:ext cx="0" cy="0"/>
+          <a:chOff x="0" y="0"/>
+          <a:chExt cx="0" cy="0"/>
+        </a:xfrm>
+      </p:grpSpPr>
+      <p:sp>
+        <p:nvSpPr>
+          <p:cNvPr id="2" name="スライド イメージ プレースホルダー 1">
+            <a:extLst>
+              <a:ext uri="{FF2B5EF4-FFF2-40B4-BE49-F238E27FC236}">
+                <a16:creationId xmlns:a16="http://schemas.microsoft.com/office/drawing/2014/main" id="{EEE499FB-A1B6-BFE9-E014-FB5D3159EADC}"/>
+              </a:ext>
+            </a:extLst>
+          </p:cNvPr>
+          <p:cNvSpPr>
+            <a:spLocks noGrp="1" noRot="1" noChangeAspect="1"/>
+          </p:cNvSpPr>
+          <p:nvPr>
+            <p:ph type="sldImg"/>
+          </p:nvPr>
+        </p:nvSpPr>
+        <p:spPr/>
+      </p:sp>
+      <p:sp>
+        <p:nvSpPr>
+          <p:cNvPr id="3" name="ノート プレースホルダー 2">
+            <a:extLst>
+              <a:ext uri="{FF2B5EF4-FFF2-40B4-BE49-F238E27FC236}">
+                <a16:creationId xmlns:a16="http://schemas.microsoft.com/office/drawing/2014/main" id="{6CE30CBB-0D28-79AB-3ED6-A8D9D6D05E88}"/>
+              </a:ext>
+            </a:extLst>
+          </p:cNvPr>
+          <p:cNvSpPr>
+            <a:spLocks noGrp="1"/>
+          </p:cNvSpPr>
+          <p:nvPr>
+            <p:ph type="body" idx="1"/>
+          </p:nvPr>
+        </p:nvSpPr>
+        <p:spPr/>
+        <p:txBody>
+          <a:bodyPr/>
+          <a:lstStyle/>
+          <a:p>
+            <a:endParaRPr kumimoji="1" lang="ja-JP" altLang="en-US" dirty="0"/>
+          </a:p>
+        </p:txBody>
+      </p:sp>
+      <p:sp>
+        <p:nvSpPr>
+          <p:cNvPr id="4" name="スライド番号プレースホルダー 3">
+            <a:extLst>
+              <a:ext uri="{FF2B5EF4-FFF2-40B4-BE49-F238E27FC236}">
+                <a16:creationId xmlns:a16="http://schemas.microsoft.com/office/drawing/2014/main" id="{9F01BA1C-8BC7-0764-9F94-35E3AD24139E}"/>
+              </a:ext>
+            </a:extLst>
+          </p:cNvPr>
+          <p:cNvSpPr>
+            <a:spLocks noGrp="1"/>
+          </p:cNvSpPr>
+          <p:nvPr>
+            <p:ph type="sldNum" sz="quarter" idx="5"/>
+          </p:nvPr>
+        </p:nvSpPr>
+        <p:spPr/>
+        <p:txBody>
+          <a:bodyPr/>
+          <a:lstStyle/>
+          <a:p>
+            <a:fld id="{C7F483CF-092A-4979-9034-FFC6E09450F1}" type="slidenum">
+              <a:rPr kumimoji="1" lang="ja-JP" altLang="en-US" smtClean="0"/>
+              <a:t>34</a:t>
+            </a:fld>
+            <a:endParaRPr kumimoji="1" lang="ja-JP" altLang="en-US"/>
+          </a:p>
+        </p:txBody>
+      </p:sp>
+    </p:spTree>
+    <p:extLst>
+      <p:ext uri="{BB962C8B-B14F-4D97-AF65-F5344CB8AC3E}">
+        <p14:creationId xmlns:p14="http://schemas.microsoft.com/office/powerpoint/2010/main" val="2846714853"/>
+      </p:ext>
+    </p:extLst>
+  </p:cSld>
+  <p:clrMapOvr>
+    <a:masterClrMapping/>
+  </p:clrMapOvr>
+</p:notes>
+</file>
+
+<file path=ppt/notesSlides/notesSlide19.xml><?xml version="1.0" encoding="utf-8"?>
+<p:notes xmlns:a="http://schemas.openxmlformats.org/drawingml/2006/main" xmlns:r="http://schemas.openxmlformats.org/officeDocument/2006/relationships" xmlns:p="http://schemas.openxmlformats.org/presentationml/2006/main">
+  <p:cSld>
+    <p:spTree>
+      <p:nvGrpSpPr>
+        <p:cNvPr id="1" name="">
+          <a:extLst>
+            <a:ext uri="{FF2B5EF4-FFF2-40B4-BE49-F238E27FC236}">
+              <a16:creationId xmlns:a16="http://schemas.microsoft.com/office/drawing/2014/main" id="{C6471CD8-72E1-C583-B95D-6BACD85653B4}"/>
+            </a:ext>
+          </a:extLst>
+        </p:cNvPr>
+        <p:cNvGrpSpPr/>
+        <p:nvPr/>
+      </p:nvGrpSpPr>
+      <p:grpSpPr>
+        <a:xfrm>
+          <a:off x="0" y="0"/>
+          <a:ext cx="0" cy="0"/>
+          <a:chOff x="0" y="0"/>
+          <a:chExt cx="0" cy="0"/>
+        </a:xfrm>
+      </p:grpSpPr>
+      <p:sp>
+        <p:nvSpPr>
+          <p:cNvPr id="2" name="スライド イメージ プレースホルダー 1">
+            <a:extLst>
+              <a:ext uri="{FF2B5EF4-FFF2-40B4-BE49-F238E27FC236}">
+                <a16:creationId xmlns:a16="http://schemas.microsoft.com/office/drawing/2014/main" id="{4D4F479E-EAEA-A6E2-8EFF-C205F16197E8}"/>
+              </a:ext>
+            </a:extLst>
+          </p:cNvPr>
+          <p:cNvSpPr>
+            <a:spLocks noGrp="1" noRot="1" noChangeAspect="1"/>
+          </p:cNvSpPr>
+          <p:nvPr>
+            <p:ph type="sldImg"/>
+          </p:nvPr>
+        </p:nvSpPr>
+        <p:spPr/>
+      </p:sp>
+      <p:sp>
+        <p:nvSpPr>
+          <p:cNvPr id="3" name="ノート プレースホルダー 2">
+            <a:extLst>
+              <a:ext uri="{FF2B5EF4-FFF2-40B4-BE49-F238E27FC236}">
+                <a16:creationId xmlns:a16="http://schemas.microsoft.com/office/drawing/2014/main" id="{DAFE265A-0D7C-CABB-229B-5CC7A15BAA88}"/>
+              </a:ext>
+            </a:extLst>
+          </p:cNvPr>
+          <p:cNvSpPr>
+            <a:spLocks noGrp="1"/>
+          </p:cNvSpPr>
+          <p:nvPr>
+            <p:ph type="body" idx="1"/>
+          </p:nvPr>
+        </p:nvSpPr>
+        <p:spPr/>
+        <p:txBody>
+          <a:bodyPr/>
+          <a:lstStyle/>
+          <a:p>
+            <a:endParaRPr kumimoji="1" lang="ja-JP" altLang="en-US" dirty="0"/>
+          </a:p>
+        </p:txBody>
+      </p:sp>
+      <p:sp>
+        <p:nvSpPr>
+          <p:cNvPr id="4" name="スライド番号プレースホルダー 3">
+            <a:extLst>
+              <a:ext uri="{FF2B5EF4-FFF2-40B4-BE49-F238E27FC236}">
+                <a16:creationId xmlns:a16="http://schemas.microsoft.com/office/drawing/2014/main" id="{EA8427BF-7052-5841-2BD4-6CB7F7FE9CA7}"/>
+              </a:ext>
+            </a:extLst>
+          </p:cNvPr>
+          <p:cNvSpPr>
+            <a:spLocks noGrp="1"/>
+          </p:cNvSpPr>
+          <p:nvPr>
+            <p:ph type="sldNum" sz="quarter" idx="5"/>
+          </p:nvPr>
+        </p:nvSpPr>
+        <p:spPr/>
+        <p:txBody>
+          <a:bodyPr/>
+          <a:lstStyle/>
+          <a:p>
+            <a:fld id="{C7F483CF-092A-4979-9034-FFC6E09450F1}" type="slidenum">
+              <a:rPr kumimoji="1" lang="ja-JP" altLang="en-US" smtClean="0"/>
+              <a:t>35</a:t>
+            </a:fld>
+            <a:endParaRPr kumimoji="1" lang="ja-JP" altLang="en-US"/>
+          </a:p>
+        </p:txBody>
+      </p:sp>
+    </p:spTree>
+    <p:extLst>
+      <p:ext uri="{BB962C8B-B14F-4D97-AF65-F5344CB8AC3E}">
+        <p14:creationId xmlns:p14="http://schemas.microsoft.com/office/powerpoint/2010/main" val="365321309"/>
+      </p:ext>
+    </p:extLst>
+  </p:cSld>
+  <p:clrMapOvr>
+    <a:masterClrMapping/>
+  </p:clrMapOvr>
+</p:notes>
+</file>
+
 <file path=ppt/notesSlides/notesSlide2.xml><?xml version="1.0" encoding="utf-8"?>
 <p:notes xmlns:a="http://schemas.openxmlformats.org/drawingml/2006/main" xmlns:r="http://schemas.openxmlformats.org/officeDocument/2006/relationships" xmlns:p="http://schemas.openxmlformats.org/presentationml/2006/main">
   <p:cSld>
@@ -896,6 +1992,438 @@
     <p:extLst>
       <p:ext uri="{BB962C8B-B14F-4D97-AF65-F5344CB8AC3E}">
         <p14:creationId xmlns:p14="http://schemas.microsoft.com/office/powerpoint/2010/main" val="3258586281"/>
+      </p:ext>
+    </p:extLst>
+  </p:cSld>
+  <p:clrMapOvr>
+    <a:masterClrMapping/>
+  </p:clrMapOvr>
+</p:notes>
+</file>
+
+<file path=ppt/notesSlides/notesSlide20.xml><?xml version="1.0" encoding="utf-8"?>
+<p:notes xmlns:a="http://schemas.openxmlformats.org/drawingml/2006/main" xmlns:r="http://schemas.openxmlformats.org/officeDocument/2006/relationships" xmlns:p="http://schemas.openxmlformats.org/presentationml/2006/main">
+  <p:cSld>
+    <p:spTree>
+      <p:nvGrpSpPr>
+        <p:cNvPr id="1" name="">
+          <a:extLst>
+            <a:ext uri="{FF2B5EF4-FFF2-40B4-BE49-F238E27FC236}">
+              <a16:creationId xmlns:a16="http://schemas.microsoft.com/office/drawing/2014/main" id="{CF9176FA-573A-837D-C82A-960394DDB8AB}"/>
+            </a:ext>
+          </a:extLst>
+        </p:cNvPr>
+        <p:cNvGrpSpPr/>
+        <p:nvPr/>
+      </p:nvGrpSpPr>
+      <p:grpSpPr>
+        <a:xfrm>
+          <a:off x="0" y="0"/>
+          <a:ext cx="0" cy="0"/>
+          <a:chOff x="0" y="0"/>
+          <a:chExt cx="0" cy="0"/>
+        </a:xfrm>
+      </p:grpSpPr>
+      <p:sp>
+        <p:nvSpPr>
+          <p:cNvPr id="2" name="スライド イメージ プレースホルダー 1">
+            <a:extLst>
+              <a:ext uri="{FF2B5EF4-FFF2-40B4-BE49-F238E27FC236}">
+                <a16:creationId xmlns:a16="http://schemas.microsoft.com/office/drawing/2014/main" id="{F75DEC50-1DA9-5346-5598-F36E8201E1BB}"/>
+              </a:ext>
+            </a:extLst>
+          </p:cNvPr>
+          <p:cNvSpPr>
+            <a:spLocks noGrp="1" noRot="1" noChangeAspect="1"/>
+          </p:cNvSpPr>
+          <p:nvPr>
+            <p:ph type="sldImg"/>
+          </p:nvPr>
+        </p:nvSpPr>
+        <p:spPr/>
+      </p:sp>
+      <p:sp>
+        <p:nvSpPr>
+          <p:cNvPr id="3" name="ノート プレースホルダー 2">
+            <a:extLst>
+              <a:ext uri="{FF2B5EF4-FFF2-40B4-BE49-F238E27FC236}">
+                <a16:creationId xmlns:a16="http://schemas.microsoft.com/office/drawing/2014/main" id="{D3F58C42-B394-8051-05A7-7307E9CD9188}"/>
+              </a:ext>
+            </a:extLst>
+          </p:cNvPr>
+          <p:cNvSpPr>
+            <a:spLocks noGrp="1"/>
+          </p:cNvSpPr>
+          <p:nvPr>
+            <p:ph type="body" idx="1"/>
+          </p:nvPr>
+        </p:nvSpPr>
+        <p:spPr/>
+        <p:txBody>
+          <a:bodyPr/>
+          <a:lstStyle/>
+          <a:p>
+            <a:endParaRPr kumimoji="1" lang="ja-JP" altLang="en-US" dirty="0"/>
+          </a:p>
+        </p:txBody>
+      </p:sp>
+      <p:sp>
+        <p:nvSpPr>
+          <p:cNvPr id="4" name="スライド番号プレースホルダー 3">
+            <a:extLst>
+              <a:ext uri="{FF2B5EF4-FFF2-40B4-BE49-F238E27FC236}">
+                <a16:creationId xmlns:a16="http://schemas.microsoft.com/office/drawing/2014/main" id="{9655E075-8EB4-39B5-5634-6B349F534735}"/>
+              </a:ext>
+            </a:extLst>
+          </p:cNvPr>
+          <p:cNvSpPr>
+            <a:spLocks noGrp="1"/>
+          </p:cNvSpPr>
+          <p:nvPr>
+            <p:ph type="sldNum" sz="quarter" idx="5"/>
+          </p:nvPr>
+        </p:nvSpPr>
+        <p:spPr/>
+        <p:txBody>
+          <a:bodyPr/>
+          <a:lstStyle/>
+          <a:p>
+            <a:fld id="{C7F483CF-092A-4979-9034-FFC6E09450F1}" type="slidenum">
+              <a:rPr kumimoji="1" lang="ja-JP" altLang="en-US" smtClean="0"/>
+              <a:t>36</a:t>
+            </a:fld>
+            <a:endParaRPr kumimoji="1" lang="ja-JP" altLang="en-US"/>
+          </a:p>
+        </p:txBody>
+      </p:sp>
+    </p:spTree>
+    <p:extLst>
+      <p:ext uri="{BB962C8B-B14F-4D97-AF65-F5344CB8AC3E}">
+        <p14:creationId xmlns:p14="http://schemas.microsoft.com/office/powerpoint/2010/main" val="2239023383"/>
+      </p:ext>
+    </p:extLst>
+  </p:cSld>
+  <p:clrMapOvr>
+    <a:masterClrMapping/>
+  </p:clrMapOvr>
+</p:notes>
+</file>
+
+<file path=ppt/notesSlides/notesSlide21.xml><?xml version="1.0" encoding="utf-8"?>
+<p:notes xmlns:a="http://schemas.openxmlformats.org/drawingml/2006/main" xmlns:r="http://schemas.openxmlformats.org/officeDocument/2006/relationships" xmlns:p="http://schemas.openxmlformats.org/presentationml/2006/main">
+  <p:cSld>
+    <p:spTree>
+      <p:nvGrpSpPr>
+        <p:cNvPr id="1" name="">
+          <a:extLst>
+            <a:ext uri="{FF2B5EF4-FFF2-40B4-BE49-F238E27FC236}">
+              <a16:creationId xmlns:a16="http://schemas.microsoft.com/office/drawing/2014/main" id="{2ACB6AF1-DF8B-02FC-FC06-5BF8C29F2016}"/>
+            </a:ext>
+          </a:extLst>
+        </p:cNvPr>
+        <p:cNvGrpSpPr/>
+        <p:nvPr/>
+      </p:nvGrpSpPr>
+      <p:grpSpPr>
+        <a:xfrm>
+          <a:off x="0" y="0"/>
+          <a:ext cx="0" cy="0"/>
+          <a:chOff x="0" y="0"/>
+          <a:chExt cx="0" cy="0"/>
+        </a:xfrm>
+      </p:grpSpPr>
+      <p:sp>
+        <p:nvSpPr>
+          <p:cNvPr id="2" name="スライド イメージ プレースホルダー 1">
+            <a:extLst>
+              <a:ext uri="{FF2B5EF4-FFF2-40B4-BE49-F238E27FC236}">
+                <a16:creationId xmlns:a16="http://schemas.microsoft.com/office/drawing/2014/main" id="{F6FEF79C-B4E8-B0CF-DDD6-999749F9E138}"/>
+              </a:ext>
+            </a:extLst>
+          </p:cNvPr>
+          <p:cNvSpPr>
+            <a:spLocks noGrp="1" noRot="1" noChangeAspect="1"/>
+          </p:cNvSpPr>
+          <p:nvPr>
+            <p:ph type="sldImg"/>
+          </p:nvPr>
+        </p:nvSpPr>
+        <p:spPr/>
+      </p:sp>
+      <p:sp>
+        <p:nvSpPr>
+          <p:cNvPr id="3" name="ノート プレースホルダー 2">
+            <a:extLst>
+              <a:ext uri="{FF2B5EF4-FFF2-40B4-BE49-F238E27FC236}">
+                <a16:creationId xmlns:a16="http://schemas.microsoft.com/office/drawing/2014/main" id="{786F0520-F1F8-F8E3-AD2E-1371FDC990B1}"/>
+              </a:ext>
+            </a:extLst>
+          </p:cNvPr>
+          <p:cNvSpPr>
+            <a:spLocks noGrp="1"/>
+          </p:cNvSpPr>
+          <p:nvPr>
+            <p:ph type="body" idx="1"/>
+          </p:nvPr>
+        </p:nvSpPr>
+        <p:spPr/>
+        <p:txBody>
+          <a:bodyPr/>
+          <a:lstStyle/>
+          <a:p>
+            <a:endParaRPr kumimoji="1" lang="ja-JP" altLang="en-US" dirty="0"/>
+          </a:p>
+        </p:txBody>
+      </p:sp>
+      <p:sp>
+        <p:nvSpPr>
+          <p:cNvPr id="4" name="スライド番号プレースホルダー 3">
+            <a:extLst>
+              <a:ext uri="{FF2B5EF4-FFF2-40B4-BE49-F238E27FC236}">
+                <a16:creationId xmlns:a16="http://schemas.microsoft.com/office/drawing/2014/main" id="{A349E992-AD2F-8051-2283-E74594B111AB}"/>
+              </a:ext>
+            </a:extLst>
+          </p:cNvPr>
+          <p:cNvSpPr>
+            <a:spLocks noGrp="1"/>
+          </p:cNvSpPr>
+          <p:nvPr>
+            <p:ph type="sldNum" sz="quarter" idx="5"/>
+          </p:nvPr>
+        </p:nvSpPr>
+        <p:spPr/>
+        <p:txBody>
+          <a:bodyPr/>
+          <a:lstStyle/>
+          <a:p>
+            <a:fld id="{C7F483CF-092A-4979-9034-FFC6E09450F1}" type="slidenum">
+              <a:rPr kumimoji="1" lang="ja-JP" altLang="en-US" smtClean="0"/>
+              <a:t>37</a:t>
+            </a:fld>
+            <a:endParaRPr kumimoji="1" lang="ja-JP" altLang="en-US"/>
+          </a:p>
+        </p:txBody>
+      </p:sp>
+    </p:spTree>
+    <p:extLst>
+      <p:ext uri="{BB962C8B-B14F-4D97-AF65-F5344CB8AC3E}">
+        <p14:creationId xmlns:p14="http://schemas.microsoft.com/office/powerpoint/2010/main" val="3869534093"/>
+      </p:ext>
+    </p:extLst>
+  </p:cSld>
+  <p:clrMapOvr>
+    <a:masterClrMapping/>
+  </p:clrMapOvr>
+</p:notes>
+</file>
+
+<file path=ppt/notesSlides/notesSlide22.xml><?xml version="1.0" encoding="utf-8"?>
+<p:notes xmlns:a="http://schemas.openxmlformats.org/drawingml/2006/main" xmlns:r="http://schemas.openxmlformats.org/officeDocument/2006/relationships" xmlns:p="http://schemas.openxmlformats.org/presentationml/2006/main">
+  <p:cSld>
+    <p:spTree>
+      <p:nvGrpSpPr>
+        <p:cNvPr id="1" name="">
+          <a:extLst>
+            <a:ext uri="{FF2B5EF4-FFF2-40B4-BE49-F238E27FC236}">
+              <a16:creationId xmlns:a16="http://schemas.microsoft.com/office/drawing/2014/main" id="{AA2BFEF2-47CA-132C-52E4-77D31C7F6126}"/>
+            </a:ext>
+          </a:extLst>
+        </p:cNvPr>
+        <p:cNvGrpSpPr/>
+        <p:nvPr/>
+      </p:nvGrpSpPr>
+      <p:grpSpPr>
+        <a:xfrm>
+          <a:off x="0" y="0"/>
+          <a:ext cx="0" cy="0"/>
+          <a:chOff x="0" y="0"/>
+          <a:chExt cx="0" cy="0"/>
+        </a:xfrm>
+      </p:grpSpPr>
+      <p:sp>
+        <p:nvSpPr>
+          <p:cNvPr id="2" name="スライド イメージ プレースホルダー 1">
+            <a:extLst>
+              <a:ext uri="{FF2B5EF4-FFF2-40B4-BE49-F238E27FC236}">
+                <a16:creationId xmlns:a16="http://schemas.microsoft.com/office/drawing/2014/main" id="{332072E0-0019-91E1-9663-857FB7166168}"/>
+              </a:ext>
+            </a:extLst>
+          </p:cNvPr>
+          <p:cNvSpPr>
+            <a:spLocks noGrp="1" noRot="1" noChangeAspect="1"/>
+          </p:cNvSpPr>
+          <p:nvPr>
+            <p:ph type="sldImg"/>
+          </p:nvPr>
+        </p:nvSpPr>
+        <p:spPr/>
+      </p:sp>
+      <p:sp>
+        <p:nvSpPr>
+          <p:cNvPr id="3" name="ノート プレースホルダー 2">
+            <a:extLst>
+              <a:ext uri="{FF2B5EF4-FFF2-40B4-BE49-F238E27FC236}">
+                <a16:creationId xmlns:a16="http://schemas.microsoft.com/office/drawing/2014/main" id="{A8184703-3E11-93A7-4F18-D1A860E73CCE}"/>
+              </a:ext>
+            </a:extLst>
+          </p:cNvPr>
+          <p:cNvSpPr>
+            <a:spLocks noGrp="1"/>
+          </p:cNvSpPr>
+          <p:nvPr>
+            <p:ph type="body" idx="1"/>
+          </p:nvPr>
+        </p:nvSpPr>
+        <p:spPr/>
+        <p:txBody>
+          <a:bodyPr/>
+          <a:lstStyle/>
+          <a:p>
+            <a:endParaRPr kumimoji="1" lang="ja-JP" altLang="en-US" dirty="0"/>
+          </a:p>
+        </p:txBody>
+      </p:sp>
+      <p:sp>
+        <p:nvSpPr>
+          <p:cNvPr id="4" name="スライド番号プレースホルダー 3">
+            <a:extLst>
+              <a:ext uri="{FF2B5EF4-FFF2-40B4-BE49-F238E27FC236}">
+                <a16:creationId xmlns:a16="http://schemas.microsoft.com/office/drawing/2014/main" id="{3AD26F52-1118-F26A-4AF4-0655985D834D}"/>
+              </a:ext>
+            </a:extLst>
+          </p:cNvPr>
+          <p:cNvSpPr>
+            <a:spLocks noGrp="1"/>
+          </p:cNvSpPr>
+          <p:nvPr>
+            <p:ph type="sldNum" sz="quarter" idx="5"/>
+          </p:nvPr>
+        </p:nvSpPr>
+        <p:spPr/>
+        <p:txBody>
+          <a:bodyPr/>
+          <a:lstStyle/>
+          <a:p>
+            <a:fld id="{C7F483CF-092A-4979-9034-FFC6E09450F1}" type="slidenum">
+              <a:rPr kumimoji="1" lang="ja-JP" altLang="en-US" smtClean="0"/>
+              <a:t>38</a:t>
+            </a:fld>
+            <a:endParaRPr kumimoji="1" lang="ja-JP" altLang="en-US"/>
+          </a:p>
+        </p:txBody>
+      </p:sp>
+    </p:spTree>
+    <p:extLst>
+      <p:ext uri="{BB962C8B-B14F-4D97-AF65-F5344CB8AC3E}">
+        <p14:creationId xmlns:p14="http://schemas.microsoft.com/office/powerpoint/2010/main" val="1673691651"/>
+      </p:ext>
+    </p:extLst>
+  </p:cSld>
+  <p:clrMapOvr>
+    <a:masterClrMapping/>
+  </p:clrMapOvr>
+</p:notes>
+</file>
+
+<file path=ppt/notesSlides/notesSlide23.xml><?xml version="1.0" encoding="utf-8"?>
+<p:notes xmlns:a="http://schemas.openxmlformats.org/drawingml/2006/main" xmlns:r="http://schemas.openxmlformats.org/officeDocument/2006/relationships" xmlns:p="http://schemas.openxmlformats.org/presentationml/2006/main">
+  <p:cSld>
+    <p:spTree>
+      <p:nvGrpSpPr>
+        <p:cNvPr id="1" name="">
+          <a:extLst>
+            <a:ext uri="{FF2B5EF4-FFF2-40B4-BE49-F238E27FC236}">
+              <a16:creationId xmlns:a16="http://schemas.microsoft.com/office/drawing/2014/main" id="{556B8A02-8825-68CD-BEBB-EDC23DDEBA09}"/>
+            </a:ext>
+          </a:extLst>
+        </p:cNvPr>
+        <p:cNvGrpSpPr/>
+        <p:nvPr/>
+      </p:nvGrpSpPr>
+      <p:grpSpPr>
+        <a:xfrm>
+          <a:off x="0" y="0"/>
+          <a:ext cx="0" cy="0"/>
+          <a:chOff x="0" y="0"/>
+          <a:chExt cx="0" cy="0"/>
+        </a:xfrm>
+      </p:grpSpPr>
+      <p:sp>
+        <p:nvSpPr>
+          <p:cNvPr id="2" name="スライド イメージ プレースホルダー 1">
+            <a:extLst>
+              <a:ext uri="{FF2B5EF4-FFF2-40B4-BE49-F238E27FC236}">
+                <a16:creationId xmlns:a16="http://schemas.microsoft.com/office/drawing/2014/main" id="{377F7248-2953-472D-EC51-7F2FAFB41851}"/>
+              </a:ext>
+            </a:extLst>
+          </p:cNvPr>
+          <p:cNvSpPr>
+            <a:spLocks noGrp="1" noRot="1" noChangeAspect="1"/>
+          </p:cNvSpPr>
+          <p:nvPr>
+            <p:ph type="sldImg"/>
+          </p:nvPr>
+        </p:nvSpPr>
+        <p:spPr/>
+      </p:sp>
+      <p:sp>
+        <p:nvSpPr>
+          <p:cNvPr id="3" name="ノート プレースホルダー 2">
+            <a:extLst>
+              <a:ext uri="{FF2B5EF4-FFF2-40B4-BE49-F238E27FC236}">
+                <a16:creationId xmlns:a16="http://schemas.microsoft.com/office/drawing/2014/main" id="{F4C94AB4-A031-8E0C-A446-109186CBFADC}"/>
+              </a:ext>
+            </a:extLst>
+          </p:cNvPr>
+          <p:cNvSpPr>
+            <a:spLocks noGrp="1"/>
+          </p:cNvSpPr>
+          <p:nvPr>
+            <p:ph type="body" idx="1"/>
+          </p:nvPr>
+        </p:nvSpPr>
+        <p:spPr/>
+        <p:txBody>
+          <a:bodyPr/>
+          <a:lstStyle/>
+          <a:p>
+            <a:endParaRPr kumimoji="1" lang="ja-JP" altLang="en-US" dirty="0"/>
+          </a:p>
+        </p:txBody>
+      </p:sp>
+      <p:sp>
+        <p:nvSpPr>
+          <p:cNvPr id="4" name="スライド番号プレースホルダー 3">
+            <a:extLst>
+              <a:ext uri="{FF2B5EF4-FFF2-40B4-BE49-F238E27FC236}">
+                <a16:creationId xmlns:a16="http://schemas.microsoft.com/office/drawing/2014/main" id="{FD80A567-D416-A32C-56B7-CA42693BE91F}"/>
+              </a:ext>
+            </a:extLst>
+          </p:cNvPr>
+          <p:cNvSpPr>
+            <a:spLocks noGrp="1"/>
+          </p:cNvSpPr>
+          <p:nvPr>
+            <p:ph type="sldNum" sz="quarter" idx="5"/>
+          </p:nvPr>
+        </p:nvSpPr>
+        <p:spPr/>
+        <p:txBody>
+          <a:bodyPr/>
+          <a:lstStyle/>
+          <a:p>
+            <a:fld id="{C7F483CF-092A-4979-9034-FFC6E09450F1}" type="slidenum">
+              <a:rPr kumimoji="1" lang="ja-JP" altLang="en-US" smtClean="0"/>
+              <a:t>39</a:t>
+            </a:fld>
+            <a:endParaRPr kumimoji="1" lang="ja-JP" altLang="en-US"/>
+          </a:p>
+        </p:txBody>
+      </p:sp>
+    </p:spTree>
+    <p:extLst>
+      <p:ext uri="{BB962C8B-B14F-4D97-AF65-F5344CB8AC3E}">
+        <p14:creationId xmlns:p14="http://schemas.microsoft.com/office/powerpoint/2010/main" val="2932266956"/>
       </p:ext>
     </p:extLst>
   </p:cSld>
@@ -1364,6 +2892,222 @@
     <p:extLst>
       <p:ext uri="{BB962C8B-B14F-4D97-AF65-F5344CB8AC3E}">
         <p14:creationId xmlns:p14="http://schemas.microsoft.com/office/powerpoint/2010/main" val="695814140"/>
+      </p:ext>
+    </p:extLst>
+  </p:cSld>
+  <p:clrMapOvr>
+    <a:masterClrMapping/>
+  </p:clrMapOvr>
+</p:notes>
+</file>
+
+<file path=ppt/notesSlides/notesSlide8.xml><?xml version="1.0" encoding="utf-8"?>
+<p:notes xmlns:a="http://schemas.openxmlformats.org/drawingml/2006/main" xmlns:r="http://schemas.openxmlformats.org/officeDocument/2006/relationships" xmlns:p="http://schemas.openxmlformats.org/presentationml/2006/main">
+  <p:cSld>
+    <p:spTree>
+      <p:nvGrpSpPr>
+        <p:cNvPr id="1" name="">
+          <a:extLst>
+            <a:ext uri="{FF2B5EF4-FFF2-40B4-BE49-F238E27FC236}">
+              <a16:creationId xmlns:a16="http://schemas.microsoft.com/office/drawing/2014/main" id="{70E3AEF8-CC4A-3B66-DCAD-EDD3D92FF011}"/>
+            </a:ext>
+          </a:extLst>
+        </p:cNvPr>
+        <p:cNvGrpSpPr/>
+        <p:nvPr/>
+      </p:nvGrpSpPr>
+      <p:grpSpPr>
+        <a:xfrm>
+          <a:off x="0" y="0"/>
+          <a:ext cx="0" cy="0"/>
+          <a:chOff x="0" y="0"/>
+          <a:chExt cx="0" cy="0"/>
+        </a:xfrm>
+      </p:grpSpPr>
+      <p:sp>
+        <p:nvSpPr>
+          <p:cNvPr id="2" name="スライド イメージ プレースホルダー 1">
+            <a:extLst>
+              <a:ext uri="{FF2B5EF4-FFF2-40B4-BE49-F238E27FC236}">
+                <a16:creationId xmlns:a16="http://schemas.microsoft.com/office/drawing/2014/main" id="{36714C80-ED8C-D18D-D0F9-1ED433388D2F}"/>
+              </a:ext>
+            </a:extLst>
+          </p:cNvPr>
+          <p:cNvSpPr>
+            <a:spLocks noGrp="1" noRot="1" noChangeAspect="1"/>
+          </p:cNvSpPr>
+          <p:nvPr>
+            <p:ph type="sldImg"/>
+          </p:nvPr>
+        </p:nvSpPr>
+        <p:spPr/>
+      </p:sp>
+      <p:sp>
+        <p:nvSpPr>
+          <p:cNvPr id="3" name="ノート プレースホルダー 2">
+            <a:extLst>
+              <a:ext uri="{FF2B5EF4-FFF2-40B4-BE49-F238E27FC236}">
+                <a16:creationId xmlns:a16="http://schemas.microsoft.com/office/drawing/2014/main" id="{1655C2F0-1FFA-F990-1B58-8D8BBE2AB7C0}"/>
+              </a:ext>
+            </a:extLst>
+          </p:cNvPr>
+          <p:cNvSpPr>
+            <a:spLocks noGrp="1"/>
+          </p:cNvSpPr>
+          <p:nvPr>
+            <p:ph type="body" idx="1"/>
+          </p:nvPr>
+        </p:nvSpPr>
+        <p:spPr/>
+        <p:txBody>
+          <a:bodyPr/>
+          <a:lstStyle/>
+          <a:p>
+            <a:endParaRPr kumimoji="1" lang="ja-JP" altLang="en-US" dirty="0"/>
+          </a:p>
+        </p:txBody>
+      </p:sp>
+      <p:sp>
+        <p:nvSpPr>
+          <p:cNvPr id="4" name="スライド番号プレースホルダー 3">
+            <a:extLst>
+              <a:ext uri="{FF2B5EF4-FFF2-40B4-BE49-F238E27FC236}">
+                <a16:creationId xmlns:a16="http://schemas.microsoft.com/office/drawing/2014/main" id="{83AE7DDB-DB54-E2CE-0F6F-129C39E03786}"/>
+              </a:ext>
+            </a:extLst>
+          </p:cNvPr>
+          <p:cNvSpPr>
+            <a:spLocks noGrp="1"/>
+          </p:cNvSpPr>
+          <p:nvPr>
+            <p:ph type="sldNum" sz="quarter" idx="5"/>
+          </p:nvPr>
+        </p:nvSpPr>
+        <p:spPr/>
+        <p:txBody>
+          <a:bodyPr/>
+          <a:lstStyle/>
+          <a:p>
+            <a:fld id="{C7F483CF-092A-4979-9034-FFC6E09450F1}" type="slidenum">
+              <a:rPr kumimoji="1" lang="ja-JP" altLang="en-US" smtClean="0"/>
+              <a:t>24</a:t>
+            </a:fld>
+            <a:endParaRPr kumimoji="1" lang="ja-JP" altLang="en-US"/>
+          </a:p>
+        </p:txBody>
+      </p:sp>
+    </p:spTree>
+    <p:extLst>
+      <p:ext uri="{BB962C8B-B14F-4D97-AF65-F5344CB8AC3E}">
+        <p14:creationId xmlns:p14="http://schemas.microsoft.com/office/powerpoint/2010/main" val="2015224739"/>
+      </p:ext>
+    </p:extLst>
+  </p:cSld>
+  <p:clrMapOvr>
+    <a:masterClrMapping/>
+  </p:clrMapOvr>
+</p:notes>
+</file>
+
+<file path=ppt/notesSlides/notesSlide9.xml><?xml version="1.0" encoding="utf-8"?>
+<p:notes xmlns:a="http://schemas.openxmlformats.org/drawingml/2006/main" xmlns:r="http://schemas.openxmlformats.org/officeDocument/2006/relationships" xmlns:p="http://schemas.openxmlformats.org/presentationml/2006/main">
+  <p:cSld>
+    <p:spTree>
+      <p:nvGrpSpPr>
+        <p:cNvPr id="1" name="">
+          <a:extLst>
+            <a:ext uri="{FF2B5EF4-FFF2-40B4-BE49-F238E27FC236}">
+              <a16:creationId xmlns:a16="http://schemas.microsoft.com/office/drawing/2014/main" id="{9D7A7AD0-023C-5D75-CD39-275D08CFE944}"/>
+            </a:ext>
+          </a:extLst>
+        </p:cNvPr>
+        <p:cNvGrpSpPr/>
+        <p:nvPr/>
+      </p:nvGrpSpPr>
+      <p:grpSpPr>
+        <a:xfrm>
+          <a:off x="0" y="0"/>
+          <a:ext cx="0" cy="0"/>
+          <a:chOff x="0" y="0"/>
+          <a:chExt cx="0" cy="0"/>
+        </a:xfrm>
+      </p:grpSpPr>
+      <p:sp>
+        <p:nvSpPr>
+          <p:cNvPr id="2" name="スライド イメージ プレースホルダー 1">
+            <a:extLst>
+              <a:ext uri="{FF2B5EF4-FFF2-40B4-BE49-F238E27FC236}">
+                <a16:creationId xmlns:a16="http://schemas.microsoft.com/office/drawing/2014/main" id="{3785D3FD-791E-492D-2300-0EB351B228D3}"/>
+              </a:ext>
+            </a:extLst>
+          </p:cNvPr>
+          <p:cNvSpPr>
+            <a:spLocks noGrp="1" noRot="1" noChangeAspect="1"/>
+          </p:cNvSpPr>
+          <p:nvPr>
+            <p:ph type="sldImg"/>
+          </p:nvPr>
+        </p:nvSpPr>
+        <p:spPr/>
+      </p:sp>
+      <p:sp>
+        <p:nvSpPr>
+          <p:cNvPr id="3" name="ノート プレースホルダー 2">
+            <a:extLst>
+              <a:ext uri="{FF2B5EF4-FFF2-40B4-BE49-F238E27FC236}">
+                <a16:creationId xmlns:a16="http://schemas.microsoft.com/office/drawing/2014/main" id="{822FBEC0-0B39-784D-AA9F-B17D9EAF773A}"/>
+              </a:ext>
+            </a:extLst>
+          </p:cNvPr>
+          <p:cNvSpPr>
+            <a:spLocks noGrp="1"/>
+          </p:cNvSpPr>
+          <p:nvPr>
+            <p:ph type="body" idx="1"/>
+          </p:nvPr>
+        </p:nvSpPr>
+        <p:spPr/>
+        <p:txBody>
+          <a:bodyPr/>
+          <a:lstStyle/>
+          <a:p>
+            <a:endParaRPr kumimoji="1" lang="ja-JP" altLang="en-US" dirty="0"/>
+          </a:p>
+        </p:txBody>
+      </p:sp>
+      <p:sp>
+        <p:nvSpPr>
+          <p:cNvPr id="4" name="スライド番号プレースホルダー 3">
+            <a:extLst>
+              <a:ext uri="{FF2B5EF4-FFF2-40B4-BE49-F238E27FC236}">
+                <a16:creationId xmlns:a16="http://schemas.microsoft.com/office/drawing/2014/main" id="{477BB06D-E715-8F36-9858-7D1083568A70}"/>
+              </a:ext>
+            </a:extLst>
+          </p:cNvPr>
+          <p:cNvSpPr>
+            <a:spLocks noGrp="1"/>
+          </p:cNvSpPr>
+          <p:nvPr>
+            <p:ph type="sldNum" sz="quarter" idx="5"/>
+          </p:nvPr>
+        </p:nvSpPr>
+        <p:spPr/>
+        <p:txBody>
+          <a:bodyPr/>
+          <a:lstStyle/>
+          <a:p>
+            <a:fld id="{C7F483CF-092A-4979-9034-FFC6E09450F1}" type="slidenum">
+              <a:rPr kumimoji="1" lang="ja-JP" altLang="en-US" smtClean="0"/>
+              <a:t>25</a:t>
+            </a:fld>
+            <a:endParaRPr kumimoji="1" lang="ja-JP" altLang="en-US"/>
+          </a:p>
+        </p:txBody>
+      </p:sp>
+    </p:spTree>
+    <p:extLst>
+      <p:ext uri="{BB962C8B-B14F-4D97-AF65-F5344CB8AC3E}">
+        <p14:creationId xmlns:p14="http://schemas.microsoft.com/office/powerpoint/2010/main" val="2939207750"/>
       </p:ext>
     </p:extLst>
   </p:cSld>
@@ -1836,7 +3580,7 @@
           <a:p>
             <a:fld id="{E8CAF464-15F3-4BB4-BD7F-4E96634389B9}" type="datetime1">
               <a:rPr kumimoji="1" lang="ja-JP" altLang="en-US" smtClean="0"/>
-              <a:t>2024/11/29</a:t>
+              <a:t>2024/11/30</a:t>
             </a:fld>
             <a:endParaRPr kumimoji="1" lang="ja-JP" altLang="en-US"/>
           </a:p>
@@ -2611,7 +4355,7 @@
           <a:p>
             <a:fld id="{B4C738A0-993E-4FF2-A9D3-F8A25E5BED3D}" type="datetime1">
               <a:rPr kumimoji="1" lang="ja-JP" altLang="en-US" smtClean="0"/>
-              <a:t>2024/11/29</a:t>
+              <a:t>2024/11/30</a:t>
             </a:fld>
             <a:endParaRPr kumimoji="1" lang="ja-JP" altLang="en-US"/>
           </a:p>
@@ -2931,7 +4675,7 @@
           <a:p>
             <a:fld id="{6F43E0D6-D44E-4BB9-A41C-4EBA4BB1D0AA}" type="datetime1">
               <a:rPr kumimoji="1" lang="ja-JP" altLang="en-US" smtClean="0"/>
-              <a:t>2024/11/29</a:t>
+              <a:t>2024/11/30</a:t>
             </a:fld>
             <a:endParaRPr kumimoji="1" lang="ja-JP" altLang="en-US"/>
           </a:p>
@@ -3398,7 +5142,7 @@
           <a:p>
             <a:fld id="{80FBE12C-66DD-425F-87DA-45FA71D4B14C}" type="datetime1">
               <a:rPr kumimoji="1" lang="ja-JP" altLang="en-US" smtClean="0"/>
-              <a:t>2024/11/29</a:t>
+              <a:t>2024/11/30</a:t>
             </a:fld>
             <a:endParaRPr kumimoji="1" lang="ja-JP" altLang="en-US"/>
           </a:p>
@@ -3530,7 +5274,7 @@
           <a:p>
             <a:fld id="{5D337AB5-68CF-4C9A-84F0-CEB8B3F3804F}" type="datetime1">
               <a:rPr kumimoji="1" lang="ja-JP" altLang="en-US" smtClean="0"/>
-              <a:t>2024/11/29</a:t>
+              <a:t>2024/11/30</a:t>
             </a:fld>
             <a:endParaRPr kumimoji="1" lang="ja-JP" altLang="en-US"/>
           </a:p>
@@ -3634,7 +5378,7 @@
           <a:p>
             <a:fld id="{0224F364-07F3-46C8-84AA-302D169C9924}" type="datetime1">
               <a:rPr kumimoji="1" lang="ja-JP" altLang="en-US" smtClean="0"/>
-              <a:t>2024/11/29</a:t>
+              <a:t>2024/11/30</a:t>
             </a:fld>
             <a:endParaRPr kumimoji="1" lang="ja-JP" altLang="en-US"/>
           </a:p>
@@ -3968,7 +5712,7 @@
           <a:p>
             <a:fld id="{C98F773C-6196-4130-BAF3-BF8645CB42FA}" type="datetime1">
               <a:rPr kumimoji="1" lang="ja-JP" altLang="en-US" smtClean="0"/>
-              <a:t>2024/11/29</a:t>
+              <a:t>2024/11/30</a:t>
             </a:fld>
             <a:endParaRPr kumimoji="1" lang="ja-JP" altLang="en-US"/>
           </a:p>
@@ -4247,7 +5991,7 @@
           <a:p>
             <a:fld id="{E4883AD5-0DE6-4DC7-9375-A23AA371A5C4}" type="datetime1">
               <a:rPr kumimoji="1" lang="ja-JP" altLang="en-US" smtClean="0"/>
-              <a:t>2024/11/29</a:t>
+              <a:t>2024/11/30</a:t>
             </a:fld>
             <a:endParaRPr kumimoji="1" lang="ja-JP" altLang="en-US"/>
           </a:p>
@@ -6682,14 +8426,22 @@
               <a:buNone/>
             </a:pPr>
             <a:r>
-              <a:rPr lang="en-US" altLang="ja-JP" sz="2400" i="1" dirty="0"/>
+              <a:rPr lang="en-US" altLang="ja-JP" i="1" dirty="0"/>
+              <a:t>System F </a:t>
+            </a:r>
+            <a:r>
+              <a:rPr lang="ja-JP" altLang="en-US" dirty="0"/>
+              <a:t>は </a:t>
+            </a:r>
+            <a:r>
+              <a:rPr lang="en-US" altLang="ja-JP" i="1" dirty="0"/>
               <a:t>second-order lambda-calculus </a:t>
             </a:r>
             <a:r>
-              <a:rPr lang="ja-JP" altLang="en-US" sz="2400" dirty="0"/>
-              <a:t>ともよばれる：</a:t>
-            </a:r>
-            <a:endParaRPr lang="en-US" altLang="ja-JP" sz="2400" dirty="0"/>
+              <a:rPr lang="ja-JP" altLang="en-US" dirty="0"/>
+              <a:t>とも呼ばれる：</a:t>
+            </a:r>
+            <a:endParaRPr lang="en-US" altLang="ja-JP" dirty="0"/>
           </a:p>
           <a:p>
             <a:pPr marL="0" indent="0">
@@ -6772,23 +8524,23 @@
               <a:buNone/>
             </a:pPr>
             <a:r>
-              <a:rPr lang="en-US" altLang="ja-JP" sz="2000" dirty="0"/>
+              <a:rPr lang="en-US" altLang="ja-JP" sz="2000" u="sng" dirty="0"/>
               <a:t>quantification </a:t>
             </a:r>
             <a:r>
-              <a:rPr lang="en-US" altLang="ja-JP" sz="1800" dirty="0"/>
+              <a:rPr lang="en-US" altLang="ja-JP" sz="1800" u="sng" dirty="0"/>
               <a:t>(</a:t>
             </a:r>
             <a:r>
-              <a:rPr lang="ja-JP" altLang="en-US" sz="1800" dirty="0"/>
+              <a:rPr lang="ja-JP" altLang="en-US" sz="1800" u="sng" dirty="0"/>
               <a:t>量化</a:t>
             </a:r>
             <a:r>
-              <a:rPr lang="en-US" altLang="ja-JP" sz="1800" dirty="0"/>
+              <a:rPr lang="en-US" altLang="ja-JP" sz="1800" u="sng" dirty="0"/>
               <a:t>)</a:t>
             </a:r>
             <a:r>
-              <a:rPr lang="ja-JP" altLang="en-US" sz="1800" dirty="0"/>
+              <a:rPr lang="ja-JP" altLang="en-US" sz="1800" u="sng" dirty="0"/>
               <a:t>　</a:t>
             </a:r>
             <a:r>
@@ -6836,27 +8588,27 @@
               <a:buNone/>
             </a:pPr>
             <a:r>
-              <a:rPr lang="en-US" altLang="ja-JP" sz="2000" i="1" dirty="0"/>
+              <a:rPr lang="en-US" altLang="ja-JP" sz="2000" i="1" u="sng" dirty="0"/>
               <a:t>Curry-Howard correspondence </a:t>
             </a:r>
             <a:r>
-              <a:rPr lang="en-US" altLang="ja-JP" sz="1800" dirty="0"/>
+              <a:rPr lang="en-US" altLang="ja-JP" sz="1800" u="sng" dirty="0"/>
               <a:t>(</a:t>
             </a:r>
             <a:r>
-              <a:rPr lang="ja-JP" altLang="en-US" sz="1800" dirty="0"/>
+              <a:rPr lang="ja-JP" altLang="en-US" sz="1800" u="sng" dirty="0"/>
               <a:t>カリー </a:t>
             </a:r>
             <a:r>
-              <a:rPr lang="en-US" altLang="ja-JP" sz="1800" dirty="0"/>
+              <a:rPr lang="en-US" altLang="ja-JP" sz="1800" u="sng" dirty="0"/>
               <a:t>= </a:t>
             </a:r>
             <a:r>
-              <a:rPr lang="ja-JP" altLang="en-US" sz="1800" dirty="0"/>
+              <a:rPr lang="ja-JP" altLang="en-US" sz="1800" u="sng" dirty="0"/>
               <a:t>ハワード同型対応</a:t>
             </a:r>
             <a:r>
-              <a:rPr lang="en-US" altLang="ja-JP" sz="1800" dirty="0"/>
+              <a:rPr lang="en-US" altLang="ja-JP" sz="1800" u="sng" dirty="0"/>
               <a:t>) </a:t>
             </a:r>
             <a:r>
@@ -6912,23 +8664,23 @@
               <a:buNone/>
             </a:pPr>
             <a:r>
-              <a:rPr lang="en-US" altLang="ja-JP" sz="2000" dirty="0"/>
+              <a:rPr lang="en-US" altLang="ja-JP" sz="2000" u="sng" dirty="0"/>
               <a:t>intuitionistic logic </a:t>
             </a:r>
             <a:r>
-              <a:rPr lang="en-US" altLang="ja-JP" sz="1800" dirty="0"/>
+              <a:rPr lang="en-US" altLang="ja-JP" sz="1800" u="sng" dirty="0"/>
               <a:t>(</a:t>
             </a:r>
             <a:r>
-              <a:rPr lang="ja-JP" altLang="en-US" sz="1800" dirty="0"/>
+              <a:rPr lang="ja-JP" altLang="en-US" sz="1800" u="sng" dirty="0"/>
               <a:t>直感主義論理</a:t>
             </a:r>
             <a:r>
-              <a:rPr lang="en-US" altLang="ja-JP" sz="1800" dirty="0"/>
+              <a:rPr lang="en-US" altLang="ja-JP" sz="1800" u="sng" dirty="0"/>
               <a:t>)</a:t>
             </a:r>
             <a:r>
-              <a:rPr lang="ja-JP" altLang="en-US" sz="1800" dirty="0"/>
+              <a:rPr lang="ja-JP" altLang="en-US" sz="1800" u="sng" dirty="0"/>
               <a:t>　</a:t>
             </a:r>
             <a:r>
@@ -6963,43 +8715,43 @@
               <a:buNone/>
             </a:pPr>
             <a:r>
-              <a:rPr lang="en-US" altLang="ja-JP" sz="2000" dirty="0"/>
+              <a:rPr lang="en-US" altLang="ja-JP" sz="2000" u="sng" dirty="0"/>
               <a:t>second-order</a:t>
             </a:r>
             <a:r>
-              <a:rPr lang="ja-JP" altLang="en-US" sz="2000" dirty="0"/>
+              <a:rPr lang="ja-JP" altLang="en-US" sz="2000" u="sng" dirty="0"/>
               <a:t> </a:t>
             </a:r>
             <a:r>
-              <a:rPr lang="en-US" altLang="ja-JP" sz="2000" dirty="0"/>
+              <a:rPr lang="en-US" altLang="ja-JP" sz="2000" u="sng" dirty="0"/>
               <a:t>predicate</a:t>
             </a:r>
             <a:r>
-              <a:rPr lang="ja-JP" altLang="en-US" sz="2000" dirty="0"/>
+              <a:rPr lang="ja-JP" altLang="en-US" sz="2000" u="sng" dirty="0"/>
               <a:t> </a:t>
             </a:r>
             <a:r>
-              <a:rPr lang="en-US" altLang="ja-JP" sz="2000" dirty="0"/>
+              <a:rPr lang="en-US" altLang="ja-JP" sz="2000" u="sng" dirty="0"/>
               <a:t>logic</a:t>
             </a:r>
             <a:r>
-              <a:rPr lang="ja-JP" altLang="en-US" sz="2000" dirty="0"/>
+              <a:rPr lang="ja-JP" altLang="en-US" sz="2000" u="sng" dirty="0"/>
               <a:t> </a:t>
             </a:r>
             <a:r>
-              <a:rPr lang="en-US" altLang="ja-JP" sz="1800" dirty="0"/>
+              <a:rPr lang="en-US" altLang="ja-JP" sz="1800" u="sng" dirty="0"/>
               <a:t>(</a:t>
             </a:r>
             <a:r>
-              <a:rPr lang="ja-JP" altLang="en-US" sz="1800" dirty="0"/>
+              <a:rPr lang="ja-JP" altLang="en-US" sz="1800" u="sng" dirty="0"/>
               <a:t>二階述語論理</a:t>
             </a:r>
             <a:r>
-              <a:rPr lang="en-US" altLang="ja-JP" sz="1800" dirty="0"/>
+              <a:rPr lang="en-US" altLang="ja-JP" sz="1800" u="sng" dirty="0"/>
               <a:t>)</a:t>
             </a:r>
             <a:r>
-              <a:rPr lang="ja-JP" altLang="en-US" sz="1800" dirty="0"/>
+              <a:rPr lang="ja-JP" altLang="en-US" sz="1800" u="sng" dirty="0"/>
               <a:t>　</a:t>
             </a:r>
             <a:r>
@@ -7125,51 +8877,51 @@
               <a:buNone/>
             </a:pPr>
             <a:r>
-              <a:rPr lang="en-US" altLang="ja-JP" sz="2400" dirty="0"/>
+              <a:rPr lang="en-US" altLang="ja-JP" i="1" dirty="0"/>
               <a:t>System </a:t>
             </a:r>
             <a:r>
-              <a:rPr kumimoji="1" lang="en-US" altLang="ja-JP" sz="2400" dirty="0"/>
+              <a:rPr kumimoji="1" lang="en-US" altLang="ja-JP" i="1" dirty="0"/>
               <a:t>F </a:t>
             </a:r>
             <a:r>
-              <a:rPr kumimoji="1" lang="ja-JP" altLang="en-US" sz="2400" dirty="0"/>
+              <a:rPr kumimoji="1" lang="ja-JP" altLang="en-US" dirty="0"/>
               <a:t>の定義は単純型付きラムダ計算（</a:t>
             </a:r>
             <a:r>
-              <a:rPr kumimoji="1" lang="en-US" altLang="ja-JP" sz="2400" dirty="0"/>
+              <a:rPr kumimoji="1" lang="en-US" altLang="ja-JP" dirty="0"/>
               <a:t>λ</a:t>
             </a:r>
             <a:r>
-              <a:rPr kumimoji="1" lang="ja-JP" altLang="en-US" sz="2400" baseline="-25000" dirty="0"/>
+              <a:rPr kumimoji="1" lang="ja-JP" altLang="en-US" baseline="-25000" dirty="0"/>
               <a:t>→</a:t>
             </a:r>
             <a:r>
-              <a:rPr kumimoji="1" lang="ja-JP" altLang="en-US" sz="2400" dirty="0"/>
-              <a:t>）の</a:t>
-            </a:r>
-            <a:r>
-              <a:rPr lang="ja-JP" altLang="en-US" sz="2400" dirty="0"/>
+              <a:rPr kumimoji="1" lang="ja-JP" altLang="en-US" dirty="0"/>
+              <a:t>）の         </a:t>
+            </a:r>
+            <a:r>
+              <a:rPr lang="ja-JP" altLang="en-US" dirty="0"/>
               <a:t>率直な拡張．</a:t>
             </a:r>
-            <a:endParaRPr lang="en-US" altLang="ja-JP" sz="2400" dirty="0"/>
-          </a:p>
-          <a:p>
-            <a:pPr marL="0" indent="0">
-              <a:buNone/>
-            </a:pPr>
-            <a:endParaRPr lang="en-US" altLang="ja-JP" sz="2400" dirty="0"/>
-          </a:p>
-          <a:p>
-            <a:pPr marL="0" indent="0">
-              <a:buNone/>
-            </a:pPr>
-            <a:r>
-              <a:rPr lang="ja-JP" altLang="en-US" sz="2400" dirty="0"/>
+            <a:endParaRPr lang="en-US" altLang="ja-JP" dirty="0"/>
+          </a:p>
+          <a:p>
+            <a:pPr marL="0" indent="0">
+              <a:buNone/>
+            </a:pPr>
+            <a:endParaRPr lang="en-US" altLang="ja-JP" dirty="0"/>
+          </a:p>
+          <a:p>
+            <a:pPr marL="0" indent="0">
+              <a:buNone/>
+            </a:pPr>
+            <a:r>
+              <a:rPr lang="ja-JP" altLang="en-US" dirty="0"/>
               <a:t>項から型を抽象化し、それを後から埋め込む仕組み</a:t>
             </a:r>
             <a:r>
-              <a:rPr lang="en-US" altLang="ja-JP" sz="2400" dirty="0"/>
+              <a:rPr lang="en-US" altLang="ja-JP" dirty="0"/>
               <a:t>:</a:t>
             </a:r>
           </a:p>
@@ -7379,7 +9131,7 @@
                 <a:latin typeface="Source Sans Pro SemiBold" panose="020B0603030403020204" pitchFamily="34" charset="0"/>
                 <a:ea typeface="Source Sans Pro SemiBold" panose="020B0603030403020204" pitchFamily="34" charset="0"/>
               </a:rPr>
-              <a:t>[X</a:t>
+              <a:t>[X </a:t>
             </a:r>
             <a:r>
               <a:rPr lang="ja-JP" altLang="en-US" sz="2400" dirty="0">
@@ -7521,7 +9273,12 @@
             <p:ph idx="1"/>
           </p:nvPr>
         </p:nvSpPr>
-        <p:spPr/>
+        <p:spPr>
+          <a:xfrm>
+            <a:off x="259194" y="1099789"/>
+            <a:ext cx="8884805" cy="5482165"/>
+          </a:xfrm>
+        </p:spPr>
         <p:txBody>
           <a:bodyPr>
             <a:normAutofit/>
@@ -7532,35 +9289,66 @@
               <a:buNone/>
             </a:pPr>
             <a:r>
-              <a:rPr lang="en-US" altLang="ja-JP" sz="2400" i="1" dirty="0"/>
+              <a:rPr lang="en-US" altLang="ja-JP" sz="2400" i="1" dirty="0">
+                <a:highlight>
+                  <a:srgbClr val="00FFFF"/>
+                </a:highlight>
+              </a:rPr>
               <a:t>type</a:t>
             </a:r>
             <a:r>
-              <a:rPr lang="ja-JP" altLang="en-US" sz="2400" i="1" dirty="0"/>
+              <a:rPr lang="ja-JP" altLang="en-US" sz="2400" i="1" dirty="0">
+                <a:highlight>
+                  <a:srgbClr val="00FFFF"/>
+                </a:highlight>
+              </a:rPr>
               <a:t> </a:t>
             </a:r>
             <a:r>
-              <a:rPr lang="en-US" altLang="ja-JP" sz="2400" i="1" dirty="0"/>
+              <a:rPr lang="en-US" altLang="ja-JP" sz="2400" i="1" dirty="0">
+                <a:highlight>
+                  <a:srgbClr val="00FFFF"/>
+                </a:highlight>
+              </a:rPr>
               <a:t>abstraction</a:t>
             </a:r>
             <a:r>
-              <a:rPr lang="ja-JP" altLang="en-US" sz="2400" i="1" dirty="0"/>
+              <a:rPr lang="ja-JP" altLang="en-US" sz="2400" i="1" dirty="0">
+                <a:highlight>
+                  <a:srgbClr val="00FFFF"/>
+                </a:highlight>
+              </a:rPr>
               <a:t> </a:t>
             </a:r>
             <a:r>
-              <a:rPr lang="en-US" altLang="ja-JP" sz="2400" dirty="0"/>
+              <a:rPr lang="en-US" altLang="ja-JP" sz="2400" dirty="0">
+                <a:highlight>
+                  <a:srgbClr val="00FFFF"/>
+                </a:highlight>
+              </a:rPr>
               <a:t>(</a:t>
             </a:r>
             <a:r>
-              <a:rPr lang="ja-JP" altLang="en-US" sz="2400" dirty="0"/>
+              <a:rPr lang="ja-JP" altLang="en-US" sz="2400" dirty="0">
+                <a:highlight>
+                  <a:srgbClr val="00FFFF"/>
+                </a:highlight>
+              </a:rPr>
               <a:t>型抽象</a:t>
             </a:r>
             <a:r>
-              <a:rPr lang="en-US" altLang="ja-JP" sz="2400" dirty="0"/>
+              <a:rPr lang="en-US" altLang="ja-JP" sz="2400" dirty="0">
+                <a:highlight>
+                  <a:srgbClr val="00FFFF"/>
+                </a:highlight>
+              </a:rPr>
               <a:t>)				</a:t>
             </a:r>
             <a:r>
               <a:rPr lang="en-US" altLang="ja-JP" sz="2400" dirty="0" err="1">
+                <a:highlight>
+                  <a:srgbClr val="00FFFF"/>
+                </a:highlight>
                 <a:latin typeface="Source Sans Pro SemiBold" panose="020B0603030403020204" pitchFamily="34" charset="0"/>
                 <a:ea typeface="Source Sans Pro SemiBold" panose="020B0603030403020204" pitchFamily="34" charset="0"/>
               </a:rPr>
@@ -7568,6 +9356,9 @@
             </a:r>
             <a:r>
               <a:rPr lang="en-US" altLang="ja-JP" sz="2400" dirty="0">
+                <a:highlight>
+                  <a:srgbClr val="00FFFF"/>
+                </a:highlight>
                 <a:latin typeface="Source Sans Pro SemiBold" panose="020B0603030403020204" pitchFamily="34" charset="0"/>
                 <a:ea typeface="Source Sans Pro SemiBold" panose="020B0603030403020204" pitchFamily="34" charset="0"/>
               </a:rPr>
@@ -7579,31 +9370,58 @@
               <a:buNone/>
             </a:pPr>
             <a:r>
-              <a:rPr lang="en-US" altLang="ja-JP" sz="2400" i="1" dirty="0"/>
+              <a:rPr lang="en-US" altLang="ja-JP" sz="2400" i="1" dirty="0">
+                <a:highlight>
+                  <a:srgbClr val="00FFFF"/>
+                </a:highlight>
+              </a:rPr>
               <a:t>type application </a:t>
             </a:r>
             <a:r>
-              <a:rPr lang="en-US" altLang="ja-JP" sz="2400" dirty="0"/>
+              <a:rPr lang="en-US" altLang="ja-JP" sz="2400" dirty="0">
+                <a:highlight>
+                  <a:srgbClr val="00FFFF"/>
+                </a:highlight>
+              </a:rPr>
               <a:t>(or </a:t>
             </a:r>
             <a:r>
-              <a:rPr lang="en-US" altLang="ja-JP" sz="2400" i="1" dirty="0"/>
+              <a:rPr lang="en-US" altLang="ja-JP" sz="2400" i="1" dirty="0">
+                <a:highlight>
+                  <a:srgbClr val="00FFFF"/>
+                </a:highlight>
+              </a:rPr>
               <a:t>instantiation</a:t>
             </a:r>
             <a:r>
-              <a:rPr lang="en-US" altLang="ja-JP" sz="2400" dirty="0"/>
+              <a:rPr lang="en-US" altLang="ja-JP" sz="2400" dirty="0">
+                <a:highlight>
+                  <a:srgbClr val="00FFFF"/>
+                </a:highlight>
+              </a:rPr>
               <a:t>, </a:t>
             </a:r>
             <a:r>
-              <a:rPr lang="ja-JP" altLang="en-US" sz="2400" dirty="0"/>
+              <a:rPr lang="ja-JP" altLang="en-US" sz="2400" dirty="0">
+                <a:highlight>
+                  <a:srgbClr val="00FFFF"/>
+                </a:highlight>
+              </a:rPr>
               <a:t>型適用</a:t>
             </a:r>
             <a:r>
-              <a:rPr lang="en-US" altLang="ja-JP" sz="2400" dirty="0"/>
+              <a:rPr lang="en-US" altLang="ja-JP" sz="2400" dirty="0">
+                <a:highlight>
+                  <a:srgbClr val="00FFFF"/>
+                </a:highlight>
+              </a:rPr>
               <a:t>)	</a:t>
             </a:r>
             <a:r>
               <a:rPr lang="en-US" altLang="ja-JP" sz="2400" dirty="0">
+                <a:highlight>
+                  <a:srgbClr val="00FFFF"/>
+                </a:highlight>
                 <a:latin typeface="Source Sans Pro SemiBold" panose="020B0603030403020204" pitchFamily="34" charset="0"/>
                 <a:ea typeface="Source Sans Pro SemiBold" panose="020B0603030403020204" pitchFamily="34" charset="0"/>
               </a:rPr>
@@ -7616,6 +9434,9 @@
             </a:pPr>
             <a:r>
               <a:rPr lang="ja-JP" altLang="en-US" sz="2400" dirty="0">
+                <a:highlight>
+                  <a:srgbClr val="00FFFF"/>
+                </a:highlight>
                 <a:latin typeface="Source Sans Pro SemiBold" panose="020B0603030403020204" pitchFamily="34" charset="0"/>
                 <a:ea typeface="Source Sans Pro SemiBold" panose="020B0603030403020204" pitchFamily="34" charset="0"/>
               </a:rPr>
@@ -7623,6 +9444,9 @@
             </a:r>
             <a:r>
               <a:rPr lang="en-US" altLang="ja-JP" sz="2400" dirty="0">
+                <a:highlight>
+                  <a:srgbClr val="00FFFF"/>
+                </a:highlight>
                 <a:latin typeface="Source Sans Pro SemiBold" panose="020B0603030403020204" pitchFamily="34" charset="0"/>
                 <a:ea typeface="Source Sans Pro SemiBold" panose="020B0603030403020204" pitchFamily="34" charset="0"/>
               </a:rPr>
@@ -7630,6 +9454,9 @@
             </a:r>
             <a:r>
               <a:rPr lang="en-US" altLang="ja-JP" sz="2400" dirty="0" err="1">
+                <a:highlight>
+                  <a:srgbClr val="00FFFF"/>
+                </a:highlight>
                 <a:latin typeface="Source Sans Pro SemiBold" panose="020B0603030403020204" pitchFamily="34" charset="0"/>
                 <a:ea typeface="Source Sans Pro SemiBold" panose="020B0603030403020204" pitchFamily="34" charset="0"/>
               </a:rPr>
@@ -7637,6 +9464,9 @@
             </a:r>
             <a:r>
               <a:rPr lang="en-US" altLang="ja-JP" sz="2400" dirty="0">
+                <a:highlight>
+                  <a:srgbClr val="00FFFF"/>
+                </a:highlight>
                 <a:latin typeface="Source Sans Pro SemiBold" panose="020B0603030403020204" pitchFamily="34" charset="0"/>
                 <a:ea typeface="Source Sans Pro SemiBold" panose="020B0603030403020204" pitchFamily="34" charset="0"/>
               </a:rPr>
@@ -7644,6 +9474,9 @@
             </a:r>
             <a:r>
               <a:rPr lang="ja-JP" altLang="en-US" sz="2400" dirty="0">
+                <a:highlight>
+                  <a:srgbClr val="00FFFF"/>
+                </a:highlight>
                 <a:latin typeface="Source Sans Pro SemiBold" panose="020B0603030403020204" pitchFamily="34" charset="0"/>
                 <a:ea typeface="Source Sans Pro SemiBold" panose="020B0603030403020204" pitchFamily="34" charset="0"/>
               </a:rPr>
@@ -7651,6 +9484,9 @@
             </a:r>
             <a:r>
               <a:rPr lang="en-US" altLang="ja-JP" sz="2400" dirty="0">
+                <a:highlight>
+                  <a:srgbClr val="00FFFF"/>
+                </a:highlight>
                 <a:latin typeface="Source Sans Pro SemiBold" panose="020B0603030403020204" pitchFamily="34" charset="0"/>
                 <a:ea typeface="Source Sans Pro SemiBold" panose="020B0603030403020204" pitchFamily="34" charset="0"/>
               </a:rPr>
@@ -7658,6 +9494,9 @@
             </a:r>
             <a:r>
               <a:rPr lang="ja-JP" altLang="en-US" sz="2400" dirty="0">
+                <a:highlight>
+                  <a:srgbClr val="00FFFF"/>
+                </a:highlight>
                 <a:latin typeface="Source Sans Pro SemiBold" panose="020B0603030403020204" pitchFamily="34" charset="0"/>
                 <a:ea typeface="Source Sans Pro SemiBold" panose="020B0603030403020204" pitchFamily="34" charset="0"/>
               </a:rPr>
@@ -7665,6 +9504,9 @@
             </a:r>
             <a:r>
               <a:rPr lang="en-US" altLang="ja-JP" sz="2400" dirty="0">
+                <a:highlight>
+                  <a:srgbClr val="00FFFF"/>
+                </a:highlight>
                 <a:latin typeface="Source Sans Pro SemiBold" panose="020B0603030403020204" pitchFamily="34" charset="0"/>
                 <a:ea typeface="Source Sans Pro SemiBold" panose="020B0603030403020204" pitchFamily="34" charset="0"/>
               </a:rPr>
@@ -7672,6 +9514,9 @@
             </a:r>
             <a:r>
               <a:rPr lang="ja-JP" altLang="en-US" sz="2400" dirty="0">
+                <a:highlight>
+                  <a:srgbClr val="00FFFF"/>
+                </a:highlight>
                 <a:latin typeface="Source Sans Pro SemiBold" panose="020B0603030403020204" pitchFamily="34" charset="0"/>
                 <a:ea typeface="Source Sans Pro SemiBold" panose="020B0603030403020204" pitchFamily="34" charset="0"/>
               </a:rPr>
@@ -7679,13 +9524,19 @@
             </a:r>
             <a:r>
               <a:rPr lang="en-US" altLang="ja-JP" sz="2400" dirty="0">
-                <a:latin typeface="Source Sans Pro SemiBold" panose="020B0603030403020204" pitchFamily="34" charset="0"/>
-                <a:ea typeface="Source Sans Pro SemiBold" panose="020B0603030403020204" pitchFamily="34" charset="0"/>
-              </a:rPr>
-              <a:t>[X</a:t>
+                <a:highlight>
+                  <a:srgbClr val="00FFFF"/>
+                </a:highlight>
+                <a:latin typeface="Source Sans Pro SemiBold" panose="020B0603030403020204" pitchFamily="34" charset="0"/>
+                <a:ea typeface="Source Sans Pro SemiBold" panose="020B0603030403020204" pitchFamily="34" charset="0"/>
+              </a:rPr>
+              <a:t>[X </a:t>
             </a:r>
             <a:r>
               <a:rPr lang="ja-JP" altLang="en-US" sz="2400" dirty="0">
+                <a:highlight>
+                  <a:srgbClr val="00FFFF"/>
+                </a:highlight>
                 <a:latin typeface="Source Sans Pro SemiBold" panose="020B0603030403020204" pitchFamily="34" charset="0"/>
                 <a:ea typeface="Source Sans Pro SemiBold" panose="020B0603030403020204" pitchFamily="34" charset="0"/>
               </a:rPr>
@@ -7693,6 +9544,9 @@
             </a:r>
             <a:r>
               <a:rPr lang="en-US" altLang="ja-JP" sz="2400" dirty="0">
+                <a:highlight>
+                  <a:srgbClr val="00FFFF"/>
+                </a:highlight>
                 <a:latin typeface="Source Sans Pro SemiBold" panose="020B0603030403020204" pitchFamily="34" charset="0"/>
                 <a:ea typeface="Source Sans Pro SemiBold" panose="020B0603030403020204" pitchFamily="34" charset="0"/>
               </a:rPr>
@@ -7700,6 +9554,9 @@
             </a:r>
             <a:r>
               <a:rPr lang="ja-JP" altLang="en-US" sz="2400" dirty="0">
+                <a:highlight>
+                  <a:srgbClr val="00FFFF"/>
+                </a:highlight>
                 <a:latin typeface="Source Sans Pro SemiBold" panose="020B0603030403020204" pitchFamily="34" charset="0"/>
                 <a:ea typeface="Source Sans Pro SemiBold" panose="020B0603030403020204" pitchFamily="34" charset="0"/>
               </a:rPr>
@@ -7707,6 +9564,9 @@
             </a:r>
             <a:r>
               <a:rPr lang="en-US" altLang="ja-JP" sz="2400" dirty="0">
+                <a:highlight>
+                  <a:srgbClr val="00FFFF"/>
+                </a:highlight>
                 <a:latin typeface="Source Sans Pro SemiBold" panose="020B0603030403020204" pitchFamily="34" charset="0"/>
                 <a:ea typeface="Source Sans Pro SemiBold" panose="020B0603030403020204" pitchFamily="34" charset="0"/>
               </a:rPr>
@@ -7714,6 +9574,9 @@
             </a:r>
             <a:r>
               <a:rPr lang="ja-JP" altLang="en-US" sz="2400" dirty="0">
+                <a:highlight>
+                  <a:srgbClr val="00FFFF"/>
+                </a:highlight>
                 <a:latin typeface="Source Sans Pro SemiBold" panose="020B0603030403020204" pitchFamily="34" charset="0"/>
                 <a:ea typeface="Source Sans Pro SemiBold" panose="020B0603030403020204" pitchFamily="34" charset="0"/>
               </a:rPr>
@@ -7721,6 +9584,9 @@
             </a:r>
             <a:r>
               <a:rPr lang="en-US" altLang="ja-JP" sz="2400" dirty="0">
+                <a:highlight>
+                  <a:srgbClr val="00FFFF"/>
+                </a:highlight>
                 <a:latin typeface="Source Sans Pro SemiBold" panose="020B0603030403020204" pitchFamily="34" charset="0"/>
                 <a:ea typeface="Source Sans Pro SemiBold" panose="020B0603030403020204" pitchFamily="34" charset="0"/>
               </a:rPr>
@@ -7728,6 +9594,9 @@
             </a:r>
             <a:r>
               <a:rPr lang="en-US" altLang="ja-JP" sz="2400" dirty="0">
+                <a:highlight>
+                  <a:srgbClr val="00FFFF"/>
+                </a:highlight>
                 <a:latin typeface="+mn-lt"/>
                 <a:ea typeface="Source Sans Pro SemiBold" panose="020B0603030403020204" pitchFamily="34" charset="0"/>
               </a:rPr>
@@ -7735,6 +9604,9 @@
             </a:r>
             <a:r>
               <a:rPr lang="en-US" altLang="ja-JP" sz="2400" dirty="0" err="1">
+                <a:highlight>
+                  <a:srgbClr val="00FFFF"/>
+                </a:highlight>
                 <a:latin typeface="+mn-lt"/>
                 <a:ea typeface="Source Sans Pro SemiBold" panose="020B0603030403020204" pitchFamily="34" charset="0"/>
               </a:rPr>
@@ -7742,6 +9614,9 @@
             </a:r>
             <a:r>
               <a:rPr lang="en-US" altLang="ja-JP" sz="2400" dirty="0">
+                <a:highlight>
+                  <a:srgbClr val="00FFFF"/>
+                </a:highlight>
                 <a:latin typeface="+mn-lt"/>
                 <a:ea typeface="Source Sans Pro SemiBold" panose="020B0603030403020204" pitchFamily="34" charset="0"/>
               </a:rPr>
@@ -7762,13 +9637,13 @@
               <a:buNone/>
             </a:pPr>
             <a:r>
-              <a:rPr lang="ja-JP" altLang="en-US" sz="2400" dirty="0">
+              <a:rPr lang="ja-JP" altLang="en-US" dirty="0">
                 <a:latin typeface="Source Sans Pro SemiBold" panose="020B0603030403020204" pitchFamily="34" charset="0"/>
                 <a:ea typeface="Source Sans Pro SemiBold" panose="020B0603030403020204" pitchFamily="34" charset="0"/>
               </a:rPr>
               <a:t>例えば，多相的な高等関数</a:t>
             </a:r>
-            <a:endParaRPr lang="en-US" altLang="ja-JP" sz="2400" dirty="0">
+            <a:endParaRPr lang="en-US" altLang="ja-JP" dirty="0">
               <a:latin typeface="Source Sans Pro SemiBold" panose="020B0603030403020204" pitchFamily="34" charset="0"/>
               <a:ea typeface="Source Sans Pro SemiBold" panose="020B0603030403020204" pitchFamily="34" charset="0"/>
             </a:endParaRPr>
@@ -7777,110 +9652,7 @@
             <a:pPr marL="0" indent="0">
               <a:buNone/>
             </a:pPr>
-            <a:r>
-              <a:rPr lang="en-US" altLang="ja-JP" sz="2400" dirty="0">
-                <a:latin typeface="Source Sans Pro SemiBold" panose="020B0603030403020204" pitchFamily="34" charset="0"/>
-                <a:ea typeface="Source Sans Pro SemiBold" panose="020B0603030403020204" pitchFamily="34" charset="0"/>
-              </a:rPr>
-              <a:t>	id = </a:t>
-            </a:r>
-            <a:r>
-              <a:rPr lang="en-US" altLang="ja-JP" sz="2400" dirty="0" err="1">
-                <a:latin typeface="Source Sans Pro SemiBold" panose="020B0603030403020204" pitchFamily="34" charset="0"/>
-                <a:ea typeface="Source Sans Pro SemiBold" panose="020B0603030403020204" pitchFamily="34" charset="0"/>
-              </a:rPr>
-              <a:t>λX</a:t>
-            </a:r>
-            <a:r>
-              <a:rPr lang="en-US" altLang="ja-JP" sz="2400" dirty="0">
-                <a:latin typeface="Source Sans Pro SemiBold" panose="020B0603030403020204" pitchFamily="34" charset="0"/>
-                <a:ea typeface="Source Sans Pro SemiBold" panose="020B0603030403020204" pitchFamily="34" charset="0"/>
-              </a:rPr>
-              <a:t>. </a:t>
-            </a:r>
-            <a:r>
-              <a:rPr lang="en-US" altLang="ja-JP" sz="2400" dirty="0" err="1">
-                <a:latin typeface="Source Sans Pro SemiBold" panose="020B0603030403020204" pitchFamily="34" charset="0"/>
-                <a:ea typeface="Source Sans Pro SemiBold" panose="020B0603030403020204" pitchFamily="34" charset="0"/>
-              </a:rPr>
-              <a:t>λx:X</a:t>
-            </a:r>
-            <a:r>
-              <a:rPr lang="en-US" altLang="ja-JP" sz="2400" dirty="0">
-                <a:latin typeface="Source Sans Pro SemiBold" panose="020B0603030403020204" pitchFamily="34" charset="0"/>
-                <a:ea typeface="Source Sans Pro SemiBold" panose="020B0603030403020204" pitchFamily="34" charset="0"/>
-              </a:rPr>
-              <a:t>. x;</a:t>
-            </a:r>
-          </a:p>
-          <a:p>
-            <a:pPr marL="0" indent="0">
-              <a:buNone/>
-            </a:pPr>
-            <a:r>
-              <a:rPr lang="ja-JP" altLang="en-US" sz="2400" dirty="0">
-                <a:latin typeface="Source Sans Pro SemiBold" panose="020B0603030403020204" pitchFamily="34" charset="0"/>
-                <a:ea typeface="Source Sans Pro SemiBold" panose="020B0603030403020204" pitchFamily="34" charset="0"/>
-              </a:rPr>
-              <a:t>を </a:t>
-            </a:r>
-            <a:r>
-              <a:rPr lang="en-US" altLang="ja-JP" sz="2400" dirty="0">
-                <a:latin typeface="Source Sans Pro SemiBold" panose="020B0603030403020204" pitchFamily="34" charset="0"/>
-                <a:ea typeface="Source Sans Pro SemiBold" panose="020B0603030403020204" pitchFamily="34" charset="0"/>
-              </a:rPr>
-              <a:t>id[Nat] </a:t>
-            </a:r>
-            <a:r>
-              <a:rPr lang="ja-JP" altLang="en-US" sz="2400" dirty="0">
-                <a:latin typeface="Source Sans Pro SemiBold" panose="020B0603030403020204" pitchFamily="34" charset="0"/>
-                <a:ea typeface="Source Sans Pro SemiBold" panose="020B0603030403020204" pitchFamily="34" charset="0"/>
-              </a:rPr>
-              <a:t>として</a:t>
-            </a:r>
-            <a:r>
-              <a:rPr lang="en-US" altLang="ja-JP" sz="2400" dirty="0">
-                <a:latin typeface="Source Sans Pro SemiBold" panose="020B0603030403020204" pitchFamily="34" charset="0"/>
-                <a:ea typeface="Source Sans Pro SemiBold" panose="020B0603030403020204" pitchFamily="34" charset="0"/>
-              </a:rPr>
-              <a:t>Nat</a:t>
-            </a:r>
-            <a:r>
-              <a:rPr lang="ja-JP" altLang="en-US" sz="2400" dirty="0">
-                <a:latin typeface="Source Sans Pro SemiBold" panose="020B0603030403020204" pitchFamily="34" charset="0"/>
-                <a:ea typeface="Source Sans Pro SemiBold" panose="020B0603030403020204" pitchFamily="34" charset="0"/>
-              </a:rPr>
-              <a:t>に適用すると，</a:t>
-            </a:r>
-            <a:r>
-              <a:rPr lang="en-US" altLang="ja-JP" sz="2400" dirty="0">
-                <a:latin typeface="+mn-lt"/>
-                <a:ea typeface="Source Sans Pro SemiBold" panose="020B0603030403020204" pitchFamily="34" charset="0"/>
-              </a:rPr>
-              <a:t>E-</a:t>
-            </a:r>
-            <a:r>
-              <a:rPr lang="en-US" altLang="ja-JP" sz="2400" dirty="0" err="1">
-                <a:latin typeface="+mn-lt"/>
-                <a:ea typeface="Source Sans Pro SemiBold" panose="020B0603030403020204" pitchFamily="34" charset="0"/>
-              </a:rPr>
-              <a:t>TappTabs</a:t>
-            </a:r>
-            <a:r>
-              <a:rPr lang="ja-JP" altLang="en-US" sz="2400" dirty="0">
-                <a:latin typeface="+mn-lt"/>
-                <a:ea typeface="Source Sans Pro SemiBold" panose="020B0603030403020204" pitchFamily="34" charset="0"/>
-              </a:rPr>
-              <a:t> </a:t>
-            </a:r>
-            <a:r>
-              <a:rPr lang="ja-JP" altLang="en-US" sz="2400" dirty="0">
-                <a:latin typeface="Source Sans Pro SemiBold" panose="020B0603030403020204" pitchFamily="34" charset="0"/>
-                <a:ea typeface="Source Sans Pro SemiBold" panose="020B0603030403020204" pitchFamily="34" charset="0"/>
-              </a:rPr>
-              <a:t>により</a:t>
-            </a:r>
-            <a:endParaRPr lang="en-US" altLang="ja-JP" sz="2400" dirty="0">
+            <a:endParaRPr lang="en-US" altLang="ja-JP" sz="800" dirty="0">
               <a:latin typeface="Source Sans Pro SemiBold" panose="020B0603030403020204" pitchFamily="34" charset="0"/>
               <a:ea typeface="Source Sans Pro SemiBold" panose="020B0603030403020204" pitchFamily="34" charset="0"/>
             </a:endParaRPr>
@@ -7890,79 +9662,206 @@
               <a:buNone/>
             </a:pPr>
             <a:r>
-              <a:rPr lang="en-US" altLang="ja-JP" sz="2400" dirty="0">
+              <a:rPr lang="en-US" altLang="ja-JP" dirty="0">
+                <a:latin typeface="Source Sans Pro SemiBold" panose="020B0603030403020204" pitchFamily="34" charset="0"/>
+                <a:ea typeface="Source Sans Pro SemiBold" panose="020B0603030403020204" pitchFamily="34" charset="0"/>
+              </a:rPr>
+              <a:t>	id = </a:t>
+            </a:r>
+            <a:r>
+              <a:rPr lang="en-US" altLang="ja-JP" dirty="0" err="1">
+                <a:latin typeface="Source Sans Pro SemiBold" panose="020B0603030403020204" pitchFamily="34" charset="0"/>
+                <a:ea typeface="Source Sans Pro SemiBold" panose="020B0603030403020204" pitchFamily="34" charset="0"/>
+              </a:rPr>
+              <a:t>λX</a:t>
+            </a:r>
+            <a:r>
+              <a:rPr lang="en-US" altLang="ja-JP" dirty="0">
+                <a:latin typeface="Source Sans Pro SemiBold" panose="020B0603030403020204" pitchFamily="34" charset="0"/>
+                <a:ea typeface="Source Sans Pro SemiBold" panose="020B0603030403020204" pitchFamily="34" charset="0"/>
+              </a:rPr>
+              <a:t>. </a:t>
+            </a:r>
+            <a:r>
+              <a:rPr lang="en-US" altLang="ja-JP" dirty="0" err="1">
+                <a:latin typeface="Source Sans Pro SemiBold" panose="020B0603030403020204" pitchFamily="34" charset="0"/>
+                <a:ea typeface="Source Sans Pro SemiBold" panose="020B0603030403020204" pitchFamily="34" charset="0"/>
+              </a:rPr>
+              <a:t>λx</a:t>
+            </a:r>
+            <a:r>
+              <a:rPr lang="en-US" altLang="ja-JP" dirty="0">
+                <a:latin typeface="Source Sans Pro SemiBold" panose="020B0603030403020204" pitchFamily="34" charset="0"/>
+                <a:ea typeface="Source Sans Pro SemiBold" panose="020B0603030403020204" pitchFamily="34" charset="0"/>
+              </a:rPr>
+              <a:t> : X. x;</a:t>
+            </a:r>
+          </a:p>
+          <a:p>
+            <a:pPr marL="0" indent="0">
+              <a:buNone/>
+            </a:pPr>
+            <a:endParaRPr lang="en-US" altLang="ja-JP" sz="800" dirty="0">
+              <a:latin typeface="Source Sans Pro SemiBold" panose="020B0603030403020204" pitchFamily="34" charset="0"/>
+              <a:ea typeface="Source Sans Pro SemiBold" panose="020B0603030403020204" pitchFamily="34" charset="0"/>
+            </a:endParaRPr>
+          </a:p>
+          <a:p>
+            <a:pPr marL="0" indent="0">
+              <a:buNone/>
+            </a:pPr>
+            <a:r>
+              <a:rPr lang="ja-JP" altLang="en-US" dirty="0">
+                <a:latin typeface="Source Sans Pro SemiBold" panose="020B0603030403020204" pitchFamily="34" charset="0"/>
+                <a:ea typeface="Source Sans Pro SemiBold" panose="020B0603030403020204" pitchFamily="34" charset="0"/>
+              </a:rPr>
+              <a:t>を </a:t>
+            </a:r>
+            <a:r>
+              <a:rPr lang="en-US" altLang="ja-JP" dirty="0">
+                <a:latin typeface="Source Sans Pro SemiBold" panose="020B0603030403020204" pitchFamily="34" charset="0"/>
+                <a:ea typeface="Source Sans Pro SemiBold" panose="020B0603030403020204" pitchFamily="34" charset="0"/>
+              </a:rPr>
+              <a:t>id[Nat] </a:t>
+            </a:r>
+            <a:r>
+              <a:rPr lang="ja-JP" altLang="en-US" dirty="0">
+                <a:latin typeface="Source Sans Pro SemiBold" panose="020B0603030403020204" pitchFamily="34" charset="0"/>
+                <a:ea typeface="Source Sans Pro SemiBold" panose="020B0603030403020204" pitchFamily="34" charset="0"/>
+              </a:rPr>
+              <a:t>として</a:t>
+            </a:r>
+            <a:r>
+              <a:rPr lang="en-US" altLang="ja-JP" dirty="0">
+                <a:latin typeface="Source Sans Pro SemiBold" panose="020B0603030403020204" pitchFamily="34" charset="0"/>
+                <a:ea typeface="Source Sans Pro SemiBold" panose="020B0603030403020204" pitchFamily="34" charset="0"/>
+              </a:rPr>
+              <a:t>Nat</a:t>
+            </a:r>
+            <a:r>
+              <a:rPr lang="ja-JP" altLang="en-US" dirty="0">
+                <a:latin typeface="Source Sans Pro SemiBold" panose="020B0603030403020204" pitchFamily="34" charset="0"/>
+                <a:ea typeface="Source Sans Pro SemiBold" panose="020B0603030403020204" pitchFamily="34" charset="0"/>
+              </a:rPr>
+              <a:t>に適用すると，</a:t>
+            </a:r>
+            <a:r>
+              <a:rPr lang="en-US" altLang="ja-JP" dirty="0">
+                <a:latin typeface="+mn-lt"/>
+                <a:ea typeface="Source Sans Pro SemiBold" panose="020B0603030403020204" pitchFamily="34" charset="0"/>
+              </a:rPr>
+              <a:t>E-</a:t>
+            </a:r>
+            <a:r>
+              <a:rPr lang="en-US" altLang="ja-JP" dirty="0" err="1">
+                <a:latin typeface="+mn-lt"/>
+                <a:ea typeface="Source Sans Pro SemiBold" panose="020B0603030403020204" pitchFamily="34" charset="0"/>
+              </a:rPr>
+              <a:t>TappTabs</a:t>
+            </a:r>
+            <a:r>
+              <a:rPr lang="ja-JP" altLang="en-US" dirty="0">
+                <a:latin typeface="+mn-lt"/>
+                <a:ea typeface="Source Sans Pro SemiBold" panose="020B0603030403020204" pitchFamily="34" charset="0"/>
+              </a:rPr>
+              <a:t> </a:t>
+            </a:r>
+            <a:r>
+              <a:rPr lang="ja-JP" altLang="en-US" dirty="0">
+                <a:latin typeface="Source Sans Pro SemiBold" panose="020B0603030403020204" pitchFamily="34" charset="0"/>
+                <a:ea typeface="Source Sans Pro SemiBold" panose="020B0603030403020204" pitchFamily="34" charset="0"/>
+              </a:rPr>
+              <a:t>により</a:t>
+            </a:r>
+            <a:endParaRPr lang="en-US" altLang="ja-JP" dirty="0">
+              <a:latin typeface="Source Sans Pro SemiBold" panose="020B0603030403020204" pitchFamily="34" charset="0"/>
+              <a:ea typeface="Source Sans Pro SemiBold" panose="020B0603030403020204" pitchFamily="34" charset="0"/>
+            </a:endParaRPr>
+          </a:p>
+          <a:p>
+            <a:pPr marL="0" indent="0">
+              <a:buNone/>
+            </a:pPr>
+            <a:endParaRPr lang="en-US" altLang="ja-JP" sz="800" dirty="0">
+              <a:latin typeface="Source Sans Pro SemiBold" panose="020B0603030403020204" pitchFamily="34" charset="0"/>
+              <a:ea typeface="Source Sans Pro SemiBold" panose="020B0603030403020204" pitchFamily="34" charset="0"/>
+            </a:endParaRPr>
+          </a:p>
+          <a:p>
+            <a:pPr marL="0" indent="0">
+              <a:buNone/>
+            </a:pPr>
+            <a:r>
+              <a:rPr lang="en-US" altLang="ja-JP" dirty="0">
                 <a:latin typeface="Source Sans Pro SemiBold" panose="020B0603030403020204" pitchFamily="34" charset="0"/>
                 <a:ea typeface="Source Sans Pro SemiBold" panose="020B0603030403020204" pitchFamily="34" charset="0"/>
               </a:rPr>
               <a:t>	[X </a:t>
             </a:r>
             <a:r>
-              <a:rPr lang="ja-JP" altLang="en-US" sz="2400" dirty="0">
+              <a:rPr lang="ja-JP" altLang="en-US" dirty="0">
                 <a:latin typeface="Source Sans Pro SemiBold" panose="020B0603030403020204" pitchFamily="34" charset="0"/>
                 <a:ea typeface="Source Sans Pro SemiBold" panose="020B0603030403020204" pitchFamily="34" charset="0"/>
               </a:rPr>
               <a:t>↦</a:t>
             </a:r>
             <a:r>
-              <a:rPr lang="en-US" altLang="ja-JP" sz="2400" dirty="0">
+              <a:rPr lang="en-US" altLang="ja-JP" dirty="0">
                 <a:latin typeface="Source Sans Pro SemiBold" panose="020B0603030403020204" pitchFamily="34" charset="0"/>
                 <a:ea typeface="Source Sans Pro SemiBold" panose="020B0603030403020204" pitchFamily="34" charset="0"/>
               </a:rPr>
               <a:t> Nat] (</a:t>
             </a:r>
             <a:r>
-              <a:rPr lang="en-US" altLang="ja-JP" sz="2400" dirty="0" err="1">
-                <a:latin typeface="Source Sans Pro SemiBold" panose="020B0603030403020204" pitchFamily="34" charset="0"/>
-                <a:ea typeface="Source Sans Pro SemiBold" panose="020B0603030403020204" pitchFamily="34" charset="0"/>
-              </a:rPr>
-              <a:t>λx:X</a:t>
-            </a:r>
-            <a:r>
-              <a:rPr lang="en-US" altLang="ja-JP" sz="2400" dirty="0">
-                <a:latin typeface="Source Sans Pro SemiBold" panose="020B0603030403020204" pitchFamily="34" charset="0"/>
-                <a:ea typeface="Source Sans Pro SemiBold" panose="020B0603030403020204" pitchFamily="34" charset="0"/>
-              </a:rPr>
-              <a:t>. x) </a:t>
-            </a:r>
-          </a:p>
-          <a:p>
-            <a:pPr marL="0" indent="0">
-              <a:buNone/>
-            </a:pPr>
-            <a:r>
-              <a:rPr lang="en-US" altLang="ja-JP" sz="2400" dirty="0">
-                <a:latin typeface="Source Sans Pro SemiBold" panose="020B0603030403020204" pitchFamily="34" charset="0"/>
-                <a:ea typeface="Source Sans Pro SemiBold" panose="020B0603030403020204" pitchFamily="34" charset="0"/>
-              </a:rPr>
-              <a:t>        = </a:t>
-            </a:r>
-            <a:r>
-              <a:rPr lang="en-US" altLang="ja-JP" sz="2400" dirty="0" err="1">
-                <a:latin typeface="Source Sans Pro SemiBold" panose="020B0603030403020204" pitchFamily="34" charset="0"/>
-                <a:ea typeface="Source Sans Pro SemiBold" panose="020B0603030403020204" pitchFamily="34" charset="0"/>
-              </a:rPr>
-              <a:t>λx:Nat</a:t>
-            </a:r>
-            <a:r>
-              <a:rPr lang="en-US" altLang="ja-JP" sz="2400" dirty="0">
-                <a:latin typeface="Source Sans Pro SemiBold" panose="020B0603030403020204" pitchFamily="34" charset="0"/>
-                <a:ea typeface="Source Sans Pro SemiBold" panose="020B0603030403020204" pitchFamily="34" charset="0"/>
-              </a:rPr>
-              <a:t>. x</a:t>
-            </a:r>
-          </a:p>
-          <a:p>
-            <a:pPr marL="0" indent="0">
-              <a:buNone/>
-            </a:pPr>
-            <a:r>
-              <a:rPr lang="ja-JP" altLang="en-US" sz="2400" dirty="0">
+              <a:rPr lang="en-US" altLang="ja-JP" dirty="0" err="1">
+                <a:latin typeface="Source Sans Pro SemiBold" panose="020B0603030403020204" pitchFamily="34" charset="0"/>
+                <a:ea typeface="Source Sans Pro SemiBold" panose="020B0603030403020204" pitchFamily="34" charset="0"/>
+              </a:rPr>
+              <a:t>λx</a:t>
+            </a:r>
+            <a:r>
+              <a:rPr lang="en-US" altLang="ja-JP" dirty="0">
+                <a:latin typeface="Source Sans Pro SemiBold" panose="020B0603030403020204" pitchFamily="34" charset="0"/>
+                <a:ea typeface="Source Sans Pro SemiBold" panose="020B0603030403020204" pitchFamily="34" charset="0"/>
+              </a:rPr>
+              <a:t> : X. x)   =  </a:t>
+            </a:r>
+            <a:r>
+              <a:rPr lang="en-US" altLang="ja-JP" dirty="0" err="1">
+                <a:latin typeface="Source Sans Pro SemiBold" panose="020B0603030403020204" pitchFamily="34" charset="0"/>
+                <a:ea typeface="Source Sans Pro SemiBold" panose="020B0603030403020204" pitchFamily="34" charset="0"/>
+              </a:rPr>
+              <a:t>λx</a:t>
+            </a:r>
+            <a:r>
+              <a:rPr lang="en-US" altLang="ja-JP" dirty="0">
+                <a:latin typeface="Source Sans Pro SemiBold" panose="020B0603030403020204" pitchFamily="34" charset="0"/>
+                <a:ea typeface="Source Sans Pro SemiBold" panose="020B0603030403020204" pitchFamily="34" charset="0"/>
+              </a:rPr>
+              <a:t> : Nat. x</a:t>
+            </a:r>
+          </a:p>
+          <a:p>
+            <a:pPr marL="0" indent="0">
+              <a:buNone/>
+            </a:pPr>
+            <a:endParaRPr lang="en-US" altLang="ja-JP" sz="800" dirty="0">
+              <a:latin typeface="Source Sans Pro SemiBold" panose="020B0603030403020204" pitchFamily="34" charset="0"/>
+              <a:ea typeface="Source Sans Pro SemiBold" panose="020B0603030403020204" pitchFamily="34" charset="0"/>
+            </a:endParaRPr>
+          </a:p>
+          <a:p>
+            <a:pPr marL="0" indent="0">
+              <a:buNone/>
+            </a:pPr>
+            <a:r>
+              <a:rPr lang="ja-JP" altLang="en-US" dirty="0">
                 <a:latin typeface="Source Sans Pro SemiBold" panose="020B0603030403020204" pitchFamily="34" charset="0"/>
                 <a:ea typeface="Source Sans Pro SemiBold" panose="020B0603030403020204" pitchFamily="34" charset="0"/>
               </a:rPr>
               <a:t>となる．</a:t>
             </a:r>
-            <a:endParaRPr lang="en-US" altLang="ja-JP" sz="2400" dirty="0">
+            <a:endParaRPr lang="en-US" altLang="ja-JP" dirty="0">
               <a:latin typeface="Source Sans Pro SemiBold" panose="020B0603030403020204" pitchFamily="34" charset="0"/>
               <a:ea typeface="Source Sans Pro SemiBold" panose="020B0603030403020204" pitchFamily="34" charset="0"/>
             </a:endParaRPr>
@@ -8066,13 +9965,13 @@
               <a:buNone/>
             </a:pPr>
             <a:r>
-              <a:rPr lang="ja-JP" altLang="en-US" sz="2400" dirty="0">
+              <a:rPr lang="ja-JP" altLang="en-US" dirty="0">
                 <a:latin typeface="Source Sans Pro SemiBold" panose="020B0603030403020204" pitchFamily="34" charset="0"/>
                 <a:ea typeface="Source Sans Pro SemiBold" panose="020B0603030403020204" pitchFamily="34" charset="0"/>
               </a:rPr>
               <a:t>最後に，多相抽象の型を定義する．</a:t>
             </a:r>
-            <a:endParaRPr lang="en-US" altLang="ja-JP" sz="2400" dirty="0">
+            <a:endParaRPr lang="en-US" altLang="ja-JP" dirty="0">
               <a:latin typeface="Source Sans Pro SemiBold" panose="020B0603030403020204" pitchFamily="34" charset="0"/>
               <a:ea typeface="Source Sans Pro SemiBold" panose="020B0603030403020204" pitchFamily="34" charset="0"/>
             </a:endParaRPr>
@@ -9461,6 +11360,1824 @@
 </p:sld>
 </file>
 
+<file path=ppt/slides/slide24.xml><?xml version="1.0" encoding="utf-8"?>
+<p:sld xmlns:a="http://schemas.openxmlformats.org/drawingml/2006/main" xmlns:r="http://schemas.openxmlformats.org/officeDocument/2006/relationships" xmlns:p="http://schemas.openxmlformats.org/presentationml/2006/main">
+  <p:cSld>
+    <p:spTree>
+      <p:nvGrpSpPr>
+        <p:cNvPr id="1" name="">
+          <a:extLst>
+            <a:ext uri="{FF2B5EF4-FFF2-40B4-BE49-F238E27FC236}">
+              <a16:creationId xmlns:a16="http://schemas.microsoft.com/office/drawing/2014/main" id="{1E8CD09E-4F24-DF19-4201-43BCF8F00697}"/>
+            </a:ext>
+          </a:extLst>
+        </p:cNvPr>
+        <p:cNvGrpSpPr/>
+        <p:nvPr/>
+      </p:nvGrpSpPr>
+      <p:grpSpPr>
+        <a:xfrm>
+          <a:off x="0" y="0"/>
+          <a:ext cx="0" cy="0"/>
+          <a:chOff x="0" y="0"/>
+          <a:chExt cx="0" cy="0"/>
+        </a:xfrm>
+      </p:grpSpPr>
+      <p:sp>
+        <p:nvSpPr>
+          <p:cNvPr id="2" name="タイトル 1">
+            <a:extLst>
+              <a:ext uri="{FF2B5EF4-FFF2-40B4-BE49-F238E27FC236}">
+                <a16:creationId xmlns:a16="http://schemas.microsoft.com/office/drawing/2014/main" id="{06182E9A-6E6F-830E-9C0E-F1C32202645F}"/>
+              </a:ext>
+            </a:extLst>
+          </p:cNvPr>
+          <p:cNvSpPr>
+            <a:spLocks noGrp="1"/>
+          </p:cNvSpPr>
+          <p:nvPr>
+            <p:ph type="title"/>
+          </p:nvPr>
+        </p:nvSpPr>
+        <p:spPr/>
+        <p:txBody>
+          <a:bodyPr/>
+          <a:lstStyle/>
+          <a:p>
+            <a:r>
+              <a:rPr kumimoji="1" lang="en-US" altLang="ja-JP" dirty="0"/>
+              <a:t>23.3 </a:t>
+            </a:r>
+            <a:r>
+              <a:rPr lang="ja-JP" altLang="en-US" dirty="0"/>
+              <a:t>例</a:t>
+            </a:r>
+            <a:endParaRPr kumimoji="1" lang="ja-JP" altLang="en-US" dirty="0"/>
+          </a:p>
+        </p:txBody>
+      </p:sp>
+      <p:sp>
+        <p:nvSpPr>
+          <p:cNvPr id="3" name="コンテンツ プレースホルダー 2">
+            <a:extLst>
+              <a:ext uri="{FF2B5EF4-FFF2-40B4-BE49-F238E27FC236}">
+                <a16:creationId xmlns:a16="http://schemas.microsoft.com/office/drawing/2014/main" id="{84EFCBAC-7910-ABCA-01E3-333761450531}"/>
+              </a:ext>
+            </a:extLst>
+          </p:cNvPr>
+          <p:cNvSpPr>
+            <a:spLocks noGrp="1"/>
+          </p:cNvSpPr>
+          <p:nvPr>
+            <p:ph idx="1"/>
+          </p:nvPr>
+        </p:nvSpPr>
+        <p:spPr>
+          <a:xfrm>
+            <a:off x="259194" y="1099789"/>
+            <a:ext cx="8625610" cy="5482165"/>
+          </a:xfrm>
+        </p:spPr>
+        <p:txBody>
+          <a:bodyPr>
+            <a:normAutofit/>
+          </a:bodyPr>
+          <a:lstStyle/>
+          <a:p>
+            <a:pPr marL="0" indent="0">
+              <a:buNone/>
+            </a:pPr>
+            <a:r>
+              <a:rPr kumimoji="1" lang="en-US" altLang="ja-JP" dirty="0"/>
+              <a:t>Polymorphism </a:t>
+            </a:r>
+            <a:r>
+              <a:rPr kumimoji="1" lang="ja-JP" altLang="en-US" dirty="0"/>
+              <a:t>を使用したプログラミングのいくつかの例</a:t>
+            </a:r>
+            <a:endParaRPr kumimoji="1" lang="en-US" altLang="ja-JP" dirty="0"/>
+          </a:p>
+          <a:p>
+            <a:pPr marL="0" indent="0">
+              <a:buNone/>
+            </a:pPr>
+            <a:endParaRPr lang="en-US" altLang="ja-JP" dirty="0"/>
+          </a:p>
+          <a:p>
+            <a:pPr marL="0" indent="0">
+              <a:buNone/>
+            </a:pPr>
+            <a:r>
+              <a:rPr kumimoji="1" lang="en-US" altLang="ja-JP" u="sng" dirty="0"/>
+              <a:t>Warm–ups</a:t>
+            </a:r>
+          </a:p>
+          <a:p>
+            <a:pPr marL="0" indent="0">
+              <a:buNone/>
+            </a:pPr>
+            <a:r>
+              <a:rPr lang="en-US" altLang="ja-JP" dirty="0"/>
+              <a:t>	identity function</a:t>
+            </a:r>
+          </a:p>
+          <a:p>
+            <a:pPr marL="0" indent="0">
+              <a:buNone/>
+            </a:pPr>
+            <a:r>
+              <a:rPr lang="en-US" altLang="ja-JP" dirty="0"/>
+              <a:t>	doubling function</a:t>
+            </a:r>
+          </a:p>
+          <a:p>
+            <a:pPr marL="0" indent="0">
+              <a:buNone/>
+            </a:pPr>
+            <a:r>
+              <a:rPr lang="en-US" altLang="ja-JP" dirty="0"/>
+              <a:t>	self-application function</a:t>
+            </a:r>
+          </a:p>
+          <a:p>
+            <a:pPr marL="0" indent="0">
+              <a:buNone/>
+            </a:pPr>
+            <a:r>
+              <a:rPr kumimoji="1" lang="en-US" altLang="ja-JP" dirty="0"/>
+              <a:t>	quadrupling function</a:t>
+            </a:r>
+          </a:p>
+          <a:p>
+            <a:pPr marL="0" indent="0">
+              <a:buNone/>
+            </a:pPr>
+            <a:endParaRPr kumimoji="1" lang="en-US" altLang="ja-JP" dirty="0"/>
+          </a:p>
+          <a:p>
+            <a:pPr marL="0" indent="0">
+              <a:buNone/>
+            </a:pPr>
+            <a:r>
+              <a:rPr kumimoji="1" lang="en-US" altLang="ja-JP" dirty="0"/>
+              <a:t>23.4.1 Exercise</a:t>
+            </a:r>
+            <a:endParaRPr lang="en-US" altLang="ja-JP" dirty="0"/>
+          </a:p>
+          <a:p>
+            <a:pPr marL="0" indent="0">
+              <a:buNone/>
+            </a:pPr>
+            <a:r>
+              <a:rPr kumimoji="1" lang="en-US" altLang="ja-JP" dirty="0"/>
+              <a:t>	</a:t>
+            </a:r>
+            <a:r>
+              <a:rPr kumimoji="1" lang="ja-JP" altLang="en-US" dirty="0"/>
+              <a:t>型付け規則を使い，それぞれの項が記載された    </a:t>
+            </a:r>
+            <a:r>
+              <a:rPr kumimoji="1" lang="en-US" altLang="ja-JP" dirty="0"/>
+              <a:t>	</a:t>
+            </a:r>
+            <a:r>
+              <a:rPr kumimoji="1" lang="ja-JP" altLang="en-US" dirty="0"/>
+              <a:t>ような型を持つことを確認する．</a:t>
+            </a:r>
+            <a:endParaRPr kumimoji="1" lang="en-US" altLang="ja-JP" dirty="0"/>
+          </a:p>
+        </p:txBody>
+      </p:sp>
+    </p:spTree>
+    <p:extLst>
+      <p:ext uri="{BB962C8B-B14F-4D97-AF65-F5344CB8AC3E}">
+        <p14:creationId xmlns:p14="http://schemas.microsoft.com/office/powerpoint/2010/main" val="2543361805"/>
+      </p:ext>
+    </p:extLst>
+  </p:cSld>
+  <p:clrMapOvr>
+    <a:masterClrMapping/>
+  </p:clrMapOvr>
+</p:sld>
+</file>
+
+<file path=ppt/slides/slide25.xml><?xml version="1.0" encoding="utf-8"?>
+<p:sld xmlns:a="http://schemas.openxmlformats.org/drawingml/2006/main" xmlns:r="http://schemas.openxmlformats.org/officeDocument/2006/relationships" xmlns:p="http://schemas.openxmlformats.org/presentationml/2006/main">
+  <p:cSld>
+    <p:spTree>
+      <p:nvGrpSpPr>
+        <p:cNvPr id="1" name="">
+          <a:extLst>
+            <a:ext uri="{FF2B5EF4-FFF2-40B4-BE49-F238E27FC236}">
+              <a16:creationId xmlns:a16="http://schemas.microsoft.com/office/drawing/2014/main" id="{A6CC62FD-3A95-A837-9A2C-06BEF0E08078}"/>
+            </a:ext>
+          </a:extLst>
+        </p:cNvPr>
+        <p:cNvGrpSpPr/>
+        <p:nvPr/>
+      </p:nvGrpSpPr>
+      <p:grpSpPr>
+        <a:xfrm>
+          <a:off x="0" y="0"/>
+          <a:ext cx="0" cy="0"/>
+          <a:chOff x="0" y="0"/>
+          <a:chExt cx="0" cy="0"/>
+        </a:xfrm>
+      </p:grpSpPr>
+      <p:sp>
+        <p:nvSpPr>
+          <p:cNvPr id="2" name="タイトル 1">
+            <a:extLst>
+              <a:ext uri="{FF2B5EF4-FFF2-40B4-BE49-F238E27FC236}">
+                <a16:creationId xmlns:a16="http://schemas.microsoft.com/office/drawing/2014/main" id="{774F4251-74AA-D2F6-AB52-591426E9430E}"/>
+              </a:ext>
+            </a:extLst>
+          </p:cNvPr>
+          <p:cNvSpPr>
+            <a:spLocks noGrp="1"/>
+          </p:cNvSpPr>
+          <p:nvPr>
+            <p:ph type="title"/>
+          </p:nvPr>
+        </p:nvSpPr>
+        <p:spPr/>
+        <p:txBody>
+          <a:bodyPr/>
+          <a:lstStyle/>
+          <a:p>
+            <a:r>
+              <a:rPr kumimoji="1" lang="en-US" altLang="ja-JP" dirty="0"/>
+              <a:t>23.3 </a:t>
+            </a:r>
+            <a:r>
+              <a:rPr lang="ja-JP" altLang="en-US" dirty="0"/>
+              <a:t>例</a:t>
+            </a:r>
+            <a:endParaRPr kumimoji="1" lang="ja-JP" altLang="en-US" dirty="0"/>
+          </a:p>
+        </p:txBody>
+      </p:sp>
+      <p:sp>
+        <p:nvSpPr>
+          <p:cNvPr id="3" name="コンテンツ プレースホルダー 2">
+            <a:extLst>
+              <a:ext uri="{FF2B5EF4-FFF2-40B4-BE49-F238E27FC236}">
+                <a16:creationId xmlns:a16="http://schemas.microsoft.com/office/drawing/2014/main" id="{3A7DE8A7-0C62-DE4B-AC4C-8841D17AEBC4}"/>
+              </a:ext>
+            </a:extLst>
+          </p:cNvPr>
+          <p:cNvSpPr>
+            <a:spLocks noGrp="1"/>
+          </p:cNvSpPr>
+          <p:nvPr>
+            <p:ph idx="1"/>
+          </p:nvPr>
+        </p:nvSpPr>
+        <p:spPr>
+          <a:xfrm>
+            <a:off x="259194" y="1099789"/>
+            <a:ext cx="8625610" cy="5482165"/>
+          </a:xfrm>
+        </p:spPr>
+        <p:txBody>
+          <a:bodyPr>
+            <a:normAutofit/>
+          </a:bodyPr>
+          <a:lstStyle/>
+          <a:p>
+            <a:pPr marL="0" indent="0">
+              <a:buNone/>
+            </a:pPr>
+            <a:r>
+              <a:rPr kumimoji="1" lang="en-US" altLang="ja-JP" dirty="0"/>
+              <a:t>Warm–Ups and 23.4.1 Exercise</a:t>
+            </a:r>
+          </a:p>
+          <a:p>
+            <a:pPr marL="0" indent="0">
+              <a:buNone/>
+            </a:pPr>
+            <a:endParaRPr lang="en-US" altLang="ja-JP" sz="800" dirty="0"/>
+          </a:p>
+          <a:p>
+            <a:pPr marL="0" indent="0">
+              <a:buNone/>
+            </a:pPr>
+            <a:r>
+              <a:rPr kumimoji="1" lang="en-US" altLang="ja-JP" b="1" dirty="0">
+                <a:highlight>
+                  <a:srgbClr val="00FFFF"/>
+                </a:highlight>
+                <a:latin typeface="Source Sans Pro SemiBold" panose="020B0603030403020204" pitchFamily="34" charset="0"/>
+                <a:ea typeface="Source Sans Pro SemiBold" panose="020B0603030403020204" pitchFamily="34" charset="0"/>
+              </a:rPr>
+              <a:t>id = </a:t>
+            </a:r>
+            <a:r>
+              <a:rPr kumimoji="1" lang="en-US" altLang="ja-JP" b="1" dirty="0" err="1">
+                <a:highlight>
+                  <a:srgbClr val="00FFFF"/>
+                </a:highlight>
+                <a:latin typeface="Source Sans Pro SemiBold" panose="020B0603030403020204" pitchFamily="34" charset="0"/>
+                <a:ea typeface="Source Sans Pro SemiBold" panose="020B0603030403020204" pitchFamily="34" charset="0"/>
+              </a:rPr>
+              <a:t>λX</a:t>
+            </a:r>
+            <a:r>
+              <a:rPr lang="en-US" altLang="ja-JP" b="1" dirty="0">
+                <a:highlight>
+                  <a:srgbClr val="00FFFF"/>
+                </a:highlight>
+                <a:latin typeface="Source Sans Pro SemiBold" panose="020B0603030403020204" pitchFamily="34" charset="0"/>
+                <a:ea typeface="Source Sans Pro SemiBold" panose="020B0603030403020204" pitchFamily="34" charset="0"/>
+              </a:rPr>
+              <a:t>.</a:t>
+            </a:r>
+            <a:r>
+              <a:rPr kumimoji="1" lang="en-US" altLang="ja-JP" b="1" dirty="0">
+                <a:highlight>
+                  <a:srgbClr val="00FFFF"/>
+                </a:highlight>
+                <a:latin typeface="Source Sans Pro SemiBold" panose="020B0603030403020204" pitchFamily="34" charset="0"/>
+                <a:ea typeface="Source Sans Pro SemiBold" panose="020B0603030403020204" pitchFamily="34" charset="0"/>
+              </a:rPr>
+              <a:t> </a:t>
+            </a:r>
+            <a:r>
+              <a:rPr kumimoji="1" lang="en-US" altLang="ja-JP" b="1" dirty="0" err="1">
+                <a:highlight>
+                  <a:srgbClr val="00FFFF"/>
+                </a:highlight>
+                <a:latin typeface="Source Sans Pro SemiBold" panose="020B0603030403020204" pitchFamily="34" charset="0"/>
+                <a:ea typeface="Source Sans Pro SemiBold" panose="020B0603030403020204" pitchFamily="34" charset="0"/>
+              </a:rPr>
+              <a:t>λx:X</a:t>
+            </a:r>
+            <a:r>
+              <a:rPr kumimoji="1" lang="en-US" altLang="ja-JP" b="1" dirty="0">
+                <a:highlight>
+                  <a:srgbClr val="00FFFF"/>
+                </a:highlight>
+                <a:latin typeface="Source Sans Pro SemiBold" panose="020B0603030403020204" pitchFamily="34" charset="0"/>
+                <a:ea typeface="Source Sans Pro SemiBold" panose="020B0603030403020204" pitchFamily="34" charset="0"/>
+              </a:rPr>
+              <a:t>. x</a:t>
+            </a:r>
+          </a:p>
+          <a:p>
+            <a:pPr marL="0" indent="0">
+              <a:buNone/>
+            </a:pPr>
+            <a:r>
+              <a:rPr lang="en-US" altLang="ja-JP" b="1" dirty="0">
+                <a:latin typeface="Source Sans Pro SemiBold" panose="020B0603030403020204" pitchFamily="34" charset="0"/>
+                <a:ea typeface="Source Sans Pro SemiBold" panose="020B0603030403020204" pitchFamily="34" charset="0"/>
+              </a:rPr>
+              <a:t># id : </a:t>
+            </a:r>
+            <a:r>
+              <a:rPr lang="ja-JP" altLang="en-US" b="1" dirty="0">
+                <a:latin typeface="Source Sans Pro SemiBold" panose="020B0603030403020204" pitchFamily="34" charset="0"/>
+                <a:ea typeface="Source Sans Pro SemiBold" panose="020B0603030403020204" pitchFamily="34" charset="0"/>
+              </a:rPr>
+              <a:t>∀</a:t>
+            </a:r>
+            <a:r>
+              <a:rPr lang="en-US" altLang="ja-JP" b="1" dirty="0">
+                <a:latin typeface="Source Sans Pro SemiBold" panose="020B0603030403020204" pitchFamily="34" charset="0"/>
+                <a:ea typeface="Source Sans Pro SemiBold" panose="020B0603030403020204" pitchFamily="34" charset="0"/>
+              </a:rPr>
+              <a:t>X. X </a:t>
+            </a:r>
+            <a:r>
+              <a:rPr lang="ja-JP" altLang="en-US" b="1" dirty="0">
+                <a:latin typeface="Source Sans Pro SemiBold" panose="020B0603030403020204" pitchFamily="34" charset="0"/>
+                <a:ea typeface="Source Sans Pro SemiBold" panose="020B0603030403020204" pitchFamily="34" charset="0"/>
+              </a:rPr>
+              <a:t>→ </a:t>
+            </a:r>
+            <a:r>
+              <a:rPr lang="en-US" altLang="ja-JP" b="1" dirty="0">
+                <a:latin typeface="Source Sans Pro SemiBold" panose="020B0603030403020204" pitchFamily="34" charset="0"/>
+                <a:ea typeface="Source Sans Pro SemiBold" panose="020B0603030403020204" pitchFamily="34" charset="0"/>
+              </a:rPr>
+              <a:t>X</a:t>
+            </a:r>
+          </a:p>
+          <a:p>
+            <a:pPr marL="0" indent="0">
+              <a:buNone/>
+            </a:pPr>
+            <a:endParaRPr kumimoji="1" lang="en-US" altLang="ja-JP" b="1" dirty="0">
+              <a:latin typeface="Source Sans Pro SemiBold" panose="020B0603030403020204" pitchFamily="34" charset="0"/>
+              <a:ea typeface="Source Sans Pro SemiBold" panose="020B0603030403020204" pitchFamily="34" charset="0"/>
+            </a:endParaRPr>
+          </a:p>
+          <a:p>
+            <a:pPr marL="0" indent="0">
+              <a:buNone/>
+            </a:pPr>
+            <a:endParaRPr kumimoji="1" lang="en-US" altLang="ja-JP" b="1" dirty="0">
+              <a:latin typeface="Source Sans Pro SemiBold" panose="020B0603030403020204" pitchFamily="34" charset="0"/>
+              <a:ea typeface="Source Sans Pro SemiBold" panose="020B0603030403020204" pitchFamily="34" charset="0"/>
+            </a:endParaRPr>
+          </a:p>
+        </p:txBody>
+      </p:sp>
+      <p:pic>
+        <p:nvPicPr>
+          <p:cNvPr id="5" name="図 4">
+            <a:extLst>
+              <a:ext uri="{FF2B5EF4-FFF2-40B4-BE49-F238E27FC236}">
+                <a16:creationId xmlns:a16="http://schemas.microsoft.com/office/drawing/2014/main" id="{4EDBCA16-4353-C3FF-0DF5-79A2CDA6DF7A}"/>
+              </a:ext>
+            </a:extLst>
+          </p:cNvPr>
+          <p:cNvPicPr>
+            <a:picLocks noChangeAspect="1"/>
+          </p:cNvPicPr>
+          <p:nvPr/>
+        </p:nvPicPr>
+        <p:blipFill>
+          <a:blip r:embed="rId3"/>
+          <a:stretch>
+            <a:fillRect/>
+          </a:stretch>
+        </p:blipFill>
+        <p:spPr>
+          <a:xfrm>
+            <a:off x="134363" y="3104148"/>
+            <a:ext cx="8875271" cy="3080084"/>
+          </a:xfrm>
+          <a:prstGeom prst="rect">
+            <a:avLst/>
+          </a:prstGeom>
+        </p:spPr>
+      </p:pic>
+    </p:spTree>
+    <p:extLst>
+      <p:ext uri="{BB962C8B-B14F-4D97-AF65-F5344CB8AC3E}">
+        <p14:creationId xmlns:p14="http://schemas.microsoft.com/office/powerpoint/2010/main" val="1923284491"/>
+      </p:ext>
+    </p:extLst>
+  </p:cSld>
+  <p:clrMapOvr>
+    <a:masterClrMapping/>
+  </p:clrMapOvr>
+</p:sld>
+</file>
+
+<file path=ppt/slides/slide26.xml><?xml version="1.0" encoding="utf-8"?>
+<p:sld xmlns:a="http://schemas.openxmlformats.org/drawingml/2006/main" xmlns:r="http://schemas.openxmlformats.org/officeDocument/2006/relationships" xmlns:p="http://schemas.openxmlformats.org/presentationml/2006/main">
+  <p:cSld>
+    <p:spTree>
+      <p:nvGrpSpPr>
+        <p:cNvPr id="1" name="">
+          <a:extLst>
+            <a:ext uri="{FF2B5EF4-FFF2-40B4-BE49-F238E27FC236}">
+              <a16:creationId xmlns:a16="http://schemas.microsoft.com/office/drawing/2014/main" id="{8BB80E14-B6D8-30CD-65B2-06A5F7EE6480}"/>
+            </a:ext>
+          </a:extLst>
+        </p:cNvPr>
+        <p:cNvGrpSpPr/>
+        <p:nvPr/>
+      </p:nvGrpSpPr>
+      <p:grpSpPr>
+        <a:xfrm>
+          <a:off x="0" y="0"/>
+          <a:ext cx="0" cy="0"/>
+          <a:chOff x="0" y="0"/>
+          <a:chExt cx="0" cy="0"/>
+        </a:xfrm>
+      </p:grpSpPr>
+      <p:sp>
+        <p:nvSpPr>
+          <p:cNvPr id="2" name="タイトル 1">
+            <a:extLst>
+              <a:ext uri="{FF2B5EF4-FFF2-40B4-BE49-F238E27FC236}">
+                <a16:creationId xmlns:a16="http://schemas.microsoft.com/office/drawing/2014/main" id="{C927F540-1881-B134-0D8C-BEB5E7AF083D}"/>
+              </a:ext>
+            </a:extLst>
+          </p:cNvPr>
+          <p:cNvSpPr>
+            <a:spLocks noGrp="1"/>
+          </p:cNvSpPr>
+          <p:nvPr>
+            <p:ph type="title"/>
+          </p:nvPr>
+        </p:nvSpPr>
+        <p:spPr/>
+        <p:txBody>
+          <a:bodyPr/>
+          <a:lstStyle/>
+          <a:p>
+            <a:r>
+              <a:rPr kumimoji="1" lang="en-US" altLang="ja-JP" dirty="0"/>
+              <a:t>23.3 </a:t>
+            </a:r>
+            <a:r>
+              <a:rPr lang="ja-JP" altLang="en-US" dirty="0"/>
+              <a:t>例</a:t>
+            </a:r>
+            <a:endParaRPr kumimoji="1" lang="ja-JP" altLang="en-US" dirty="0"/>
+          </a:p>
+        </p:txBody>
+      </p:sp>
+      <p:sp>
+        <p:nvSpPr>
+          <p:cNvPr id="3" name="コンテンツ プレースホルダー 2">
+            <a:extLst>
+              <a:ext uri="{FF2B5EF4-FFF2-40B4-BE49-F238E27FC236}">
+                <a16:creationId xmlns:a16="http://schemas.microsoft.com/office/drawing/2014/main" id="{9EC504D3-4D14-EB63-7708-F437E73620E8}"/>
+              </a:ext>
+            </a:extLst>
+          </p:cNvPr>
+          <p:cNvSpPr>
+            <a:spLocks noGrp="1"/>
+          </p:cNvSpPr>
+          <p:nvPr>
+            <p:ph idx="1"/>
+          </p:nvPr>
+        </p:nvSpPr>
+        <p:spPr>
+          <a:xfrm>
+            <a:off x="259194" y="1099789"/>
+            <a:ext cx="8625610" cy="5482165"/>
+          </a:xfrm>
+        </p:spPr>
+        <p:txBody>
+          <a:bodyPr>
+            <a:normAutofit/>
+          </a:bodyPr>
+          <a:lstStyle/>
+          <a:p>
+            <a:pPr marL="0" indent="0">
+              <a:buNone/>
+            </a:pPr>
+            <a:r>
+              <a:rPr kumimoji="1" lang="en-US" altLang="ja-JP" dirty="0"/>
+              <a:t>Warm–Ups and 23.4.1 Exercise</a:t>
+            </a:r>
+          </a:p>
+          <a:p>
+            <a:pPr marL="0" indent="0">
+              <a:buNone/>
+            </a:pPr>
+            <a:endParaRPr lang="en-US" altLang="ja-JP" sz="800" dirty="0"/>
+          </a:p>
+          <a:p>
+            <a:pPr marL="0" indent="0">
+              <a:buNone/>
+            </a:pPr>
+            <a:r>
+              <a:rPr kumimoji="1" lang="en-US" altLang="ja-JP" b="1" dirty="0">
+                <a:highlight>
+                  <a:srgbClr val="00FFFF"/>
+                </a:highlight>
+                <a:latin typeface="Source Sans Pro SemiBold" panose="020B0603030403020204" pitchFamily="34" charset="0"/>
+                <a:ea typeface="Source Sans Pro SemiBold" panose="020B0603030403020204" pitchFamily="34" charset="0"/>
+              </a:rPr>
+              <a:t>id [Nat]</a:t>
+            </a:r>
+          </a:p>
+          <a:p>
+            <a:pPr marL="0" indent="0">
+              <a:buNone/>
+            </a:pPr>
+            <a:r>
+              <a:rPr lang="en-US" altLang="ja-JP" b="1" dirty="0">
+                <a:latin typeface="Source Sans Pro SemiBold" panose="020B0603030403020204" pitchFamily="34" charset="0"/>
+                <a:ea typeface="Source Sans Pro SemiBold" panose="020B0603030403020204" pitchFamily="34" charset="0"/>
+              </a:rPr>
+              <a:t># &lt;fun&gt; : </a:t>
+            </a:r>
+            <a:r>
+              <a:rPr kumimoji="1" lang="en-US" altLang="ja-JP" b="1" dirty="0">
+                <a:latin typeface="Source Sans Pro SemiBold" panose="020B0603030403020204" pitchFamily="34" charset="0"/>
+                <a:ea typeface="Source Sans Pro SemiBold" panose="020B0603030403020204" pitchFamily="34" charset="0"/>
+              </a:rPr>
+              <a:t>Nat  </a:t>
+            </a:r>
+            <a:r>
+              <a:rPr kumimoji="1" lang="ja-JP" altLang="en-US" b="1" dirty="0">
+                <a:latin typeface="Source Sans Pro SemiBold" panose="020B0603030403020204" pitchFamily="34" charset="0"/>
+                <a:ea typeface="Source Sans Pro SemiBold" panose="020B0603030403020204" pitchFamily="34" charset="0"/>
+              </a:rPr>
+              <a:t>→ </a:t>
+            </a:r>
+            <a:r>
+              <a:rPr kumimoji="1" lang="en-US" altLang="ja-JP" b="1" dirty="0">
+                <a:latin typeface="Source Sans Pro SemiBold" panose="020B0603030403020204" pitchFamily="34" charset="0"/>
+                <a:ea typeface="Source Sans Pro SemiBold" panose="020B0603030403020204" pitchFamily="34" charset="0"/>
+              </a:rPr>
+              <a:t>Nat</a:t>
+            </a:r>
+          </a:p>
+          <a:p>
+            <a:pPr marL="0" indent="0">
+              <a:buNone/>
+            </a:pPr>
+            <a:endParaRPr lang="en-US" altLang="ja-JP" b="1" dirty="0">
+              <a:highlight>
+                <a:srgbClr val="00FFFF"/>
+              </a:highlight>
+              <a:latin typeface="Source Sans Pro SemiBold" panose="020B0603030403020204" pitchFamily="34" charset="0"/>
+              <a:ea typeface="Source Sans Pro SemiBold" panose="020B0603030403020204" pitchFamily="34" charset="0"/>
+            </a:endParaRPr>
+          </a:p>
+          <a:p>
+            <a:pPr marL="0" indent="0">
+              <a:buNone/>
+            </a:pPr>
+            <a:endParaRPr kumimoji="1" lang="en-US" altLang="ja-JP" b="1" dirty="0">
+              <a:latin typeface="Source Sans Pro SemiBold" panose="020B0603030403020204" pitchFamily="34" charset="0"/>
+              <a:ea typeface="Source Sans Pro SemiBold" panose="020B0603030403020204" pitchFamily="34" charset="0"/>
+            </a:endParaRPr>
+          </a:p>
+          <a:p>
+            <a:pPr marL="0" indent="0">
+              <a:buNone/>
+            </a:pPr>
+            <a:endParaRPr kumimoji="1" lang="en-US" altLang="ja-JP" b="1" dirty="0">
+              <a:latin typeface="Source Sans Pro SemiBold" panose="020B0603030403020204" pitchFamily="34" charset="0"/>
+              <a:ea typeface="Source Sans Pro SemiBold" panose="020B0603030403020204" pitchFamily="34" charset="0"/>
+            </a:endParaRPr>
+          </a:p>
+        </p:txBody>
+      </p:sp>
+      <p:pic>
+        <p:nvPicPr>
+          <p:cNvPr id="6" name="図 5">
+            <a:extLst>
+              <a:ext uri="{FF2B5EF4-FFF2-40B4-BE49-F238E27FC236}">
+                <a16:creationId xmlns:a16="http://schemas.microsoft.com/office/drawing/2014/main" id="{2AD48D95-F95E-C282-5BE1-163AE6939DA9}"/>
+              </a:ext>
+            </a:extLst>
+          </p:cNvPr>
+          <p:cNvPicPr>
+            <a:picLocks noChangeAspect="1"/>
+          </p:cNvPicPr>
+          <p:nvPr/>
+        </p:nvPicPr>
+        <p:blipFill>
+          <a:blip r:embed="rId3"/>
+          <a:stretch>
+            <a:fillRect/>
+          </a:stretch>
+        </p:blipFill>
+        <p:spPr>
+          <a:xfrm>
+            <a:off x="516079" y="3109523"/>
+            <a:ext cx="8111840" cy="2100152"/>
+          </a:xfrm>
+          <a:prstGeom prst="rect">
+            <a:avLst/>
+          </a:prstGeom>
+        </p:spPr>
+      </p:pic>
+    </p:spTree>
+    <p:extLst>
+      <p:ext uri="{BB962C8B-B14F-4D97-AF65-F5344CB8AC3E}">
+        <p14:creationId xmlns:p14="http://schemas.microsoft.com/office/powerpoint/2010/main" val="1308808198"/>
+      </p:ext>
+    </p:extLst>
+  </p:cSld>
+  <p:clrMapOvr>
+    <a:masterClrMapping/>
+  </p:clrMapOvr>
+</p:sld>
+</file>
+
+<file path=ppt/slides/slide27.xml><?xml version="1.0" encoding="utf-8"?>
+<p:sld xmlns:a="http://schemas.openxmlformats.org/drawingml/2006/main" xmlns:r="http://schemas.openxmlformats.org/officeDocument/2006/relationships" xmlns:p="http://schemas.openxmlformats.org/presentationml/2006/main">
+  <p:cSld>
+    <p:spTree>
+      <p:nvGrpSpPr>
+        <p:cNvPr id="1" name="">
+          <a:extLst>
+            <a:ext uri="{FF2B5EF4-FFF2-40B4-BE49-F238E27FC236}">
+              <a16:creationId xmlns:a16="http://schemas.microsoft.com/office/drawing/2014/main" id="{D8B17B18-10D2-5420-9FEA-944A9C144EA7}"/>
+            </a:ext>
+          </a:extLst>
+        </p:cNvPr>
+        <p:cNvGrpSpPr/>
+        <p:nvPr/>
+      </p:nvGrpSpPr>
+      <p:grpSpPr>
+        <a:xfrm>
+          <a:off x="0" y="0"/>
+          <a:ext cx="0" cy="0"/>
+          <a:chOff x="0" y="0"/>
+          <a:chExt cx="0" cy="0"/>
+        </a:xfrm>
+      </p:grpSpPr>
+      <p:sp>
+        <p:nvSpPr>
+          <p:cNvPr id="2" name="タイトル 1">
+            <a:extLst>
+              <a:ext uri="{FF2B5EF4-FFF2-40B4-BE49-F238E27FC236}">
+                <a16:creationId xmlns:a16="http://schemas.microsoft.com/office/drawing/2014/main" id="{86AB5B81-C363-4BD4-A1BF-3AEBA1200842}"/>
+              </a:ext>
+            </a:extLst>
+          </p:cNvPr>
+          <p:cNvSpPr>
+            <a:spLocks noGrp="1"/>
+          </p:cNvSpPr>
+          <p:nvPr>
+            <p:ph type="title"/>
+          </p:nvPr>
+        </p:nvSpPr>
+        <p:spPr/>
+        <p:txBody>
+          <a:bodyPr/>
+          <a:lstStyle/>
+          <a:p>
+            <a:r>
+              <a:rPr kumimoji="1" lang="en-US" altLang="ja-JP" dirty="0"/>
+              <a:t>23.3 </a:t>
+            </a:r>
+            <a:r>
+              <a:rPr lang="ja-JP" altLang="en-US" dirty="0"/>
+              <a:t>例</a:t>
+            </a:r>
+            <a:endParaRPr kumimoji="1" lang="ja-JP" altLang="en-US" dirty="0"/>
+          </a:p>
+        </p:txBody>
+      </p:sp>
+      <p:sp>
+        <p:nvSpPr>
+          <p:cNvPr id="3" name="コンテンツ プレースホルダー 2">
+            <a:extLst>
+              <a:ext uri="{FF2B5EF4-FFF2-40B4-BE49-F238E27FC236}">
+                <a16:creationId xmlns:a16="http://schemas.microsoft.com/office/drawing/2014/main" id="{C570260C-2B9A-6E59-3850-057D1A2C9642}"/>
+              </a:ext>
+            </a:extLst>
+          </p:cNvPr>
+          <p:cNvSpPr>
+            <a:spLocks noGrp="1"/>
+          </p:cNvSpPr>
+          <p:nvPr>
+            <p:ph idx="1"/>
+          </p:nvPr>
+        </p:nvSpPr>
+        <p:spPr>
+          <a:xfrm>
+            <a:off x="259194" y="1099789"/>
+            <a:ext cx="8625610" cy="5482165"/>
+          </a:xfrm>
+        </p:spPr>
+        <p:txBody>
+          <a:bodyPr>
+            <a:normAutofit/>
+          </a:bodyPr>
+          <a:lstStyle/>
+          <a:p>
+            <a:pPr marL="0" indent="0">
+              <a:buNone/>
+            </a:pPr>
+            <a:r>
+              <a:rPr kumimoji="1" lang="en-US" altLang="ja-JP" dirty="0"/>
+              <a:t>Warm–Ups and 23.4.1 Exercise</a:t>
+            </a:r>
+          </a:p>
+          <a:p>
+            <a:pPr marL="0" indent="0">
+              <a:buNone/>
+            </a:pPr>
+            <a:endParaRPr lang="en-US" altLang="ja-JP" sz="800" dirty="0"/>
+          </a:p>
+          <a:p>
+            <a:pPr marL="0" indent="0">
+              <a:buNone/>
+            </a:pPr>
+            <a:r>
+              <a:rPr kumimoji="1" lang="en-US" altLang="ja-JP" b="1" dirty="0">
+                <a:highlight>
+                  <a:srgbClr val="00FFFF"/>
+                </a:highlight>
+                <a:latin typeface="Source Sans Pro SemiBold" panose="020B0603030403020204" pitchFamily="34" charset="0"/>
+                <a:ea typeface="Source Sans Pro SemiBold" panose="020B0603030403020204" pitchFamily="34" charset="0"/>
+              </a:rPr>
+              <a:t>id [Nat]</a:t>
+            </a:r>
+            <a:r>
+              <a:rPr lang="ja-JP" altLang="en-US" b="1" dirty="0">
+                <a:highlight>
+                  <a:srgbClr val="00FFFF"/>
+                </a:highlight>
+                <a:latin typeface="Source Sans Pro SemiBold" panose="020B0603030403020204" pitchFamily="34" charset="0"/>
+                <a:ea typeface="Source Sans Pro SemiBold" panose="020B0603030403020204" pitchFamily="34" charset="0"/>
+              </a:rPr>
+              <a:t> </a:t>
+            </a:r>
+            <a:r>
+              <a:rPr lang="en-US" altLang="ja-JP" b="1" dirty="0">
+                <a:highlight>
+                  <a:srgbClr val="00FFFF"/>
+                </a:highlight>
+                <a:latin typeface="Source Sans Pro SemiBold" panose="020B0603030403020204" pitchFamily="34" charset="0"/>
+                <a:ea typeface="Source Sans Pro SemiBold" panose="020B0603030403020204" pitchFamily="34" charset="0"/>
+              </a:rPr>
+              <a:t>0</a:t>
+            </a:r>
+          </a:p>
+          <a:p>
+            <a:pPr marL="0" indent="0">
+              <a:buNone/>
+            </a:pPr>
+            <a:r>
+              <a:rPr kumimoji="1" lang="en-US" altLang="ja-JP" b="1" dirty="0">
+                <a:latin typeface="Source Sans Pro SemiBold" panose="020B0603030403020204" pitchFamily="34" charset="0"/>
+                <a:ea typeface="Source Sans Pro SemiBold" panose="020B0603030403020204" pitchFamily="34" charset="0"/>
+              </a:rPr>
+              <a:t># 0 : Nat</a:t>
+            </a:r>
+          </a:p>
+          <a:p>
+            <a:pPr marL="0" indent="0">
+              <a:buNone/>
+            </a:pPr>
+            <a:endParaRPr lang="en-US" altLang="ja-JP" b="1" dirty="0">
+              <a:highlight>
+                <a:srgbClr val="00FFFF"/>
+              </a:highlight>
+              <a:latin typeface="Source Sans Pro SemiBold" panose="020B0603030403020204" pitchFamily="34" charset="0"/>
+              <a:ea typeface="Source Sans Pro SemiBold" panose="020B0603030403020204" pitchFamily="34" charset="0"/>
+            </a:endParaRPr>
+          </a:p>
+          <a:p>
+            <a:pPr marL="0" indent="0">
+              <a:buNone/>
+            </a:pPr>
+            <a:endParaRPr kumimoji="1" lang="en-US" altLang="ja-JP" b="1" dirty="0">
+              <a:latin typeface="Source Sans Pro SemiBold" panose="020B0603030403020204" pitchFamily="34" charset="0"/>
+              <a:ea typeface="Source Sans Pro SemiBold" panose="020B0603030403020204" pitchFamily="34" charset="0"/>
+            </a:endParaRPr>
+          </a:p>
+          <a:p>
+            <a:pPr marL="0" indent="0">
+              <a:buNone/>
+            </a:pPr>
+            <a:endParaRPr kumimoji="1" lang="en-US" altLang="ja-JP" b="1" dirty="0">
+              <a:latin typeface="Source Sans Pro SemiBold" panose="020B0603030403020204" pitchFamily="34" charset="0"/>
+              <a:ea typeface="Source Sans Pro SemiBold" panose="020B0603030403020204" pitchFamily="34" charset="0"/>
+            </a:endParaRPr>
+          </a:p>
+        </p:txBody>
+      </p:sp>
+      <p:pic>
+        <p:nvPicPr>
+          <p:cNvPr id="5" name="図 4">
+            <a:extLst>
+              <a:ext uri="{FF2B5EF4-FFF2-40B4-BE49-F238E27FC236}">
+                <a16:creationId xmlns:a16="http://schemas.microsoft.com/office/drawing/2014/main" id="{035A7DDB-2238-FB68-5E8F-941C1095AAB1}"/>
+              </a:ext>
+            </a:extLst>
+          </p:cNvPr>
+          <p:cNvPicPr>
+            <a:picLocks noChangeAspect="1"/>
+          </p:cNvPicPr>
+          <p:nvPr/>
+        </p:nvPicPr>
+        <p:blipFill>
+          <a:blip r:embed="rId3"/>
+          <a:stretch>
+            <a:fillRect/>
+          </a:stretch>
+        </p:blipFill>
+        <p:spPr>
+          <a:xfrm>
+            <a:off x="451577" y="3223909"/>
+            <a:ext cx="8240844" cy="1233924"/>
+          </a:xfrm>
+          <a:prstGeom prst="rect">
+            <a:avLst/>
+          </a:prstGeom>
+        </p:spPr>
+      </p:pic>
+    </p:spTree>
+    <p:extLst>
+      <p:ext uri="{BB962C8B-B14F-4D97-AF65-F5344CB8AC3E}">
+        <p14:creationId xmlns:p14="http://schemas.microsoft.com/office/powerpoint/2010/main" val="3148570142"/>
+      </p:ext>
+    </p:extLst>
+  </p:cSld>
+  <p:clrMapOvr>
+    <a:masterClrMapping/>
+  </p:clrMapOvr>
+</p:sld>
+</file>
+
+<file path=ppt/slides/slide28.xml><?xml version="1.0" encoding="utf-8"?>
+<p:sld xmlns:a="http://schemas.openxmlformats.org/drawingml/2006/main" xmlns:r="http://schemas.openxmlformats.org/officeDocument/2006/relationships" xmlns:p="http://schemas.openxmlformats.org/presentationml/2006/main">
+  <p:cSld>
+    <p:spTree>
+      <p:nvGrpSpPr>
+        <p:cNvPr id="1" name="">
+          <a:extLst>
+            <a:ext uri="{FF2B5EF4-FFF2-40B4-BE49-F238E27FC236}">
+              <a16:creationId xmlns:a16="http://schemas.microsoft.com/office/drawing/2014/main" id="{1256AD78-7222-EA94-4592-FCA3927A64FF}"/>
+            </a:ext>
+          </a:extLst>
+        </p:cNvPr>
+        <p:cNvGrpSpPr/>
+        <p:nvPr/>
+      </p:nvGrpSpPr>
+      <p:grpSpPr>
+        <a:xfrm>
+          <a:off x="0" y="0"/>
+          <a:ext cx="0" cy="0"/>
+          <a:chOff x="0" y="0"/>
+          <a:chExt cx="0" cy="0"/>
+        </a:xfrm>
+      </p:grpSpPr>
+      <p:sp>
+        <p:nvSpPr>
+          <p:cNvPr id="2" name="タイトル 1">
+            <a:extLst>
+              <a:ext uri="{FF2B5EF4-FFF2-40B4-BE49-F238E27FC236}">
+                <a16:creationId xmlns:a16="http://schemas.microsoft.com/office/drawing/2014/main" id="{9E959CDA-A725-D383-0D86-2C9ED0F0B132}"/>
+              </a:ext>
+            </a:extLst>
+          </p:cNvPr>
+          <p:cNvSpPr>
+            <a:spLocks noGrp="1"/>
+          </p:cNvSpPr>
+          <p:nvPr>
+            <p:ph type="title"/>
+          </p:nvPr>
+        </p:nvSpPr>
+        <p:spPr/>
+        <p:txBody>
+          <a:bodyPr/>
+          <a:lstStyle/>
+          <a:p>
+            <a:r>
+              <a:rPr kumimoji="1" lang="en-US" altLang="ja-JP" dirty="0"/>
+              <a:t>23.3 </a:t>
+            </a:r>
+            <a:r>
+              <a:rPr lang="ja-JP" altLang="en-US" dirty="0"/>
+              <a:t>例</a:t>
+            </a:r>
+            <a:endParaRPr kumimoji="1" lang="ja-JP" altLang="en-US" dirty="0"/>
+          </a:p>
+        </p:txBody>
+      </p:sp>
+      <p:sp>
+        <p:nvSpPr>
+          <p:cNvPr id="3" name="コンテンツ プレースホルダー 2">
+            <a:extLst>
+              <a:ext uri="{FF2B5EF4-FFF2-40B4-BE49-F238E27FC236}">
+                <a16:creationId xmlns:a16="http://schemas.microsoft.com/office/drawing/2014/main" id="{270285EA-EEF8-D96A-75EF-9D524BC29990}"/>
+              </a:ext>
+            </a:extLst>
+          </p:cNvPr>
+          <p:cNvSpPr>
+            <a:spLocks noGrp="1"/>
+          </p:cNvSpPr>
+          <p:nvPr>
+            <p:ph idx="1"/>
+          </p:nvPr>
+        </p:nvSpPr>
+        <p:spPr>
+          <a:xfrm>
+            <a:off x="259194" y="1099789"/>
+            <a:ext cx="8625610" cy="5482165"/>
+          </a:xfrm>
+        </p:spPr>
+        <p:txBody>
+          <a:bodyPr>
+            <a:normAutofit/>
+          </a:bodyPr>
+          <a:lstStyle/>
+          <a:p>
+            <a:pPr marL="0" indent="0">
+              <a:buNone/>
+            </a:pPr>
+            <a:r>
+              <a:rPr kumimoji="1" lang="en-US" altLang="ja-JP" dirty="0"/>
+              <a:t>Warm–Ups and 23.4.1 Exercise</a:t>
+            </a:r>
+          </a:p>
+          <a:p>
+            <a:pPr marL="0" indent="0">
+              <a:buNone/>
+            </a:pPr>
+            <a:endParaRPr lang="en-US" altLang="ja-JP" sz="800" dirty="0"/>
+          </a:p>
+          <a:p>
+            <a:pPr marL="0" indent="0">
+              <a:buNone/>
+            </a:pPr>
+            <a:r>
+              <a:rPr lang="en-US" altLang="ja-JP" b="1" dirty="0">
+                <a:highlight>
+                  <a:srgbClr val="00FFFF"/>
+                </a:highlight>
+                <a:latin typeface="Source Sans Pro SemiBold" panose="020B0603030403020204" pitchFamily="34" charset="0"/>
+                <a:ea typeface="Source Sans Pro SemiBold" panose="020B0603030403020204" pitchFamily="34" charset="0"/>
+              </a:rPr>
+              <a:t>double : </a:t>
+            </a:r>
+            <a:r>
+              <a:rPr lang="en-US" altLang="ja-JP" b="1" dirty="0" err="1">
+                <a:highlight>
+                  <a:srgbClr val="00FFFF"/>
+                </a:highlight>
+                <a:latin typeface="Source Sans Pro SemiBold" panose="020B0603030403020204" pitchFamily="34" charset="0"/>
+                <a:ea typeface="Source Sans Pro SemiBold" panose="020B0603030403020204" pitchFamily="34" charset="0"/>
+              </a:rPr>
+              <a:t>λX</a:t>
+            </a:r>
+            <a:r>
+              <a:rPr lang="en-US" altLang="ja-JP" b="1" dirty="0">
+                <a:highlight>
+                  <a:srgbClr val="00FFFF"/>
+                </a:highlight>
+                <a:latin typeface="Source Sans Pro SemiBold" panose="020B0603030403020204" pitchFamily="34" charset="0"/>
+                <a:ea typeface="Source Sans Pro SemiBold" panose="020B0603030403020204" pitchFamily="34" charset="0"/>
+              </a:rPr>
+              <a:t>. </a:t>
+            </a:r>
+            <a:r>
+              <a:rPr lang="en-US" altLang="ja-JP" b="1" dirty="0" err="1">
+                <a:highlight>
+                  <a:srgbClr val="00FFFF"/>
+                </a:highlight>
+                <a:latin typeface="Source Sans Pro SemiBold" panose="020B0603030403020204" pitchFamily="34" charset="0"/>
+                <a:ea typeface="Source Sans Pro SemiBold" panose="020B0603030403020204" pitchFamily="34" charset="0"/>
+              </a:rPr>
+              <a:t>λf</a:t>
+            </a:r>
+            <a:r>
+              <a:rPr lang="en-US" altLang="ja-JP" b="1" dirty="0">
+                <a:highlight>
+                  <a:srgbClr val="00FFFF"/>
+                </a:highlight>
+                <a:latin typeface="Source Sans Pro SemiBold" panose="020B0603030403020204" pitchFamily="34" charset="0"/>
+                <a:ea typeface="Source Sans Pro SemiBold" panose="020B0603030403020204" pitchFamily="34" charset="0"/>
+              </a:rPr>
+              <a:t> : X </a:t>
+            </a:r>
+            <a:r>
+              <a:rPr lang="ja-JP" altLang="en-US" b="1" dirty="0">
+                <a:highlight>
+                  <a:srgbClr val="00FFFF"/>
+                </a:highlight>
+                <a:latin typeface="Source Sans Pro SemiBold" panose="020B0603030403020204" pitchFamily="34" charset="0"/>
+                <a:ea typeface="Source Sans Pro SemiBold" panose="020B0603030403020204" pitchFamily="34" charset="0"/>
+              </a:rPr>
+              <a:t>→ </a:t>
+            </a:r>
+            <a:r>
+              <a:rPr lang="en-US" altLang="ja-JP" b="1" dirty="0">
+                <a:highlight>
+                  <a:srgbClr val="00FFFF"/>
+                </a:highlight>
+                <a:latin typeface="Source Sans Pro SemiBold" panose="020B0603030403020204" pitchFamily="34" charset="0"/>
+                <a:ea typeface="Source Sans Pro SemiBold" panose="020B0603030403020204" pitchFamily="34" charset="0"/>
+              </a:rPr>
+              <a:t>X. </a:t>
+            </a:r>
+            <a:r>
+              <a:rPr lang="en-US" altLang="ja-JP" b="1" dirty="0" err="1">
+                <a:highlight>
+                  <a:srgbClr val="00FFFF"/>
+                </a:highlight>
+                <a:latin typeface="Source Sans Pro SemiBold" panose="020B0603030403020204" pitchFamily="34" charset="0"/>
+                <a:ea typeface="Source Sans Pro SemiBold" panose="020B0603030403020204" pitchFamily="34" charset="0"/>
+              </a:rPr>
+              <a:t>λa</a:t>
+            </a:r>
+            <a:r>
+              <a:rPr lang="en-US" altLang="ja-JP" b="1" dirty="0">
+                <a:highlight>
+                  <a:srgbClr val="00FFFF"/>
+                </a:highlight>
+                <a:latin typeface="Source Sans Pro SemiBold" panose="020B0603030403020204" pitchFamily="34" charset="0"/>
+                <a:ea typeface="Source Sans Pro SemiBold" panose="020B0603030403020204" pitchFamily="34" charset="0"/>
+              </a:rPr>
+              <a:t> : X. f (f a)</a:t>
+            </a:r>
+          </a:p>
+          <a:p>
+            <a:pPr marL="0" indent="0">
+              <a:buNone/>
+            </a:pPr>
+            <a:r>
+              <a:rPr kumimoji="1" lang="en-US" altLang="ja-JP" b="1" dirty="0">
+                <a:latin typeface="Source Sans Pro SemiBold" panose="020B0603030403020204" pitchFamily="34" charset="0"/>
+                <a:ea typeface="Source Sans Pro SemiBold" panose="020B0603030403020204" pitchFamily="34" charset="0"/>
+              </a:rPr>
+              <a:t># double : </a:t>
+            </a:r>
+            <a:r>
+              <a:rPr kumimoji="1" lang="ja-JP" altLang="en-US" b="1" dirty="0">
+                <a:latin typeface="Source Sans Pro SemiBold" panose="020B0603030403020204" pitchFamily="34" charset="0"/>
+                <a:ea typeface="Source Sans Pro SemiBold" panose="020B0603030403020204" pitchFamily="34" charset="0"/>
+              </a:rPr>
+              <a:t>∀</a:t>
+            </a:r>
+            <a:r>
+              <a:rPr kumimoji="1" lang="en-US" altLang="ja-JP" b="1" dirty="0">
+                <a:latin typeface="Source Sans Pro SemiBold" panose="020B0603030403020204" pitchFamily="34" charset="0"/>
+                <a:ea typeface="Source Sans Pro SemiBold" panose="020B0603030403020204" pitchFamily="34" charset="0"/>
+              </a:rPr>
+              <a:t>X. (X → X) </a:t>
+            </a:r>
+            <a:r>
+              <a:rPr kumimoji="1" lang="ja-JP" altLang="en-US" b="1" dirty="0">
+                <a:latin typeface="Source Sans Pro SemiBold" panose="020B0603030403020204" pitchFamily="34" charset="0"/>
+                <a:ea typeface="Source Sans Pro SemiBold" panose="020B0603030403020204" pitchFamily="34" charset="0"/>
+              </a:rPr>
+              <a:t>→ </a:t>
+            </a:r>
+            <a:r>
+              <a:rPr kumimoji="1" lang="en-US" altLang="ja-JP" b="1" dirty="0">
+                <a:latin typeface="Source Sans Pro SemiBold" panose="020B0603030403020204" pitchFamily="34" charset="0"/>
+                <a:ea typeface="Source Sans Pro SemiBold" panose="020B0603030403020204" pitchFamily="34" charset="0"/>
+              </a:rPr>
+              <a:t>X </a:t>
+            </a:r>
+            <a:r>
+              <a:rPr kumimoji="1" lang="ja-JP" altLang="en-US" b="1" dirty="0">
+                <a:latin typeface="Source Sans Pro SemiBold" panose="020B0603030403020204" pitchFamily="34" charset="0"/>
+                <a:ea typeface="Source Sans Pro SemiBold" panose="020B0603030403020204" pitchFamily="34" charset="0"/>
+              </a:rPr>
+              <a:t>→ </a:t>
+            </a:r>
+            <a:r>
+              <a:rPr kumimoji="1" lang="en-US" altLang="ja-JP" b="1" dirty="0">
+                <a:latin typeface="Source Sans Pro SemiBold" panose="020B0603030403020204" pitchFamily="34" charset="0"/>
+                <a:ea typeface="Source Sans Pro SemiBold" panose="020B0603030403020204" pitchFamily="34" charset="0"/>
+              </a:rPr>
+              <a:t>X</a:t>
+            </a:r>
+          </a:p>
+          <a:p>
+            <a:pPr marL="0" indent="0">
+              <a:buNone/>
+            </a:pPr>
+            <a:endParaRPr lang="en-US" altLang="ja-JP" b="1" dirty="0">
+              <a:highlight>
+                <a:srgbClr val="00FFFF"/>
+              </a:highlight>
+              <a:latin typeface="Source Sans Pro SemiBold" panose="020B0603030403020204" pitchFamily="34" charset="0"/>
+              <a:ea typeface="Source Sans Pro SemiBold" panose="020B0603030403020204" pitchFamily="34" charset="0"/>
+            </a:endParaRPr>
+          </a:p>
+          <a:p>
+            <a:pPr marL="0" indent="0">
+              <a:buNone/>
+            </a:pPr>
+            <a:endParaRPr kumimoji="1" lang="en-US" altLang="ja-JP" b="1" dirty="0">
+              <a:latin typeface="Source Sans Pro SemiBold" panose="020B0603030403020204" pitchFamily="34" charset="0"/>
+              <a:ea typeface="Source Sans Pro SemiBold" panose="020B0603030403020204" pitchFamily="34" charset="0"/>
+            </a:endParaRPr>
+          </a:p>
+          <a:p>
+            <a:pPr marL="0" indent="0">
+              <a:buNone/>
+            </a:pPr>
+            <a:endParaRPr kumimoji="1" lang="en-US" altLang="ja-JP" b="1" dirty="0">
+              <a:latin typeface="Source Sans Pro SemiBold" panose="020B0603030403020204" pitchFamily="34" charset="0"/>
+              <a:ea typeface="Source Sans Pro SemiBold" panose="020B0603030403020204" pitchFamily="34" charset="0"/>
+            </a:endParaRPr>
+          </a:p>
+        </p:txBody>
+      </p:sp>
+      <p:pic>
+        <p:nvPicPr>
+          <p:cNvPr id="6" name="図 5">
+            <a:extLst>
+              <a:ext uri="{FF2B5EF4-FFF2-40B4-BE49-F238E27FC236}">
+                <a16:creationId xmlns:a16="http://schemas.microsoft.com/office/drawing/2014/main" id="{9BE2FB49-E6C6-7CF5-6777-E653758471B3}"/>
+              </a:ext>
+            </a:extLst>
+          </p:cNvPr>
+          <p:cNvPicPr>
+            <a:picLocks noChangeAspect="1"/>
+          </p:cNvPicPr>
+          <p:nvPr/>
+        </p:nvPicPr>
+        <p:blipFill>
+          <a:blip r:embed="rId3"/>
+          <a:stretch>
+            <a:fillRect/>
+          </a:stretch>
+        </p:blipFill>
+        <p:spPr>
+          <a:xfrm>
+            <a:off x="1149365" y="2797849"/>
+            <a:ext cx="6845270" cy="3833677"/>
+          </a:xfrm>
+          <a:prstGeom prst="rect">
+            <a:avLst/>
+          </a:prstGeom>
+        </p:spPr>
+      </p:pic>
+    </p:spTree>
+    <p:extLst>
+      <p:ext uri="{BB962C8B-B14F-4D97-AF65-F5344CB8AC3E}">
+        <p14:creationId xmlns:p14="http://schemas.microsoft.com/office/powerpoint/2010/main" val="2621706171"/>
+      </p:ext>
+    </p:extLst>
+  </p:cSld>
+  <p:clrMapOvr>
+    <a:masterClrMapping/>
+  </p:clrMapOvr>
+</p:sld>
+</file>
+
+<file path=ppt/slides/slide29.xml><?xml version="1.0" encoding="utf-8"?>
+<p:sld xmlns:a="http://schemas.openxmlformats.org/drawingml/2006/main" xmlns:r="http://schemas.openxmlformats.org/officeDocument/2006/relationships" xmlns:p="http://schemas.openxmlformats.org/presentationml/2006/main">
+  <p:cSld>
+    <p:spTree>
+      <p:nvGrpSpPr>
+        <p:cNvPr id="1" name="">
+          <a:extLst>
+            <a:ext uri="{FF2B5EF4-FFF2-40B4-BE49-F238E27FC236}">
+              <a16:creationId xmlns:a16="http://schemas.microsoft.com/office/drawing/2014/main" id="{C8AB49FD-1797-66BD-BD90-6B3360782B05}"/>
+            </a:ext>
+          </a:extLst>
+        </p:cNvPr>
+        <p:cNvGrpSpPr/>
+        <p:nvPr/>
+      </p:nvGrpSpPr>
+      <p:grpSpPr>
+        <a:xfrm>
+          <a:off x="0" y="0"/>
+          <a:ext cx="0" cy="0"/>
+          <a:chOff x="0" y="0"/>
+          <a:chExt cx="0" cy="0"/>
+        </a:xfrm>
+      </p:grpSpPr>
+      <p:sp>
+        <p:nvSpPr>
+          <p:cNvPr id="2" name="タイトル 1">
+            <a:extLst>
+              <a:ext uri="{FF2B5EF4-FFF2-40B4-BE49-F238E27FC236}">
+                <a16:creationId xmlns:a16="http://schemas.microsoft.com/office/drawing/2014/main" id="{0D7034D2-5ED4-1098-B75B-1E62DBFE3FBF}"/>
+              </a:ext>
+            </a:extLst>
+          </p:cNvPr>
+          <p:cNvSpPr>
+            <a:spLocks noGrp="1"/>
+          </p:cNvSpPr>
+          <p:nvPr>
+            <p:ph type="title"/>
+          </p:nvPr>
+        </p:nvSpPr>
+        <p:spPr/>
+        <p:txBody>
+          <a:bodyPr/>
+          <a:lstStyle/>
+          <a:p>
+            <a:r>
+              <a:rPr kumimoji="1" lang="en-US" altLang="ja-JP" dirty="0"/>
+              <a:t>23.3 </a:t>
+            </a:r>
+            <a:r>
+              <a:rPr lang="ja-JP" altLang="en-US" dirty="0"/>
+              <a:t>例</a:t>
+            </a:r>
+            <a:endParaRPr kumimoji="1" lang="ja-JP" altLang="en-US" dirty="0"/>
+          </a:p>
+        </p:txBody>
+      </p:sp>
+      <p:sp>
+        <p:nvSpPr>
+          <p:cNvPr id="3" name="コンテンツ プレースホルダー 2">
+            <a:extLst>
+              <a:ext uri="{FF2B5EF4-FFF2-40B4-BE49-F238E27FC236}">
+                <a16:creationId xmlns:a16="http://schemas.microsoft.com/office/drawing/2014/main" id="{CCE291E8-DEDD-2ACA-C7CA-44AAC44B5639}"/>
+              </a:ext>
+            </a:extLst>
+          </p:cNvPr>
+          <p:cNvSpPr>
+            <a:spLocks noGrp="1"/>
+          </p:cNvSpPr>
+          <p:nvPr>
+            <p:ph idx="1"/>
+          </p:nvPr>
+        </p:nvSpPr>
+        <p:spPr>
+          <a:xfrm>
+            <a:off x="259194" y="1099789"/>
+            <a:ext cx="8625610" cy="5482165"/>
+          </a:xfrm>
+        </p:spPr>
+        <p:txBody>
+          <a:bodyPr>
+            <a:normAutofit lnSpcReduction="10000"/>
+          </a:bodyPr>
+          <a:lstStyle/>
+          <a:p>
+            <a:pPr marL="0" indent="0">
+              <a:buNone/>
+            </a:pPr>
+            <a:r>
+              <a:rPr kumimoji="1" lang="en-US" altLang="ja-JP" dirty="0"/>
+              <a:t>Warm–Ups and 23.4.1 Exercise</a:t>
+            </a:r>
+          </a:p>
+          <a:p>
+            <a:pPr marL="0" indent="0">
+              <a:buNone/>
+            </a:pPr>
+            <a:endParaRPr lang="en-US" altLang="ja-JP" sz="800" dirty="0"/>
+          </a:p>
+          <a:p>
+            <a:pPr marL="0" indent="0">
+              <a:buNone/>
+            </a:pPr>
+            <a:r>
+              <a:rPr kumimoji="1" lang="en-US" altLang="ja-JP" b="1" dirty="0">
+                <a:latin typeface="Source Sans Pro SemiBold" panose="020B0603030403020204" pitchFamily="34" charset="0"/>
+                <a:ea typeface="Source Sans Pro SemiBold" panose="020B0603030403020204" pitchFamily="34" charset="0"/>
+              </a:rPr>
+              <a:t>double : </a:t>
+            </a:r>
+            <a:r>
+              <a:rPr kumimoji="1" lang="ja-JP" altLang="en-US" b="1" dirty="0">
+                <a:latin typeface="Source Sans Pro SemiBold" panose="020B0603030403020204" pitchFamily="34" charset="0"/>
+                <a:ea typeface="Source Sans Pro SemiBold" panose="020B0603030403020204" pitchFamily="34" charset="0"/>
+              </a:rPr>
+              <a:t>∀</a:t>
+            </a:r>
+            <a:r>
+              <a:rPr kumimoji="1" lang="en-US" altLang="ja-JP" b="1" dirty="0">
+                <a:latin typeface="Source Sans Pro SemiBold" panose="020B0603030403020204" pitchFamily="34" charset="0"/>
+                <a:ea typeface="Source Sans Pro SemiBold" panose="020B0603030403020204" pitchFamily="34" charset="0"/>
+              </a:rPr>
+              <a:t>X. (X → X) </a:t>
+            </a:r>
+            <a:r>
+              <a:rPr kumimoji="1" lang="ja-JP" altLang="en-US" b="1" dirty="0">
+                <a:latin typeface="Source Sans Pro SemiBold" panose="020B0603030403020204" pitchFamily="34" charset="0"/>
+                <a:ea typeface="Source Sans Pro SemiBold" panose="020B0603030403020204" pitchFamily="34" charset="0"/>
+              </a:rPr>
+              <a:t>→ </a:t>
+            </a:r>
+            <a:r>
+              <a:rPr kumimoji="1" lang="en-US" altLang="ja-JP" b="1" dirty="0">
+                <a:latin typeface="Source Sans Pro SemiBold" panose="020B0603030403020204" pitchFamily="34" charset="0"/>
+                <a:ea typeface="Source Sans Pro SemiBold" panose="020B0603030403020204" pitchFamily="34" charset="0"/>
+              </a:rPr>
+              <a:t>X </a:t>
+            </a:r>
+            <a:r>
+              <a:rPr kumimoji="1" lang="ja-JP" altLang="en-US" b="1" dirty="0">
+                <a:latin typeface="Source Sans Pro SemiBold" panose="020B0603030403020204" pitchFamily="34" charset="0"/>
+                <a:ea typeface="Source Sans Pro SemiBold" panose="020B0603030403020204" pitchFamily="34" charset="0"/>
+              </a:rPr>
+              <a:t>→ </a:t>
+            </a:r>
+            <a:r>
+              <a:rPr kumimoji="1" lang="en-US" altLang="ja-JP" b="1" dirty="0">
+                <a:latin typeface="Source Sans Pro SemiBold" panose="020B0603030403020204" pitchFamily="34" charset="0"/>
+                <a:ea typeface="Source Sans Pro SemiBold" panose="020B0603030403020204" pitchFamily="34" charset="0"/>
+              </a:rPr>
+              <a:t>X</a:t>
+            </a:r>
+          </a:p>
+          <a:p>
+            <a:pPr marL="0" indent="0">
+              <a:buNone/>
+            </a:pPr>
+            <a:r>
+              <a:rPr lang="en-US" altLang="ja-JP" b="1" dirty="0" err="1">
+                <a:highlight>
+                  <a:srgbClr val="00FFFF"/>
+                </a:highlight>
+                <a:latin typeface="Source Sans Pro SemiBold" panose="020B0603030403020204" pitchFamily="34" charset="0"/>
+                <a:ea typeface="Source Sans Pro SemiBold" panose="020B0603030403020204" pitchFamily="34" charset="0"/>
+              </a:rPr>
+              <a:t>doubleNat</a:t>
+            </a:r>
+            <a:r>
+              <a:rPr lang="en-US" altLang="ja-JP" b="1" dirty="0">
+                <a:highlight>
+                  <a:srgbClr val="00FFFF"/>
+                </a:highlight>
+                <a:latin typeface="Source Sans Pro SemiBold" panose="020B0603030403020204" pitchFamily="34" charset="0"/>
+                <a:ea typeface="Source Sans Pro SemiBold" panose="020B0603030403020204" pitchFamily="34" charset="0"/>
+              </a:rPr>
+              <a:t> = double [Nat]</a:t>
+            </a:r>
+          </a:p>
+          <a:p>
+            <a:pPr marL="0" indent="0">
+              <a:buNone/>
+            </a:pPr>
+            <a:r>
+              <a:rPr lang="en-US" altLang="ja-JP" b="1" dirty="0">
+                <a:latin typeface="Source Sans Pro SemiBold" panose="020B0603030403020204" pitchFamily="34" charset="0"/>
+                <a:ea typeface="Source Sans Pro SemiBold" panose="020B0603030403020204" pitchFamily="34" charset="0"/>
+              </a:rPr>
+              <a:t># </a:t>
+            </a:r>
+            <a:r>
+              <a:rPr lang="en-US" altLang="ja-JP" b="1" dirty="0" err="1">
+                <a:latin typeface="Source Sans Pro SemiBold" panose="020B0603030403020204" pitchFamily="34" charset="0"/>
+                <a:ea typeface="Source Sans Pro SemiBold" panose="020B0603030403020204" pitchFamily="34" charset="0"/>
+              </a:rPr>
+              <a:t>doubleNat</a:t>
+            </a:r>
+            <a:r>
+              <a:rPr lang="en-US" altLang="ja-JP" b="1" dirty="0">
+                <a:latin typeface="Source Sans Pro SemiBold" panose="020B0603030403020204" pitchFamily="34" charset="0"/>
+                <a:ea typeface="Source Sans Pro SemiBold" panose="020B0603030403020204" pitchFamily="34" charset="0"/>
+              </a:rPr>
+              <a:t> : (Nat </a:t>
+            </a:r>
+            <a:r>
+              <a:rPr lang="ja-JP" altLang="en-US" b="1" dirty="0">
+                <a:latin typeface="Source Sans Pro SemiBold" panose="020B0603030403020204" pitchFamily="34" charset="0"/>
+                <a:ea typeface="Source Sans Pro SemiBold" panose="020B0603030403020204" pitchFamily="34" charset="0"/>
+              </a:rPr>
+              <a:t>→ </a:t>
+            </a:r>
+            <a:r>
+              <a:rPr lang="en-US" altLang="ja-JP" b="1" dirty="0">
+                <a:latin typeface="Source Sans Pro SemiBold" panose="020B0603030403020204" pitchFamily="34" charset="0"/>
+                <a:ea typeface="Source Sans Pro SemiBold" panose="020B0603030403020204" pitchFamily="34" charset="0"/>
+              </a:rPr>
+              <a:t>Nat) </a:t>
+            </a:r>
+            <a:r>
+              <a:rPr lang="ja-JP" altLang="en-US" b="1" dirty="0">
+                <a:latin typeface="Source Sans Pro SemiBold" panose="020B0603030403020204" pitchFamily="34" charset="0"/>
+                <a:ea typeface="Source Sans Pro SemiBold" panose="020B0603030403020204" pitchFamily="34" charset="0"/>
+              </a:rPr>
+              <a:t>→ </a:t>
+            </a:r>
+            <a:r>
+              <a:rPr lang="en-US" altLang="ja-JP" b="1" dirty="0">
+                <a:latin typeface="Source Sans Pro SemiBold" panose="020B0603030403020204" pitchFamily="34" charset="0"/>
+                <a:ea typeface="Source Sans Pro SemiBold" panose="020B0603030403020204" pitchFamily="34" charset="0"/>
+              </a:rPr>
+              <a:t>Nat </a:t>
+            </a:r>
+            <a:r>
+              <a:rPr lang="ja-JP" altLang="en-US" b="1" dirty="0">
+                <a:latin typeface="Source Sans Pro SemiBold" panose="020B0603030403020204" pitchFamily="34" charset="0"/>
+                <a:ea typeface="Source Sans Pro SemiBold" panose="020B0603030403020204" pitchFamily="34" charset="0"/>
+              </a:rPr>
+              <a:t>→ </a:t>
+            </a:r>
+            <a:r>
+              <a:rPr lang="en-US" altLang="ja-JP" b="1" dirty="0">
+                <a:latin typeface="Source Sans Pro SemiBold" panose="020B0603030403020204" pitchFamily="34" charset="0"/>
+                <a:ea typeface="Source Sans Pro SemiBold" panose="020B0603030403020204" pitchFamily="34" charset="0"/>
+              </a:rPr>
+              <a:t>Nat</a:t>
+            </a:r>
+          </a:p>
+          <a:p>
+            <a:pPr marL="0" indent="0">
+              <a:buNone/>
+            </a:pPr>
+            <a:r>
+              <a:rPr lang="en-US" altLang="ja-JP" b="1" dirty="0" err="1">
+                <a:highlight>
+                  <a:srgbClr val="00FFFF"/>
+                </a:highlight>
+                <a:latin typeface="Source Sans Pro SemiBold" panose="020B0603030403020204" pitchFamily="34" charset="0"/>
+                <a:ea typeface="Source Sans Pro SemiBold" panose="020B0603030403020204" pitchFamily="34" charset="0"/>
+              </a:rPr>
+              <a:t>doubleNatArrowNat</a:t>
+            </a:r>
+            <a:r>
+              <a:rPr lang="en-US" altLang="ja-JP" b="1" dirty="0">
+                <a:highlight>
+                  <a:srgbClr val="00FFFF"/>
+                </a:highlight>
+                <a:latin typeface="Source Sans Pro SemiBold" panose="020B0603030403020204" pitchFamily="34" charset="0"/>
+                <a:ea typeface="Source Sans Pro SemiBold" panose="020B0603030403020204" pitchFamily="34" charset="0"/>
+              </a:rPr>
+              <a:t> = double [Nat </a:t>
+            </a:r>
+            <a:r>
+              <a:rPr lang="ja-JP" altLang="en-US" b="1" dirty="0">
+                <a:highlight>
+                  <a:srgbClr val="00FFFF"/>
+                </a:highlight>
+                <a:latin typeface="Source Sans Pro SemiBold" panose="020B0603030403020204" pitchFamily="34" charset="0"/>
+                <a:ea typeface="Source Sans Pro SemiBold" panose="020B0603030403020204" pitchFamily="34" charset="0"/>
+              </a:rPr>
+              <a:t>→ </a:t>
+            </a:r>
+            <a:r>
+              <a:rPr lang="en-US" altLang="ja-JP" b="1" dirty="0">
+                <a:highlight>
+                  <a:srgbClr val="00FFFF"/>
+                </a:highlight>
+                <a:latin typeface="Source Sans Pro SemiBold" panose="020B0603030403020204" pitchFamily="34" charset="0"/>
+                <a:ea typeface="Source Sans Pro SemiBold" panose="020B0603030403020204" pitchFamily="34" charset="0"/>
+              </a:rPr>
+              <a:t>Nat] </a:t>
+            </a:r>
+          </a:p>
+          <a:p>
+            <a:pPr marL="0" indent="0">
+              <a:buNone/>
+            </a:pPr>
+            <a:r>
+              <a:rPr lang="en-US" altLang="ja-JP" b="1" dirty="0">
+                <a:latin typeface="Source Sans Pro SemiBold" panose="020B0603030403020204" pitchFamily="34" charset="0"/>
+                <a:ea typeface="Source Sans Pro SemiBold" panose="020B0603030403020204" pitchFamily="34" charset="0"/>
+              </a:rPr>
+              <a:t># </a:t>
+            </a:r>
+            <a:r>
+              <a:rPr lang="en-US" altLang="ja-JP" b="1" dirty="0" err="1">
+                <a:latin typeface="Source Sans Pro SemiBold" panose="020B0603030403020204" pitchFamily="34" charset="0"/>
+                <a:ea typeface="Source Sans Pro SemiBold" panose="020B0603030403020204" pitchFamily="34" charset="0"/>
+              </a:rPr>
+              <a:t>doubleNatArrowNat</a:t>
+            </a:r>
+            <a:r>
+              <a:rPr lang="en-US" altLang="ja-JP" b="1" dirty="0">
+                <a:latin typeface="Source Sans Pro SemiBold" panose="020B0603030403020204" pitchFamily="34" charset="0"/>
+                <a:ea typeface="Source Sans Pro SemiBold" panose="020B0603030403020204" pitchFamily="34" charset="0"/>
+              </a:rPr>
+              <a:t> :((Nat </a:t>
+            </a:r>
+            <a:r>
+              <a:rPr lang="ja-JP" altLang="en-US" b="1" dirty="0">
+                <a:latin typeface="Source Sans Pro SemiBold" panose="020B0603030403020204" pitchFamily="34" charset="0"/>
+                <a:ea typeface="Source Sans Pro SemiBold" panose="020B0603030403020204" pitchFamily="34" charset="0"/>
+              </a:rPr>
+              <a:t>→ </a:t>
+            </a:r>
+            <a:r>
+              <a:rPr lang="en-US" altLang="ja-JP" b="1" dirty="0">
+                <a:latin typeface="Source Sans Pro SemiBold" panose="020B0603030403020204" pitchFamily="34" charset="0"/>
+                <a:ea typeface="Source Sans Pro SemiBold" panose="020B0603030403020204" pitchFamily="34" charset="0"/>
+              </a:rPr>
+              <a:t>Nat) </a:t>
+            </a:r>
+            <a:r>
+              <a:rPr lang="ja-JP" altLang="en-US" b="1" dirty="0">
+                <a:latin typeface="Source Sans Pro SemiBold" panose="020B0603030403020204" pitchFamily="34" charset="0"/>
+                <a:ea typeface="Source Sans Pro SemiBold" panose="020B0603030403020204" pitchFamily="34" charset="0"/>
+              </a:rPr>
+              <a:t>→ </a:t>
+            </a:r>
+            <a:r>
+              <a:rPr lang="en-US" altLang="ja-JP" b="1" dirty="0">
+                <a:latin typeface="Source Sans Pro SemiBold" panose="020B0603030403020204" pitchFamily="34" charset="0"/>
+                <a:ea typeface="Source Sans Pro SemiBold" panose="020B0603030403020204" pitchFamily="34" charset="0"/>
+              </a:rPr>
+              <a:t>Nat </a:t>
+            </a:r>
+            <a:r>
+              <a:rPr lang="ja-JP" altLang="en-US" b="1" dirty="0">
+                <a:latin typeface="Source Sans Pro SemiBold" panose="020B0603030403020204" pitchFamily="34" charset="0"/>
+                <a:ea typeface="Source Sans Pro SemiBold" panose="020B0603030403020204" pitchFamily="34" charset="0"/>
+              </a:rPr>
+              <a:t>→ </a:t>
+            </a:r>
+            <a:r>
+              <a:rPr lang="en-US" altLang="ja-JP" b="1" dirty="0">
+                <a:latin typeface="Source Sans Pro SemiBold" panose="020B0603030403020204" pitchFamily="34" charset="0"/>
+                <a:ea typeface="Source Sans Pro SemiBold" panose="020B0603030403020204" pitchFamily="34" charset="0"/>
+              </a:rPr>
+              <a:t>Nat) </a:t>
+            </a:r>
+            <a:r>
+              <a:rPr lang="ja-JP" altLang="en-US" b="1" dirty="0">
+                <a:latin typeface="Source Sans Pro SemiBold" panose="020B0603030403020204" pitchFamily="34" charset="0"/>
+                <a:ea typeface="Source Sans Pro SemiBold" panose="020B0603030403020204" pitchFamily="34" charset="0"/>
+              </a:rPr>
+              <a:t>→</a:t>
+            </a:r>
+            <a:endParaRPr lang="en-US" altLang="ja-JP" b="1" dirty="0">
+              <a:latin typeface="Source Sans Pro SemiBold" panose="020B0603030403020204" pitchFamily="34" charset="0"/>
+              <a:ea typeface="Source Sans Pro SemiBold" panose="020B0603030403020204" pitchFamily="34" charset="0"/>
+            </a:endParaRPr>
+          </a:p>
+          <a:p>
+            <a:pPr marL="0" indent="0">
+              <a:buNone/>
+            </a:pPr>
+            <a:r>
+              <a:rPr kumimoji="1" lang="en-US" altLang="ja-JP" b="1" dirty="0">
+                <a:latin typeface="Source Sans Pro SemiBold" panose="020B0603030403020204" pitchFamily="34" charset="0"/>
+                <a:ea typeface="Source Sans Pro SemiBold" panose="020B0603030403020204" pitchFamily="34" charset="0"/>
+              </a:rPr>
+              <a:t>							</a:t>
+            </a:r>
+            <a:r>
+              <a:rPr lang="en-US" altLang="ja-JP" b="1" dirty="0">
+                <a:latin typeface="Source Sans Pro SemiBold" panose="020B0603030403020204" pitchFamily="34" charset="0"/>
+                <a:ea typeface="Source Sans Pro SemiBold" panose="020B0603030403020204" pitchFamily="34" charset="0"/>
+              </a:rPr>
+              <a:t> (Nat </a:t>
+            </a:r>
+            <a:r>
+              <a:rPr lang="ja-JP" altLang="en-US" b="1" dirty="0">
+                <a:latin typeface="Source Sans Pro SemiBold" panose="020B0603030403020204" pitchFamily="34" charset="0"/>
+                <a:ea typeface="Source Sans Pro SemiBold" panose="020B0603030403020204" pitchFamily="34" charset="0"/>
+              </a:rPr>
+              <a:t>→ </a:t>
+            </a:r>
+            <a:r>
+              <a:rPr lang="en-US" altLang="ja-JP" b="1" dirty="0">
+                <a:latin typeface="Source Sans Pro SemiBold" panose="020B0603030403020204" pitchFamily="34" charset="0"/>
+                <a:ea typeface="Source Sans Pro SemiBold" panose="020B0603030403020204" pitchFamily="34" charset="0"/>
+              </a:rPr>
+              <a:t>Nat) </a:t>
+            </a:r>
+            <a:r>
+              <a:rPr lang="ja-JP" altLang="en-US" b="1" dirty="0">
+                <a:latin typeface="Source Sans Pro SemiBold" panose="020B0603030403020204" pitchFamily="34" charset="0"/>
+                <a:ea typeface="Source Sans Pro SemiBold" panose="020B0603030403020204" pitchFamily="34" charset="0"/>
+              </a:rPr>
+              <a:t>→ </a:t>
+            </a:r>
+            <a:r>
+              <a:rPr lang="en-US" altLang="ja-JP" b="1" dirty="0">
+                <a:latin typeface="Source Sans Pro SemiBold" panose="020B0603030403020204" pitchFamily="34" charset="0"/>
+                <a:ea typeface="Source Sans Pro SemiBold" panose="020B0603030403020204" pitchFamily="34" charset="0"/>
+              </a:rPr>
+              <a:t>Nat </a:t>
+            </a:r>
+            <a:r>
+              <a:rPr lang="ja-JP" altLang="en-US" b="1" dirty="0">
+                <a:latin typeface="Source Sans Pro SemiBold" panose="020B0603030403020204" pitchFamily="34" charset="0"/>
+                <a:ea typeface="Source Sans Pro SemiBold" panose="020B0603030403020204" pitchFamily="34" charset="0"/>
+              </a:rPr>
+              <a:t>→ </a:t>
+            </a:r>
+            <a:r>
+              <a:rPr lang="en-US" altLang="ja-JP" b="1" dirty="0">
+                <a:latin typeface="Source Sans Pro SemiBold" panose="020B0603030403020204" pitchFamily="34" charset="0"/>
+                <a:ea typeface="Source Sans Pro SemiBold" panose="020B0603030403020204" pitchFamily="34" charset="0"/>
+              </a:rPr>
+              <a:t>Nat</a:t>
+            </a:r>
+          </a:p>
+          <a:p>
+            <a:pPr marL="0" indent="0">
+              <a:buNone/>
+            </a:pPr>
+            <a:r>
+              <a:rPr kumimoji="1" lang="en-US" altLang="ja-JP" b="1" dirty="0">
+                <a:highlight>
+                  <a:srgbClr val="00FFFF"/>
+                </a:highlight>
+                <a:latin typeface="Source Sans Pro SemiBold" panose="020B0603030403020204" pitchFamily="34" charset="0"/>
+                <a:ea typeface="Source Sans Pro SemiBold" panose="020B0603030403020204" pitchFamily="34" charset="0"/>
+              </a:rPr>
+              <a:t>dou</a:t>
+            </a:r>
+            <a:r>
+              <a:rPr lang="en-US" altLang="ja-JP" b="1" dirty="0">
+                <a:highlight>
+                  <a:srgbClr val="00FFFF"/>
+                </a:highlight>
+                <a:latin typeface="Source Sans Pro SemiBold" panose="020B0603030403020204" pitchFamily="34" charset="0"/>
+                <a:ea typeface="Source Sans Pro SemiBold" panose="020B0603030403020204" pitchFamily="34" charset="0"/>
+              </a:rPr>
+              <a:t>ble [Nat] (</a:t>
+            </a:r>
+            <a:r>
+              <a:rPr lang="en-US" altLang="ja-JP" b="1" dirty="0" err="1">
+                <a:highlight>
+                  <a:srgbClr val="00FFFF"/>
+                </a:highlight>
+                <a:latin typeface="Source Sans Pro SemiBold" panose="020B0603030403020204" pitchFamily="34" charset="0"/>
+                <a:ea typeface="Source Sans Pro SemiBold" panose="020B0603030403020204" pitchFamily="34" charset="0"/>
+              </a:rPr>
+              <a:t>λx</a:t>
+            </a:r>
+            <a:r>
+              <a:rPr lang="en-US" altLang="ja-JP" b="1" dirty="0">
+                <a:highlight>
+                  <a:srgbClr val="00FFFF"/>
+                </a:highlight>
+                <a:latin typeface="Source Sans Pro SemiBold" panose="020B0603030403020204" pitchFamily="34" charset="0"/>
+                <a:ea typeface="Source Sans Pro SemiBold" panose="020B0603030403020204" pitchFamily="34" charset="0"/>
+              </a:rPr>
+              <a:t> : Nat. </a:t>
+            </a:r>
+            <a:r>
+              <a:rPr lang="en-US" altLang="ja-JP" b="1" dirty="0" err="1">
+                <a:highlight>
+                  <a:srgbClr val="00FFFF"/>
+                </a:highlight>
+                <a:latin typeface="Source Sans Pro SemiBold" panose="020B0603030403020204" pitchFamily="34" charset="0"/>
+                <a:ea typeface="Source Sans Pro SemiBold" panose="020B0603030403020204" pitchFamily="34" charset="0"/>
+              </a:rPr>
+              <a:t>succ</a:t>
+            </a:r>
+            <a:r>
+              <a:rPr lang="en-US" altLang="ja-JP" b="1" dirty="0">
+                <a:highlight>
+                  <a:srgbClr val="00FFFF"/>
+                </a:highlight>
+                <a:latin typeface="Source Sans Pro SemiBold" panose="020B0603030403020204" pitchFamily="34" charset="0"/>
+                <a:ea typeface="Source Sans Pro SemiBold" panose="020B0603030403020204" pitchFamily="34" charset="0"/>
+              </a:rPr>
+              <a:t> (</a:t>
+            </a:r>
+            <a:r>
+              <a:rPr lang="en-US" altLang="ja-JP" b="1" dirty="0" err="1">
+                <a:highlight>
+                  <a:srgbClr val="00FFFF"/>
+                </a:highlight>
+                <a:latin typeface="Source Sans Pro SemiBold" panose="020B0603030403020204" pitchFamily="34" charset="0"/>
+                <a:ea typeface="Source Sans Pro SemiBold" panose="020B0603030403020204" pitchFamily="34" charset="0"/>
+              </a:rPr>
+              <a:t>succ</a:t>
+            </a:r>
+            <a:r>
+              <a:rPr lang="en-US" altLang="ja-JP" b="1" dirty="0">
+                <a:highlight>
+                  <a:srgbClr val="00FFFF"/>
+                </a:highlight>
+                <a:latin typeface="Source Sans Pro SemiBold" panose="020B0603030403020204" pitchFamily="34" charset="0"/>
+                <a:ea typeface="Source Sans Pro SemiBold" panose="020B0603030403020204" pitchFamily="34" charset="0"/>
+              </a:rPr>
+              <a:t> (x))) 3</a:t>
+            </a:r>
+          </a:p>
+          <a:p>
+            <a:pPr marL="0" indent="0">
+              <a:buNone/>
+            </a:pPr>
+            <a:r>
+              <a:rPr lang="en-US" altLang="ja-JP" b="1" dirty="0">
+                <a:latin typeface="Source Sans Pro SemiBold" panose="020B0603030403020204" pitchFamily="34" charset="0"/>
+                <a:ea typeface="Source Sans Pro SemiBold" panose="020B0603030403020204" pitchFamily="34" charset="0"/>
+              </a:rPr>
+              <a:t>#</a:t>
+            </a:r>
+            <a:r>
+              <a:rPr kumimoji="1" lang="ja-JP" altLang="en-US" b="1" dirty="0">
+                <a:latin typeface="Source Sans Pro SemiBold" panose="020B0603030403020204" pitchFamily="34" charset="0"/>
+                <a:ea typeface="Source Sans Pro SemiBold" panose="020B0603030403020204" pitchFamily="34" charset="0"/>
+              </a:rPr>
+              <a:t> </a:t>
+            </a:r>
+            <a:r>
+              <a:rPr kumimoji="1" lang="en-US" altLang="ja-JP" b="1" dirty="0">
+                <a:latin typeface="Source Sans Pro SemiBold" panose="020B0603030403020204" pitchFamily="34" charset="0"/>
+                <a:ea typeface="Source Sans Pro SemiBold" panose="020B0603030403020204" pitchFamily="34" charset="0"/>
+              </a:rPr>
+              <a:t>7 : Nat</a:t>
+            </a:r>
+          </a:p>
+          <a:p>
+            <a:pPr marL="0" indent="0">
+              <a:buNone/>
+            </a:pPr>
+            <a:endParaRPr kumimoji="1" lang="en-US" altLang="ja-JP" b="1" dirty="0">
+              <a:latin typeface="Source Sans Pro SemiBold" panose="020B0603030403020204" pitchFamily="34" charset="0"/>
+              <a:ea typeface="Source Sans Pro SemiBold" panose="020B0603030403020204" pitchFamily="34" charset="0"/>
+            </a:endParaRPr>
+          </a:p>
+          <a:p>
+            <a:pPr marL="0" indent="0">
+              <a:buNone/>
+            </a:pPr>
+            <a:r>
+              <a:rPr lang="ja-JP" altLang="en-US" dirty="0">
+                <a:latin typeface="+mj-ea"/>
+                <a:ea typeface="+mj-ea"/>
+              </a:rPr>
+              <a:t>導出木省略</a:t>
+            </a:r>
+            <a:r>
+              <a:rPr lang="en-US" altLang="ja-JP" dirty="0">
+                <a:latin typeface="+mj-ea"/>
+                <a:ea typeface="+mj-ea"/>
+              </a:rPr>
+              <a:t>.</a:t>
+            </a:r>
+            <a:endParaRPr kumimoji="1" lang="en-US" altLang="ja-JP" dirty="0">
+              <a:latin typeface="+mj-ea"/>
+              <a:ea typeface="+mj-ea"/>
+            </a:endParaRPr>
+          </a:p>
+        </p:txBody>
+      </p:sp>
+    </p:spTree>
+    <p:extLst>
+      <p:ext uri="{BB962C8B-B14F-4D97-AF65-F5344CB8AC3E}">
+        <p14:creationId xmlns:p14="http://schemas.microsoft.com/office/powerpoint/2010/main" val="619149056"/>
+      </p:ext>
+    </p:extLst>
+  </p:cSld>
+  <p:clrMapOvr>
+    <a:masterClrMapping/>
+  </p:clrMapOvr>
+</p:sld>
+</file>
+
 <file path=ppt/slides/slide3.xml><?xml version="1.0" encoding="utf-8"?>
 <p:sld xmlns:a="http://schemas.openxmlformats.org/drawingml/2006/main" xmlns:r="http://schemas.openxmlformats.org/officeDocument/2006/relationships" xmlns:p="http://schemas.openxmlformats.org/presentationml/2006/main">
   <p:cSld>
@@ -9670,6 +13387,3776 @@
     <p:extLst>
       <p:ext uri="{BB962C8B-B14F-4D97-AF65-F5344CB8AC3E}">
         <p14:creationId xmlns:p14="http://schemas.microsoft.com/office/powerpoint/2010/main" val="661726655"/>
+      </p:ext>
+    </p:extLst>
+  </p:cSld>
+  <p:clrMapOvr>
+    <a:masterClrMapping/>
+  </p:clrMapOvr>
+</p:sld>
+</file>
+
+<file path=ppt/slides/slide30.xml><?xml version="1.0" encoding="utf-8"?>
+<p:sld xmlns:a="http://schemas.openxmlformats.org/drawingml/2006/main" xmlns:r="http://schemas.openxmlformats.org/officeDocument/2006/relationships" xmlns:p="http://schemas.openxmlformats.org/presentationml/2006/main">
+  <p:cSld>
+    <p:spTree>
+      <p:nvGrpSpPr>
+        <p:cNvPr id="1" name="">
+          <a:extLst>
+            <a:ext uri="{FF2B5EF4-FFF2-40B4-BE49-F238E27FC236}">
+              <a16:creationId xmlns:a16="http://schemas.microsoft.com/office/drawing/2014/main" id="{D69DD44B-D6DA-D477-025E-BFE40B71E1E0}"/>
+            </a:ext>
+          </a:extLst>
+        </p:cNvPr>
+        <p:cNvGrpSpPr/>
+        <p:nvPr/>
+      </p:nvGrpSpPr>
+      <p:grpSpPr>
+        <a:xfrm>
+          <a:off x="0" y="0"/>
+          <a:ext cx="0" cy="0"/>
+          <a:chOff x="0" y="0"/>
+          <a:chExt cx="0" cy="0"/>
+        </a:xfrm>
+      </p:grpSpPr>
+      <p:sp>
+        <p:nvSpPr>
+          <p:cNvPr id="2" name="タイトル 1">
+            <a:extLst>
+              <a:ext uri="{FF2B5EF4-FFF2-40B4-BE49-F238E27FC236}">
+                <a16:creationId xmlns:a16="http://schemas.microsoft.com/office/drawing/2014/main" id="{662D874D-F569-2E48-0360-9AE1E120D90D}"/>
+              </a:ext>
+            </a:extLst>
+          </p:cNvPr>
+          <p:cNvSpPr>
+            <a:spLocks noGrp="1"/>
+          </p:cNvSpPr>
+          <p:nvPr>
+            <p:ph type="title"/>
+          </p:nvPr>
+        </p:nvSpPr>
+        <p:spPr/>
+        <p:txBody>
+          <a:bodyPr/>
+          <a:lstStyle/>
+          <a:p>
+            <a:r>
+              <a:rPr kumimoji="1" lang="en-US" altLang="ja-JP" dirty="0"/>
+              <a:t>23.3 </a:t>
+            </a:r>
+            <a:r>
+              <a:rPr lang="ja-JP" altLang="en-US" dirty="0"/>
+              <a:t>例</a:t>
+            </a:r>
+            <a:endParaRPr kumimoji="1" lang="ja-JP" altLang="en-US" dirty="0"/>
+          </a:p>
+        </p:txBody>
+      </p:sp>
+      <p:sp>
+        <p:nvSpPr>
+          <p:cNvPr id="3" name="コンテンツ プレースホルダー 2">
+            <a:extLst>
+              <a:ext uri="{FF2B5EF4-FFF2-40B4-BE49-F238E27FC236}">
+                <a16:creationId xmlns:a16="http://schemas.microsoft.com/office/drawing/2014/main" id="{7717FE9F-1D6F-92F2-7E15-8ACEE04A1C35}"/>
+              </a:ext>
+            </a:extLst>
+          </p:cNvPr>
+          <p:cNvSpPr>
+            <a:spLocks noGrp="1"/>
+          </p:cNvSpPr>
+          <p:nvPr>
+            <p:ph idx="1"/>
+          </p:nvPr>
+        </p:nvSpPr>
+        <p:spPr>
+          <a:xfrm>
+            <a:off x="259194" y="1099789"/>
+            <a:ext cx="8625610" cy="5482165"/>
+          </a:xfrm>
+        </p:spPr>
+        <p:txBody>
+          <a:bodyPr>
+            <a:normAutofit/>
+          </a:bodyPr>
+          <a:lstStyle/>
+          <a:p>
+            <a:pPr marL="0" indent="0">
+              <a:buNone/>
+            </a:pPr>
+            <a:r>
+              <a:rPr kumimoji="1" lang="en-US" altLang="ja-JP" dirty="0"/>
+              <a:t>Warm–Ups and 23.4.1 Exercise</a:t>
+            </a:r>
+            <a:endParaRPr lang="en-US" altLang="ja-JP" sz="800" dirty="0"/>
+          </a:p>
+          <a:p>
+            <a:pPr marL="0" indent="0">
+              <a:buNone/>
+            </a:pPr>
+            <a:r>
+              <a:rPr lang="en-US" altLang="ja-JP" b="1" dirty="0" err="1">
+                <a:latin typeface="Source Sans Pro SemiBold" panose="020B0603030403020204" pitchFamily="34" charset="0"/>
+                <a:ea typeface="Source Sans Pro SemiBold" panose="020B0603030403020204" pitchFamily="34" charset="0"/>
+              </a:rPr>
+              <a:t>λx</a:t>
+            </a:r>
+            <a:r>
+              <a:rPr lang="en-US" altLang="ja-JP" b="1" dirty="0">
+                <a:latin typeface="Source Sans Pro SemiBold" panose="020B0603030403020204" pitchFamily="34" charset="0"/>
+                <a:ea typeface="Source Sans Pro SemiBold" panose="020B0603030403020204" pitchFamily="34" charset="0"/>
+              </a:rPr>
+              <a:t>. x </a:t>
+            </a:r>
+            <a:r>
+              <a:rPr lang="en-US" altLang="ja-JP" b="1" dirty="0" err="1">
+                <a:latin typeface="Source Sans Pro SemiBold" panose="020B0603030403020204" pitchFamily="34" charset="0"/>
+                <a:ea typeface="Source Sans Pro SemiBold" panose="020B0603030403020204" pitchFamily="34" charset="0"/>
+              </a:rPr>
+              <a:t>x</a:t>
+            </a:r>
+            <a:r>
+              <a:rPr lang="en-US" altLang="ja-JP" dirty="0">
+                <a:latin typeface="Source Sans Pro SemiBold" panose="020B0603030403020204" pitchFamily="34" charset="0"/>
+                <a:ea typeface="Source Sans Pro SemiBold" panose="020B0603030403020204" pitchFamily="34" charset="0"/>
+              </a:rPr>
+              <a:t> </a:t>
+            </a:r>
+            <a:r>
+              <a:rPr lang="ja-JP" altLang="en-US" dirty="0">
+                <a:latin typeface="Source Sans Pro SemiBold" panose="020B0603030403020204" pitchFamily="34" charset="0"/>
+                <a:ea typeface="Source Sans Pro SemiBold" panose="020B0603030403020204" pitchFamily="34" charset="0"/>
+              </a:rPr>
+              <a:t>は </a:t>
+            </a:r>
+            <a:r>
+              <a:rPr lang="en-US" altLang="ja-JP" dirty="0">
+                <a:latin typeface="+mn-lt"/>
+                <a:ea typeface="+mj-ea"/>
+              </a:rPr>
+              <a:t>Polymorphism </a:t>
+            </a:r>
+            <a:r>
+              <a:rPr lang="ja-JP" altLang="en-US" dirty="0">
+                <a:latin typeface="+mn-lt"/>
+                <a:ea typeface="+mj-ea"/>
+              </a:rPr>
+              <a:t>により型付け可能になる．</a:t>
+            </a:r>
+            <a:endParaRPr lang="en-US" altLang="ja-JP" dirty="0">
+              <a:latin typeface="+mn-lt"/>
+              <a:ea typeface="+mj-ea"/>
+            </a:endParaRPr>
+          </a:p>
+          <a:p>
+            <a:pPr marL="0" indent="0">
+              <a:buNone/>
+            </a:pPr>
+            <a:endParaRPr lang="en-US" altLang="ja-JP" sz="800" dirty="0">
+              <a:latin typeface="+mn-lt"/>
+              <a:ea typeface="+mj-ea"/>
+            </a:endParaRPr>
+          </a:p>
+          <a:p>
+            <a:pPr marL="0" indent="0">
+              <a:buNone/>
+            </a:pPr>
+            <a:r>
+              <a:rPr lang="en-US" altLang="ja-JP" b="1" dirty="0" err="1">
+                <a:highlight>
+                  <a:srgbClr val="00FFFF"/>
+                </a:highlight>
+                <a:latin typeface="Source Sans Pro SemiBold" panose="020B0603030403020204" pitchFamily="34" charset="0"/>
+                <a:ea typeface="Source Sans Pro SemiBold" panose="020B0603030403020204" pitchFamily="34" charset="0"/>
+              </a:rPr>
+              <a:t>selfApp</a:t>
+            </a:r>
+            <a:r>
+              <a:rPr lang="en-US" altLang="ja-JP" b="1" dirty="0">
+                <a:highlight>
+                  <a:srgbClr val="00FFFF"/>
+                </a:highlight>
+                <a:latin typeface="Source Sans Pro SemiBold" panose="020B0603030403020204" pitchFamily="34" charset="0"/>
+                <a:ea typeface="Source Sans Pro SemiBold" panose="020B0603030403020204" pitchFamily="34" charset="0"/>
+              </a:rPr>
+              <a:t> : </a:t>
+            </a:r>
+            <a:r>
+              <a:rPr lang="en-US" altLang="ja-JP" b="1" dirty="0" err="1">
+                <a:highlight>
+                  <a:srgbClr val="00FFFF"/>
+                </a:highlight>
+                <a:latin typeface="Source Sans Pro SemiBold" panose="020B0603030403020204" pitchFamily="34" charset="0"/>
+                <a:ea typeface="Source Sans Pro SemiBold" panose="020B0603030403020204" pitchFamily="34" charset="0"/>
+              </a:rPr>
+              <a:t>λx</a:t>
+            </a:r>
+            <a:r>
+              <a:rPr lang="en-US" altLang="ja-JP" b="1" dirty="0">
+                <a:highlight>
+                  <a:srgbClr val="00FFFF"/>
+                </a:highlight>
+                <a:latin typeface="Source Sans Pro SemiBold" panose="020B0603030403020204" pitchFamily="34" charset="0"/>
+                <a:ea typeface="Source Sans Pro SemiBold" panose="020B0603030403020204" pitchFamily="34" charset="0"/>
+              </a:rPr>
+              <a:t> : </a:t>
+            </a:r>
+            <a:r>
+              <a:rPr lang="ja-JP" altLang="en-US" b="1" dirty="0">
+                <a:highlight>
+                  <a:srgbClr val="00FFFF"/>
+                </a:highlight>
+                <a:latin typeface="Source Sans Pro SemiBold" panose="020B0603030403020204" pitchFamily="34" charset="0"/>
+                <a:ea typeface="Source Sans Pro SemiBold" panose="020B0603030403020204" pitchFamily="34" charset="0"/>
+              </a:rPr>
+              <a:t>∀</a:t>
+            </a:r>
+            <a:r>
+              <a:rPr lang="en-US" altLang="ja-JP" b="1" dirty="0">
+                <a:highlight>
+                  <a:srgbClr val="00FFFF"/>
+                </a:highlight>
+                <a:latin typeface="Source Sans Pro SemiBold" panose="020B0603030403020204" pitchFamily="34" charset="0"/>
+                <a:ea typeface="Source Sans Pro SemiBold" panose="020B0603030403020204" pitchFamily="34" charset="0"/>
+              </a:rPr>
+              <a:t>X. X </a:t>
+            </a:r>
+            <a:r>
+              <a:rPr lang="ja-JP" altLang="en-US" b="1" dirty="0">
+                <a:highlight>
+                  <a:srgbClr val="00FFFF"/>
+                </a:highlight>
+                <a:latin typeface="Source Sans Pro SemiBold" panose="020B0603030403020204" pitchFamily="34" charset="0"/>
+                <a:ea typeface="Source Sans Pro SemiBold" panose="020B0603030403020204" pitchFamily="34" charset="0"/>
+              </a:rPr>
+              <a:t>→ </a:t>
+            </a:r>
+            <a:r>
+              <a:rPr lang="en-US" altLang="ja-JP" b="1" dirty="0">
+                <a:highlight>
+                  <a:srgbClr val="00FFFF"/>
+                </a:highlight>
+                <a:latin typeface="Source Sans Pro SemiBold" panose="020B0603030403020204" pitchFamily="34" charset="0"/>
+                <a:ea typeface="Source Sans Pro SemiBold" panose="020B0603030403020204" pitchFamily="34" charset="0"/>
+              </a:rPr>
+              <a:t>X. x [</a:t>
+            </a:r>
+            <a:r>
+              <a:rPr lang="ja-JP" altLang="en-US" b="1" dirty="0">
+                <a:highlight>
+                  <a:srgbClr val="00FFFF"/>
+                </a:highlight>
+                <a:latin typeface="Source Sans Pro SemiBold" panose="020B0603030403020204" pitchFamily="34" charset="0"/>
+                <a:ea typeface="Source Sans Pro SemiBold" panose="020B0603030403020204" pitchFamily="34" charset="0"/>
+              </a:rPr>
+              <a:t>∀</a:t>
+            </a:r>
+            <a:r>
+              <a:rPr lang="en-US" altLang="ja-JP" b="1" dirty="0">
+                <a:highlight>
+                  <a:srgbClr val="00FFFF"/>
+                </a:highlight>
+                <a:latin typeface="Source Sans Pro SemiBold" panose="020B0603030403020204" pitchFamily="34" charset="0"/>
+                <a:ea typeface="Source Sans Pro SemiBold" panose="020B0603030403020204" pitchFamily="34" charset="0"/>
+              </a:rPr>
+              <a:t>X. X </a:t>
+            </a:r>
+            <a:r>
+              <a:rPr lang="ja-JP" altLang="en-US" b="1" dirty="0">
+                <a:highlight>
+                  <a:srgbClr val="00FFFF"/>
+                </a:highlight>
+                <a:latin typeface="Source Sans Pro SemiBold" panose="020B0603030403020204" pitchFamily="34" charset="0"/>
+                <a:ea typeface="Source Sans Pro SemiBold" panose="020B0603030403020204" pitchFamily="34" charset="0"/>
+              </a:rPr>
+              <a:t>→ </a:t>
+            </a:r>
+            <a:r>
+              <a:rPr lang="en-US" altLang="ja-JP" b="1" dirty="0">
+                <a:highlight>
+                  <a:srgbClr val="00FFFF"/>
+                </a:highlight>
+                <a:latin typeface="Source Sans Pro SemiBold" panose="020B0603030403020204" pitchFamily="34" charset="0"/>
+                <a:ea typeface="Source Sans Pro SemiBold" panose="020B0603030403020204" pitchFamily="34" charset="0"/>
+              </a:rPr>
+              <a:t>X] x</a:t>
+            </a:r>
+          </a:p>
+          <a:p>
+            <a:pPr marL="0" indent="0">
+              <a:buNone/>
+            </a:pPr>
+            <a:r>
+              <a:rPr lang="en-US" altLang="ja-JP" b="1" dirty="0">
+                <a:latin typeface="Source Sans Pro SemiBold" panose="020B0603030403020204" pitchFamily="34" charset="0"/>
+                <a:ea typeface="Source Sans Pro SemiBold" panose="020B0603030403020204" pitchFamily="34" charset="0"/>
+              </a:rPr>
+              <a:t># </a:t>
+            </a:r>
+            <a:r>
+              <a:rPr lang="en-US" altLang="ja-JP" b="1" dirty="0" err="1">
+                <a:latin typeface="Source Sans Pro SemiBold" panose="020B0603030403020204" pitchFamily="34" charset="0"/>
+                <a:ea typeface="Source Sans Pro SemiBold" panose="020B0603030403020204" pitchFamily="34" charset="0"/>
+              </a:rPr>
+              <a:t>selfApp</a:t>
+            </a:r>
+            <a:r>
+              <a:rPr lang="en-US" altLang="ja-JP" b="1" dirty="0">
+                <a:latin typeface="Source Sans Pro SemiBold" panose="020B0603030403020204" pitchFamily="34" charset="0"/>
+                <a:ea typeface="Source Sans Pro SemiBold" panose="020B0603030403020204" pitchFamily="34" charset="0"/>
+              </a:rPr>
+              <a:t> : (</a:t>
+            </a:r>
+            <a:r>
+              <a:rPr lang="ja-JP" altLang="en-US" b="1" dirty="0">
+                <a:latin typeface="Source Sans Pro SemiBold" panose="020B0603030403020204" pitchFamily="34" charset="0"/>
+                <a:ea typeface="Source Sans Pro SemiBold" panose="020B0603030403020204" pitchFamily="34" charset="0"/>
+              </a:rPr>
+              <a:t>∀</a:t>
+            </a:r>
+            <a:r>
+              <a:rPr lang="en-US" altLang="ja-JP" b="1" dirty="0">
+                <a:latin typeface="Source Sans Pro SemiBold" panose="020B0603030403020204" pitchFamily="34" charset="0"/>
+                <a:ea typeface="Source Sans Pro SemiBold" panose="020B0603030403020204" pitchFamily="34" charset="0"/>
+              </a:rPr>
+              <a:t>X. X </a:t>
+            </a:r>
+            <a:r>
+              <a:rPr lang="ja-JP" altLang="en-US" b="1" dirty="0">
+                <a:latin typeface="Source Sans Pro SemiBold" panose="020B0603030403020204" pitchFamily="34" charset="0"/>
+                <a:ea typeface="Source Sans Pro SemiBold" panose="020B0603030403020204" pitchFamily="34" charset="0"/>
+              </a:rPr>
+              <a:t>→ </a:t>
+            </a:r>
+            <a:r>
+              <a:rPr lang="en-US" altLang="ja-JP" b="1" dirty="0">
+                <a:latin typeface="Source Sans Pro SemiBold" panose="020B0603030403020204" pitchFamily="34" charset="0"/>
+                <a:ea typeface="Source Sans Pro SemiBold" panose="020B0603030403020204" pitchFamily="34" charset="0"/>
+              </a:rPr>
+              <a:t>X) </a:t>
+            </a:r>
+            <a:r>
+              <a:rPr lang="ja-JP" altLang="en-US" b="1" dirty="0">
+                <a:latin typeface="Source Sans Pro SemiBold" panose="020B0603030403020204" pitchFamily="34" charset="0"/>
+                <a:ea typeface="Source Sans Pro SemiBold" panose="020B0603030403020204" pitchFamily="34" charset="0"/>
+              </a:rPr>
+              <a:t>→ </a:t>
+            </a:r>
+            <a:r>
+              <a:rPr lang="en-US" altLang="ja-JP" b="1" dirty="0">
+                <a:latin typeface="Source Sans Pro SemiBold" panose="020B0603030403020204" pitchFamily="34" charset="0"/>
+                <a:ea typeface="Source Sans Pro SemiBold" panose="020B0603030403020204" pitchFamily="34" charset="0"/>
+              </a:rPr>
+              <a:t>(</a:t>
+            </a:r>
+            <a:r>
+              <a:rPr lang="ja-JP" altLang="en-US" b="1" dirty="0">
+                <a:latin typeface="Source Sans Pro SemiBold" panose="020B0603030403020204" pitchFamily="34" charset="0"/>
+                <a:ea typeface="Source Sans Pro SemiBold" panose="020B0603030403020204" pitchFamily="34" charset="0"/>
+              </a:rPr>
+              <a:t>∀</a:t>
+            </a:r>
+            <a:r>
+              <a:rPr lang="en-US" altLang="ja-JP" b="1" dirty="0">
+                <a:latin typeface="Source Sans Pro SemiBold" panose="020B0603030403020204" pitchFamily="34" charset="0"/>
+                <a:ea typeface="Source Sans Pro SemiBold" panose="020B0603030403020204" pitchFamily="34" charset="0"/>
+              </a:rPr>
+              <a:t>X. X </a:t>
+            </a:r>
+            <a:r>
+              <a:rPr lang="ja-JP" altLang="en-US" b="1" dirty="0">
+                <a:latin typeface="Source Sans Pro SemiBold" panose="020B0603030403020204" pitchFamily="34" charset="0"/>
+                <a:ea typeface="Source Sans Pro SemiBold" panose="020B0603030403020204" pitchFamily="34" charset="0"/>
+              </a:rPr>
+              <a:t>→ </a:t>
+            </a:r>
+            <a:r>
+              <a:rPr lang="en-US" altLang="ja-JP" b="1" dirty="0">
+                <a:latin typeface="Source Sans Pro SemiBold" panose="020B0603030403020204" pitchFamily="34" charset="0"/>
+                <a:ea typeface="Source Sans Pro SemiBold" panose="020B0603030403020204" pitchFamily="34" charset="0"/>
+              </a:rPr>
+              <a:t>X) </a:t>
+            </a:r>
+          </a:p>
+        </p:txBody>
+      </p:sp>
+      <p:pic>
+        <p:nvPicPr>
+          <p:cNvPr id="5" name="図 4">
+            <a:extLst>
+              <a:ext uri="{FF2B5EF4-FFF2-40B4-BE49-F238E27FC236}">
+                <a16:creationId xmlns:a16="http://schemas.microsoft.com/office/drawing/2014/main" id="{B2A7DFFB-5662-74FE-E7C9-CE5803FD77C8}"/>
+              </a:ext>
+            </a:extLst>
+          </p:cNvPr>
+          <p:cNvPicPr>
+            <a:picLocks noChangeAspect="1"/>
+          </p:cNvPicPr>
+          <p:nvPr/>
+        </p:nvPicPr>
+        <p:blipFill>
+          <a:blip r:embed="rId3"/>
+          <a:srcRect t="5651"/>
+          <a:stretch/>
+        </p:blipFill>
+        <p:spPr>
+          <a:xfrm>
+            <a:off x="526638" y="3292474"/>
+            <a:ext cx="8090722" cy="3429000"/>
+          </a:xfrm>
+          <a:prstGeom prst="rect">
+            <a:avLst/>
+          </a:prstGeom>
+        </p:spPr>
+      </p:pic>
+    </p:spTree>
+    <p:extLst>
+      <p:ext uri="{BB962C8B-B14F-4D97-AF65-F5344CB8AC3E}">
+        <p14:creationId xmlns:p14="http://schemas.microsoft.com/office/powerpoint/2010/main" val="2841261042"/>
+      </p:ext>
+    </p:extLst>
+  </p:cSld>
+  <p:clrMapOvr>
+    <a:masterClrMapping/>
+  </p:clrMapOvr>
+</p:sld>
+</file>
+
+<file path=ppt/slides/slide31.xml><?xml version="1.0" encoding="utf-8"?>
+<p:sld xmlns:a="http://schemas.openxmlformats.org/drawingml/2006/main" xmlns:r="http://schemas.openxmlformats.org/officeDocument/2006/relationships" xmlns:p="http://schemas.openxmlformats.org/presentationml/2006/main">
+  <p:cSld>
+    <p:spTree>
+      <p:nvGrpSpPr>
+        <p:cNvPr id="1" name="">
+          <a:extLst>
+            <a:ext uri="{FF2B5EF4-FFF2-40B4-BE49-F238E27FC236}">
+              <a16:creationId xmlns:a16="http://schemas.microsoft.com/office/drawing/2014/main" id="{518FB15E-B1BD-E6EF-7F15-12B5578A6737}"/>
+            </a:ext>
+          </a:extLst>
+        </p:cNvPr>
+        <p:cNvGrpSpPr/>
+        <p:nvPr/>
+      </p:nvGrpSpPr>
+      <p:grpSpPr>
+        <a:xfrm>
+          <a:off x="0" y="0"/>
+          <a:ext cx="0" cy="0"/>
+          <a:chOff x="0" y="0"/>
+          <a:chExt cx="0" cy="0"/>
+        </a:xfrm>
+      </p:grpSpPr>
+      <p:sp>
+        <p:nvSpPr>
+          <p:cNvPr id="2" name="タイトル 1">
+            <a:extLst>
+              <a:ext uri="{FF2B5EF4-FFF2-40B4-BE49-F238E27FC236}">
+                <a16:creationId xmlns:a16="http://schemas.microsoft.com/office/drawing/2014/main" id="{6C958A0D-B628-8B15-1669-CA2A568B8687}"/>
+              </a:ext>
+            </a:extLst>
+          </p:cNvPr>
+          <p:cNvSpPr>
+            <a:spLocks noGrp="1"/>
+          </p:cNvSpPr>
+          <p:nvPr>
+            <p:ph type="title"/>
+          </p:nvPr>
+        </p:nvSpPr>
+        <p:spPr/>
+        <p:txBody>
+          <a:bodyPr/>
+          <a:lstStyle/>
+          <a:p>
+            <a:r>
+              <a:rPr kumimoji="1" lang="en-US" altLang="ja-JP" dirty="0"/>
+              <a:t>23.3 </a:t>
+            </a:r>
+            <a:r>
+              <a:rPr lang="ja-JP" altLang="en-US" dirty="0"/>
+              <a:t>例</a:t>
+            </a:r>
+            <a:endParaRPr kumimoji="1" lang="ja-JP" altLang="en-US" dirty="0"/>
+          </a:p>
+        </p:txBody>
+      </p:sp>
+      <p:sp>
+        <p:nvSpPr>
+          <p:cNvPr id="3" name="コンテンツ プレースホルダー 2">
+            <a:extLst>
+              <a:ext uri="{FF2B5EF4-FFF2-40B4-BE49-F238E27FC236}">
+                <a16:creationId xmlns:a16="http://schemas.microsoft.com/office/drawing/2014/main" id="{1C968C2D-1375-D228-D07F-94A4152245D7}"/>
+              </a:ext>
+            </a:extLst>
+          </p:cNvPr>
+          <p:cNvSpPr>
+            <a:spLocks noGrp="1"/>
+          </p:cNvSpPr>
+          <p:nvPr>
+            <p:ph idx="1"/>
+          </p:nvPr>
+        </p:nvSpPr>
+        <p:spPr>
+          <a:xfrm>
+            <a:off x="259194" y="1099789"/>
+            <a:ext cx="8625610" cy="5482165"/>
+          </a:xfrm>
+        </p:spPr>
+        <p:txBody>
+          <a:bodyPr>
+            <a:normAutofit/>
+          </a:bodyPr>
+          <a:lstStyle/>
+          <a:p>
+            <a:pPr marL="0" indent="0">
+              <a:buNone/>
+            </a:pPr>
+            <a:r>
+              <a:rPr kumimoji="1" lang="en-US" altLang="ja-JP" dirty="0"/>
+              <a:t>Warm–Ups and 23.4.1 Exercise</a:t>
+            </a:r>
+            <a:endParaRPr lang="en-US" altLang="ja-JP" sz="800" dirty="0"/>
+          </a:p>
+          <a:p>
+            <a:pPr marL="0" indent="0">
+              <a:buNone/>
+            </a:pPr>
+            <a:endParaRPr lang="en-US" altLang="ja-JP" sz="800" dirty="0">
+              <a:latin typeface="+mn-lt"/>
+              <a:ea typeface="+mj-ea"/>
+            </a:endParaRPr>
+          </a:p>
+          <a:p>
+            <a:pPr marL="0" indent="0">
+              <a:buNone/>
+            </a:pPr>
+            <a:r>
+              <a:rPr lang="en-US" altLang="ja-JP" b="1" dirty="0">
+                <a:highlight>
+                  <a:srgbClr val="00FFFF"/>
+                </a:highlight>
+                <a:latin typeface="Source Sans Pro SemiBold" panose="020B0603030403020204" pitchFamily="34" charset="0"/>
+                <a:ea typeface="Source Sans Pro SemiBold" panose="020B0603030403020204" pitchFamily="34" charset="0"/>
+              </a:rPr>
+              <a:t>quadruple : </a:t>
+            </a:r>
+            <a:r>
+              <a:rPr lang="en-US" altLang="ja-JP" b="1" dirty="0" err="1">
+                <a:highlight>
+                  <a:srgbClr val="00FFFF"/>
+                </a:highlight>
+                <a:latin typeface="Source Sans Pro SemiBold" panose="020B0603030403020204" pitchFamily="34" charset="0"/>
+                <a:ea typeface="Source Sans Pro SemiBold" panose="020B0603030403020204" pitchFamily="34" charset="0"/>
+              </a:rPr>
+              <a:t>λx</a:t>
+            </a:r>
+            <a:r>
+              <a:rPr lang="en-US" altLang="ja-JP" b="1" dirty="0">
+                <a:highlight>
+                  <a:srgbClr val="00FFFF"/>
+                </a:highlight>
+                <a:latin typeface="Source Sans Pro SemiBold" panose="020B0603030403020204" pitchFamily="34" charset="0"/>
+                <a:ea typeface="Source Sans Pro SemiBold" panose="020B0603030403020204" pitchFamily="34" charset="0"/>
+              </a:rPr>
+              <a:t> :double [X </a:t>
+            </a:r>
+            <a:r>
+              <a:rPr lang="ja-JP" altLang="en-US" b="1" dirty="0">
+                <a:highlight>
+                  <a:srgbClr val="00FFFF"/>
+                </a:highlight>
+                <a:latin typeface="Source Sans Pro SemiBold" panose="020B0603030403020204" pitchFamily="34" charset="0"/>
+                <a:ea typeface="Source Sans Pro SemiBold" panose="020B0603030403020204" pitchFamily="34" charset="0"/>
+              </a:rPr>
+              <a:t>→ </a:t>
+            </a:r>
+            <a:r>
+              <a:rPr lang="en-US" altLang="ja-JP" b="1" dirty="0">
+                <a:highlight>
+                  <a:srgbClr val="00FFFF"/>
+                </a:highlight>
+                <a:latin typeface="Source Sans Pro SemiBold" panose="020B0603030403020204" pitchFamily="34" charset="0"/>
+                <a:ea typeface="Source Sans Pro SemiBold" panose="020B0603030403020204" pitchFamily="34" charset="0"/>
+              </a:rPr>
+              <a:t>X] (double [X])</a:t>
+            </a:r>
+          </a:p>
+          <a:p>
+            <a:pPr marL="0" indent="0">
+              <a:buNone/>
+            </a:pPr>
+            <a:r>
+              <a:rPr lang="en-US" altLang="ja-JP" b="1" dirty="0">
+                <a:latin typeface="Source Sans Pro SemiBold" panose="020B0603030403020204" pitchFamily="34" charset="0"/>
+                <a:ea typeface="Source Sans Pro SemiBold" panose="020B0603030403020204" pitchFamily="34" charset="0"/>
+              </a:rPr>
+              <a:t># quadruple : </a:t>
+            </a:r>
+            <a:r>
+              <a:rPr lang="ja-JP" altLang="en-US" b="1" dirty="0">
+                <a:latin typeface="Source Sans Pro SemiBold" panose="020B0603030403020204" pitchFamily="34" charset="0"/>
+                <a:ea typeface="Source Sans Pro SemiBold" panose="020B0603030403020204" pitchFamily="34" charset="0"/>
+              </a:rPr>
+              <a:t>∀</a:t>
+            </a:r>
+            <a:r>
+              <a:rPr lang="en-US" altLang="ja-JP" b="1" dirty="0">
+                <a:latin typeface="Source Sans Pro SemiBold" panose="020B0603030403020204" pitchFamily="34" charset="0"/>
+                <a:ea typeface="Source Sans Pro SemiBold" panose="020B0603030403020204" pitchFamily="34" charset="0"/>
+              </a:rPr>
+              <a:t>X. (X </a:t>
+            </a:r>
+            <a:r>
+              <a:rPr lang="ja-JP" altLang="en-US" b="1" dirty="0">
+                <a:latin typeface="Source Sans Pro SemiBold" panose="020B0603030403020204" pitchFamily="34" charset="0"/>
+                <a:ea typeface="Source Sans Pro SemiBold" panose="020B0603030403020204" pitchFamily="34" charset="0"/>
+              </a:rPr>
+              <a:t>→ </a:t>
+            </a:r>
+            <a:r>
+              <a:rPr lang="en-US" altLang="ja-JP" b="1" dirty="0">
+                <a:latin typeface="Source Sans Pro SemiBold" panose="020B0603030403020204" pitchFamily="34" charset="0"/>
+                <a:ea typeface="Source Sans Pro SemiBold" panose="020B0603030403020204" pitchFamily="34" charset="0"/>
+              </a:rPr>
+              <a:t>X) </a:t>
+            </a:r>
+            <a:r>
+              <a:rPr lang="ja-JP" altLang="en-US" b="1" dirty="0">
+                <a:latin typeface="Source Sans Pro SemiBold" panose="020B0603030403020204" pitchFamily="34" charset="0"/>
+                <a:ea typeface="Source Sans Pro SemiBold" panose="020B0603030403020204" pitchFamily="34" charset="0"/>
+              </a:rPr>
+              <a:t>→ </a:t>
+            </a:r>
+            <a:r>
+              <a:rPr lang="en-US" altLang="ja-JP" b="1" dirty="0">
+                <a:latin typeface="Source Sans Pro SemiBold" panose="020B0603030403020204" pitchFamily="34" charset="0"/>
+                <a:ea typeface="Source Sans Pro SemiBold" panose="020B0603030403020204" pitchFamily="34" charset="0"/>
+              </a:rPr>
+              <a:t>X </a:t>
+            </a:r>
+            <a:r>
+              <a:rPr lang="ja-JP" altLang="en-US" b="1" dirty="0">
+                <a:latin typeface="Source Sans Pro SemiBold" panose="020B0603030403020204" pitchFamily="34" charset="0"/>
+                <a:ea typeface="Source Sans Pro SemiBold" panose="020B0603030403020204" pitchFamily="34" charset="0"/>
+              </a:rPr>
+              <a:t>→ </a:t>
+            </a:r>
+            <a:r>
+              <a:rPr lang="en-US" altLang="ja-JP" b="1" dirty="0">
+                <a:latin typeface="Source Sans Pro SemiBold" panose="020B0603030403020204" pitchFamily="34" charset="0"/>
+                <a:ea typeface="Source Sans Pro SemiBold" panose="020B0603030403020204" pitchFamily="34" charset="0"/>
+              </a:rPr>
+              <a:t>X</a:t>
+            </a:r>
+          </a:p>
+          <a:p>
+            <a:pPr marL="0" indent="0">
+              <a:buNone/>
+            </a:pPr>
+            <a:endParaRPr lang="en-US" altLang="ja-JP" b="1" dirty="0">
+              <a:latin typeface="Source Sans Pro SemiBold" panose="020B0603030403020204" pitchFamily="34" charset="0"/>
+              <a:ea typeface="Source Sans Pro SemiBold" panose="020B0603030403020204" pitchFamily="34" charset="0"/>
+            </a:endParaRPr>
+          </a:p>
+        </p:txBody>
+      </p:sp>
+      <p:pic>
+        <p:nvPicPr>
+          <p:cNvPr id="6" name="図 5">
+            <a:extLst>
+              <a:ext uri="{FF2B5EF4-FFF2-40B4-BE49-F238E27FC236}">
+                <a16:creationId xmlns:a16="http://schemas.microsoft.com/office/drawing/2014/main" id="{4B6F772C-3BFF-7BB0-720E-47C0E15453FA}"/>
+              </a:ext>
+            </a:extLst>
+          </p:cNvPr>
+          <p:cNvPicPr>
+            <a:picLocks noChangeAspect="1"/>
+          </p:cNvPicPr>
+          <p:nvPr/>
+        </p:nvPicPr>
+        <p:blipFill>
+          <a:blip r:embed="rId3"/>
+          <a:stretch>
+            <a:fillRect/>
+          </a:stretch>
+        </p:blipFill>
+        <p:spPr>
+          <a:xfrm>
+            <a:off x="123277" y="2989927"/>
+            <a:ext cx="8897445" cy="2869452"/>
+          </a:xfrm>
+          <a:prstGeom prst="rect">
+            <a:avLst/>
+          </a:prstGeom>
+        </p:spPr>
+      </p:pic>
+    </p:spTree>
+    <p:extLst>
+      <p:ext uri="{BB962C8B-B14F-4D97-AF65-F5344CB8AC3E}">
+        <p14:creationId xmlns:p14="http://schemas.microsoft.com/office/powerpoint/2010/main" val="3016091370"/>
+      </p:ext>
+    </p:extLst>
+  </p:cSld>
+  <p:clrMapOvr>
+    <a:masterClrMapping/>
+  </p:clrMapOvr>
+</p:sld>
+</file>
+
+<file path=ppt/slides/slide32.xml><?xml version="1.0" encoding="utf-8"?>
+<p:sld xmlns:a="http://schemas.openxmlformats.org/drawingml/2006/main" xmlns:r="http://schemas.openxmlformats.org/officeDocument/2006/relationships" xmlns:p="http://schemas.openxmlformats.org/presentationml/2006/main">
+  <p:cSld>
+    <p:spTree>
+      <p:nvGrpSpPr>
+        <p:cNvPr id="1" name="">
+          <a:extLst>
+            <a:ext uri="{FF2B5EF4-FFF2-40B4-BE49-F238E27FC236}">
+              <a16:creationId xmlns:a16="http://schemas.microsoft.com/office/drawing/2014/main" id="{11CC4E74-A8F9-F6C3-3F91-9B9F1FAF67C5}"/>
+            </a:ext>
+          </a:extLst>
+        </p:cNvPr>
+        <p:cNvGrpSpPr/>
+        <p:nvPr/>
+      </p:nvGrpSpPr>
+      <p:grpSpPr>
+        <a:xfrm>
+          <a:off x="0" y="0"/>
+          <a:ext cx="0" cy="0"/>
+          <a:chOff x="0" y="0"/>
+          <a:chExt cx="0" cy="0"/>
+        </a:xfrm>
+      </p:grpSpPr>
+      <p:sp>
+        <p:nvSpPr>
+          <p:cNvPr id="2" name="タイトル 1">
+            <a:extLst>
+              <a:ext uri="{FF2B5EF4-FFF2-40B4-BE49-F238E27FC236}">
+                <a16:creationId xmlns:a16="http://schemas.microsoft.com/office/drawing/2014/main" id="{CD4CBB5E-DF53-6DA4-ECDF-B8C0B4ADC296}"/>
+              </a:ext>
+            </a:extLst>
+          </p:cNvPr>
+          <p:cNvSpPr>
+            <a:spLocks noGrp="1"/>
+          </p:cNvSpPr>
+          <p:nvPr>
+            <p:ph type="title"/>
+          </p:nvPr>
+        </p:nvSpPr>
+        <p:spPr/>
+        <p:txBody>
+          <a:bodyPr/>
+          <a:lstStyle/>
+          <a:p>
+            <a:r>
+              <a:rPr kumimoji="1" lang="en-US" altLang="ja-JP" dirty="0"/>
+              <a:t>23.3 </a:t>
+            </a:r>
+            <a:r>
+              <a:rPr lang="ja-JP" altLang="en-US" dirty="0"/>
+              <a:t>例</a:t>
+            </a:r>
+            <a:endParaRPr kumimoji="1" lang="ja-JP" altLang="en-US" dirty="0"/>
+          </a:p>
+        </p:txBody>
+      </p:sp>
+      <p:sp>
+        <p:nvSpPr>
+          <p:cNvPr id="3" name="コンテンツ プレースホルダー 2">
+            <a:extLst>
+              <a:ext uri="{FF2B5EF4-FFF2-40B4-BE49-F238E27FC236}">
+                <a16:creationId xmlns:a16="http://schemas.microsoft.com/office/drawing/2014/main" id="{21C363B8-A5C0-1AFA-A9B0-E6ECB6F4B2FB}"/>
+              </a:ext>
+            </a:extLst>
+          </p:cNvPr>
+          <p:cNvSpPr>
+            <a:spLocks noGrp="1"/>
+          </p:cNvSpPr>
+          <p:nvPr>
+            <p:ph idx="1"/>
+          </p:nvPr>
+        </p:nvSpPr>
+        <p:spPr>
+          <a:xfrm>
+            <a:off x="259194" y="1099789"/>
+            <a:ext cx="8625610" cy="5482165"/>
+          </a:xfrm>
+        </p:spPr>
+        <p:txBody>
+          <a:bodyPr>
+            <a:normAutofit/>
+          </a:bodyPr>
+          <a:lstStyle/>
+          <a:p>
+            <a:pPr marL="0" indent="0">
+              <a:buNone/>
+            </a:pPr>
+            <a:r>
+              <a:rPr kumimoji="1" lang="en-US" altLang="ja-JP" dirty="0"/>
+              <a:t>Polymorphic Lists</a:t>
+            </a:r>
+          </a:p>
+          <a:p>
+            <a:pPr marL="0" indent="0">
+              <a:buNone/>
+            </a:pPr>
+            <a:endParaRPr kumimoji="1" lang="en-US" altLang="ja-JP" sz="2400" dirty="0"/>
+          </a:p>
+          <a:p>
+            <a:pPr marL="0" indent="0">
+              <a:buNone/>
+            </a:pPr>
+            <a:r>
+              <a:rPr kumimoji="1" lang="ja-JP" altLang="en-US" sz="2400" dirty="0"/>
+              <a:t>多相型を用いたリスト操作について考える．</a:t>
+            </a:r>
+            <a:endParaRPr kumimoji="1" lang="en-US" altLang="ja-JP" sz="2400" dirty="0"/>
+          </a:p>
+          <a:p>
+            <a:pPr marL="0" indent="0">
+              <a:buNone/>
+            </a:pPr>
+            <a:endParaRPr lang="en-US" altLang="ja-JP" sz="2400" dirty="0">
+              <a:latin typeface="Source Sans Pro SemiBold" panose="020B0603030403020204" pitchFamily="34" charset="0"/>
+              <a:ea typeface="Source Sans Pro SemiBold" panose="020B0603030403020204" pitchFamily="34" charset="0"/>
+            </a:endParaRPr>
+          </a:p>
+          <a:p>
+            <a:pPr marL="0" indent="0">
+              <a:buNone/>
+            </a:pPr>
+            <a:r>
+              <a:rPr lang="ja-JP" altLang="en-US" sz="2400" dirty="0">
+                <a:latin typeface="+mn-ea"/>
+                <a:ea typeface="+mn-ea"/>
+              </a:rPr>
+              <a:t>初めてリストを導入したとき </a:t>
+            </a:r>
+            <a:r>
+              <a:rPr lang="en-US" altLang="ja-JP" sz="2400" dirty="0">
+                <a:latin typeface="+mn-ea"/>
+                <a:ea typeface="+mn-ea"/>
+              </a:rPr>
+              <a:t>(11</a:t>
+            </a:r>
+            <a:r>
+              <a:rPr lang="ja-JP" altLang="en-US" sz="2400" dirty="0">
+                <a:latin typeface="+mn-ea"/>
+                <a:ea typeface="+mn-ea"/>
+              </a:rPr>
+              <a:t>章</a:t>
+            </a:r>
+            <a:r>
+              <a:rPr lang="en-US" altLang="ja-JP" sz="2400" dirty="0">
+                <a:latin typeface="+mn-ea"/>
+                <a:ea typeface="+mn-ea"/>
+              </a:rPr>
+              <a:t>12</a:t>
+            </a:r>
+            <a:r>
+              <a:rPr lang="ja-JP" altLang="en-US" sz="2400" dirty="0">
+                <a:latin typeface="+mn-ea"/>
+                <a:ea typeface="+mn-ea"/>
+              </a:rPr>
+              <a:t>節</a:t>
+            </a:r>
+            <a:r>
+              <a:rPr lang="en-US" altLang="ja-JP" sz="2400" dirty="0">
+                <a:latin typeface="+mn-ea"/>
+                <a:ea typeface="+mn-ea"/>
+              </a:rPr>
+              <a:t>)</a:t>
+            </a:r>
+            <a:r>
+              <a:rPr lang="ja-JP" altLang="en-US" sz="2400" dirty="0">
+                <a:latin typeface="+mn-ea"/>
+                <a:ea typeface="+mn-ea"/>
+              </a:rPr>
+              <a:t>，いかなる型のリストにも同様の操作が適用できるように，特別な推論規則を用意した．</a:t>
+            </a:r>
+            <a:endParaRPr lang="en-US" altLang="ja-JP" sz="2400" dirty="0">
+              <a:latin typeface="+mn-ea"/>
+              <a:ea typeface="+mn-ea"/>
+            </a:endParaRPr>
+          </a:p>
+          <a:p>
+            <a:pPr marL="0" indent="0">
+              <a:buNone/>
+            </a:pPr>
+            <a:r>
+              <a:rPr lang="ja-JP" altLang="en-US" sz="2400" dirty="0">
+                <a:latin typeface="+mn-ea"/>
+                <a:ea typeface="+mn-ea"/>
+              </a:rPr>
+              <a:t>一方，多相型を使用することによりまったく同じ制約での演算を行うことができる．</a:t>
+            </a:r>
+            <a:endParaRPr lang="en-US" altLang="ja-JP" sz="2400" dirty="0">
+              <a:latin typeface="+mn-ea"/>
+              <a:ea typeface="+mn-ea"/>
+            </a:endParaRPr>
+          </a:p>
+          <a:p>
+            <a:pPr marL="0" indent="0">
+              <a:buNone/>
+            </a:pPr>
+            <a:endParaRPr lang="en-US" altLang="ja-JP" dirty="0">
+              <a:latin typeface="+mn-ea"/>
+              <a:ea typeface="+mn-ea"/>
+            </a:endParaRPr>
+          </a:p>
+          <a:p>
+            <a:pPr marL="0" indent="0">
+              <a:buNone/>
+            </a:pPr>
+            <a:endParaRPr lang="en-US" altLang="ja-JP" dirty="0">
+              <a:latin typeface="Source Sans Pro SemiBold" panose="020B0603030403020204" pitchFamily="34" charset="0"/>
+              <a:ea typeface="Source Sans Pro SemiBold" panose="020B0603030403020204" pitchFamily="34" charset="0"/>
+            </a:endParaRPr>
+          </a:p>
+        </p:txBody>
+      </p:sp>
+    </p:spTree>
+    <p:extLst>
+      <p:ext uri="{BB962C8B-B14F-4D97-AF65-F5344CB8AC3E}">
+        <p14:creationId xmlns:p14="http://schemas.microsoft.com/office/powerpoint/2010/main" val="882576452"/>
+      </p:ext>
+    </p:extLst>
+  </p:cSld>
+  <p:clrMapOvr>
+    <a:masterClrMapping/>
+  </p:clrMapOvr>
+</p:sld>
+</file>
+
+<file path=ppt/slides/slide33.xml><?xml version="1.0" encoding="utf-8"?>
+<p:sld xmlns:a="http://schemas.openxmlformats.org/drawingml/2006/main" xmlns:r="http://schemas.openxmlformats.org/officeDocument/2006/relationships" xmlns:p="http://schemas.openxmlformats.org/presentationml/2006/main">
+  <p:cSld>
+    <p:spTree>
+      <p:nvGrpSpPr>
+        <p:cNvPr id="1" name="">
+          <a:extLst>
+            <a:ext uri="{FF2B5EF4-FFF2-40B4-BE49-F238E27FC236}">
+              <a16:creationId xmlns:a16="http://schemas.microsoft.com/office/drawing/2014/main" id="{BE7EFA26-8E3C-0822-7211-2110A980E947}"/>
+            </a:ext>
+          </a:extLst>
+        </p:cNvPr>
+        <p:cNvGrpSpPr/>
+        <p:nvPr/>
+      </p:nvGrpSpPr>
+      <p:grpSpPr>
+        <a:xfrm>
+          <a:off x="0" y="0"/>
+          <a:ext cx="0" cy="0"/>
+          <a:chOff x="0" y="0"/>
+          <a:chExt cx="0" cy="0"/>
+        </a:xfrm>
+      </p:grpSpPr>
+      <p:sp>
+        <p:nvSpPr>
+          <p:cNvPr id="2" name="タイトル 1">
+            <a:extLst>
+              <a:ext uri="{FF2B5EF4-FFF2-40B4-BE49-F238E27FC236}">
+                <a16:creationId xmlns:a16="http://schemas.microsoft.com/office/drawing/2014/main" id="{77D99EE7-CB40-24ED-AFCA-D1E68468F9B4}"/>
+              </a:ext>
+            </a:extLst>
+          </p:cNvPr>
+          <p:cNvSpPr>
+            <a:spLocks noGrp="1"/>
+          </p:cNvSpPr>
+          <p:nvPr>
+            <p:ph type="title"/>
+          </p:nvPr>
+        </p:nvSpPr>
+        <p:spPr/>
+        <p:txBody>
+          <a:bodyPr/>
+          <a:lstStyle/>
+          <a:p>
+            <a:r>
+              <a:rPr kumimoji="1" lang="en-US" altLang="ja-JP" dirty="0"/>
+              <a:t>23.3 </a:t>
+            </a:r>
+            <a:r>
+              <a:rPr lang="ja-JP" altLang="en-US" dirty="0"/>
+              <a:t>例</a:t>
+            </a:r>
+            <a:endParaRPr kumimoji="1" lang="ja-JP" altLang="en-US" dirty="0"/>
+          </a:p>
+        </p:txBody>
+      </p:sp>
+      <p:sp>
+        <p:nvSpPr>
+          <p:cNvPr id="3" name="コンテンツ プレースホルダー 2">
+            <a:extLst>
+              <a:ext uri="{FF2B5EF4-FFF2-40B4-BE49-F238E27FC236}">
+                <a16:creationId xmlns:a16="http://schemas.microsoft.com/office/drawing/2014/main" id="{D713B6A3-3381-4FAA-D719-5A846D80F31F}"/>
+              </a:ext>
+            </a:extLst>
+          </p:cNvPr>
+          <p:cNvSpPr>
+            <a:spLocks noGrp="1"/>
+          </p:cNvSpPr>
+          <p:nvPr>
+            <p:ph idx="1"/>
+          </p:nvPr>
+        </p:nvSpPr>
+        <p:spPr>
+          <a:xfrm>
+            <a:off x="259194" y="1099789"/>
+            <a:ext cx="8625610" cy="5482165"/>
+          </a:xfrm>
+        </p:spPr>
+        <p:txBody>
+          <a:bodyPr>
+            <a:normAutofit/>
+          </a:bodyPr>
+          <a:lstStyle/>
+          <a:p>
+            <a:pPr marL="0" indent="0">
+              <a:buNone/>
+            </a:pPr>
+            <a:r>
+              <a:rPr kumimoji="1" lang="en-US" altLang="ja-JP" dirty="0"/>
+              <a:t>Polymorphic Lists</a:t>
+            </a:r>
+          </a:p>
+          <a:p>
+            <a:pPr marL="0" indent="0">
+              <a:buNone/>
+            </a:pPr>
+            <a:r>
+              <a:rPr lang="ja-JP" altLang="en-US" sz="2400" dirty="0">
+                <a:latin typeface="+mj-ea"/>
+                <a:ea typeface="+mj-ea"/>
+              </a:rPr>
+              <a:t>型コンストラクタ </a:t>
+            </a:r>
+            <a:r>
+              <a:rPr lang="en-US" altLang="ja-JP" sz="2400" dirty="0">
+                <a:latin typeface="Source Sans Pro SemiBold" panose="020B0603030403020204" pitchFamily="34" charset="0"/>
+                <a:ea typeface="Source Sans Pro SemiBold" panose="020B0603030403020204" pitchFamily="34" charset="0"/>
+              </a:rPr>
+              <a:t>List</a:t>
+            </a:r>
+            <a:r>
+              <a:rPr lang="en-US" altLang="ja-JP" sz="2400" dirty="0">
+                <a:latin typeface="+mj-ea"/>
+                <a:ea typeface="+mj-ea"/>
+              </a:rPr>
+              <a:t> </a:t>
+            </a:r>
+            <a:r>
+              <a:rPr lang="ja-JP" altLang="en-US" sz="2400" dirty="0">
+                <a:latin typeface="+mj-ea"/>
+                <a:ea typeface="+mj-ea"/>
+              </a:rPr>
+              <a:t>と，次のような型を持つリスト操作のためのプリミティブな項があるとする．</a:t>
+            </a:r>
+            <a:endParaRPr lang="en-US" altLang="ja-JP" sz="2400" dirty="0">
+              <a:latin typeface="+mj-ea"/>
+              <a:ea typeface="+mj-ea"/>
+            </a:endParaRPr>
+          </a:p>
+          <a:p>
+            <a:pPr marL="0" indent="0">
+              <a:buNone/>
+            </a:pPr>
+            <a:endParaRPr lang="en-US" altLang="ja-JP" dirty="0">
+              <a:latin typeface="+mj-ea"/>
+              <a:ea typeface="+mj-ea"/>
+            </a:endParaRPr>
+          </a:p>
+          <a:p>
+            <a:pPr marL="0" indent="0">
+              <a:buNone/>
+            </a:pPr>
+            <a:r>
+              <a:rPr lang="en-US" altLang="ja-JP" dirty="0">
+                <a:latin typeface="Source Sans Pro SemiBold" panose="020B0603030403020204" pitchFamily="34" charset="0"/>
+                <a:ea typeface="Source Sans Pro SemiBold" panose="020B0603030403020204" pitchFamily="34" charset="0"/>
+              </a:rPr>
+              <a:t>nil 		: </a:t>
+            </a:r>
+            <a:r>
+              <a:rPr lang="ja-JP" altLang="en-US" dirty="0">
+                <a:latin typeface="Source Sans Pro SemiBold" panose="020B0603030403020204" pitchFamily="34" charset="0"/>
+                <a:ea typeface="Source Sans Pro SemiBold" panose="020B0603030403020204" pitchFamily="34" charset="0"/>
+              </a:rPr>
+              <a:t>∀</a:t>
+            </a:r>
+            <a:r>
+              <a:rPr lang="en-US" altLang="ja-JP" dirty="0">
+                <a:latin typeface="Source Sans Pro SemiBold" panose="020B0603030403020204" pitchFamily="34" charset="0"/>
+                <a:ea typeface="Source Sans Pro SemiBold" panose="020B0603030403020204" pitchFamily="34" charset="0"/>
+              </a:rPr>
+              <a:t>X. List X</a:t>
+            </a:r>
+          </a:p>
+          <a:p>
+            <a:pPr marL="0" indent="0">
+              <a:buNone/>
+            </a:pPr>
+            <a:r>
+              <a:rPr lang="en-US" altLang="ja-JP" dirty="0">
+                <a:latin typeface="Source Sans Pro SemiBold" panose="020B0603030403020204" pitchFamily="34" charset="0"/>
+                <a:ea typeface="Source Sans Pro SemiBold" panose="020B0603030403020204" pitchFamily="34" charset="0"/>
+              </a:rPr>
+              <a:t>cons 	: </a:t>
+            </a:r>
+            <a:r>
+              <a:rPr lang="ja-JP" altLang="en-US" dirty="0">
+                <a:latin typeface="Source Sans Pro SemiBold" panose="020B0603030403020204" pitchFamily="34" charset="0"/>
+                <a:ea typeface="Source Sans Pro SemiBold" panose="020B0603030403020204" pitchFamily="34" charset="0"/>
+              </a:rPr>
+              <a:t>∀</a:t>
+            </a:r>
+            <a:r>
+              <a:rPr lang="en-US" altLang="ja-JP" dirty="0">
+                <a:latin typeface="Source Sans Pro SemiBold" panose="020B0603030403020204" pitchFamily="34" charset="0"/>
+                <a:ea typeface="Source Sans Pro SemiBold" panose="020B0603030403020204" pitchFamily="34" charset="0"/>
+              </a:rPr>
+              <a:t>X. X </a:t>
+            </a:r>
+            <a:r>
+              <a:rPr lang="ja-JP" altLang="en-US" dirty="0">
+                <a:latin typeface="Source Sans Pro SemiBold" panose="020B0603030403020204" pitchFamily="34" charset="0"/>
+                <a:ea typeface="Source Sans Pro SemiBold" panose="020B0603030403020204" pitchFamily="34" charset="0"/>
+              </a:rPr>
+              <a:t>→ </a:t>
+            </a:r>
+            <a:r>
+              <a:rPr lang="en-US" altLang="ja-JP" dirty="0">
+                <a:latin typeface="Source Sans Pro SemiBold" panose="020B0603030403020204" pitchFamily="34" charset="0"/>
+                <a:ea typeface="Source Sans Pro SemiBold" panose="020B0603030403020204" pitchFamily="34" charset="0"/>
+              </a:rPr>
+              <a:t>List X </a:t>
+            </a:r>
+            <a:r>
+              <a:rPr lang="ja-JP" altLang="en-US" dirty="0">
+                <a:latin typeface="Source Sans Pro SemiBold" panose="020B0603030403020204" pitchFamily="34" charset="0"/>
+                <a:ea typeface="Source Sans Pro SemiBold" panose="020B0603030403020204" pitchFamily="34" charset="0"/>
+              </a:rPr>
+              <a:t>→ </a:t>
+            </a:r>
+            <a:r>
+              <a:rPr lang="en-US" altLang="ja-JP" dirty="0">
+                <a:latin typeface="Source Sans Pro SemiBold" panose="020B0603030403020204" pitchFamily="34" charset="0"/>
+                <a:ea typeface="Source Sans Pro SemiBold" panose="020B0603030403020204" pitchFamily="34" charset="0"/>
+              </a:rPr>
+              <a:t>List X</a:t>
+            </a:r>
+          </a:p>
+          <a:p>
+            <a:pPr marL="0" indent="0">
+              <a:buNone/>
+            </a:pPr>
+            <a:r>
+              <a:rPr lang="en-US" altLang="ja-JP" dirty="0" err="1">
+                <a:latin typeface="Source Sans Pro SemiBold" panose="020B0603030403020204" pitchFamily="34" charset="0"/>
+                <a:ea typeface="Source Sans Pro SemiBold" panose="020B0603030403020204" pitchFamily="34" charset="0"/>
+              </a:rPr>
+              <a:t>isnil</a:t>
+            </a:r>
+            <a:r>
+              <a:rPr lang="en-US" altLang="ja-JP" dirty="0">
+                <a:latin typeface="Source Sans Pro SemiBold" panose="020B0603030403020204" pitchFamily="34" charset="0"/>
+                <a:ea typeface="Source Sans Pro SemiBold" panose="020B0603030403020204" pitchFamily="34" charset="0"/>
+              </a:rPr>
+              <a:t>		: </a:t>
+            </a:r>
+            <a:r>
+              <a:rPr lang="ja-JP" altLang="en-US" dirty="0">
+                <a:latin typeface="Source Sans Pro SemiBold" panose="020B0603030403020204" pitchFamily="34" charset="0"/>
+                <a:ea typeface="Source Sans Pro SemiBold" panose="020B0603030403020204" pitchFamily="34" charset="0"/>
+              </a:rPr>
+              <a:t>∀</a:t>
+            </a:r>
+            <a:r>
+              <a:rPr lang="en-US" altLang="ja-JP" dirty="0">
+                <a:latin typeface="Source Sans Pro SemiBold" panose="020B0603030403020204" pitchFamily="34" charset="0"/>
+                <a:ea typeface="Source Sans Pro SemiBold" panose="020B0603030403020204" pitchFamily="34" charset="0"/>
+              </a:rPr>
+              <a:t>X. List X </a:t>
+            </a:r>
+            <a:r>
+              <a:rPr lang="ja-JP" altLang="en-US" dirty="0">
+                <a:latin typeface="Source Sans Pro SemiBold" panose="020B0603030403020204" pitchFamily="34" charset="0"/>
+                <a:ea typeface="Source Sans Pro SemiBold" panose="020B0603030403020204" pitchFamily="34" charset="0"/>
+              </a:rPr>
+              <a:t>→ </a:t>
+            </a:r>
+            <a:r>
+              <a:rPr lang="en-US" altLang="ja-JP" dirty="0">
+                <a:latin typeface="Source Sans Pro SemiBold" panose="020B0603030403020204" pitchFamily="34" charset="0"/>
+                <a:ea typeface="Source Sans Pro SemiBold" panose="020B0603030403020204" pitchFamily="34" charset="0"/>
+              </a:rPr>
+              <a:t>Bool</a:t>
+            </a:r>
+          </a:p>
+          <a:p>
+            <a:pPr marL="0" indent="0">
+              <a:buNone/>
+            </a:pPr>
+            <a:r>
+              <a:rPr lang="en-US" altLang="ja-JP" dirty="0">
+                <a:latin typeface="Source Sans Pro SemiBold" panose="020B0603030403020204" pitchFamily="34" charset="0"/>
+                <a:ea typeface="Source Sans Pro SemiBold" panose="020B0603030403020204" pitchFamily="34" charset="0"/>
+              </a:rPr>
+              <a:t>head	: </a:t>
+            </a:r>
+            <a:r>
+              <a:rPr lang="ja-JP" altLang="en-US" dirty="0">
+                <a:latin typeface="Source Sans Pro SemiBold" panose="020B0603030403020204" pitchFamily="34" charset="0"/>
+                <a:ea typeface="Source Sans Pro SemiBold" panose="020B0603030403020204" pitchFamily="34" charset="0"/>
+              </a:rPr>
+              <a:t>∀</a:t>
+            </a:r>
+            <a:r>
+              <a:rPr lang="en-US" altLang="ja-JP" dirty="0">
+                <a:latin typeface="Source Sans Pro SemiBold" panose="020B0603030403020204" pitchFamily="34" charset="0"/>
+                <a:ea typeface="Source Sans Pro SemiBold" panose="020B0603030403020204" pitchFamily="34" charset="0"/>
+              </a:rPr>
+              <a:t>X. List X </a:t>
+            </a:r>
+            <a:r>
+              <a:rPr lang="ja-JP" altLang="en-US" dirty="0">
+                <a:latin typeface="Source Sans Pro SemiBold" panose="020B0603030403020204" pitchFamily="34" charset="0"/>
+                <a:ea typeface="Source Sans Pro SemiBold" panose="020B0603030403020204" pitchFamily="34" charset="0"/>
+              </a:rPr>
+              <a:t>→ </a:t>
+            </a:r>
+            <a:r>
+              <a:rPr lang="en-US" altLang="ja-JP" dirty="0">
+                <a:latin typeface="Source Sans Pro SemiBold" panose="020B0603030403020204" pitchFamily="34" charset="0"/>
+                <a:ea typeface="Source Sans Pro SemiBold" panose="020B0603030403020204" pitchFamily="34" charset="0"/>
+              </a:rPr>
+              <a:t>X</a:t>
+            </a:r>
+          </a:p>
+          <a:p>
+            <a:pPr marL="0" indent="0">
+              <a:buNone/>
+            </a:pPr>
+            <a:r>
+              <a:rPr lang="en-US" altLang="ja-JP" dirty="0">
+                <a:latin typeface="Source Sans Pro SemiBold" panose="020B0603030403020204" pitchFamily="34" charset="0"/>
+                <a:ea typeface="Source Sans Pro SemiBold" panose="020B0603030403020204" pitchFamily="34" charset="0"/>
+              </a:rPr>
+              <a:t>tail 		: </a:t>
+            </a:r>
+            <a:r>
+              <a:rPr lang="ja-JP" altLang="en-US" dirty="0">
+                <a:latin typeface="Source Sans Pro SemiBold" panose="020B0603030403020204" pitchFamily="34" charset="0"/>
+                <a:ea typeface="Source Sans Pro SemiBold" panose="020B0603030403020204" pitchFamily="34" charset="0"/>
+              </a:rPr>
+              <a:t>∀</a:t>
+            </a:r>
+            <a:r>
+              <a:rPr lang="en-US" altLang="ja-JP" dirty="0">
+                <a:latin typeface="Source Sans Pro SemiBold" panose="020B0603030403020204" pitchFamily="34" charset="0"/>
+                <a:ea typeface="Source Sans Pro SemiBold" panose="020B0603030403020204" pitchFamily="34" charset="0"/>
+              </a:rPr>
+              <a:t>X. List X </a:t>
+            </a:r>
+            <a:r>
+              <a:rPr lang="ja-JP" altLang="en-US" dirty="0">
+                <a:latin typeface="Source Sans Pro SemiBold" panose="020B0603030403020204" pitchFamily="34" charset="0"/>
+                <a:ea typeface="Source Sans Pro SemiBold" panose="020B0603030403020204" pitchFamily="34" charset="0"/>
+              </a:rPr>
+              <a:t>→ </a:t>
+            </a:r>
+            <a:r>
+              <a:rPr lang="en-US" altLang="ja-JP" dirty="0">
+                <a:latin typeface="Source Sans Pro SemiBold" panose="020B0603030403020204" pitchFamily="34" charset="0"/>
+                <a:ea typeface="Source Sans Pro SemiBold" panose="020B0603030403020204" pitchFamily="34" charset="0"/>
+              </a:rPr>
+              <a:t>List X</a:t>
+            </a:r>
+          </a:p>
+          <a:p>
+            <a:pPr marL="0" indent="0">
+              <a:buNone/>
+            </a:pPr>
+            <a:endParaRPr lang="en-US" altLang="ja-JP" dirty="0">
+              <a:latin typeface="Source Sans Pro SemiBold" panose="020B0603030403020204" pitchFamily="34" charset="0"/>
+              <a:ea typeface="Source Sans Pro SemiBold" panose="020B0603030403020204" pitchFamily="34" charset="0"/>
+            </a:endParaRPr>
+          </a:p>
+          <a:p>
+            <a:pPr marL="0" indent="0">
+              <a:buNone/>
+            </a:pPr>
+            <a:endParaRPr lang="en-US" altLang="ja-JP" dirty="0">
+              <a:latin typeface="Source Sans Pro SemiBold" panose="020B0603030403020204" pitchFamily="34" charset="0"/>
+              <a:ea typeface="Source Sans Pro SemiBold" panose="020B0603030403020204" pitchFamily="34" charset="0"/>
+            </a:endParaRPr>
+          </a:p>
+          <a:p>
+            <a:pPr marL="0" indent="0">
+              <a:buNone/>
+            </a:pPr>
+            <a:endParaRPr lang="en-US" altLang="ja-JP" dirty="0">
+              <a:latin typeface="Source Sans Pro SemiBold" panose="020B0603030403020204" pitchFamily="34" charset="0"/>
+              <a:ea typeface="Source Sans Pro SemiBold" panose="020B0603030403020204" pitchFamily="34" charset="0"/>
+            </a:endParaRPr>
+          </a:p>
+        </p:txBody>
+      </p:sp>
+    </p:spTree>
+    <p:extLst>
+      <p:ext uri="{BB962C8B-B14F-4D97-AF65-F5344CB8AC3E}">
+        <p14:creationId xmlns:p14="http://schemas.microsoft.com/office/powerpoint/2010/main" val="2432912112"/>
+      </p:ext>
+    </p:extLst>
+  </p:cSld>
+  <p:clrMapOvr>
+    <a:masterClrMapping/>
+  </p:clrMapOvr>
+</p:sld>
+</file>
+
+<file path=ppt/slides/slide34.xml><?xml version="1.0" encoding="utf-8"?>
+<p:sld xmlns:a="http://schemas.openxmlformats.org/drawingml/2006/main" xmlns:r="http://schemas.openxmlformats.org/officeDocument/2006/relationships" xmlns:p="http://schemas.openxmlformats.org/presentationml/2006/main">
+  <p:cSld>
+    <p:spTree>
+      <p:nvGrpSpPr>
+        <p:cNvPr id="1" name="">
+          <a:extLst>
+            <a:ext uri="{FF2B5EF4-FFF2-40B4-BE49-F238E27FC236}">
+              <a16:creationId xmlns:a16="http://schemas.microsoft.com/office/drawing/2014/main" id="{1426BCD8-0402-8CD8-F218-52335324F4F0}"/>
+            </a:ext>
+          </a:extLst>
+        </p:cNvPr>
+        <p:cNvGrpSpPr/>
+        <p:nvPr/>
+      </p:nvGrpSpPr>
+      <p:grpSpPr>
+        <a:xfrm>
+          <a:off x="0" y="0"/>
+          <a:ext cx="0" cy="0"/>
+          <a:chOff x="0" y="0"/>
+          <a:chExt cx="0" cy="0"/>
+        </a:xfrm>
+      </p:grpSpPr>
+      <p:sp>
+        <p:nvSpPr>
+          <p:cNvPr id="2" name="タイトル 1">
+            <a:extLst>
+              <a:ext uri="{FF2B5EF4-FFF2-40B4-BE49-F238E27FC236}">
+                <a16:creationId xmlns:a16="http://schemas.microsoft.com/office/drawing/2014/main" id="{C556B20A-EBF7-A39D-C51A-DDFE4697726B}"/>
+              </a:ext>
+            </a:extLst>
+          </p:cNvPr>
+          <p:cNvSpPr>
+            <a:spLocks noGrp="1"/>
+          </p:cNvSpPr>
+          <p:nvPr>
+            <p:ph type="title"/>
+          </p:nvPr>
+        </p:nvSpPr>
+        <p:spPr/>
+        <p:txBody>
+          <a:bodyPr/>
+          <a:lstStyle/>
+          <a:p>
+            <a:r>
+              <a:rPr kumimoji="1" lang="en-US" altLang="ja-JP" dirty="0"/>
+              <a:t>23.3 </a:t>
+            </a:r>
+            <a:r>
+              <a:rPr lang="ja-JP" altLang="en-US" dirty="0"/>
+              <a:t>例</a:t>
+            </a:r>
+            <a:endParaRPr kumimoji="1" lang="ja-JP" altLang="en-US" dirty="0"/>
+          </a:p>
+        </p:txBody>
+      </p:sp>
+      <p:sp>
+        <p:nvSpPr>
+          <p:cNvPr id="3" name="コンテンツ プレースホルダー 2">
+            <a:extLst>
+              <a:ext uri="{FF2B5EF4-FFF2-40B4-BE49-F238E27FC236}">
+                <a16:creationId xmlns:a16="http://schemas.microsoft.com/office/drawing/2014/main" id="{DE524B20-70A9-3F7B-D81B-0288CA69097A}"/>
+              </a:ext>
+            </a:extLst>
+          </p:cNvPr>
+          <p:cNvSpPr>
+            <a:spLocks noGrp="1"/>
+          </p:cNvSpPr>
+          <p:nvPr>
+            <p:ph idx="1"/>
+          </p:nvPr>
+        </p:nvSpPr>
+        <p:spPr>
+          <a:xfrm>
+            <a:off x="259194" y="1099789"/>
+            <a:ext cx="8625610" cy="5481485"/>
+          </a:xfrm>
+        </p:spPr>
+        <p:txBody>
+          <a:bodyPr>
+            <a:normAutofit/>
+          </a:bodyPr>
+          <a:lstStyle/>
+          <a:p>
+            <a:pPr marL="0" indent="0">
+              <a:buNone/>
+            </a:pPr>
+            <a:r>
+              <a:rPr kumimoji="1" lang="en-US" altLang="ja-JP" dirty="0"/>
+              <a:t>Polymorphic Lists</a:t>
+            </a:r>
+          </a:p>
+          <a:p>
+            <a:pPr marL="0" indent="0">
+              <a:buNone/>
+            </a:pPr>
+            <a:r>
+              <a:rPr lang="en-US" altLang="ja-JP" sz="2400" dirty="0">
+                <a:latin typeface="Source Sans Pro SemiBold" panose="020B0603030403020204" pitchFamily="34" charset="0"/>
+                <a:ea typeface="Source Sans Pro SemiBold" panose="020B0603030403020204" pitchFamily="34" charset="0"/>
+              </a:rPr>
+              <a:t>nil, cons, </a:t>
+            </a:r>
+            <a:r>
+              <a:rPr lang="en-US" altLang="ja-JP" sz="2400" dirty="0" err="1">
+                <a:latin typeface="Source Sans Pro SemiBold" panose="020B0603030403020204" pitchFamily="34" charset="0"/>
+                <a:ea typeface="Source Sans Pro SemiBold" panose="020B0603030403020204" pitchFamily="34" charset="0"/>
+              </a:rPr>
+              <a:t>isnil</a:t>
+            </a:r>
+            <a:r>
+              <a:rPr lang="en-US" altLang="ja-JP" sz="2400" dirty="0">
+                <a:latin typeface="Source Sans Pro SemiBold" panose="020B0603030403020204" pitchFamily="34" charset="0"/>
+                <a:ea typeface="Source Sans Pro SemiBold" panose="020B0603030403020204" pitchFamily="34" charset="0"/>
+              </a:rPr>
+              <a:t>, head, tail </a:t>
+            </a:r>
+            <a:r>
+              <a:rPr lang="ja-JP" altLang="en-US" sz="2400" dirty="0">
+                <a:latin typeface="Source Sans Pro SemiBold" panose="020B0603030403020204" pitchFamily="34" charset="0"/>
+                <a:ea typeface="Source Sans Pro SemiBold" panose="020B0603030403020204" pitchFamily="34" charset="0"/>
+              </a:rPr>
+              <a:t>を用いると，</a:t>
+            </a:r>
+            <a:r>
+              <a:rPr lang="en-US" altLang="ja-JP" sz="2400" dirty="0">
+                <a:latin typeface="Source Sans Pro SemiBold" panose="020B0603030403020204" pitchFamily="34" charset="0"/>
+                <a:ea typeface="Source Sans Pro SemiBold" panose="020B0603030403020204" pitchFamily="34" charset="0"/>
+              </a:rPr>
+              <a:t>map </a:t>
+            </a:r>
+            <a:r>
+              <a:rPr lang="ja-JP" altLang="en-US" sz="2400" dirty="0">
+                <a:latin typeface="Source Sans Pro SemiBold" panose="020B0603030403020204" pitchFamily="34" charset="0"/>
+                <a:ea typeface="Source Sans Pro SemiBold" panose="020B0603030403020204" pitchFamily="34" charset="0"/>
+              </a:rPr>
+              <a:t>関数は次のように　表現される．</a:t>
+            </a:r>
+            <a:endParaRPr lang="en-US" altLang="ja-JP" sz="2400" dirty="0">
+              <a:latin typeface="Source Sans Pro SemiBold" panose="020B0603030403020204" pitchFamily="34" charset="0"/>
+              <a:ea typeface="Source Sans Pro SemiBold" panose="020B0603030403020204" pitchFamily="34" charset="0"/>
+            </a:endParaRPr>
+          </a:p>
+          <a:p>
+            <a:pPr marL="0" indent="0">
+              <a:buNone/>
+            </a:pPr>
+            <a:endParaRPr lang="en-US" altLang="ja-JP" sz="800" dirty="0">
+              <a:latin typeface="+mj-ea"/>
+              <a:ea typeface="+mj-ea"/>
+            </a:endParaRPr>
+          </a:p>
+          <a:p>
+            <a:pPr marL="0" indent="0">
+              <a:buNone/>
+            </a:pPr>
+            <a:r>
+              <a:rPr lang="en-US" altLang="ja-JP" dirty="0">
+                <a:latin typeface="Source Sans Pro SemiBold" panose="020B0603030403020204" pitchFamily="34" charset="0"/>
+                <a:ea typeface="Source Sans Pro SemiBold" panose="020B0603030403020204" pitchFamily="34" charset="0"/>
+              </a:rPr>
+              <a:t>	map = </a:t>
+            </a:r>
+            <a:r>
+              <a:rPr lang="en-US" altLang="ja-JP" dirty="0" err="1">
+                <a:latin typeface="Source Sans Pro SemiBold" panose="020B0603030403020204" pitchFamily="34" charset="0"/>
+                <a:ea typeface="Source Sans Pro SemiBold" panose="020B0603030403020204" pitchFamily="34" charset="0"/>
+              </a:rPr>
+              <a:t>λX</a:t>
+            </a:r>
+            <a:r>
+              <a:rPr lang="en-US" altLang="ja-JP" dirty="0">
+                <a:latin typeface="Source Sans Pro SemiBold" panose="020B0603030403020204" pitchFamily="34" charset="0"/>
+                <a:ea typeface="Source Sans Pro SemiBold" panose="020B0603030403020204" pitchFamily="34" charset="0"/>
+              </a:rPr>
+              <a:t>. </a:t>
+            </a:r>
+            <a:r>
+              <a:rPr lang="en-US" altLang="ja-JP" dirty="0" err="1">
+                <a:latin typeface="Source Sans Pro SemiBold" panose="020B0603030403020204" pitchFamily="34" charset="0"/>
+                <a:ea typeface="Source Sans Pro SemiBold" panose="020B0603030403020204" pitchFamily="34" charset="0"/>
+              </a:rPr>
+              <a:t>λY</a:t>
+            </a:r>
+            <a:r>
+              <a:rPr lang="en-US" altLang="ja-JP" dirty="0">
+                <a:latin typeface="Source Sans Pro SemiBold" panose="020B0603030403020204" pitchFamily="34" charset="0"/>
+                <a:ea typeface="Source Sans Pro SemiBold" panose="020B0603030403020204" pitchFamily="34" charset="0"/>
+              </a:rPr>
+              <a:t>.</a:t>
+            </a:r>
+          </a:p>
+          <a:p>
+            <a:pPr marL="0" indent="0">
+              <a:buNone/>
+            </a:pPr>
+            <a:r>
+              <a:rPr lang="en-US" altLang="ja-JP" dirty="0">
+                <a:latin typeface="Source Sans Pro SemiBold" panose="020B0603030403020204" pitchFamily="34" charset="0"/>
+                <a:ea typeface="Source Sans Pro SemiBold" panose="020B0603030403020204" pitchFamily="34" charset="0"/>
+              </a:rPr>
+              <a:t>		</a:t>
+            </a:r>
+            <a:r>
+              <a:rPr lang="en-US" altLang="ja-JP" dirty="0" err="1">
+                <a:latin typeface="Source Sans Pro SemiBold" panose="020B0603030403020204" pitchFamily="34" charset="0"/>
+                <a:ea typeface="Source Sans Pro SemiBold" panose="020B0603030403020204" pitchFamily="34" charset="0"/>
+              </a:rPr>
+              <a:t>λf</a:t>
+            </a:r>
+            <a:r>
+              <a:rPr lang="en-US" altLang="ja-JP" dirty="0">
+                <a:latin typeface="Source Sans Pro SemiBold" panose="020B0603030403020204" pitchFamily="34" charset="0"/>
+                <a:ea typeface="Source Sans Pro SemiBold" panose="020B0603030403020204" pitchFamily="34" charset="0"/>
+              </a:rPr>
+              <a:t> : X </a:t>
+            </a:r>
+            <a:r>
+              <a:rPr lang="ja-JP" altLang="en-US" dirty="0">
+                <a:latin typeface="Source Sans Pro SemiBold" panose="020B0603030403020204" pitchFamily="34" charset="0"/>
+                <a:ea typeface="Source Sans Pro SemiBold" panose="020B0603030403020204" pitchFamily="34" charset="0"/>
+              </a:rPr>
+              <a:t>→ </a:t>
+            </a:r>
+            <a:r>
+              <a:rPr lang="en-US" altLang="ja-JP" dirty="0">
+                <a:latin typeface="Source Sans Pro SemiBold" panose="020B0603030403020204" pitchFamily="34" charset="0"/>
+                <a:ea typeface="Source Sans Pro SemiBold" panose="020B0603030403020204" pitchFamily="34" charset="0"/>
+              </a:rPr>
+              <a:t>Y.</a:t>
+            </a:r>
+          </a:p>
+          <a:p>
+            <a:pPr marL="0" indent="0">
+              <a:buNone/>
+            </a:pPr>
+            <a:r>
+              <a:rPr lang="en-US" altLang="ja-JP" dirty="0">
+                <a:latin typeface="Source Sans Pro SemiBold" panose="020B0603030403020204" pitchFamily="34" charset="0"/>
+                <a:ea typeface="Source Sans Pro SemiBold" panose="020B0603030403020204" pitchFamily="34" charset="0"/>
+              </a:rPr>
+              <a:t>			(fix (</a:t>
+            </a:r>
+            <a:r>
+              <a:rPr lang="en-US" altLang="ja-JP" dirty="0" err="1">
+                <a:latin typeface="Source Sans Pro SemiBold" panose="020B0603030403020204" pitchFamily="34" charset="0"/>
+                <a:ea typeface="Source Sans Pro SemiBold" panose="020B0603030403020204" pitchFamily="34" charset="0"/>
+              </a:rPr>
+              <a:t>λm</a:t>
+            </a:r>
+            <a:r>
+              <a:rPr lang="en-US" altLang="ja-JP" dirty="0">
+                <a:latin typeface="Source Sans Pro SemiBold" panose="020B0603030403020204" pitchFamily="34" charset="0"/>
+                <a:ea typeface="Source Sans Pro SemiBold" panose="020B0603030403020204" pitchFamily="34" charset="0"/>
+              </a:rPr>
+              <a:t> : (List X) </a:t>
+            </a:r>
+            <a:r>
+              <a:rPr lang="ja-JP" altLang="en-US" dirty="0">
+                <a:latin typeface="Source Sans Pro SemiBold" panose="020B0603030403020204" pitchFamily="34" charset="0"/>
+                <a:ea typeface="Source Sans Pro SemiBold" panose="020B0603030403020204" pitchFamily="34" charset="0"/>
+              </a:rPr>
+              <a:t>→ </a:t>
+            </a:r>
+            <a:r>
+              <a:rPr lang="en-US" altLang="ja-JP" dirty="0">
+                <a:latin typeface="Source Sans Pro SemiBold" panose="020B0603030403020204" pitchFamily="34" charset="0"/>
+                <a:ea typeface="Source Sans Pro SemiBold" panose="020B0603030403020204" pitchFamily="34" charset="0"/>
+              </a:rPr>
+              <a:t>(List Y).</a:t>
+            </a:r>
+          </a:p>
+          <a:p>
+            <a:pPr marL="0" indent="0">
+              <a:buNone/>
+            </a:pPr>
+            <a:r>
+              <a:rPr lang="en-US" altLang="ja-JP" dirty="0">
+                <a:latin typeface="Source Sans Pro SemiBold" panose="020B0603030403020204" pitchFamily="34" charset="0"/>
+                <a:ea typeface="Source Sans Pro SemiBold" panose="020B0603030403020204" pitchFamily="34" charset="0"/>
+              </a:rPr>
+              <a:t>				</a:t>
+            </a:r>
+            <a:r>
+              <a:rPr lang="en-US" altLang="ja-JP" dirty="0" err="1">
+                <a:latin typeface="Source Sans Pro SemiBold" panose="020B0603030403020204" pitchFamily="34" charset="0"/>
+                <a:ea typeface="Source Sans Pro SemiBold" panose="020B0603030403020204" pitchFamily="34" charset="0"/>
+              </a:rPr>
+              <a:t>λl</a:t>
+            </a:r>
+            <a:r>
+              <a:rPr lang="en-US" altLang="ja-JP" dirty="0">
+                <a:latin typeface="Source Sans Pro SemiBold" panose="020B0603030403020204" pitchFamily="34" charset="0"/>
+                <a:ea typeface="Source Sans Pro SemiBold" panose="020B0603030403020204" pitchFamily="34" charset="0"/>
+              </a:rPr>
+              <a:t> : List X.</a:t>
+            </a:r>
+          </a:p>
+          <a:p>
+            <a:pPr marL="0" indent="0">
+              <a:buNone/>
+            </a:pPr>
+            <a:r>
+              <a:rPr lang="en-US" altLang="ja-JP" dirty="0">
+                <a:latin typeface="Source Sans Pro SemiBold" panose="020B0603030403020204" pitchFamily="34" charset="0"/>
+                <a:ea typeface="Source Sans Pro SemiBold" panose="020B0603030403020204" pitchFamily="34" charset="0"/>
+              </a:rPr>
+              <a:t>					if </a:t>
+            </a:r>
+            <a:r>
+              <a:rPr lang="en-US" altLang="ja-JP" dirty="0" err="1">
+                <a:latin typeface="Source Sans Pro SemiBold" panose="020B0603030403020204" pitchFamily="34" charset="0"/>
+                <a:ea typeface="Source Sans Pro SemiBold" panose="020B0603030403020204" pitchFamily="34" charset="0"/>
+              </a:rPr>
+              <a:t>isnil</a:t>
+            </a:r>
+            <a:r>
+              <a:rPr lang="en-US" altLang="ja-JP" dirty="0">
+                <a:latin typeface="Source Sans Pro SemiBold" panose="020B0603030403020204" pitchFamily="34" charset="0"/>
+                <a:ea typeface="Source Sans Pro SemiBold" panose="020B0603030403020204" pitchFamily="34" charset="0"/>
+              </a:rPr>
+              <a:t> [X] l</a:t>
+            </a:r>
+          </a:p>
+          <a:p>
+            <a:pPr marL="0" indent="0">
+              <a:buNone/>
+            </a:pPr>
+            <a:r>
+              <a:rPr lang="en-US" altLang="ja-JP" dirty="0">
+                <a:latin typeface="Source Sans Pro SemiBold" panose="020B0603030403020204" pitchFamily="34" charset="0"/>
+                <a:ea typeface="Source Sans Pro SemiBold" panose="020B0603030403020204" pitchFamily="34" charset="0"/>
+              </a:rPr>
+              <a:t>						then nil [Y]</a:t>
+            </a:r>
+          </a:p>
+          <a:p>
+            <a:pPr marL="0" indent="0">
+              <a:buNone/>
+            </a:pPr>
+            <a:r>
+              <a:rPr lang="en-US" altLang="ja-JP" dirty="0">
+                <a:latin typeface="Source Sans Pro SemiBold" panose="020B0603030403020204" pitchFamily="34" charset="0"/>
+                <a:ea typeface="Source Sans Pro SemiBold" panose="020B0603030403020204" pitchFamily="34" charset="0"/>
+              </a:rPr>
+              <a:t>					else cons [Y] (f (head [X] l))</a:t>
+            </a:r>
+          </a:p>
+          <a:p>
+            <a:pPr marL="0" indent="0">
+              <a:buNone/>
+            </a:pPr>
+            <a:r>
+              <a:rPr lang="en-US" altLang="ja-JP" dirty="0">
+                <a:latin typeface="Source Sans Pro SemiBold" panose="020B0603030403020204" pitchFamily="34" charset="0"/>
+                <a:ea typeface="Source Sans Pro SemiBold" panose="020B0603030403020204" pitchFamily="34" charset="0"/>
+              </a:rPr>
+              <a:t>						(m (tail [X] l))))</a:t>
+            </a:r>
+          </a:p>
+          <a:p>
+            <a:pPr marL="0" indent="0">
+              <a:buNone/>
+            </a:pPr>
+            <a:endParaRPr lang="en-US" altLang="ja-JP" dirty="0">
+              <a:latin typeface="Source Sans Pro SemiBold" panose="020B0603030403020204" pitchFamily="34" charset="0"/>
+              <a:ea typeface="Source Sans Pro SemiBold" panose="020B0603030403020204" pitchFamily="34" charset="0"/>
+            </a:endParaRPr>
+          </a:p>
+          <a:p>
+            <a:pPr marL="0" indent="0">
+              <a:buNone/>
+            </a:pPr>
+            <a:endParaRPr lang="en-US" altLang="ja-JP" dirty="0">
+              <a:latin typeface="Source Sans Pro SemiBold" panose="020B0603030403020204" pitchFamily="34" charset="0"/>
+              <a:ea typeface="Source Sans Pro SemiBold" panose="020B0603030403020204" pitchFamily="34" charset="0"/>
+            </a:endParaRPr>
+          </a:p>
+        </p:txBody>
+      </p:sp>
+    </p:spTree>
+    <p:extLst>
+      <p:ext uri="{BB962C8B-B14F-4D97-AF65-F5344CB8AC3E}">
+        <p14:creationId xmlns:p14="http://schemas.microsoft.com/office/powerpoint/2010/main" val="441500133"/>
+      </p:ext>
+    </p:extLst>
+  </p:cSld>
+  <p:clrMapOvr>
+    <a:masterClrMapping/>
+  </p:clrMapOvr>
+</p:sld>
+</file>
+
+<file path=ppt/slides/slide35.xml><?xml version="1.0" encoding="utf-8"?>
+<p:sld xmlns:a="http://schemas.openxmlformats.org/drawingml/2006/main" xmlns:r="http://schemas.openxmlformats.org/officeDocument/2006/relationships" xmlns:p="http://schemas.openxmlformats.org/presentationml/2006/main">
+  <p:cSld>
+    <p:spTree>
+      <p:nvGrpSpPr>
+        <p:cNvPr id="1" name="">
+          <a:extLst>
+            <a:ext uri="{FF2B5EF4-FFF2-40B4-BE49-F238E27FC236}">
+              <a16:creationId xmlns:a16="http://schemas.microsoft.com/office/drawing/2014/main" id="{DCA02C23-2193-C8A0-A922-EE5CE475828D}"/>
+            </a:ext>
+          </a:extLst>
+        </p:cNvPr>
+        <p:cNvGrpSpPr/>
+        <p:nvPr/>
+      </p:nvGrpSpPr>
+      <p:grpSpPr>
+        <a:xfrm>
+          <a:off x="0" y="0"/>
+          <a:ext cx="0" cy="0"/>
+          <a:chOff x="0" y="0"/>
+          <a:chExt cx="0" cy="0"/>
+        </a:xfrm>
+      </p:grpSpPr>
+      <p:sp>
+        <p:nvSpPr>
+          <p:cNvPr id="2" name="タイトル 1">
+            <a:extLst>
+              <a:ext uri="{FF2B5EF4-FFF2-40B4-BE49-F238E27FC236}">
+                <a16:creationId xmlns:a16="http://schemas.microsoft.com/office/drawing/2014/main" id="{B2D238AB-2880-B0CF-82B5-EC17F0318A9A}"/>
+              </a:ext>
+            </a:extLst>
+          </p:cNvPr>
+          <p:cNvSpPr>
+            <a:spLocks noGrp="1"/>
+          </p:cNvSpPr>
+          <p:nvPr>
+            <p:ph type="title"/>
+          </p:nvPr>
+        </p:nvSpPr>
+        <p:spPr/>
+        <p:txBody>
+          <a:bodyPr/>
+          <a:lstStyle/>
+          <a:p>
+            <a:r>
+              <a:rPr kumimoji="1" lang="en-US" altLang="ja-JP" dirty="0"/>
+              <a:t>23.3 </a:t>
+            </a:r>
+            <a:r>
+              <a:rPr lang="ja-JP" altLang="en-US" dirty="0"/>
+              <a:t>例</a:t>
+            </a:r>
+            <a:endParaRPr kumimoji="1" lang="ja-JP" altLang="en-US" dirty="0"/>
+          </a:p>
+        </p:txBody>
+      </p:sp>
+      <p:sp>
+        <p:nvSpPr>
+          <p:cNvPr id="3" name="コンテンツ プレースホルダー 2">
+            <a:extLst>
+              <a:ext uri="{FF2B5EF4-FFF2-40B4-BE49-F238E27FC236}">
+                <a16:creationId xmlns:a16="http://schemas.microsoft.com/office/drawing/2014/main" id="{D3771BE9-60CA-A35A-4618-1691F072D145}"/>
+              </a:ext>
+            </a:extLst>
+          </p:cNvPr>
+          <p:cNvSpPr>
+            <a:spLocks noGrp="1"/>
+          </p:cNvSpPr>
+          <p:nvPr>
+            <p:ph idx="1"/>
+          </p:nvPr>
+        </p:nvSpPr>
+        <p:spPr>
+          <a:xfrm>
+            <a:off x="259194" y="1099789"/>
+            <a:ext cx="8625610" cy="5481485"/>
+          </a:xfrm>
+        </p:spPr>
+        <p:txBody>
+          <a:bodyPr>
+            <a:normAutofit/>
+          </a:bodyPr>
+          <a:lstStyle/>
+          <a:p>
+            <a:pPr marL="0" indent="0">
+              <a:buNone/>
+            </a:pPr>
+            <a:r>
+              <a:rPr lang="en-US" altLang="ja-JP" dirty="0">
+                <a:latin typeface="+mn-lt"/>
+                <a:ea typeface="Source Sans Pro SemiBold" panose="020B0603030403020204" pitchFamily="34" charset="0"/>
+              </a:rPr>
+              <a:t>23.4.2 Exercise </a:t>
+            </a:r>
+          </a:p>
+          <a:p>
+            <a:pPr marL="0" indent="0">
+              <a:buNone/>
+            </a:pPr>
+            <a:endParaRPr lang="en-US" altLang="ja-JP" sz="800" dirty="0">
+              <a:latin typeface="Source Sans Pro SemiBold" panose="020B0603030403020204" pitchFamily="34" charset="0"/>
+              <a:ea typeface="Source Sans Pro SemiBold" panose="020B0603030403020204" pitchFamily="34" charset="0"/>
+            </a:endParaRPr>
+          </a:p>
+          <a:p>
+            <a:pPr marL="0" indent="0">
+              <a:buNone/>
+            </a:pPr>
+            <a:r>
+              <a:rPr lang="en-US" altLang="ja-JP" dirty="0">
+                <a:latin typeface="Source Sans Pro SemiBold" panose="020B0603030403020204" pitchFamily="34" charset="0"/>
+                <a:ea typeface="Source Sans Pro SemiBold" panose="020B0603030403020204" pitchFamily="34" charset="0"/>
+              </a:rPr>
+              <a:t>map : </a:t>
+            </a:r>
+            <a:r>
+              <a:rPr lang="ja-JP" altLang="en-US" dirty="0">
+                <a:latin typeface="Source Sans Pro SemiBold" panose="020B0603030403020204" pitchFamily="34" charset="0"/>
+                <a:ea typeface="Source Sans Pro SemiBold" panose="020B0603030403020204" pitchFamily="34" charset="0"/>
+              </a:rPr>
+              <a:t>∀</a:t>
+            </a:r>
+            <a:r>
+              <a:rPr lang="en-US" altLang="ja-JP" dirty="0">
+                <a:latin typeface="Source Sans Pro SemiBold" panose="020B0603030403020204" pitchFamily="34" charset="0"/>
+                <a:ea typeface="Source Sans Pro SemiBold" panose="020B0603030403020204" pitchFamily="34" charset="0"/>
+              </a:rPr>
+              <a:t>X. </a:t>
+            </a:r>
+            <a:r>
+              <a:rPr lang="ja-JP" altLang="en-US" dirty="0">
+                <a:latin typeface="Source Sans Pro SemiBold" panose="020B0603030403020204" pitchFamily="34" charset="0"/>
+                <a:ea typeface="Source Sans Pro SemiBold" panose="020B0603030403020204" pitchFamily="34" charset="0"/>
+              </a:rPr>
+              <a:t>∀</a:t>
+            </a:r>
+            <a:r>
+              <a:rPr lang="en-US" altLang="ja-JP" dirty="0">
+                <a:latin typeface="Source Sans Pro SemiBold" panose="020B0603030403020204" pitchFamily="34" charset="0"/>
+                <a:ea typeface="Source Sans Pro SemiBold" panose="020B0603030403020204" pitchFamily="34" charset="0"/>
+              </a:rPr>
+              <a:t>Y. (X </a:t>
+            </a:r>
+            <a:r>
+              <a:rPr lang="ja-JP" altLang="en-US" dirty="0">
+                <a:latin typeface="Source Sans Pro SemiBold" panose="020B0603030403020204" pitchFamily="34" charset="0"/>
+                <a:ea typeface="Source Sans Pro SemiBold" panose="020B0603030403020204" pitchFamily="34" charset="0"/>
+              </a:rPr>
+              <a:t>→ </a:t>
+            </a:r>
+            <a:r>
+              <a:rPr lang="en-US" altLang="ja-JP" dirty="0">
+                <a:latin typeface="Source Sans Pro SemiBold" panose="020B0603030403020204" pitchFamily="34" charset="0"/>
+                <a:ea typeface="Source Sans Pro SemiBold" panose="020B0603030403020204" pitchFamily="34" charset="0"/>
+              </a:rPr>
+              <a:t>Y) </a:t>
+            </a:r>
+            <a:r>
+              <a:rPr lang="ja-JP" altLang="en-US" dirty="0">
+                <a:latin typeface="Source Sans Pro SemiBold" panose="020B0603030403020204" pitchFamily="34" charset="0"/>
+                <a:ea typeface="Source Sans Pro SemiBold" panose="020B0603030403020204" pitchFamily="34" charset="0"/>
+              </a:rPr>
+              <a:t>→ </a:t>
+            </a:r>
+            <a:r>
+              <a:rPr lang="en-US" altLang="ja-JP" dirty="0">
+                <a:latin typeface="Source Sans Pro SemiBold" panose="020B0603030403020204" pitchFamily="34" charset="0"/>
+                <a:ea typeface="Source Sans Pro SemiBold" panose="020B0603030403020204" pitchFamily="34" charset="0"/>
+              </a:rPr>
+              <a:t>List X </a:t>
+            </a:r>
+            <a:r>
+              <a:rPr lang="ja-JP" altLang="en-US" dirty="0">
+                <a:latin typeface="Source Sans Pro SemiBold" panose="020B0603030403020204" pitchFamily="34" charset="0"/>
+                <a:ea typeface="Source Sans Pro SemiBold" panose="020B0603030403020204" pitchFamily="34" charset="0"/>
+              </a:rPr>
+              <a:t>→ </a:t>
+            </a:r>
+            <a:r>
+              <a:rPr lang="en-US" altLang="ja-JP" dirty="0">
+                <a:latin typeface="Source Sans Pro SemiBold" panose="020B0603030403020204" pitchFamily="34" charset="0"/>
+                <a:ea typeface="Source Sans Pro SemiBold" panose="020B0603030403020204" pitchFamily="34" charset="0"/>
+              </a:rPr>
+              <a:t>List Y  </a:t>
+            </a:r>
+            <a:r>
+              <a:rPr lang="ja-JP" altLang="en-US" dirty="0">
+                <a:latin typeface="Source Sans Pro SemiBold" panose="020B0603030403020204" pitchFamily="34" charset="0"/>
+                <a:ea typeface="Source Sans Pro SemiBold" panose="020B0603030403020204" pitchFamily="34" charset="0"/>
+              </a:rPr>
+              <a:t>であることの確認</a:t>
+            </a:r>
+            <a:endParaRPr lang="en-US" altLang="ja-JP" dirty="0">
+              <a:latin typeface="Source Sans Pro SemiBold" panose="020B0603030403020204" pitchFamily="34" charset="0"/>
+              <a:ea typeface="Source Sans Pro SemiBold" panose="020B0603030403020204" pitchFamily="34" charset="0"/>
+            </a:endParaRPr>
+          </a:p>
+          <a:p>
+            <a:pPr marL="0" indent="0">
+              <a:buNone/>
+            </a:pPr>
+            <a:endParaRPr lang="en-US" altLang="ja-JP" dirty="0">
+              <a:latin typeface="Source Sans Pro SemiBold" panose="020B0603030403020204" pitchFamily="34" charset="0"/>
+              <a:ea typeface="Source Sans Pro SemiBold" panose="020B0603030403020204" pitchFamily="34" charset="0"/>
+            </a:endParaRPr>
+          </a:p>
+          <a:p>
+            <a:pPr marL="0" indent="0">
+              <a:buNone/>
+            </a:pPr>
+            <a:r>
+              <a:rPr lang="ja-JP" altLang="en-US" sz="2400" dirty="0">
+                <a:latin typeface="+mj-ea"/>
+                <a:ea typeface="+mj-ea"/>
+              </a:rPr>
+              <a:t>直感的には，マッピング前後のリストの型を多相型</a:t>
+            </a:r>
+            <a:r>
+              <a:rPr lang="en-US" altLang="ja-JP" sz="2400" dirty="0">
+                <a:latin typeface="+mj-ea"/>
+                <a:ea typeface="+mj-ea"/>
+              </a:rPr>
+              <a:t>X, Y</a:t>
+            </a:r>
+            <a:r>
+              <a:rPr lang="ja-JP" altLang="en-US" sz="2400" dirty="0">
+                <a:latin typeface="+mj-ea"/>
+                <a:ea typeface="+mj-ea"/>
+              </a:rPr>
+              <a:t>で抽象化し，</a:t>
+            </a:r>
+            <a:r>
+              <a:rPr lang="en-US" altLang="ja-JP" sz="2400" dirty="0">
+                <a:latin typeface="Source Sans Pro SemiBold" panose="020B0603030403020204" pitchFamily="34" charset="0"/>
+                <a:ea typeface="Source Sans Pro SemiBold" panose="020B0603030403020204" pitchFamily="34" charset="0"/>
+              </a:rPr>
+              <a:t>fix</a:t>
+            </a:r>
+            <a:r>
+              <a:rPr lang="ja-JP" altLang="en-US" sz="2400" dirty="0">
+                <a:latin typeface="+mj-ea"/>
+                <a:ea typeface="+mj-ea"/>
+              </a:rPr>
+              <a:t> に </a:t>
+            </a:r>
+            <a:r>
+              <a:rPr lang="en-US" altLang="ja-JP" sz="2400" dirty="0">
+                <a:latin typeface="Source Sans Pro SemiBold" panose="020B0603030403020204" pitchFamily="34" charset="0"/>
+                <a:ea typeface="Source Sans Pro SemiBold" panose="020B0603030403020204" pitchFamily="34" charset="0"/>
+              </a:rPr>
+              <a:t>l </a:t>
+            </a:r>
+            <a:r>
+              <a:rPr lang="ja-JP" altLang="en-US" sz="2400" dirty="0">
+                <a:latin typeface="Source Sans Pro SemiBold" panose="020B0603030403020204" pitchFamily="34" charset="0"/>
+                <a:ea typeface="Source Sans Pro SemiBold" panose="020B0603030403020204" pitchFamily="34" charset="0"/>
+              </a:rPr>
+              <a:t>を適用すると，</a:t>
+            </a:r>
+            <a:endParaRPr lang="en-US" altLang="ja-JP" sz="2400" dirty="0">
+              <a:latin typeface="+mj-ea"/>
+              <a:ea typeface="+mj-ea"/>
+            </a:endParaRPr>
+          </a:p>
+          <a:p>
+            <a:pPr marL="0" indent="0">
+              <a:buNone/>
+            </a:pPr>
+            <a:r>
+              <a:rPr lang="en-US" altLang="ja-JP" sz="2400" dirty="0">
+                <a:latin typeface="+mj-ea"/>
+                <a:ea typeface="+mj-ea"/>
+              </a:rPr>
+              <a:t>	</a:t>
+            </a:r>
+            <a:r>
+              <a:rPr lang="en-US" altLang="ja-JP" sz="2400" dirty="0">
+                <a:latin typeface="Source Sans Pro SemiBold" panose="020B0603030403020204" pitchFamily="34" charset="0"/>
+                <a:ea typeface="Source Sans Pro SemiBold" panose="020B0603030403020204" pitchFamily="34" charset="0"/>
+              </a:rPr>
+              <a:t>l </a:t>
+            </a:r>
+            <a:r>
+              <a:rPr lang="en-US" altLang="ja-JP" sz="2400" dirty="0">
+                <a:latin typeface="Source Sans Pro SemiBold" panose="020B0603030403020204" pitchFamily="34" charset="0"/>
+                <a:ea typeface="+mj-ea"/>
+              </a:rPr>
+              <a:t>==</a:t>
+            </a:r>
+            <a:r>
+              <a:rPr lang="ja-JP" altLang="en-US" sz="2400" dirty="0">
+                <a:latin typeface="Source Sans Pro SemiBold" panose="020B0603030403020204" pitchFamily="34" charset="0"/>
+                <a:ea typeface="+mj-ea"/>
+              </a:rPr>
+              <a:t> </a:t>
+            </a:r>
+            <a:r>
+              <a:rPr lang="en-US" altLang="ja-JP" sz="2400" dirty="0">
+                <a:latin typeface="Source Sans Pro SemiBold" panose="020B0603030403020204" pitchFamily="34" charset="0"/>
+                <a:ea typeface="Source Sans Pro SemiBold" panose="020B0603030403020204" pitchFamily="34" charset="0"/>
+              </a:rPr>
+              <a:t>nil [X]</a:t>
+            </a:r>
+            <a:r>
+              <a:rPr lang="ja-JP" altLang="en-US" sz="2400" dirty="0">
+                <a:latin typeface="Source Sans Pro SemiBold" panose="020B0603030403020204" pitchFamily="34" charset="0"/>
+                <a:ea typeface="+mj-ea"/>
+              </a:rPr>
+              <a:t>ならば </a:t>
+            </a:r>
+            <a:r>
+              <a:rPr lang="en-US" altLang="ja-JP" sz="2400" dirty="0">
+                <a:latin typeface="Source Sans Pro SemiBold" panose="020B0603030403020204" pitchFamily="34" charset="0"/>
+                <a:ea typeface="+mj-ea"/>
+              </a:rPr>
+              <a:t>nil [Y]</a:t>
+            </a:r>
+          </a:p>
+          <a:p>
+            <a:pPr marL="0" indent="0">
+              <a:buNone/>
+            </a:pPr>
+            <a:r>
+              <a:rPr lang="en-US" altLang="ja-JP" sz="2400" dirty="0">
+                <a:latin typeface="Source Sans Pro SemiBold" panose="020B0603030403020204" pitchFamily="34" charset="0"/>
+                <a:ea typeface="+mj-ea"/>
+              </a:rPr>
+              <a:t>	</a:t>
+            </a:r>
+            <a:r>
+              <a:rPr lang="ja-JP" altLang="en-US" sz="2400" dirty="0">
+                <a:latin typeface="Source Sans Pro SemiBold" panose="020B0603030403020204" pitchFamily="34" charset="0"/>
+                <a:ea typeface="+mj-ea"/>
+              </a:rPr>
+              <a:t>そうでなければ </a:t>
+            </a:r>
+            <a:r>
+              <a:rPr lang="en-US" altLang="ja-JP" sz="2400" dirty="0">
+                <a:latin typeface="Source Sans Pro SemiBold" panose="020B0603030403020204" pitchFamily="34" charset="0"/>
+                <a:ea typeface="+mj-ea"/>
+              </a:rPr>
+              <a:t>f : X </a:t>
+            </a:r>
+            <a:r>
+              <a:rPr lang="ja-JP" altLang="en-US" sz="2400" dirty="0">
+                <a:latin typeface="Source Sans Pro SemiBold" panose="020B0603030403020204" pitchFamily="34" charset="0"/>
+                <a:ea typeface="+mj-ea"/>
+              </a:rPr>
+              <a:t>→ </a:t>
+            </a:r>
+            <a:r>
+              <a:rPr lang="en-US" altLang="ja-JP" sz="2400" dirty="0">
+                <a:latin typeface="Source Sans Pro SemiBold" panose="020B0603030403020204" pitchFamily="34" charset="0"/>
+                <a:ea typeface="+mj-ea"/>
+              </a:rPr>
+              <a:t>Y </a:t>
+            </a:r>
+            <a:r>
+              <a:rPr lang="ja-JP" altLang="en-US" sz="2400" dirty="0">
+                <a:latin typeface="Source Sans Pro SemiBold" panose="020B0603030403020204" pitchFamily="34" charset="0"/>
+                <a:ea typeface="+mj-ea"/>
+              </a:rPr>
+              <a:t>を先頭要素に適用し，残りについても</a:t>
+            </a:r>
+            <a:r>
+              <a:rPr lang="en-US" altLang="ja-JP" sz="2400" dirty="0">
+                <a:latin typeface="Source Sans Pro SemiBold" panose="020B0603030403020204" pitchFamily="34" charset="0"/>
+                <a:ea typeface="+mj-ea"/>
+              </a:rPr>
+              <a:t>	fix </a:t>
+            </a:r>
+            <a:r>
+              <a:rPr lang="ja-JP" altLang="en-US" sz="2400" dirty="0">
+                <a:latin typeface="Source Sans Pro SemiBold" panose="020B0603030403020204" pitchFamily="34" charset="0"/>
+                <a:ea typeface="+mj-ea"/>
+              </a:rPr>
+              <a:t>により再帰的に</a:t>
+            </a:r>
+            <a:r>
+              <a:rPr lang="en-US" altLang="ja-JP" sz="2400" dirty="0">
+                <a:latin typeface="Source Sans Pro SemiBold" panose="020B0603030403020204" pitchFamily="34" charset="0"/>
+                <a:ea typeface="+mj-ea"/>
+              </a:rPr>
+              <a:t>f </a:t>
+            </a:r>
+            <a:r>
+              <a:rPr lang="ja-JP" altLang="en-US" sz="2400" dirty="0">
+                <a:latin typeface="Source Sans Pro SemiBold" panose="020B0603030403020204" pitchFamily="34" charset="0"/>
+                <a:ea typeface="+mj-ea"/>
+              </a:rPr>
+              <a:t>が適用される．</a:t>
+            </a:r>
+            <a:endParaRPr lang="en-US" altLang="ja-JP" sz="2400" dirty="0">
+              <a:latin typeface="Source Sans Pro SemiBold" panose="020B0603030403020204" pitchFamily="34" charset="0"/>
+              <a:ea typeface="+mj-ea"/>
+            </a:endParaRPr>
+          </a:p>
+          <a:p>
+            <a:pPr marL="0" indent="0">
+              <a:buNone/>
+            </a:pPr>
+            <a:r>
+              <a:rPr lang="ja-JP" altLang="en-US" sz="2400" dirty="0">
+                <a:latin typeface="Source Sans Pro SemiBold" panose="020B0603030403020204" pitchFamily="34" charset="0"/>
+                <a:ea typeface="+mj-ea"/>
+              </a:rPr>
+              <a:t>したがって，</a:t>
+            </a:r>
+            <a:r>
+              <a:rPr lang="en-US" altLang="ja-JP" sz="2400" dirty="0">
+                <a:latin typeface="Source Sans Pro SemiBold" panose="020B0603030403020204" pitchFamily="34" charset="0"/>
+                <a:ea typeface="+mj-ea"/>
+              </a:rPr>
+              <a:t>map </a:t>
+            </a:r>
+            <a:r>
+              <a:rPr lang="ja-JP" altLang="en-US" sz="2400" dirty="0">
+                <a:latin typeface="Source Sans Pro SemiBold" panose="020B0603030403020204" pitchFamily="34" charset="0"/>
+                <a:ea typeface="+mj-ea"/>
+              </a:rPr>
+              <a:t>は </a:t>
+            </a:r>
+            <a:r>
+              <a:rPr lang="en-US" altLang="ja-JP" sz="2400" dirty="0">
+                <a:latin typeface="Source Sans Pro SemiBold" panose="020B0603030403020204" pitchFamily="34" charset="0"/>
+                <a:ea typeface="+mj-ea"/>
+              </a:rPr>
+              <a:t>X</a:t>
+            </a:r>
+            <a:r>
+              <a:rPr lang="ja-JP" altLang="en-US" sz="2400" dirty="0">
+                <a:latin typeface="Source Sans Pro SemiBold" panose="020B0603030403020204" pitchFamily="34" charset="0"/>
+                <a:ea typeface="+mj-ea"/>
+              </a:rPr>
+              <a:t> → </a:t>
+            </a:r>
+            <a:r>
+              <a:rPr lang="en-US" altLang="ja-JP" sz="2400" dirty="0">
+                <a:latin typeface="Source Sans Pro SemiBold" panose="020B0603030403020204" pitchFamily="34" charset="0"/>
+                <a:ea typeface="+mj-ea"/>
+              </a:rPr>
+              <a:t>Y </a:t>
+            </a:r>
+            <a:r>
+              <a:rPr lang="ja-JP" altLang="en-US" sz="2400" dirty="0">
+                <a:latin typeface="Source Sans Pro SemiBold" panose="020B0603030403020204" pitchFamily="34" charset="0"/>
+                <a:ea typeface="+mj-ea"/>
+              </a:rPr>
+              <a:t>型の関数 </a:t>
+            </a:r>
+            <a:r>
+              <a:rPr lang="en-US" altLang="ja-JP" sz="2400" dirty="0">
+                <a:latin typeface="Source Sans Pro SemiBold" panose="020B0603030403020204" pitchFamily="34" charset="0"/>
+                <a:ea typeface="+mj-ea"/>
+              </a:rPr>
+              <a:t>f </a:t>
+            </a:r>
+            <a:r>
+              <a:rPr lang="ja-JP" altLang="en-US" sz="2400" dirty="0">
+                <a:latin typeface="Source Sans Pro SemiBold" panose="020B0603030403020204" pitchFamily="34" charset="0"/>
+                <a:ea typeface="+mj-ea"/>
+              </a:rPr>
+              <a:t>と </a:t>
+            </a:r>
+            <a:r>
+              <a:rPr lang="en-US" altLang="ja-JP" sz="2400" dirty="0">
+                <a:latin typeface="Source Sans Pro SemiBold" panose="020B0603030403020204" pitchFamily="34" charset="0"/>
+                <a:ea typeface="+mj-ea"/>
+              </a:rPr>
+              <a:t>List X </a:t>
+            </a:r>
+            <a:r>
+              <a:rPr lang="ja-JP" altLang="en-US" sz="2400" dirty="0">
+                <a:latin typeface="Source Sans Pro SemiBold" panose="020B0603030403020204" pitchFamily="34" charset="0"/>
+                <a:ea typeface="+mj-ea"/>
+              </a:rPr>
+              <a:t>型のリストを受け取り，</a:t>
+            </a:r>
+            <a:r>
+              <a:rPr lang="en-US" altLang="ja-JP" sz="2400" dirty="0">
+                <a:latin typeface="Source Sans Pro SemiBold" panose="020B0603030403020204" pitchFamily="34" charset="0"/>
+                <a:ea typeface="+mj-ea"/>
+              </a:rPr>
+              <a:t>List Y </a:t>
+            </a:r>
+            <a:r>
+              <a:rPr lang="ja-JP" altLang="en-US" sz="2400" dirty="0">
+                <a:latin typeface="Source Sans Pro SemiBold" panose="020B0603030403020204" pitchFamily="34" charset="0"/>
+                <a:ea typeface="+mj-ea"/>
+              </a:rPr>
+              <a:t>型のリストを生成して停止するから，</a:t>
+            </a:r>
+            <a:endParaRPr lang="en-US" altLang="ja-JP" sz="2400" dirty="0">
+              <a:latin typeface="Source Sans Pro SemiBold" panose="020B0603030403020204" pitchFamily="34" charset="0"/>
+              <a:ea typeface="+mj-ea"/>
+            </a:endParaRPr>
+          </a:p>
+          <a:p>
+            <a:pPr marL="0" indent="0">
+              <a:buNone/>
+            </a:pPr>
+            <a:r>
+              <a:rPr lang="en-US" altLang="ja-JP" sz="2400" dirty="0">
+                <a:latin typeface="Source Sans Pro SemiBold" panose="020B0603030403020204" pitchFamily="34" charset="0"/>
+                <a:ea typeface="+mj-ea"/>
+              </a:rPr>
+              <a:t>	</a:t>
+            </a:r>
+            <a:r>
+              <a:rPr lang="en-US" altLang="ja-JP" sz="2400" dirty="0">
+                <a:latin typeface="Source Sans Pro SemiBold" panose="020B0603030403020204" pitchFamily="34" charset="0"/>
+                <a:ea typeface="Source Sans Pro SemiBold" panose="020B0603030403020204" pitchFamily="34" charset="0"/>
+              </a:rPr>
+              <a:t> map : </a:t>
+            </a:r>
+            <a:r>
+              <a:rPr lang="ja-JP" altLang="en-US" sz="2400" dirty="0">
+                <a:latin typeface="Source Sans Pro SemiBold" panose="020B0603030403020204" pitchFamily="34" charset="0"/>
+                <a:ea typeface="Source Sans Pro SemiBold" panose="020B0603030403020204" pitchFamily="34" charset="0"/>
+              </a:rPr>
+              <a:t>∀</a:t>
+            </a:r>
+            <a:r>
+              <a:rPr lang="en-US" altLang="ja-JP" sz="2400" dirty="0">
+                <a:latin typeface="Source Sans Pro SemiBold" panose="020B0603030403020204" pitchFamily="34" charset="0"/>
+                <a:ea typeface="Source Sans Pro SemiBold" panose="020B0603030403020204" pitchFamily="34" charset="0"/>
+              </a:rPr>
+              <a:t>X. </a:t>
+            </a:r>
+            <a:r>
+              <a:rPr lang="ja-JP" altLang="en-US" sz="2400" dirty="0">
+                <a:latin typeface="Source Sans Pro SemiBold" panose="020B0603030403020204" pitchFamily="34" charset="0"/>
+                <a:ea typeface="Source Sans Pro SemiBold" panose="020B0603030403020204" pitchFamily="34" charset="0"/>
+              </a:rPr>
+              <a:t>∀</a:t>
+            </a:r>
+            <a:r>
+              <a:rPr lang="en-US" altLang="ja-JP" sz="2400" dirty="0">
+                <a:latin typeface="Source Sans Pro SemiBold" panose="020B0603030403020204" pitchFamily="34" charset="0"/>
+                <a:ea typeface="Source Sans Pro SemiBold" panose="020B0603030403020204" pitchFamily="34" charset="0"/>
+              </a:rPr>
+              <a:t>Y. (X </a:t>
+            </a:r>
+            <a:r>
+              <a:rPr lang="ja-JP" altLang="en-US" sz="2400" dirty="0">
+                <a:latin typeface="Source Sans Pro SemiBold" panose="020B0603030403020204" pitchFamily="34" charset="0"/>
+                <a:ea typeface="Source Sans Pro SemiBold" panose="020B0603030403020204" pitchFamily="34" charset="0"/>
+              </a:rPr>
+              <a:t>→ </a:t>
+            </a:r>
+            <a:r>
+              <a:rPr lang="en-US" altLang="ja-JP" sz="2400" dirty="0">
+                <a:latin typeface="Source Sans Pro SemiBold" panose="020B0603030403020204" pitchFamily="34" charset="0"/>
+                <a:ea typeface="Source Sans Pro SemiBold" panose="020B0603030403020204" pitchFamily="34" charset="0"/>
+              </a:rPr>
+              <a:t>Y) </a:t>
+            </a:r>
+            <a:r>
+              <a:rPr lang="ja-JP" altLang="en-US" sz="2400" dirty="0">
+                <a:latin typeface="Source Sans Pro SemiBold" panose="020B0603030403020204" pitchFamily="34" charset="0"/>
+                <a:ea typeface="Source Sans Pro SemiBold" panose="020B0603030403020204" pitchFamily="34" charset="0"/>
+              </a:rPr>
+              <a:t>→ </a:t>
+            </a:r>
+            <a:r>
+              <a:rPr lang="en-US" altLang="ja-JP" sz="2400" dirty="0">
+                <a:latin typeface="Source Sans Pro SemiBold" panose="020B0603030403020204" pitchFamily="34" charset="0"/>
+                <a:ea typeface="Source Sans Pro SemiBold" panose="020B0603030403020204" pitchFamily="34" charset="0"/>
+              </a:rPr>
+              <a:t>List X </a:t>
+            </a:r>
+            <a:r>
+              <a:rPr lang="ja-JP" altLang="en-US" sz="2400" dirty="0">
+                <a:latin typeface="Source Sans Pro SemiBold" panose="020B0603030403020204" pitchFamily="34" charset="0"/>
+                <a:ea typeface="Source Sans Pro SemiBold" panose="020B0603030403020204" pitchFamily="34" charset="0"/>
+              </a:rPr>
+              <a:t>→ </a:t>
+            </a:r>
+            <a:r>
+              <a:rPr lang="en-US" altLang="ja-JP" sz="2400" dirty="0">
+                <a:latin typeface="Source Sans Pro SemiBold" panose="020B0603030403020204" pitchFamily="34" charset="0"/>
+                <a:ea typeface="Source Sans Pro SemiBold" panose="020B0603030403020204" pitchFamily="34" charset="0"/>
+              </a:rPr>
+              <a:t>List Y </a:t>
+            </a:r>
+          </a:p>
+          <a:p>
+            <a:pPr marL="0" indent="0">
+              <a:buNone/>
+            </a:pPr>
+            <a:r>
+              <a:rPr lang="ja-JP" altLang="en-US" sz="2400" dirty="0">
+                <a:latin typeface="Source Sans Pro SemiBold" panose="020B0603030403020204" pitchFamily="34" charset="0"/>
+                <a:ea typeface="+mj-ea"/>
+              </a:rPr>
+              <a:t>は直感的には正しいといえる．</a:t>
+            </a:r>
+            <a:endParaRPr lang="en-US" altLang="ja-JP" sz="2400" dirty="0">
+              <a:latin typeface="Source Sans Pro SemiBold" panose="020B0603030403020204" pitchFamily="34" charset="0"/>
+              <a:ea typeface="+mj-ea"/>
+            </a:endParaRPr>
+          </a:p>
+        </p:txBody>
+      </p:sp>
+    </p:spTree>
+    <p:extLst>
+      <p:ext uri="{BB962C8B-B14F-4D97-AF65-F5344CB8AC3E}">
+        <p14:creationId xmlns:p14="http://schemas.microsoft.com/office/powerpoint/2010/main" val="3987849622"/>
+      </p:ext>
+    </p:extLst>
+  </p:cSld>
+  <p:clrMapOvr>
+    <a:masterClrMapping/>
+  </p:clrMapOvr>
+</p:sld>
+</file>
+
+<file path=ppt/slides/slide36.xml><?xml version="1.0" encoding="utf-8"?>
+<p:sld xmlns:a="http://schemas.openxmlformats.org/drawingml/2006/main" xmlns:r="http://schemas.openxmlformats.org/officeDocument/2006/relationships" xmlns:p="http://schemas.openxmlformats.org/presentationml/2006/main">
+  <p:cSld>
+    <p:spTree>
+      <p:nvGrpSpPr>
+        <p:cNvPr id="1" name="">
+          <a:extLst>
+            <a:ext uri="{FF2B5EF4-FFF2-40B4-BE49-F238E27FC236}">
+              <a16:creationId xmlns:a16="http://schemas.microsoft.com/office/drawing/2014/main" id="{8DB2B353-54A8-49CE-3410-D0051CB655EE}"/>
+            </a:ext>
+          </a:extLst>
+        </p:cNvPr>
+        <p:cNvGrpSpPr/>
+        <p:nvPr/>
+      </p:nvGrpSpPr>
+      <p:grpSpPr>
+        <a:xfrm>
+          <a:off x="0" y="0"/>
+          <a:ext cx="0" cy="0"/>
+          <a:chOff x="0" y="0"/>
+          <a:chExt cx="0" cy="0"/>
+        </a:xfrm>
+      </p:grpSpPr>
+      <p:sp>
+        <p:nvSpPr>
+          <p:cNvPr id="2" name="タイトル 1">
+            <a:extLst>
+              <a:ext uri="{FF2B5EF4-FFF2-40B4-BE49-F238E27FC236}">
+                <a16:creationId xmlns:a16="http://schemas.microsoft.com/office/drawing/2014/main" id="{13433CCB-6A6E-B6CF-3CC0-14359DC3E75D}"/>
+              </a:ext>
+            </a:extLst>
+          </p:cNvPr>
+          <p:cNvSpPr>
+            <a:spLocks noGrp="1"/>
+          </p:cNvSpPr>
+          <p:nvPr>
+            <p:ph type="title"/>
+          </p:nvPr>
+        </p:nvSpPr>
+        <p:spPr/>
+        <p:txBody>
+          <a:bodyPr/>
+          <a:lstStyle/>
+          <a:p>
+            <a:r>
+              <a:rPr kumimoji="1" lang="en-US" altLang="ja-JP" dirty="0"/>
+              <a:t>23.3 </a:t>
+            </a:r>
+            <a:r>
+              <a:rPr lang="ja-JP" altLang="en-US" dirty="0"/>
+              <a:t>例</a:t>
+            </a:r>
+            <a:endParaRPr kumimoji="1" lang="ja-JP" altLang="en-US" dirty="0"/>
+          </a:p>
+        </p:txBody>
+      </p:sp>
+      <p:sp>
+        <p:nvSpPr>
+          <p:cNvPr id="3" name="コンテンツ プレースホルダー 2">
+            <a:extLst>
+              <a:ext uri="{FF2B5EF4-FFF2-40B4-BE49-F238E27FC236}">
+                <a16:creationId xmlns:a16="http://schemas.microsoft.com/office/drawing/2014/main" id="{4C957B5C-F728-F675-A90F-39DF9D11F019}"/>
+              </a:ext>
+            </a:extLst>
+          </p:cNvPr>
+          <p:cNvSpPr>
+            <a:spLocks noGrp="1"/>
+          </p:cNvSpPr>
+          <p:nvPr>
+            <p:ph idx="1"/>
+          </p:nvPr>
+        </p:nvSpPr>
+        <p:spPr>
+          <a:xfrm>
+            <a:off x="259194" y="1099789"/>
+            <a:ext cx="8625610" cy="5481485"/>
+          </a:xfrm>
+        </p:spPr>
+        <p:txBody>
+          <a:bodyPr>
+            <a:normAutofit/>
+          </a:bodyPr>
+          <a:lstStyle/>
+          <a:p>
+            <a:pPr marL="0" indent="0">
+              <a:buNone/>
+            </a:pPr>
+            <a:r>
+              <a:rPr lang="en-US" altLang="ja-JP" dirty="0">
+                <a:latin typeface="+mn-lt"/>
+                <a:ea typeface="Source Sans Pro SemiBold" panose="020B0603030403020204" pitchFamily="34" charset="0"/>
+              </a:rPr>
+              <a:t>23.4.3 Exercise [Recommended] </a:t>
+            </a:r>
+          </a:p>
+          <a:p>
+            <a:pPr marL="0" indent="0">
+              <a:buNone/>
+            </a:pPr>
+            <a:endParaRPr lang="en-US" altLang="ja-JP" sz="800" dirty="0">
+              <a:latin typeface="Source Sans Pro SemiBold" panose="020B0603030403020204" pitchFamily="34" charset="0"/>
+              <a:ea typeface="Source Sans Pro SemiBold" panose="020B0603030403020204" pitchFamily="34" charset="0"/>
+            </a:endParaRPr>
+          </a:p>
+        </p:txBody>
+      </p:sp>
+    </p:spTree>
+    <p:extLst>
+      <p:ext uri="{BB962C8B-B14F-4D97-AF65-F5344CB8AC3E}">
+        <p14:creationId xmlns:p14="http://schemas.microsoft.com/office/powerpoint/2010/main" val="1170520801"/>
+      </p:ext>
+    </p:extLst>
+  </p:cSld>
+  <p:clrMapOvr>
+    <a:masterClrMapping/>
+  </p:clrMapOvr>
+</p:sld>
+</file>
+
+<file path=ppt/slides/slide37.xml><?xml version="1.0" encoding="utf-8"?>
+<p:sld xmlns:a="http://schemas.openxmlformats.org/drawingml/2006/main" xmlns:r="http://schemas.openxmlformats.org/officeDocument/2006/relationships" xmlns:p="http://schemas.openxmlformats.org/presentationml/2006/main">
+  <p:cSld>
+    <p:spTree>
+      <p:nvGrpSpPr>
+        <p:cNvPr id="1" name="">
+          <a:extLst>
+            <a:ext uri="{FF2B5EF4-FFF2-40B4-BE49-F238E27FC236}">
+              <a16:creationId xmlns:a16="http://schemas.microsoft.com/office/drawing/2014/main" id="{C2DE0710-DFE1-C186-BAF3-F06A51C65D3C}"/>
+            </a:ext>
+          </a:extLst>
+        </p:cNvPr>
+        <p:cNvGrpSpPr/>
+        <p:nvPr/>
+      </p:nvGrpSpPr>
+      <p:grpSpPr>
+        <a:xfrm>
+          <a:off x="0" y="0"/>
+          <a:ext cx="0" cy="0"/>
+          <a:chOff x="0" y="0"/>
+          <a:chExt cx="0" cy="0"/>
+        </a:xfrm>
+      </p:grpSpPr>
+      <p:sp>
+        <p:nvSpPr>
+          <p:cNvPr id="2" name="タイトル 1">
+            <a:extLst>
+              <a:ext uri="{FF2B5EF4-FFF2-40B4-BE49-F238E27FC236}">
+                <a16:creationId xmlns:a16="http://schemas.microsoft.com/office/drawing/2014/main" id="{80CC633B-2351-33D9-A76F-406A4B12E3E8}"/>
+              </a:ext>
+            </a:extLst>
+          </p:cNvPr>
+          <p:cNvSpPr>
+            <a:spLocks noGrp="1"/>
+          </p:cNvSpPr>
+          <p:nvPr>
+            <p:ph type="title"/>
+          </p:nvPr>
+        </p:nvSpPr>
+        <p:spPr/>
+        <p:txBody>
+          <a:bodyPr/>
+          <a:lstStyle/>
+          <a:p>
+            <a:r>
+              <a:rPr kumimoji="1" lang="en-US" altLang="ja-JP" dirty="0"/>
+              <a:t>23.3 </a:t>
+            </a:r>
+            <a:r>
+              <a:rPr lang="ja-JP" altLang="en-US" dirty="0"/>
+              <a:t>例</a:t>
+            </a:r>
+            <a:endParaRPr kumimoji="1" lang="ja-JP" altLang="en-US" dirty="0"/>
+          </a:p>
+        </p:txBody>
+      </p:sp>
+      <p:sp>
+        <p:nvSpPr>
+          <p:cNvPr id="3" name="コンテンツ プレースホルダー 2">
+            <a:extLst>
+              <a:ext uri="{FF2B5EF4-FFF2-40B4-BE49-F238E27FC236}">
+                <a16:creationId xmlns:a16="http://schemas.microsoft.com/office/drawing/2014/main" id="{6E4B86AB-A9B5-D9AA-8C9E-B14EE0BC43D8}"/>
+              </a:ext>
+            </a:extLst>
+          </p:cNvPr>
+          <p:cNvSpPr>
+            <a:spLocks noGrp="1"/>
+          </p:cNvSpPr>
+          <p:nvPr>
+            <p:ph idx="1"/>
+          </p:nvPr>
+        </p:nvSpPr>
+        <p:spPr>
+          <a:xfrm>
+            <a:off x="259194" y="1099789"/>
+            <a:ext cx="8625610" cy="5481485"/>
+          </a:xfrm>
+        </p:spPr>
+        <p:txBody>
+          <a:bodyPr>
+            <a:normAutofit/>
+          </a:bodyPr>
+          <a:lstStyle/>
+          <a:p>
+            <a:pPr marL="0" indent="0">
+              <a:buNone/>
+            </a:pPr>
+            <a:r>
+              <a:rPr lang="en-US" altLang="ja-JP" dirty="0">
+                <a:latin typeface="+mn-lt"/>
+                <a:ea typeface="Source Sans Pro SemiBold" panose="020B0603030403020204" pitchFamily="34" charset="0"/>
+              </a:rPr>
+              <a:t>23.4.4 Exercise</a:t>
+            </a:r>
+          </a:p>
+          <a:p>
+            <a:pPr marL="0" indent="0">
+              <a:buNone/>
+            </a:pPr>
+            <a:r>
+              <a:rPr lang="ja-JP" altLang="en-US" sz="2400" dirty="0">
+                <a:latin typeface="+mn-ea"/>
+                <a:ea typeface="+mn-ea"/>
+              </a:rPr>
+              <a:t>第一引数が</a:t>
+            </a:r>
+            <a:r>
+              <a:rPr lang="en-US" altLang="ja-JP" sz="2400" dirty="0">
+                <a:latin typeface="Source Sans Pro SemiBold" panose="020B0603030403020204" pitchFamily="34" charset="0"/>
+                <a:ea typeface="Source Sans Pro SemiBold" panose="020B0603030403020204" pitchFamily="34" charset="0"/>
+              </a:rPr>
+              <a:t>X</a:t>
+            </a:r>
+            <a:r>
+              <a:rPr lang="ja-JP" altLang="en-US" sz="2400" dirty="0">
+                <a:latin typeface="+mn-ea"/>
+                <a:ea typeface="+mn-ea"/>
+              </a:rPr>
+              <a:t>型を持つ要素の比較関数であるような，多相型を　用いたソート関数を書け．</a:t>
+            </a:r>
+            <a:endParaRPr lang="en-US" altLang="ja-JP" sz="2400" dirty="0">
+              <a:latin typeface="+mn-ea"/>
+              <a:ea typeface="+mn-ea"/>
+            </a:endParaRPr>
+          </a:p>
+          <a:p>
+            <a:pPr marL="0" indent="0">
+              <a:buNone/>
+            </a:pPr>
+            <a:endParaRPr lang="en-US" altLang="ja-JP" sz="2400" dirty="0">
+              <a:latin typeface="+mn-ea"/>
+              <a:ea typeface="+mn-ea"/>
+            </a:endParaRPr>
+          </a:p>
+          <a:p>
+            <a:pPr marL="0" indent="0">
+              <a:buNone/>
+            </a:pPr>
+            <a:r>
+              <a:rPr lang="en-US" altLang="ja-JP" dirty="0">
+                <a:latin typeface="Source Sans Pro SemiBold" panose="020B0603030403020204" pitchFamily="34" charset="0"/>
+                <a:ea typeface="Source Sans Pro SemiBold" panose="020B0603030403020204" pitchFamily="34" charset="0"/>
+              </a:rPr>
+              <a:t>sort : </a:t>
+            </a:r>
+            <a:r>
+              <a:rPr lang="ja-JP" altLang="en-US" dirty="0">
+                <a:latin typeface="Source Sans Pro SemiBold" panose="020B0603030403020204" pitchFamily="34" charset="0"/>
+                <a:ea typeface="Source Sans Pro SemiBold" panose="020B0603030403020204" pitchFamily="34" charset="0"/>
+              </a:rPr>
+              <a:t>∀</a:t>
+            </a:r>
+            <a:r>
+              <a:rPr lang="en-US" altLang="ja-JP" dirty="0">
+                <a:latin typeface="Source Sans Pro SemiBold" panose="020B0603030403020204" pitchFamily="34" charset="0"/>
+                <a:ea typeface="Source Sans Pro SemiBold" panose="020B0603030403020204" pitchFamily="34" charset="0"/>
+              </a:rPr>
+              <a:t>X. (X </a:t>
+            </a:r>
+            <a:r>
+              <a:rPr lang="ja-JP" altLang="en-US" dirty="0">
+                <a:latin typeface="Source Sans Pro SemiBold" panose="020B0603030403020204" pitchFamily="34" charset="0"/>
+                <a:ea typeface="Source Sans Pro SemiBold" panose="020B0603030403020204" pitchFamily="34" charset="0"/>
+              </a:rPr>
+              <a:t>→ </a:t>
+            </a:r>
+            <a:r>
+              <a:rPr lang="en-US" altLang="ja-JP" dirty="0">
+                <a:latin typeface="Source Sans Pro SemiBold" panose="020B0603030403020204" pitchFamily="34" charset="0"/>
+                <a:ea typeface="Source Sans Pro SemiBold" panose="020B0603030403020204" pitchFamily="34" charset="0"/>
+              </a:rPr>
+              <a:t>X </a:t>
+            </a:r>
+            <a:r>
+              <a:rPr lang="ja-JP" altLang="en-US" dirty="0">
+                <a:latin typeface="Source Sans Pro SemiBold" panose="020B0603030403020204" pitchFamily="34" charset="0"/>
+                <a:ea typeface="Source Sans Pro SemiBold" panose="020B0603030403020204" pitchFamily="34" charset="0"/>
+              </a:rPr>
+              <a:t>→ </a:t>
+            </a:r>
+            <a:r>
+              <a:rPr lang="en-US" altLang="ja-JP" dirty="0">
+                <a:latin typeface="Source Sans Pro SemiBold" panose="020B0603030403020204" pitchFamily="34" charset="0"/>
+                <a:ea typeface="Source Sans Pro SemiBold" panose="020B0603030403020204" pitchFamily="34" charset="0"/>
+              </a:rPr>
+              <a:t>Bool) </a:t>
+            </a:r>
+            <a:r>
+              <a:rPr lang="ja-JP" altLang="en-US" dirty="0">
+                <a:latin typeface="Source Sans Pro SemiBold" panose="020B0603030403020204" pitchFamily="34" charset="0"/>
+                <a:ea typeface="Source Sans Pro SemiBold" panose="020B0603030403020204" pitchFamily="34" charset="0"/>
+              </a:rPr>
+              <a:t>→ </a:t>
+            </a:r>
+            <a:r>
+              <a:rPr lang="en-US" altLang="ja-JP" dirty="0">
+                <a:latin typeface="Source Sans Pro SemiBold" panose="020B0603030403020204" pitchFamily="34" charset="0"/>
+                <a:ea typeface="Source Sans Pro SemiBold" panose="020B0603030403020204" pitchFamily="34" charset="0"/>
+              </a:rPr>
+              <a:t>(List X) </a:t>
+            </a:r>
+            <a:r>
+              <a:rPr lang="ja-JP" altLang="en-US" dirty="0">
+                <a:latin typeface="Source Sans Pro SemiBold" panose="020B0603030403020204" pitchFamily="34" charset="0"/>
+                <a:ea typeface="Source Sans Pro SemiBold" panose="020B0603030403020204" pitchFamily="34" charset="0"/>
+              </a:rPr>
+              <a:t>→ </a:t>
+            </a:r>
+            <a:r>
+              <a:rPr lang="en-US" altLang="ja-JP" dirty="0">
+                <a:latin typeface="Source Sans Pro SemiBold" panose="020B0603030403020204" pitchFamily="34" charset="0"/>
+                <a:ea typeface="Source Sans Pro SemiBold" panose="020B0603030403020204" pitchFamily="34" charset="0"/>
+              </a:rPr>
+              <a:t>List X</a:t>
+            </a:r>
+          </a:p>
+        </p:txBody>
+      </p:sp>
+    </p:spTree>
+    <p:extLst>
+      <p:ext uri="{BB962C8B-B14F-4D97-AF65-F5344CB8AC3E}">
+        <p14:creationId xmlns:p14="http://schemas.microsoft.com/office/powerpoint/2010/main" val="227442942"/>
+      </p:ext>
+    </p:extLst>
+  </p:cSld>
+  <p:clrMapOvr>
+    <a:masterClrMapping/>
+  </p:clrMapOvr>
+</p:sld>
+</file>
+
+<file path=ppt/slides/slide38.xml><?xml version="1.0" encoding="utf-8"?>
+<p:sld xmlns:a="http://schemas.openxmlformats.org/drawingml/2006/main" xmlns:r="http://schemas.openxmlformats.org/officeDocument/2006/relationships" xmlns:p="http://schemas.openxmlformats.org/presentationml/2006/main">
+  <p:cSld>
+    <p:spTree>
+      <p:nvGrpSpPr>
+        <p:cNvPr id="1" name="">
+          <a:extLst>
+            <a:ext uri="{FF2B5EF4-FFF2-40B4-BE49-F238E27FC236}">
+              <a16:creationId xmlns:a16="http://schemas.microsoft.com/office/drawing/2014/main" id="{DA2E24E7-04DA-A356-A557-F0B17F6D879B}"/>
+            </a:ext>
+          </a:extLst>
+        </p:cNvPr>
+        <p:cNvGrpSpPr/>
+        <p:nvPr/>
+      </p:nvGrpSpPr>
+      <p:grpSpPr>
+        <a:xfrm>
+          <a:off x="0" y="0"/>
+          <a:ext cx="0" cy="0"/>
+          <a:chOff x="0" y="0"/>
+          <a:chExt cx="0" cy="0"/>
+        </a:xfrm>
+      </p:grpSpPr>
+      <p:sp>
+        <p:nvSpPr>
+          <p:cNvPr id="2" name="タイトル 1">
+            <a:extLst>
+              <a:ext uri="{FF2B5EF4-FFF2-40B4-BE49-F238E27FC236}">
+                <a16:creationId xmlns:a16="http://schemas.microsoft.com/office/drawing/2014/main" id="{ADD94D03-7237-1C8D-A712-BE3A3F2ABF92}"/>
+              </a:ext>
+            </a:extLst>
+          </p:cNvPr>
+          <p:cNvSpPr>
+            <a:spLocks noGrp="1"/>
+          </p:cNvSpPr>
+          <p:nvPr>
+            <p:ph type="title"/>
+          </p:nvPr>
+        </p:nvSpPr>
+        <p:spPr/>
+        <p:txBody>
+          <a:bodyPr/>
+          <a:lstStyle/>
+          <a:p>
+            <a:r>
+              <a:rPr kumimoji="1" lang="en-US" altLang="ja-JP" dirty="0"/>
+              <a:t>23.3 </a:t>
+            </a:r>
+            <a:r>
+              <a:rPr lang="ja-JP" altLang="en-US" dirty="0"/>
+              <a:t>例</a:t>
+            </a:r>
+            <a:endParaRPr kumimoji="1" lang="ja-JP" altLang="en-US" dirty="0"/>
+          </a:p>
+        </p:txBody>
+      </p:sp>
+      <p:sp>
+        <p:nvSpPr>
+          <p:cNvPr id="3" name="コンテンツ プレースホルダー 2">
+            <a:extLst>
+              <a:ext uri="{FF2B5EF4-FFF2-40B4-BE49-F238E27FC236}">
+                <a16:creationId xmlns:a16="http://schemas.microsoft.com/office/drawing/2014/main" id="{EDE3A451-A3B3-6B21-4CEB-53B75B3B4BE9}"/>
+              </a:ext>
+            </a:extLst>
+          </p:cNvPr>
+          <p:cNvSpPr>
+            <a:spLocks noGrp="1"/>
+          </p:cNvSpPr>
+          <p:nvPr>
+            <p:ph idx="1"/>
+          </p:nvPr>
+        </p:nvSpPr>
+        <p:spPr>
+          <a:xfrm>
+            <a:off x="126847" y="1050217"/>
+            <a:ext cx="9017153" cy="5998843"/>
+          </a:xfrm>
+        </p:spPr>
+        <p:txBody>
+          <a:bodyPr>
+            <a:normAutofit/>
+          </a:bodyPr>
+          <a:lstStyle/>
+          <a:p>
+            <a:pPr marL="0" indent="0">
+              <a:buNone/>
+            </a:pPr>
+            <a:r>
+              <a:rPr lang="en-US" altLang="ja-JP" dirty="0">
+                <a:latin typeface="+mn-lt"/>
+                <a:ea typeface="Source Sans Pro SemiBold" panose="020B0603030403020204" pitchFamily="34" charset="0"/>
+              </a:rPr>
+              <a:t>23.4.4 Exercise</a:t>
+            </a:r>
+          </a:p>
+          <a:p>
+            <a:pPr marL="0" indent="0">
+              <a:buNone/>
+            </a:pPr>
+            <a:r>
+              <a:rPr lang="ja-JP" altLang="en-US" sz="2400" dirty="0">
+                <a:latin typeface="+mn-ea"/>
+                <a:ea typeface="+mn-ea"/>
+              </a:rPr>
+              <a:t>比較関数 </a:t>
+            </a:r>
+            <a:r>
+              <a:rPr lang="en-US" altLang="ja-JP" sz="2400" dirty="0" err="1">
+                <a:latin typeface="Source Sans Pro SemiBold" panose="020B0603030403020204" pitchFamily="34" charset="0"/>
+                <a:ea typeface="Source Sans Pro SemiBold" panose="020B0603030403020204" pitchFamily="34" charset="0"/>
+              </a:rPr>
+              <a:t>cmp</a:t>
+            </a:r>
+            <a:r>
+              <a:rPr lang="en-US" altLang="ja-JP" sz="2400" dirty="0">
+                <a:latin typeface="+mn-ea"/>
+                <a:ea typeface="+mn-ea"/>
+              </a:rPr>
+              <a:t>, </a:t>
+            </a:r>
+            <a:r>
+              <a:rPr lang="ja-JP" altLang="en-US" sz="2400" dirty="0">
+                <a:latin typeface="+mn-ea"/>
+                <a:ea typeface="+mn-ea"/>
+              </a:rPr>
+              <a:t>要素 </a:t>
+            </a:r>
+            <a:r>
+              <a:rPr lang="en-US" altLang="ja-JP" sz="2400" dirty="0">
+                <a:latin typeface="Source Sans Pro SemiBold" panose="020B0603030403020204" pitchFamily="34" charset="0"/>
+                <a:ea typeface="Source Sans Pro SemiBold" panose="020B0603030403020204" pitchFamily="34" charset="0"/>
+              </a:rPr>
+              <a:t>a</a:t>
+            </a:r>
+            <a:r>
+              <a:rPr lang="en-US" altLang="ja-JP" sz="2400" dirty="0">
+                <a:latin typeface="+mn-ea"/>
+                <a:ea typeface="+mn-ea"/>
+              </a:rPr>
+              <a:t>, </a:t>
+            </a:r>
+            <a:r>
+              <a:rPr lang="ja-JP" altLang="en-US" sz="2400" dirty="0">
+                <a:latin typeface="+mn-ea"/>
+                <a:ea typeface="+mn-ea"/>
+              </a:rPr>
+              <a:t>挿入するリスト </a:t>
+            </a:r>
+            <a:r>
+              <a:rPr lang="en-US" altLang="ja-JP" sz="2400" dirty="0">
+                <a:latin typeface="Source Sans Pro SemiBold" panose="020B0603030403020204" pitchFamily="34" charset="0"/>
+                <a:ea typeface="Source Sans Pro SemiBold" panose="020B0603030403020204" pitchFamily="34" charset="0"/>
+              </a:rPr>
+              <a:t>l</a:t>
+            </a:r>
+            <a:r>
+              <a:rPr lang="en-US" altLang="ja-JP" sz="2400" dirty="0">
+                <a:latin typeface="+mn-ea"/>
+                <a:ea typeface="+mn-ea"/>
+              </a:rPr>
+              <a:t> </a:t>
+            </a:r>
+            <a:r>
+              <a:rPr lang="ja-JP" altLang="en-US" sz="2400" dirty="0">
+                <a:latin typeface="+mn-ea"/>
+                <a:ea typeface="+mn-ea"/>
+              </a:rPr>
+              <a:t>を受け取り</a:t>
+            </a:r>
+            <a:r>
+              <a:rPr lang="ja-JP" altLang="en-US" sz="2400" dirty="0">
+                <a:latin typeface="Source Sans Pro SemiBold" panose="020B0603030403020204" pitchFamily="34" charset="0"/>
+                <a:ea typeface="+mn-ea"/>
+              </a:rPr>
+              <a:t>，</a:t>
+            </a:r>
+            <a:r>
+              <a:rPr lang="en-US" altLang="ja-JP" sz="2400" dirty="0" err="1">
+                <a:latin typeface="Source Sans Pro SemiBold" panose="020B0603030403020204" pitchFamily="34" charset="0"/>
+                <a:ea typeface="Source Sans Pro SemiBold" panose="020B0603030403020204" pitchFamily="34" charset="0"/>
+              </a:rPr>
+              <a:t>cmp</a:t>
+            </a:r>
+            <a:r>
+              <a:rPr lang="en-US" altLang="ja-JP" sz="2400" dirty="0">
+                <a:latin typeface="Source Sans Pro SemiBold" panose="020B0603030403020204" pitchFamily="34" charset="0"/>
+                <a:ea typeface="Source Sans Pro SemiBold" panose="020B0603030403020204" pitchFamily="34" charset="0"/>
+              </a:rPr>
+              <a:t> </a:t>
+            </a:r>
+            <a:r>
+              <a:rPr lang="ja-JP" altLang="en-US" sz="2400" dirty="0">
+                <a:latin typeface="+mn-ea"/>
+                <a:ea typeface="+mn-ea"/>
+              </a:rPr>
+              <a:t>を </a:t>
+            </a:r>
+            <a:r>
+              <a:rPr lang="en-US" altLang="ja-JP" sz="2400" dirty="0">
+                <a:latin typeface="Source Sans Pro SemiBold" panose="020B0603030403020204" pitchFamily="34" charset="0"/>
+                <a:ea typeface="Source Sans Pro SemiBold" panose="020B0603030403020204" pitchFamily="34" charset="0"/>
+              </a:rPr>
+              <a:t>a</a:t>
+            </a:r>
+            <a:r>
+              <a:rPr lang="en-US" altLang="ja-JP" sz="2400" dirty="0">
+                <a:latin typeface="+mn-ea"/>
+                <a:ea typeface="+mn-ea"/>
+              </a:rPr>
+              <a:t> </a:t>
+            </a:r>
+            <a:r>
+              <a:rPr lang="ja-JP" altLang="en-US" sz="2400" dirty="0">
+                <a:latin typeface="+mn-ea"/>
+                <a:ea typeface="+mn-ea"/>
+              </a:rPr>
+              <a:t>と </a:t>
+            </a:r>
+            <a:r>
+              <a:rPr lang="en-US" altLang="ja-JP" sz="2400" dirty="0">
+                <a:latin typeface="Source Sans Pro SemiBold" panose="020B0603030403020204" pitchFamily="34" charset="0"/>
+                <a:ea typeface="Source Sans Pro SemiBold" panose="020B0603030403020204" pitchFamily="34" charset="0"/>
+              </a:rPr>
+              <a:t>l</a:t>
+            </a:r>
+            <a:r>
+              <a:rPr lang="en-US" altLang="ja-JP" sz="2400" dirty="0">
+                <a:latin typeface="+mn-ea"/>
+                <a:ea typeface="+mn-ea"/>
+              </a:rPr>
+              <a:t> </a:t>
+            </a:r>
+            <a:r>
+              <a:rPr lang="ja-JP" altLang="en-US" sz="2400" dirty="0">
+                <a:latin typeface="+mn-ea"/>
+                <a:ea typeface="+mn-ea"/>
+              </a:rPr>
+              <a:t>の各要素に再帰的に適用し，</a:t>
+            </a:r>
+            <a:r>
+              <a:rPr lang="en-US" altLang="ja-JP" sz="2400" dirty="0" err="1">
+                <a:latin typeface="Source Sans Pro SemiBold" panose="020B0603030403020204" pitchFamily="34" charset="0"/>
+                <a:ea typeface="Source Sans Pro SemiBold" panose="020B0603030403020204" pitchFamily="34" charset="0"/>
+              </a:rPr>
+              <a:t>cmp</a:t>
+            </a:r>
+            <a:r>
+              <a:rPr lang="en-US" altLang="ja-JP" sz="2400" dirty="0">
+                <a:latin typeface="Source Sans Pro SemiBold" panose="020B0603030403020204" pitchFamily="34" charset="0"/>
+                <a:ea typeface="Source Sans Pro SemiBold" panose="020B0603030403020204" pitchFamily="34" charset="0"/>
+              </a:rPr>
+              <a:t> a (head l) == true </a:t>
+            </a:r>
+            <a:r>
+              <a:rPr lang="ja-JP" altLang="en-US" sz="2400" dirty="0">
+                <a:latin typeface="+mn-ea"/>
+                <a:ea typeface="+mn-ea"/>
+              </a:rPr>
+              <a:t>となるとき </a:t>
+            </a:r>
+            <a:r>
+              <a:rPr lang="en-US" altLang="ja-JP" sz="2400" dirty="0">
+                <a:latin typeface="Source Sans Pro SemiBold" panose="020B0603030403020204" pitchFamily="34" charset="0"/>
+                <a:ea typeface="Source Sans Pro SemiBold" panose="020B0603030403020204" pitchFamily="34" charset="0"/>
+              </a:rPr>
+              <a:t>head</a:t>
+            </a:r>
+            <a:r>
+              <a:rPr lang="en-US" altLang="ja-JP" sz="2400" dirty="0">
+                <a:latin typeface="+mn-ea"/>
+                <a:ea typeface="+mn-ea"/>
+              </a:rPr>
+              <a:t> </a:t>
+            </a:r>
+            <a:r>
+              <a:rPr lang="ja-JP" altLang="en-US" sz="2400" dirty="0">
+                <a:latin typeface="+mn-ea"/>
+                <a:ea typeface="+mn-ea"/>
+              </a:rPr>
+              <a:t>の前に </a:t>
+            </a:r>
+            <a:r>
+              <a:rPr lang="en-US" altLang="ja-JP" sz="2400" dirty="0">
+                <a:latin typeface="Source Sans Pro SemiBold" panose="020B0603030403020204" pitchFamily="34" charset="0"/>
+                <a:ea typeface="Source Sans Pro SemiBold" panose="020B0603030403020204" pitchFamily="34" charset="0"/>
+              </a:rPr>
+              <a:t>a</a:t>
+            </a:r>
+            <a:r>
+              <a:rPr lang="en-US" altLang="ja-JP" sz="2400" dirty="0">
+                <a:latin typeface="+mn-ea"/>
+                <a:ea typeface="+mn-ea"/>
+              </a:rPr>
+              <a:t> </a:t>
+            </a:r>
+            <a:r>
+              <a:rPr lang="ja-JP" altLang="en-US" sz="2400" dirty="0">
+                <a:latin typeface="+mn-ea"/>
+                <a:ea typeface="+mn-ea"/>
+              </a:rPr>
+              <a:t>を挿入するような </a:t>
+            </a:r>
+            <a:r>
+              <a:rPr lang="en-US" altLang="ja-JP" sz="2400" dirty="0">
+                <a:latin typeface="Source Sans Pro SemiBold" panose="020B0603030403020204" pitchFamily="34" charset="0"/>
+                <a:ea typeface="Source Sans Pro SemiBold" panose="020B0603030403020204" pitchFamily="34" charset="0"/>
+              </a:rPr>
+              <a:t>insert</a:t>
+            </a:r>
+            <a:r>
+              <a:rPr lang="en-US" altLang="ja-JP" sz="2400" dirty="0">
+                <a:latin typeface="+mn-ea"/>
+                <a:ea typeface="+mn-ea"/>
+              </a:rPr>
+              <a:t> </a:t>
+            </a:r>
+            <a:r>
+              <a:rPr lang="ja-JP" altLang="en-US" sz="2400" dirty="0">
+                <a:latin typeface="+mn-ea"/>
+                <a:ea typeface="+mn-ea"/>
+              </a:rPr>
+              <a:t>関数を先に定義する．</a:t>
+            </a:r>
+            <a:endParaRPr lang="en-US" altLang="ja-JP" sz="2400" dirty="0">
+              <a:latin typeface="+mn-ea"/>
+              <a:ea typeface="+mn-ea"/>
+            </a:endParaRPr>
+          </a:p>
+          <a:p>
+            <a:pPr marL="0" indent="0">
+              <a:buNone/>
+            </a:pPr>
+            <a:endParaRPr lang="en-US" altLang="ja-JP" sz="800" dirty="0">
+              <a:latin typeface="+mn-ea"/>
+              <a:ea typeface="+mn-ea"/>
+            </a:endParaRPr>
+          </a:p>
+          <a:p>
+            <a:pPr marL="0" indent="0">
+              <a:buNone/>
+            </a:pPr>
+            <a:r>
+              <a:rPr lang="en-US" altLang="ja-JP" dirty="0">
+                <a:latin typeface="Source Sans Pro SemiBold" panose="020B0603030403020204" pitchFamily="34" charset="0"/>
+                <a:ea typeface="Source Sans Pro SemiBold" panose="020B0603030403020204" pitchFamily="34" charset="0"/>
+              </a:rPr>
+              <a:t>insert = </a:t>
+            </a:r>
+            <a:r>
+              <a:rPr lang="en-US" altLang="ja-JP" dirty="0" err="1">
+                <a:latin typeface="Source Sans Pro SemiBold" panose="020B0603030403020204" pitchFamily="34" charset="0"/>
+                <a:ea typeface="Source Sans Pro SemiBold" panose="020B0603030403020204" pitchFamily="34" charset="0"/>
+              </a:rPr>
+              <a:t>λX</a:t>
+            </a:r>
+            <a:r>
+              <a:rPr lang="en-US" altLang="ja-JP" dirty="0">
+                <a:latin typeface="Source Sans Pro SemiBold" panose="020B0603030403020204" pitchFamily="34" charset="0"/>
+                <a:ea typeface="Source Sans Pro SemiBold" panose="020B0603030403020204" pitchFamily="34" charset="0"/>
+              </a:rPr>
+              <a:t>. </a:t>
+            </a:r>
+            <a:r>
+              <a:rPr lang="en-US" altLang="ja-JP" dirty="0" err="1">
+                <a:latin typeface="Source Sans Pro SemiBold" panose="020B0603030403020204" pitchFamily="34" charset="0"/>
+                <a:ea typeface="Source Sans Pro SemiBold" panose="020B0603030403020204" pitchFamily="34" charset="0"/>
+              </a:rPr>
+              <a:t>λcmp</a:t>
+            </a:r>
+            <a:r>
+              <a:rPr lang="en-US" altLang="ja-JP" dirty="0">
+                <a:latin typeface="Source Sans Pro SemiBold" panose="020B0603030403020204" pitchFamily="34" charset="0"/>
+                <a:ea typeface="Source Sans Pro SemiBold" panose="020B0603030403020204" pitchFamily="34" charset="0"/>
+              </a:rPr>
+              <a:t>: X </a:t>
+            </a:r>
+            <a:r>
+              <a:rPr lang="ja-JP" altLang="en-US" dirty="0">
+                <a:latin typeface="Source Sans Pro SemiBold" panose="020B0603030403020204" pitchFamily="34" charset="0"/>
+                <a:ea typeface="Source Sans Pro SemiBold" panose="020B0603030403020204" pitchFamily="34" charset="0"/>
+              </a:rPr>
+              <a:t>→ </a:t>
+            </a:r>
+            <a:r>
+              <a:rPr lang="en-US" altLang="ja-JP" dirty="0">
+                <a:latin typeface="Source Sans Pro SemiBold" panose="020B0603030403020204" pitchFamily="34" charset="0"/>
+                <a:ea typeface="Source Sans Pro SemiBold" panose="020B0603030403020204" pitchFamily="34" charset="0"/>
+              </a:rPr>
+              <a:t>X </a:t>
+            </a:r>
+            <a:r>
+              <a:rPr lang="ja-JP" altLang="en-US" dirty="0">
+                <a:latin typeface="Source Sans Pro SemiBold" panose="020B0603030403020204" pitchFamily="34" charset="0"/>
+                <a:ea typeface="Source Sans Pro SemiBold" panose="020B0603030403020204" pitchFamily="34" charset="0"/>
+              </a:rPr>
+              <a:t>→ </a:t>
+            </a:r>
+            <a:r>
+              <a:rPr lang="en-US" altLang="ja-JP" dirty="0">
+                <a:latin typeface="Source Sans Pro SemiBold" panose="020B0603030403020204" pitchFamily="34" charset="0"/>
+                <a:ea typeface="Source Sans Pro SemiBold" panose="020B0603030403020204" pitchFamily="34" charset="0"/>
+              </a:rPr>
+              <a:t>Bool. </a:t>
+            </a:r>
+            <a:r>
+              <a:rPr lang="en-US" altLang="ja-JP" dirty="0" err="1">
+                <a:latin typeface="Source Sans Pro SemiBold" panose="020B0603030403020204" pitchFamily="34" charset="0"/>
+                <a:ea typeface="Source Sans Pro SemiBold" panose="020B0603030403020204" pitchFamily="34" charset="0"/>
+              </a:rPr>
+              <a:t>λa</a:t>
+            </a:r>
+            <a:r>
+              <a:rPr lang="en-US" altLang="ja-JP" dirty="0">
+                <a:latin typeface="Source Sans Pro SemiBold" panose="020B0603030403020204" pitchFamily="34" charset="0"/>
+                <a:ea typeface="Source Sans Pro SemiBold" panose="020B0603030403020204" pitchFamily="34" charset="0"/>
+              </a:rPr>
+              <a:t>: X.</a:t>
+            </a:r>
+          </a:p>
+          <a:p>
+            <a:pPr marL="0" indent="0">
+              <a:buNone/>
+            </a:pPr>
+            <a:r>
+              <a:rPr lang="en-US" altLang="ja-JP" dirty="0">
+                <a:latin typeface="Source Sans Pro SemiBold" panose="020B0603030403020204" pitchFamily="34" charset="0"/>
+                <a:ea typeface="Source Sans Pro SemiBold" panose="020B0603030403020204" pitchFamily="34" charset="0"/>
+              </a:rPr>
+              <a:t>		(fix (</a:t>
+            </a:r>
+            <a:r>
+              <a:rPr lang="en-US" altLang="ja-JP" dirty="0" err="1">
+                <a:latin typeface="Source Sans Pro SemiBold" panose="020B0603030403020204" pitchFamily="34" charset="0"/>
+                <a:ea typeface="Source Sans Pro SemiBold" panose="020B0603030403020204" pitchFamily="34" charset="0"/>
+              </a:rPr>
+              <a:t>λm</a:t>
+            </a:r>
+            <a:r>
+              <a:rPr lang="en-US" altLang="ja-JP" dirty="0">
+                <a:latin typeface="Source Sans Pro SemiBold" panose="020B0603030403020204" pitchFamily="34" charset="0"/>
+                <a:ea typeface="Source Sans Pro SemiBold" panose="020B0603030403020204" pitchFamily="34" charset="0"/>
+              </a:rPr>
+              <a:t>: List X </a:t>
+            </a:r>
+            <a:r>
+              <a:rPr lang="ja-JP" altLang="en-US" dirty="0">
+                <a:latin typeface="Source Sans Pro SemiBold" panose="020B0603030403020204" pitchFamily="34" charset="0"/>
+                <a:ea typeface="Source Sans Pro SemiBold" panose="020B0603030403020204" pitchFamily="34" charset="0"/>
+              </a:rPr>
+              <a:t>→ </a:t>
+            </a:r>
+            <a:r>
+              <a:rPr lang="en-US" altLang="ja-JP" dirty="0">
+                <a:latin typeface="Source Sans Pro SemiBold" panose="020B0603030403020204" pitchFamily="34" charset="0"/>
+                <a:ea typeface="Source Sans Pro SemiBold" panose="020B0603030403020204" pitchFamily="34" charset="0"/>
+              </a:rPr>
+              <a:t>List X.</a:t>
+            </a:r>
+          </a:p>
+          <a:p>
+            <a:pPr marL="0" indent="0">
+              <a:buNone/>
+            </a:pPr>
+            <a:r>
+              <a:rPr lang="en-US" altLang="ja-JP" dirty="0">
+                <a:latin typeface="Source Sans Pro SemiBold" panose="020B0603030403020204" pitchFamily="34" charset="0"/>
+                <a:ea typeface="Source Sans Pro SemiBold" panose="020B0603030403020204" pitchFamily="34" charset="0"/>
+              </a:rPr>
+              <a:t>			</a:t>
+            </a:r>
+            <a:r>
+              <a:rPr lang="en-US" altLang="ja-JP" dirty="0" err="1">
+                <a:latin typeface="Source Sans Pro SemiBold" panose="020B0603030403020204" pitchFamily="34" charset="0"/>
+                <a:ea typeface="Source Sans Pro SemiBold" panose="020B0603030403020204" pitchFamily="34" charset="0"/>
+              </a:rPr>
+              <a:t>λl</a:t>
+            </a:r>
+            <a:r>
+              <a:rPr lang="en-US" altLang="ja-JP" dirty="0">
+                <a:latin typeface="Source Sans Pro SemiBold" panose="020B0603030403020204" pitchFamily="34" charset="0"/>
+                <a:ea typeface="Source Sans Pro SemiBold" panose="020B0603030403020204" pitchFamily="34" charset="0"/>
+              </a:rPr>
+              <a:t>: List X.</a:t>
+            </a:r>
+          </a:p>
+          <a:p>
+            <a:pPr marL="0" indent="0">
+              <a:buNone/>
+            </a:pPr>
+            <a:r>
+              <a:rPr lang="en-US" altLang="ja-JP" dirty="0">
+                <a:latin typeface="Source Sans Pro SemiBold" panose="020B0603030403020204" pitchFamily="34" charset="0"/>
+                <a:ea typeface="Source Sans Pro SemiBold" panose="020B0603030403020204" pitchFamily="34" charset="0"/>
+              </a:rPr>
+              <a:t>				if </a:t>
+            </a:r>
+            <a:r>
+              <a:rPr lang="en-US" altLang="ja-JP" dirty="0" err="1">
+                <a:latin typeface="Source Sans Pro SemiBold" panose="020B0603030403020204" pitchFamily="34" charset="0"/>
+                <a:ea typeface="Source Sans Pro SemiBold" panose="020B0603030403020204" pitchFamily="34" charset="0"/>
+              </a:rPr>
+              <a:t>isnil</a:t>
+            </a:r>
+            <a:r>
+              <a:rPr lang="en-US" altLang="ja-JP" dirty="0">
+                <a:latin typeface="Source Sans Pro SemiBold" panose="020B0603030403020204" pitchFamily="34" charset="0"/>
+                <a:ea typeface="Source Sans Pro SemiBold" panose="020B0603030403020204" pitchFamily="34" charset="0"/>
+              </a:rPr>
+              <a:t> [X] l then cons [X] a (nil [X])</a:t>
+            </a:r>
+          </a:p>
+          <a:p>
+            <a:pPr marL="0" indent="0">
+              <a:buNone/>
+            </a:pPr>
+            <a:r>
+              <a:rPr lang="en-US" altLang="ja-JP" dirty="0">
+                <a:latin typeface="Source Sans Pro SemiBold" panose="020B0603030403020204" pitchFamily="34" charset="0"/>
+                <a:ea typeface="Source Sans Pro SemiBold" panose="020B0603030403020204" pitchFamily="34" charset="0"/>
+              </a:rPr>
+              <a:t>				else if </a:t>
+            </a:r>
+            <a:r>
+              <a:rPr lang="en-US" altLang="ja-JP" dirty="0" err="1">
+                <a:latin typeface="Source Sans Pro SemiBold" panose="020B0603030403020204" pitchFamily="34" charset="0"/>
+                <a:ea typeface="Source Sans Pro SemiBold" panose="020B0603030403020204" pitchFamily="34" charset="0"/>
+              </a:rPr>
+              <a:t>cmp</a:t>
+            </a:r>
+            <a:r>
+              <a:rPr lang="en-US" altLang="ja-JP" dirty="0">
+                <a:latin typeface="Source Sans Pro SemiBold" panose="020B0603030403020204" pitchFamily="34" charset="0"/>
+                <a:ea typeface="Source Sans Pro SemiBold" panose="020B0603030403020204" pitchFamily="34" charset="0"/>
+              </a:rPr>
+              <a:t> a (head [X] l)</a:t>
+            </a:r>
+          </a:p>
+          <a:p>
+            <a:pPr marL="0" indent="0">
+              <a:buNone/>
+            </a:pPr>
+            <a:r>
+              <a:rPr lang="en-US" altLang="ja-JP" dirty="0">
+                <a:latin typeface="Source Sans Pro SemiBold" panose="020B0603030403020204" pitchFamily="34" charset="0"/>
+                <a:ea typeface="Source Sans Pro SemiBold" panose="020B0603030403020204" pitchFamily="34" charset="0"/>
+              </a:rPr>
+              <a:t>								then cons [X] a l</a:t>
+            </a:r>
+          </a:p>
+          <a:p>
+            <a:pPr marL="0" indent="0">
+              <a:buNone/>
+            </a:pPr>
+            <a:r>
+              <a:rPr lang="en-US" altLang="ja-JP" dirty="0">
+                <a:latin typeface="Source Sans Pro SemiBold" panose="020B0603030403020204" pitchFamily="34" charset="0"/>
+                <a:ea typeface="Source Sans Pro SemiBold" panose="020B0603030403020204" pitchFamily="34" charset="0"/>
+              </a:rPr>
+              <a:t>				else cons [X] (head [X] l) (m (tail [X] l)) )) </a:t>
+            </a:r>
+          </a:p>
+        </p:txBody>
+      </p:sp>
+      <p:sp>
+        <p:nvSpPr>
+          <p:cNvPr id="4" name="テキスト ボックス 3">
+            <a:extLst>
+              <a:ext uri="{FF2B5EF4-FFF2-40B4-BE49-F238E27FC236}">
+                <a16:creationId xmlns:a16="http://schemas.microsoft.com/office/drawing/2014/main" id="{995EBFA2-D2E4-E7B2-71A3-41B4D866D0E2}"/>
+              </a:ext>
+            </a:extLst>
+          </p:cNvPr>
+          <p:cNvSpPr txBox="1"/>
+          <p:nvPr/>
+        </p:nvSpPr>
+        <p:spPr>
+          <a:xfrm>
+            <a:off x="4740441" y="6581001"/>
+            <a:ext cx="4403559" cy="276999"/>
+          </a:xfrm>
+          <a:prstGeom prst="rect">
+            <a:avLst/>
+          </a:prstGeom>
+          <a:noFill/>
+        </p:spPr>
+        <p:txBody>
+          <a:bodyPr wrap="square">
+            <a:spAutoFit/>
+          </a:bodyPr>
+          <a:lstStyle/>
+          <a:p>
+            <a:r>
+              <a:rPr lang="ja-JP" altLang="en-US" sz="1200" dirty="0"/>
+              <a:t>http://pllab.is.ocha.ac.jp/harukam/okiba/tapl/tapl_23.html#sec23_4</a:t>
+            </a:r>
+          </a:p>
+        </p:txBody>
+      </p:sp>
+    </p:spTree>
+    <p:extLst>
+      <p:ext uri="{BB962C8B-B14F-4D97-AF65-F5344CB8AC3E}">
+        <p14:creationId xmlns:p14="http://schemas.microsoft.com/office/powerpoint/2010/main" val="934443485"/>
+      </p:ext>
+    </p:extLst>
+  </p:cSld>
+  <p:clrMapOvr>
+    <a:masterClrMapping/>
+  </p:clrMapOvr>
+</p:sld>
+</file>
+
+<file path=ppt/slides/slide39.xml><?xml version="1.0" encoding="utf-8"?>
+<p:sld xmlns:a="http://schemas.openxmlformats.org/drawingml/2006/main" xmlns:r="http://schemas.openxmlformats.org/officeDocument/2006/relationships" xmlns:p="http://schemas.openxmlformats.org/presentationml/2006/main">
+  <p:cSld>
+    <p:spTree>
+      <p:nvGrpSpPr>
+        <p:cNvPr id="1" name="">
+          <a:extLst>
+            <a:ext uri="{FF2B5EF4-FFF2-40B4-BE49-F238E27FC236}">
+              <a16:creationId xmlns:a16="http://schemas.microsoft.com/office/drawing/2014/main" id="{BBA20AB4-D22C-FB2D-FDA7-9BC659F149D5}"/>
+            </a:ext>
+          </a:extLst>
+        </p:cNvPr>
+        <p:cNvGrpSpPr/>
+        <p:nvPr/>
+      </p:nvGrpSpPr>
+      <p:grpSpPr>
+        <a:xfrm>
+          <a:off x="0" y="0"/>
+          <a:ext cx="0" cy="0"/>
+          <a:chOff x="0" y="0"/>
+          <a:chExt cx="0" cy="0"/>
+        </a:xfrm>
+      </p:grpSpPr>
+      <p:sp>
+        <p:nvSpPr>
+          <p:cNvPr id="2" name="タイトル 1">
+            <a:extLst>
+              <a:ext uri="{FF2B5EF4-FFF2-40B4-BE49-F238E27FC236}">
+                <a16:creationId xmlns:a16="http://schemas.microsoft.com/office/drawing/2014/main" id="{8576276C-3CF8-BC7E-545F-89860AB35D25}"/>
+              </a:ext>
+            </a:extLst>
+          </p:cNvPr>
+          <p:cNvSpPr>
+            <a:spLocks noGrp="1"/>
+          </p:cNvSpPr>
+          <p:nvPr>
+            <p:ph type="title"/>
+          </p:nvPr>
+        </p:nvSpPr>
+        <p:spPr/>
+        <p:txBody>
+          <a:bodyPr/>
+          <a:lstStyle/>
+          <a:p>
+            <a:r>
+              <a:rPr kumimoji="1" lang="en-US" altLang="ja-JP" dirty="0"/>
+              <a:t>23.3 </a:t>
+            </a:r>
+            <a:r>
+              <a:rPr lang="ja-JP" altLang="en-US" dirty="0"/>
+              <a:t>例</a:t>
+            </a:r>
+            <a:endParaRPr kumimoji="1" lang="ja-JP" altLang="en-US" dirty="0"/>
+          </a:p>
+        </p:txBody>
+      </p:sp>
+      <p:sp>
+        <p:nvSpPr>
+          <p:cNvPr id="3" name="コンテンツ プレースホルダー 2">
+            <a:extLst>
+              <a:ext uri="{FF2B5EF4-FFF2-40B4-BE49-F238E27FC236}">
+                <a16:creationId xmlns:a16="http://schemas.microsoft.com/office/drawing/2014/main" id="{EC6B6B6C-945A-49F2-70E1-49ECFD430013}"/>
+              </a:ext>
+            </a:extLst>
+          </p:cNvPr>
+          <p:cNvSpPr>
+            <a:spLocks noGrp="1"/>
+          </p:cNvSpPr>
+          <p:nvPr>
+            <p:ph idx="1"/>
+          </p:nvPr>
+        </p:nvSpPr>
+        <p:spPr>
+          <a:xfrm>
+            <a:off x="259194" y="1099789"/>
+            <a:ext cx="8625610" cy="5481485"/>
+          </a:xfrm>
+        </p:spPr>
+        <p:txBody>
+          <a:bodyPr>
+            <a:noAutofit/>
+          </a:bodyPr>
+          <a:lstStyle/>
+          <a:p>
+            <a:pPr marL="0" indent="0">
+              <a:buNone/>
+            </a:pPr>
+            <a:r>
+              <a:rPr lang="en-US" altLang="ja-JP" dirty="0">
+                <a:latin typeface="+mn-lt"/>
+                <a:ea typeface="Source Sans Pro SemiBold" panose="020B0603030403020204" pitchFamily="34" charset="0"/>
+              </a:rPr>
+              <a:t>23.4.4 Exercise</a:t>
+            </a:r>
+            <a:endParaRPr lang="en-US" altLang="ja-JP" sz="800" dirty="0">
+              <a:latin typeface="+mn-ea"/>
+              <a:ea typeface="+mn-ea"/>
+            </a:endParaRPr>
+          </a:p>
+          <a:p>
+            <a:pPr marL="0" indent="0">
+              <a:buNone/>
+            </a:pPr>
+            <a:r>
+              <a:rPr lang="ja-JP" altLang="en-US" sz="2400" dirty="0">
+                <a:latin typeface="+mn-ea"/>
+                <a:ea typeface="+mn-ea"/>
+              </a:rPr>
+              <a:t>再帰的に挿入ソートを実行する．ソート済みリストの適切な位置に要素を挿入していく操作が再帰的に実行される</a:t>
+            </a:r>
+            <a:r>
+              <a:rPr lang="ja-JP" altLang="en-US" dirty="0">
+                <a:latin typeface="+mn-ea"/>
+                <a:ea typeface="+mn-ea"/>
+              </a:rPr>
+              <a:t>．</a:t>
+            </a:r>
+            <a:endParaRPr lang="en-US" altLang="ja-JP" dirty="0">
+              <a:latin typeface="+mn-ea"/>
+              <a:ea typeface="+mn-ea"/>
+            </a:endParaRPr>
+          </a:p>
+          <a:p>
+            <a:pPr marL="0" indent="0">
+              <a:buNone/>
+            </a:pPr>
+            <a:endParaRPr lang="en-US" altLang="ja-JP" sz="800" dirty="0">
+              <a:latin typeface="+mn-ea"/>
+              <a:ea typeface="+mn-ea"/>
+            </a:endParaRPr>
+          </a:p>
+          <a:p>
+            <a:pPr marL="0" indent="0">
+              <a:buNone/>
+            </a:pPr>
+            <a:r>
+              <a:rPr lang="en-US" altLang="ja-JP" dirty="0">
+                <a:latin typeface="Source Sans Pro SemiBold" panose="020B0603030403020204" pitchFamily="34" charset="0"/>
+                <a:ea typeface="Source Sans Pro SemiBold" panose="020B0603030403020204" pitchFamily="34" charset="0"/>
+              </a:rPr>
+              <a:t># insert : </a:t>
+            </a:r>
+            <a:r>
+              <a:rPr lang="ja-JP" altLang="en-US" dirty="0">
+                <a:latin typeface="Source Sans Pro SemiBold" panose="020B0603030403020204" pitchFamily="34" charset="0"/>
+                <a:ea typeface="Source Sans Pro SemiBold" panose="020B0603030403020204" pitchFamily="34" charset="0"/>
+              </a:rPr>
+              <a:t>∀</a:t>
+            </a:r>
+            <a:r>
+              <a:rPr lang="en-US" altLang="ja-JP" dirty="0">
+                <a:latin typeface="Source Sans Pro SemiBold" panose="020B0603030403020204" pitchFamily="34" charset="0"/>
+                <a:ea typeface="Source Sans Pro SemiBold" panose="020B0603030403020204" pitchFamily="34" charset="0"/>
+              </a:rPr>
+              <a:t>X. (X </a:t>
+            </a:r>
+            <a:r>
+              <a:rPr lang="ja-JP" altLang="en-US" dirty="0">
+                <a:latin typeface="Source Sans Pro SemiBold" panose="020B0603030403020204" pitchFamily="34" charset="0"/>
+                <a:ea typeface="Source Sans Pro SemiBold" panose="020B0603030403020204" pitchFamily="34" charset="0"/>
+              </a:rPr>
+              <a:t>→ </a:t>
+            </a:r>
+            <a:r>
+              <a:rPr lang="en-US" altLang="ja-JP" dirty="0">
+                <a:latin typeface="Source Sans Pro SemiBold" panose="020B0603030403020204" pitchFamily="34" charset="0"/>
+                <a:ea typeface="Source Sans Pro SemiBold" panose="020B0603030403020204" pitchFamily="34" charset="0"/>
+              </a:rPr>
+              <a:t>X </a:t>
+            </a:r>
+            <a:r>
+              <a:rPr lang="ja-JP" altLang="en-US" dirty="0">
+                <a:latin typeface="Source Sans Pro SemiBold" panose="020B0603030403020204" pitchFamily="34" charset="0"/>
+                <a:ea typeface="Source Sans Pro SemiBold" panose="020B0603030403020204" pitchFamily="34" charset="0"/>
+              </a:rPr>
+              <a:t>→ </a:t>
+            </a:r>
+            <a:r>
+              <a:rPr lang="en-US" altLang="ja-JP" dirty="0">
+                <a:latin typeface="Source Sans Pro SemiBold" panose="020B0603030403020204" pitchFamily="34" charset="0"/>
+                <a:ea typeface="Source Sans Pro SemiBold" panose="020B0603030403020204" pitchFamily="34" charset="0"/>
+              </a:rPr>
+              <a:t>Bool) </a:t>
+            </a:r>
+            <a:r>
+              <a:rPr lang="ja-JP" altLang="en-US" dirty="0">
+                <a:latin typeface="Source Sans Pro SemiBold" panose="020B0603030403020204" pitchFamily="34" charset="0"/>
+                <a:ea typeface="Source Sans Pro SemiBold" panose="020B0603030403020204" pitchFamily="34" charset="0"/>
+              </a:rPr>
+              <a:t>→ </a:t>
+            </a:r>
+            <a:r>
+              <a:rPr lang="en-US" altLang="ja-JP" dirty="0">
+                <a:latin typeface="Source Sans Pro SemiBold" panose="020B0603030403020204" pitchFamily="34" charset="0"/>
+                <a:ea typeface="Source Sans Pro SemiBold" panose="020B0603030403020204" pitchFamily="34" charset="0"/>
+              </a:rPr>
+              <a:t>X </a:t>
+            </a:r>
+            <a:r>
+              <a:rPr lang="ja-JP" altLang="en-US" dirty="0">
+                <a:latin typeface="Source Sans Pro SemiBold" panose="020B0603030403020204" pitchFamily="34" charset="0"/>
+                <a:ea typeface="Source Sans Pro SemiBold" panose="020B0603030403020204" pitchFamily="34" charset="0"/>
+              </a:rPr>
+              <a:t>→ </a:t>
+            </a:r>
+            <a:r>
+              <a:rPr lang="en-US" altLang="ja-JP" dirty="0">
+                <a:latin typeface="Source Sans Pro SemiBold" panose="020B0603030403020204" pitchFamily="34" charset="0"/>
+                <a:ea typeface="Source Sans Pro SemiBold" panose="020B0603030403020204" pitchFamily="34" charset="0"/>
+              </a:rPr>
+              <a:t>List X </a:t>
+            </a:r>
+            <a:r>
+              <a:rPr lang="ja-JP" altLang="en-US" dirty="0">
+                <a:latin typeface="Source Sans Pro SemiBold" panose="020B0603030403020204" pitchFamily="34" charset="0"/>
+                <a:ea typeface="Source Sans Pro SemiBold" panose="020B0603030403020204" pitchFamily="34" charset="0"/>
+              </a:rPr>
+              <a:t>→ </a:t>
+            </a:r>
+            <a:r>
+              <a:rPr lang="en-US" altLang="ja-JP" dirty="0">
+                <a:latin typeface="Source Sans Pro SemiBold" panose="020B0603030403020204" pitchFamily="34" charset="0"/>
+                <a:ea typeface="Source Sans Pro SemiBold" panose="020B0603030403020204" pitchFamily="34" charset="0"/>
+              </a:rPr>
+              <a:t>List X</a:t>
+            </a:r>
+          </a:p>
+          <a:p>
+            <a:pPr marL="0" indent="0">
+              <a:buNone/>
+            </a:pPr>
+            <a:endParaRPr lang="en-US" altLang="ja-JP" sz="800" dirty="0">
+              <a:latin typeface="+mn-ea"/>
+              <a:ea typeface="+mn-ea"/>
+            </a:endParaRPr>
+          </a:p>
+          <a:p>
+            <a:pPr marL="0" indent="0">
+              <a:buNone/>
+            </a:pPr>
+            <a:r>
+              <a:rPr lang="en-US" altLang="ja-JP" dirty="0">
+                <a:latin typeface="Source Sans Pro SemiBold" panose="020B0603030403020204" pitchFamily="34" charset="0"/>
+                <a:ea typeface="Source Sans Pro SemiBold" panose="020B0603030403020204" pitchFamily="34" charset="0"/>
+              </a:rPr>
+              <a:t>sort = </a:t>
+            </a:r>
+            <a:r>
+              <a:rPr lang="en-US" altLang="ja-JP" dirty="0" err="1">
+                <a:latin typeface="Source Sans Pro SemiBold" panose="020B0603030403020204" pitchFamily="34" charset="0"/>
+                <a:ea typeface="Source Sans Pro SemiBold" panose="020B0603030403020204" pitchFamily="34" charset="0"/>
+              </a:rPr>
+              <a:t>λX</a:t>
+            </a:r>
+            <a:r>
+              <a:rPr lang="en-US" altLang="ja-JP" dirty="0">
+                <a:latin typeface="Source Sans Pro SemiBold" panose="020B0603030403020204" pitchFamily="34" charset="0"/>
+                <a:ea typeface="Source Sans Pro SemiBold" panose="020B0603030403020204" pitchFamily="34" charset="0"/>
+              </a:rPr>
+              <a:t>. </a:t>
+            </a:r>
+            <a:r>
+              <a:rPr lang="en-US" altLang="ja-JP" dirty="0" err="1">
+                <a:latin typeface="Source Sans Pro SemiBold" panose="020B0603030403020204" pitchFamily="34" charset="0"/>
+                <a:ea typeface="Source Sans Pro SemiBold" panose="020B0603030403020204" pitchFamily="34" charset="0"/>
+              </a:rPr>
+              <a:t>λcmp</a:t>
+            </a:r>
+            <a:r>
+              <a:rPr lang="en-US" altLang="ja-JP" dirty="0">
+                <a:latin typeface="Source Sans Pro SemiBold" panose="020B0603030403020204" pitchFamily="34" charset="0"/>
+                <a:ea typeface="Source Sans Pro SemiBold" panose="020B0603030403020204" pitchFamily="34" charset="0"/>
+              </a:rPr>
+              <a:t>: X </a:t>
+            </a:r>
+            <a:r>
+              <a:rPr lang="ja-JP" altLang="en-US" dirty="0">
+                <a:latin typeface="Source Sans Pro SemiBold" panose="020B0603030403020204" pitchFamily="34" charset="0"/>
+                <a:ea typeface="Source Sans Pro SemiBold" panose="020B0603030403020204" pitchFamily="34" charset="0"/>
+              </a:rPr>
+              <a:t>→ </a:t>
+            </a:r>
+            <a:r>
+              <a:rPr lang="en-US" altLang="ja-JP" dirty="0">
+                <a:latin typeface="Source Sans Pro SemiBold" panose="020B0603030403020204" pitchFamily="34" charset="0"/>
+                <a:ea typeface="Source Sans Pro SemiBold" panose="020B0603030403020204" pitchFamily="34" charset="0"/>
+              </a:rPr>
+              <a:t>X </a:t>
+            </a:r>
+            <a:r>
+              <a:rPr lang="ja-JP" altLang="en-US" dirty="0">
+                <a:latin typeface="Source Sans Pro SemiBold" panose="020B0603030403020204" pitchFamily="34" charset="0"/>
+                <a:ea typeface="Source Sans Pro SemiBold" panose="020B0603030403020204" pitchFamily="34" charset="0"/>
+              </a:rPr>
+              <a:t>→ </a:t>
+            </a:r>
+            <a:r>
+              <a:rPr lang="en-US" altLang="ja-JP" dirty="0">
+                <a:latin typeface="Source Sans Pro SemiBold" panose="020B0603030403020204" pitchFamily="34" charset="0"/>
+                <a:ea typeface="Source Sans Pro SemiBold" panose="020B0603030403020204" pitchFamily="34" charset="0"/>
+              </a:rPr>
+              <a:t>Bool.</a:t>
+            </a:r>
+          </a:p>
+          <a:p>
+            <a:pPr marL="0" indent="0">
+              <a:buNone/>
+            </a:pPr>
+            <a:r>
+              <a:rPr lang="en-US" altLang="ja-JP" dirty="0">
+                <a:latin typeface="Source Sans Pro SemiBold" panose="020B0603030403020204" pitchFamily="34" charset="0"/>
+                <a:ea typeface="Source Sans Pro SemiBold" panose="020B0603030403020204" pitchFamily="34" charset="0"/>
+              </a:rPr>
+              <a:t>		(fix (</a:t>
+            </a:r>
+            <a:r>
+              <a:rPr lang="en-US" altLang="ja-JP" dirty="0" err="1">
+                <a:latin typeface="Source Sans Pro SemiBold" panose="020B0603030403020204" pitchFamily="34" charset="0"/>
+                <a:ea typeface="Source Sans Pro SemiBold" panose="020B0603030403020204" pitchFamily="34" charset="0"/>
+              </a:rPr>
+              <a:t>λm</a:t>
+            </a:r>
+            <a:r>
+              <a:rPr lang="en-US" altLang="ja-JP" dirty="0">
+                <a:latin typeface="Source Sans Pro SemiBold" panose="020B0603030403020204" pitchFamily="34" charset="0"/>
+                <a:ea typeface="Source Sans Pro SemiBold" panose="020B0603030403020204" pitchFamily="34" charset="0"/>
+              </a:rPr>
+              <a:t>: List X </a:t>
+            </a:r>
+            <a:r>
+              <a:rPr lang="ja-JP" altLang="en-US" dirty="0">
+                <a:latin typeface="Source Sans Pro SemiBold" panose="020B0603030403020204" pitchFamily="34" charset="0"/>
+                <a:ea typeface="Source Sans Pro SemiBold" panose="020B0603030403020204" pitchFamily="34" charset="0"/>
+              </a:rPr>
+              <a:t>→ </a:t>
+            </a:r>
+            <a:r>
+              <a:rPr lang="en-US" altLang="ja-JP" dirty="0">
+                <a:latin typeface="Source Sans Pro SemiBold" panose="020B0603030403020204" pitchFamily="34" charset="0"/>
+                <a:ea typeface="Source Sans Pro SemiBold" panose="020B0603030403020204" pitchFamily="34" charset="0"/>
+              </a:rPr>
+              <a:t>List X.</a:t>
+            </a:r>
+          </a:p>
+          <a:p>
+            <a:pPr marL="0" indent="0">
+              <a:buNone/>
+            </a:pPr>
+            <a:r>
+              <a:rPr lang="en-US" altLang="ja-JP" dirty="0">
+                <a:latin typeface="Source Sans Pro SemiBold" panose="020B0603030403020204" pitchFamily="34" charset="0"/>
+                <a:ea typeface="Source Sans Pro SemiBold" panose="020B0603030403020204" pitchFamily="34" charset="0"/>
+              </a:rPr>
+              <a:t>			</a:t>
+            </a:r>
+            <a:r>
+              <a:rPr lang="en-US" altLang="ja-JP" dirty="0" err="1">
+                <a:latin typeface="Source Sans Pro SemiBold" panose="020B0603030403020204" pitchFamily="34" charset="0"/>
+                <a:ea typeface="Source Sans Pro SemiBold" panose="020B0603030403020204" pitchFamily="34" charset="0"/>
+              </a:rPr>
+              <a:t>λl</a:t>
+            </a:r>
+            <a:r>
+              <a:rPr lang="en-US" altLang="ja-JP" dirty="0">
+                <a:latin typeface="Source Sans Pro SemiBold" panose="020B0603030403020204" pitchFamily="34" charset="0"/>
+                <a:ea typeface="Source Sans Pro SemiBold" panose="020B0603030403020204" pitchFamily="34" charset="0"/>
+              </a:rPr>
+              <a:t> : List X.</a:t>
+            </a:r>
+          </a:p>
+          <a:p>
+            <a:pPr marL="0" indent="0">
+              <a:buNone/>
+            </a:pPr>
+            <a:r>
+              <a:rPr lang="en-US" altLang="ja-JP" dirty="0">
+                <a:latin typeface="Source Sans Pro SemiBold" panose="020B0603030403020204" pitchFamily="34" charset="0"/>
+                <a:ea typeface="Source Sans Pro SemiBold" panose="020B0603030403020204" pitchFamily="34" charset="0"/>
+              </a:rPr>
+              <a:t>				if </a:t>
+            </a:r>
+            <a:r>
+              <a:rPr lang="en-US" altLang="ja-JP" dirty="0" err="1">
+                <a:latin typeface="Source Sans Pro SemiBold" panose="020B0603030403020204" pitchFamily="34" charset="0"/>
+                <a:ea typeface="Source Sans Pro SemiBold" panose="020B0603030403020204" pitchFamily="34" charset="0"/>
+              </a:rPr>
+              <a:t>isnil</a:t>
+            </a:r>
+            <a:r>
+              <a:rPr lang="en-US" altLang="ja-JP" dirty="0">
+                <a:latin typeface="Source Sans Pro SemiBold" panose="020B0603030403020204" pitchFamily="34" charset="0"/>
+                <a:ea typeface="Source Sans Pro SemiBold" panose="020B0603030403020204" pitchFamily="34" charset="0"/>
+              </a:rPr>
+              <a:t> [X] l then nil [X]</a:t>
+            </a:r>
+          </a:p>
+          <a:p>
+            <a:pPr marL="0" indent="0">
+              <a:buNone/>
+            </a:pPr>
+            <a:r>
+              <a:rPr lang="en-US" altLang="ja-JP" dirty="0">
+                <a:latin typeface="Source Sans Pro SemiBold" panose="020B0603030403020204" pitchFamily="34" charset="0"/>
+                <a:ea typeface="Source Sans Pro SemiBold" panose="020B0603030403020204" pitchFamily="34" charset="0"/>
+              </a:rPr>
+              <a:t>				else insert [X] </a:t>
+            </a:r>
+            <a:r>
+              <a:rPr lang="en-US" altLang="ja-JP" dirty="0" err="1">
+                <a:latin typeface="Source Sans Pro SemiBold" panose="020B0603030403020204" pitchFamily="34" charset="0"/>
+                <a:ea typeface="Source Sans Pro SemiBold" panose="020B0603030403020204" pitchFamily="34" charset="0"/>
+              </a:rPr>
+              <a:t>cmp</a:t>
+            </a:r>
+            <a:r>
+              <a:rPr lang="en-US" altLang="ja-JP" dirty="0">
+                <a:latin typeface="Source Sans Pro SemiBold" panose="020B0603030403020204" pitchFamily="34" charset="0"/>
+                <a:ea typeface="Source Sans Pro SemiBold" panose="020B0603030403020204" pitchFamily="34" charset="0"/>
+              </a:rPr>
+              <a:t> </a:t>
+            </a:r>
+          </a:p>
+          <a:p>
+            <a:pPr marL="0" indent="0">
+              <a:buNone/>
+            </a:pPr>
+            <a:r>
+              <a:rPr lang="en-US" altLang="ja-JP" dirty="0">
+                <a:latin typeface="Source Sans Pro SemiBold" panose="020B0603030403020204" pitchFamily="34" charset="0"/>
+                <a:ea typeface="Source Sans Pro SemiBold" panose="020B0603030403020204" pitchFamily="34" charset="0"/>
+              </a:rPr>
+              <a:t>						(head [X] l) (m (tail [X] l ))))</a:t>
+            </a:r>
+          </a:p>
+        </p:txBody>
+      </p:sp>
+      <p:sp>
+        <p:nvSpPr>
+          <p:cNvPr id="6" name="テキスト ボックス 5">
+            <a:extLst>
+              <a:ext uri="{FF2B5EF4-FFF2-40B4-BE49-F238E27FC236}">
+                <a16:creationId xmlns:a16="http://schemas.microsoft.com/office/drawing/2014/main" id="{F60AB154-AAA6-6B68-1AAF-E57380D7B0CF}"/>
+              </a:ext>
+            </a:extLst>
+          </p:cNvPr>
+          <p:cNvSpPr txBox="1"/>
+          <p:nvPr/>
+        </p:nvSpPr>
+        <p:spPr>
+          <a:xfrm>
+            <a:off x="4740441" y="6581001"/>
+            <a:ext cx="4403559" cy="276999"/>
+          </a:xfrm>
+          <a:prstGeom prst="rect">
+            <a:avLst/>
+          </a:prstGeom>
+          <a:noFill/>
+        </p:spPr>
+        <p:txBody>
+          <a:bodyPr wrap="square">
+            <a:spAutoFit/>
+          </a:bodyPr>
+          <a:lstStyle/>
+          <a:p>
+            <a:r>
+              <a:rPr lang="ja-JP" altLang="en-US" sz="1200" dirty="0"/>
+              <a:t>http://pllab.is.ocha.ac.jp/harukam/okiba/tapl/tapl_23.html#sec23_4</a:t>
+            </a:r>
+          </a:p>
+        </p:txBody>
+      </p:sp>
+    </p:spTree>
+    <p:extLst>
+      <p:ext uri="{BB962C8B-B14F-4D97-AF65-F5344CB8AC3E}">
+        <p14:creationId xmlns:p14="http://schemas.microsoft.com/office/powerpoint/2010/main" val="2055006998"/>
       </p:ext>
     </p:extLst>
   </p:cSld>

--- a/研究室関連/TAPL/TAPL-23.pptx
+++ b/研究室関連/TAPL/TAPL-23.pptx
@@ -5,10 +5,10 @@
     <p:sldMasterId id="2147483671" r:id="rId1"/>
   </p:sldMasterIdLst>
   <p:notesMasterIdLst>
-    <p:notesMasterId r:id="rId41"/>
+    <p:notesMasterId r:id="rId52"/>
   </p:notesMasterIdLst>
   <p:handoutMasterIdLst>
-    <p:handoutMasterId r:id="rId42"/>
+    <p:handoutMasterId r:id="rId53"/>
   </p:handoutMasterIdLst>
   <p:sldIdLst>
     <p:sldId id="256" r:id="rId2"/>
@@ -50,6 +50,17 @@
     <p:sldId id="292" r:id="rId38"/>
     <p:sldId id="294" r:id="rId39"/>
     <p:sldId id="293" r:id="rId40"/>
+    <p:sldId id="295" r:id="rId41"/>
+    <p:sldId id="296" r:id="rId42"/>
+    <p:sldId id="297" r:id="rId43"/>
+    <p:sldId id="298" r:id="rId44"/>
+    <p:sldId id="299" r:id="rId45"/>
+    <p:sldId id="301" r:id="rId46"/>
+    <p:sldId id="302" r:id="rId47"/>
+    <p:sldId id="303" r:id="rId48"/>
+    <p:sldId id="300" r:id="rId49"/>
+    <p:sldId id="305" r:id="rId50"/>
+    <p:sldId id="306" r:id="rId51"/>
   </p:sldIdLst>
   <p:sldSz cx="9144000" cy="6858000" type="screen4x3"/>
   <p:notesSz cx="6858000" cy="9144000"/>
@@ -253,7 +264,7 @@
           <a:p>
             <a:fld id="{002B35ED-074F-4DA6-B0D2-0863611FB16F}" type="datetimeFigureOut">
               <a:rPr kumimoji="1" lang="ja-JP" altLang="en-US" smtClean="0"/>
-              <a:t>2024/11/30</a:t>
+              <a:t>2024/12/6</a:t>
             </a:fld>
             <a:endParaRPr kumimoji="1" lang="ja-JP" altLang="en-US"/>
           </a:p>
@@ -430,7 +441,7 @@
           <a:p>
             <a:fld id="{6DF0E2B0-78FD-4DED-8431-F478C5F5AC09}" type="datetimeFigureOut">
               <a:rPr kumimoji="1" lang="ja-JP" altLang="en-US" smtClean="0"/>
-              <a:t>2024/11/30</a:t>
+              <a:t>2024/12/6</a:t>
             </a:fld>
             <a:endParaRPr kumimoji="1" lang="ja-JP" altLang="en-US"/>
           </a:p>
@@ -2433,6 +2444,654 @@
 </p:notes>
 </file>
 
+<file path=ppt/notesSlides/notesSlide24.xml><?xml version="1.0" encoding="utf-8"?>
+<p:notes xmlns:a="http://schemas.openxmlformats.org/drawingml/2006/main" xmlns:r="http://schemas.openxmlformats.org/officeDocument/2006/relationships" xmlns:p="http://schemas.openxmlformats.org/presentationml/2006/main">
+  <p:cSld>
+    <p:spTree>
+      <p:nvGrpSpPr>
+        <p:cNvPr id="1" name="">
+          <a:extLst>
+            <a:ext uri="{FF2B5EF4-FFF2-40B4-BE49-F238E27FC236}">
+              <a16:creationId xmlns:a16="http://schemas.microsoft.com/office/drawing/2014/main" id="{6AA7E10C-A640-1F54-8014-BDBC62950A97}"/>
+            </a:ext>
+          </a:extLst>
+        </p:cNvPr>
+        <p:cNvGrpSpPr/>
+        <p:nvPr/>
+      </p:nvGrpSpPr>
+      <p:grpSpPr>
+        <a:xfrm>
+          <a:off x="0" y="0"/>
+          <a:ext cx="0" cy="0"/>
+          <a:chOff x="0" y="0"/>
+          <a:chExt cx="0" cy="0"/>
+        </a:xfrm>
+      </p:grpSpPr>
+      <p:sp>
+        <p:nvSpPr>
+          <p:cNvPr id="2" name="スライド イメージ プレースホルダー 1">
+            <a:extLst>
+              <a:ext uri="{FF2B5EF4-FFF2-40B4-BE49-F238E27FC236}">
+                <a16:creationId xmlns:a16="http://schemas.microsoft.com/office/drawing/2014/main" id="{1CF11151-9A09-5726-3354-289486F758E1}"/>
+              </a:ext>
+            </a:extLst>
+          </p:cNvPr>
+          <p:cNvSpPr>
+            <a:spLocks noGrp="1" noRot="1" noChangeAspect="1"/>
+          </p:cNvSpPr>
+          <p:nvPr>
+            <p:ph type="sldImg"/>
+          </p:nvPr>
+        </p:nvSpPr>
+        <p:spPr/>
+      </p:sp>
+      <p:sp>
+        <p:nvSpPr>
+          <p:cNvPr id="3" name="ノート プレースホルダー 2">
+            <a:extLst>
+              <a:ext uri="{FF2B5EF4-FFF2-40B4-BE49-F238E27FC236}">
+                <a16:creationId xmlns:a16="http://schemas.microsoft.com/office/drawing/2014/main" id="{E7E99F0B-29B6-49D5-599A-D8622AA4EE8F}"/>
+              </a:ext>
+            </a:extLst>
+          </p:cNvPr>
+          <p:cNvSpPr>
+            <a:spLocks noGrp="1"/>
+          </p:cNvSpPr>
+          <p:nvPr>
+            <p:ph type="body" idx="1"/>
+          </p:nvPr>
+        </p:nvSpPr>
+        <p:spPr/>
+        <p:txBody>
+          <a:bodyPr/>
+          <a:lstStyle/>
+          <a:p>
+            <a:endParaRPr kumimoji="1" lang="ja-JP" altLang="en-US" dirty="0"/>
+          </a:p>
+        </p:txBody>
+      </p:sp>
+      <p:sp>
+        <p:nvSpPr>
+          <p:cNvPr id="4" name="スライド番号プレースホルダー 3">
+            <a:extLst>
+              <a:ext uri="{FF2B5EF4-FFF2-40B4-BE49-F238E27FC236}">
+                <a16:creationId xmlns:a16="http://schemas.microsoft.com/office/drawing/2014/main" id="{78104ED2-CE6D-9BD9-EC70-B3D480B17490}"/>
+              </a:ext>
+            </a:extLst>
+          </p:cNvPr>
+          <p:cNvSpPr>
+            <a:spLocks noGrp="1"/>
+          </p:cNvSpPr>
+          <p:nvPr>
+            <p:ph type="sldNum" sz="quarter" idx="5"/>
+          </p:nvPr>
+        </p:nvSpPr>
+        <p:spPr/>
+        <p:txBody>
+          <a:bodyPr/>
+          <a:lstStyle/>
+          <a:p>
+            <a:fld id="{C7F483CF-092A-4979-9034-FFC6E09450F1}" type="slidenum">
+              <a:rPr kumimoji="1" lang="ja-JP" altLang="en-US" smtClean="0"/>
+              <a:t>40</a:t>
+            </a:fld>
+            <a:endParaRPr kumimoji="1" lang="ja-JP" altLang="en-US"/>
+          </a:p>
+        </p:txBody>
+      </p:sp>
+    </p:spTree>
+    <p:extLst>
+      <p:ext uri="{BB962C8B-B14F-4D97-AF65-F5344CB8AC3E}">
+        <p14:creationId xmlns:p14="http://schemas.microsoft.com/office/powerpoint/2010/main" val="972098518"/>
+      </p:ext>
+    </p:extLst>
+  </p:cSld>
+  <p:clrMapOvr>
+    <a:masterClrMapping/>
+  </p:clrMapOvr>
+</p:notes>
+</file>
+
+<file path=ppt/notesSlides/notesSlide25.xml><?xml version="1.0" encoding="utf-8"?>
+<p:notes xmlns:a="http://schemas.openxmlformats.org/drawingml/2006/main" xmlns:r="http://schemas.openxmlformats.org/officeDocument/2006/relationships" xmlns:p="http://schemas.openxmlformats.org/presentationml/2006/main">
+  <p:cSld>
+    <p:spTree>
+      <p:nvGrpSpPr>
+        <p:cNvPr id="1" name="">
+          <a:extLst>
+            <a:ext uri="{FF2B5EF4-FFF2-40B4-BE49-F238E27FC236}">
+              <a16:creationId xmlns:a16="http://schemas.microsoft.com/office/drawing/2014/main" id="{E6084ACE-9042-8FD6-0595-89F3808128A6}"/>
+            </a:ext>
+          </a:extLst>
+        </p:cNvPr>
+        <p:cNvGrpSpPr/>
+        <p:nvPr/>
+      </p:nvGrpSpPr>
+      <p:grpSpPr>
+        <a:xfrm>
+          <a:off x="0" y="0"/>
+          <a:ext cx="0" cy="0"/>
+          <a:chOff x="0" y="0"/>
+          <a:chExt cx="0" cy="0"/>
+        </a:xfrm>
+      </p:grpSpPr>
+      <p:sp>
+        <p:nvSpPr>
+          <p:cNvPr id="2" name="スライド イメージ プレースホルダー 1">
+            <a:extLst>
+              <a:ext uri="{FF2B5EF4-FFF2-40B4-BE49-F238E27FC236}">
+                <a16:creationId xmlns:a16="http://schemas.microsoft.com/office/drawing/2014/main" id="{6FA4D412-BDAA-4ED5-095F-27733D6E9433}"/>
+              </a:ext>
+            </a:extLst>
+          </p:cNvPr>
+          <p:cNvSpPr>
+            <a:spLocks noGrp="1" noRot="1" noChangeAspect="1"/>
+          </p:cNvSpPr>
+          <p:nvPr>
+            <p:ph type="sldImg"/>
+          </p:nvPr>
+        </p:nvSpPr>
+        <p:spPr/>
+      </p:sp>
+      <p:sp>
+        <p:nvSpPr>
+          <p:cNvPr id="3" name="ノート プレースホルダー 2">
+            <a:extLst>
+              <a:ext uri="{FF2B5EF4-FFF2-40B4-BE49-F238E27FC236}">
+                <a16:creationId xmlns:a16="http://schemas.microsoft.com/office/drawing/2014/main" id="{DC0C8D4F-FA05-533C-B07A-A7B4C52F978F}"/>
+              </a:ext>
+            </a:extLst>
+          </p:cNvPr>
+          <p:cNvSpPr>
+            <a:spLocks noGrp="1"/>
+          </p:cNvSpPr>
+          <p:nvPr>
+            <p:ph type="body" idx="1"/>
+          </p:nvPr>
+        </p:nvSpPr>
+        <p:spPr/>
+        <p:txBody>
+          <a:bodyPr/>
+          <a:lstStyle/>
+          <a:p>
+            <a:endParaRPr kumimoji="1" lang="ja-JP" altLang="en-US" dirty="0"/>
+          </a:p>
+        </p:txBody>
+      </p:sp>
+      <p:sp>
+        <p:nvSpPr>
+          <p:cNvPr id="4" name="スライド番号プレースホルダー 3">
+            <a:extLst>
+              <a:ext uri="{FF2B5EF4-FFF2-40B4-BE49-F238E27FC236}">
+                <a16:creationId xmlns:a16="http://schemas.microsoft.com/office/drawing/2014/main" id="{9DC2B331-6FEE-0431-E207-75C8D99AF448}"/>
+              </a:ext>
+            </a:extLst>
+          </p:cNvPr>
+          <p:cNvSpPr>
+            <a:spLocks noGrp="1"/>
+          </p:cNvSpPr>
+          <p:nvPr>
+            <p:ph type="sldNum" sz="quarter" idx="5"/>
+          </p:nvPr>
+        </p:nvSpPr>
+        <p:spPr/>
+        <p:txBody>
+          <a:bodyPr/>
+          <a:lstStyle/>
+          <a:p>
+            <a:fld id="{C7F483CF-092A-4979-9034-FFC6E09450F1}" type="slidenum">
+              <a:rPr kumimoji="1" lang="ja-JP" altLang="en-US" smtClean="0"/>
+              <a:t>41</a:t>
+            </a:fld>
+            <a:endParaRPr kumimoji="1" lang="ja-JP" altLang="en-US"/>
+          </a:p>
+        </p:txBody>
+      </p:sp>
+    </p:spTree>
+    <p:extLst>
+      <p:ext uri="{BB962C8B-B14F-4D97-AF65-F5344CB8AC3E}">
+        <p14:creationId xmlns:p14="http://schemas.microsoft.com/office/powerpoint/2010/main" val="1934523155"/>
+      </p:ext>
+    </p:extLst>
+  </p:cSld>
+  <p:clrMapOvr>
+    <a:masterClrMapping/>
+  </p:clrMapOvr>
+</p:notes>
+</file>
+
+<file path=ppt/notesSlides/notesSlide26.xml><?xml version="1.0" encoding="utf-8"?>
+<p:notes xmlns:a="http://schemas.openxmlformats.org/drawingml/2006/main" xmlns:r="http://schemas.openxmlformats.org/officeDocument/2006/relationships" xmlns:p="http://schemas.openxmlformats.org/presentationml/2006/main">
+  <p:cSld>
+    <p:spTree>
+      <p:nvGrpSpPr>
+        <p:cNvPr id="1" name="">
+          <a:extLst>
+            <a:ext uri="{FF2B5EF4-FFF2-40B4-BE49-F238E27FC236}">
+              <a16:creationId xmlns:a16="http://schemas.microsoft.com/office/drawing/2014/main" id="{F8CE9758-B22D-B5C4-C5AC-A660DE409676}"/>
+            </a:ext>
+          </a:extLst>
+        </p:cNvPr>
+        <p:cNvGrpSpPr/>
+        <p:nvPr/>
+      </p:nvGrpSpPr>
+      <p:grpSpPr>
+        <a:xfrm>
+          <a:off x="0" y="0"/>
+          <a:ext cx="0" cy="0"/>
+          <a:chOff x="0" y="0"/>
+          <a:chExt cx="0" cy="0"/>
+        </a:xfrm>
+      </p:grpSpPr>
+      <p:sp>
+        <p:nvSpPr>
+          <p:cNvPr id="2" name="スライド イメージ プレースホルダー 1">
+            <a:extLst>
+              <a:ext uri="{FF2B5EF4-FFF2-40B4-BE49-F238E27FC236}">
+                <a16:creationId xmlns:a16="http://schemas.microsoft.com/office/drawing/2014/main" id="{A3523C9E-FFD4-1274-4990-0991EDCD21AF}"/>
+              </a:ext>
+            </a:extLst>
+          </p:cNvPr>
+          <p:cNvSpPr>
+            <a:spLocks noGrp="1" noRot="1" noChangeAspect="1"/>
+          </p:cNvSpPr>
+          <p:nvPr>
+            <p:ph type="sldImg"/>
+          </p:nvPr>
+        </p:nvSpPr>
+        <p:spPr/>
+      </p:sp>
+      <p:sp>
+        <p:nvSpPr>
+          <p:cNvPr id="3" name="ノート プレースホルダー 2">
+            <a:extLst>
+              <a:ext uri="{FF2B5EF4-FFF2-40B4-BE49-F238E27FC236}">
+                <a16:creationId xmlns:a16="http://schemas.microsoft.com/office/drawing/2014/main" id="{BDBC1D17-E702-3075-106D-34E890AACC51}"/>
+              </a:ext>
+            </a:extLst>
+          </p:cNvPr>
+          <p:cNvSpPr>
+            <a:spLocks noGrp="1"/>
+          </p:cNvSpPr>
+          <p:nvPr>
+            <p:ph type="body" idx="1"/>
+          </p:nvPr>
+        </p:nvSpPr>
+        <p:spPr/>
+        <p:txBody>
+          <a:bodyPr/>
+          <a:lstStyle/>
+          <a:p>
+            <a:endParaRPr kumimoji="1" lang="ja-JP" altLang="en-US" dirty="0"/>
+          </a:p>
+        </p:txBody>
+      </p:sp>
+      <p:sp>
+        <p:nvSpPr>
+          <p:cNvPr id="4" name="スライド番号プレースホルダー 3">
+            <a:extLst>
+              <a:ext uri="{FF2B5EF4-FFF2-40B4-BE49-F238E27FC236}">
+                <a16:creationId xmlns:a16="http://schemas.microsoft.com/office/drawing/2014/main" id="{32AD0D69-9E30-CF67-0A40-41496DE5CBC5}"/>
+              </a:ext>
+            </a:extLst>
+          </p:cNvPr>
+          <p:cNvSpPr>
+            <a:spLocks noGrp="1"/>
+          </p:cNvSpPr>
+          <p:nvPr>
+            <p:ph type="sldNum" sz="quarter" idx="5"/>
+          </p:nvPr>
+        </p:nvSpPr>
+        <p:spPr/>
+        <p:txBody>
+          <a:bodyPr/>
+          <a:lstStyle/>
+          <a:p>
+            <a:fld id="{C7F483CF-092A-4979-9034-FFC6E09450F1}" type="slidenum">
+              <a:rPr kumimoji="1" lang="ja-JP" altLang="en-US" smtClean="0"/>
+              <a:t>42</a:t>
+            </a:fld>
+            <a:endParaRPr kumimoji="1" lang="ja-JP" altLang="en-US"/>
+          </a:p>
+        </p:txBody>
+      </p:sp>
+    </p:spTree>
+    <p:extLst>
+      <p:ext uri="{BB962C8B-B14F-4D97-AF65-F5344CB8AC3E}">
+        <p14:creationId xmlns:p14="http://schemas.microsoft.com/office/powerpoint/2010/main" val="1613666513"/>
+      </p:ext>
+    </p:extLst>
+  </p:cSld>
+  <p:clrMapOvr>
+    <a:masterClrMapping/>
+  </p:clrMapOvr>
+</p:notes>
+</file>
+
+<file path=ppt/notesSlides/notesSlide27.xml><?xml version="1.0" encoding="utf-8"?>
+<p:notes xmlns:a="http://schemas.openxmlformats.org/drawingml/2006/main" xmlns:r="http://schemas.openxmlformats.org/officeDocument/2006/relationships" xmlns:p="http://schemas.openxmlformats.org/presentationml/2006/main">
+  <p:cSld>
+    <p:spTree>
+      <p:nvGrpSpPr>
+        <p:cNvPr id="1" name="">
+          <a:extLst>
+            <a:ext uri="{FF2B5EF4-FFF2-40B4-BE49-F238E27FC236}">
+              <a16:creationId xmlns:a16="http://schemas.microsoft.com/office/drawing/2014/main" id="{E94EABE3-1F5F-F863-AD62-EA203AF8BCF3}"/>
+            </a:ext>
+          </a:extLst>
+        </p:cNvPr>
+        <p:cNvGrpSpPr/>
+        <p:nvPr/>
+      </p:nvGrpSpPr>
+      <p:grpSpPr>
+        <a:xfrm>
+          <a:off x="0" y="0"/>
+          <a:ext cx="0" cy="0"/>
+          <a:chOff x="0" y="0"/>
+          <a:chExt cx="0" cy="0"/>
+        </a:xfrm>
+      </p:grpSpPr>
+      <p:sp>
+        <p:nvSpPr>
+          <p:cNvPr id="2" name="スライド イメージ プレースホルダー 1">
+            <a:extLst>
+              <a:ext uri="{FF2B5EF4-FFF2-40B4-BE49-F238E27FC236}">
+                <a16:creationId xmlns:a16="http://schemas.microsoft.com/office/drawing/2014/main" id="{96D880A0-9357-C3B1-2828-548AFE7FC4C4}"/>
+              </a:ext>
+            </a:extLst>
+          </p:cNvPr>
+          <p:cNvSpPr>
+            <a:spLocks noGrp="1" noRot="1" noChangeAspect="1"/>
+          </p:cNvSpPr>
+          <p:nvPr>
+            <p:ph type="sldImg"/>
+          </p:nvPr>
+        </p:nvSpPr>
+        <p:spPr/>
+      </p:sp>
+      <p:sp>
+        <p:nvSpPr>
+          <p:cNvPr id="3" name="ノート プレースホルダー 2">
+            <a:extLst>
+              <a:ext uri="{FF2B5EF4-FFF2-40B4-BE49-F238E27FC236}">
+                <a16:creationId xmlns:a16="http://schemas.microsoft.com/office/drawing/2014/main" id="{6C4441FB-F755-E67B-5104-625424C7E9BA}"/>
+              </a:ext>
+            </a:extLst>
+          </p:cNvPr>
+          <p:cNvSpPr>
+            <a:spLocks noGrp="1"/>
+          </p:cNvSpPr>
+          <p:nvPr>
+            <p:ph type="body" idx="1"/>
+          </p:nvPr>
+        </p:nvSpPr>
+        <p:spPr/>
+        <p:txBody>
+          <a:bodyPr/>
+          <a:lstStyle/>
+          <a:p>
+            <a:endParaRPr kumimoji="1" lang="ja-JP" altLang="en-US" dirty="0"/>
+          </a:p>
+        </p:txBody>
+      </p:sp>
+      <p:sp>
+        <p:nvSpPr>
+          <p:cNvPr id="4" name="スライド番号プレースホルダー 3">
+            <a:extLst>
+              <a:ext uri="{FF2B5EF4-FFF2-40B4-BE49-F238E27FC236}">
+                <a16:creationId xmlns:a16="http://schemas.microsoft.com/office/drawing/2014/main" id="{3867FF12-ABC4-6FB9-87F2-7E52E495F3DB}"/>
+              </a:ext>
+            </a:extLst>
+          </p:cNvPr>
+          <p:cNvSpPr>
+            <a:spLocks noGrp="1"/>
+          </p:cNvSpPr>
+          <p:nvPr>
+            <p:ph type="sldNum" sz="quarter" idx="5"/>
+          </p:nvPr>
+        </p:nvSpPr>
+        <p:spPr/>
+        <p:txBody>
+          <a:bodyPr/>
+          <a:lstStyle/>
+          <a:p>
+            <a:fld id="{C7F483CF-092A-4979-9034-FFC6E09450F1}" type="slidenum">
+              <a:rPr kumimoji="1" lang="ja-JP" altLang="en-US" smtClean="0"/>
+              <a:t>43</a:t>
+            </a:fld>
+            <a:endParaRPr kumimoji="1" lang="ja-JP" altLang="en-US"/>
+          </a:p>
+        </p:txBody>
+      </p:sp>
+    </p:spTree>
+    <p:extLst>
+      <p:ext uri="{BB962C8B-B14F-4D97-AF65-F5344CB8AC3E}">
+        <p14:creationId xmlns:p14="http://schemas.microsoft.com/office/powerpoint/2010/main" val="181785722"/>
+      </p:ext>
+    </p:extLst>
+  </p:cSld>
+  <p:clrMapOvr>
+    <a:masterClrMapping/>
+  </p:clrMapOvr>
+</p:notes>
+</file>
+
+<file path=ppt/notesSlides/notesSlide28.xml><?xml version="1.0" encoding="utf-8"?>
+<p:notes xmlns:a="http://schemas.openxmlformats.org/drawingml/2006/main" xmlns:r="http://schemas.openxmlformats.org/officeDocument/2006/relationships" xmlns:p="http://schemas.openxmlformats.org/presentationml/2006/main">
+  <p:cSld>
+    <p:spTree>
+      <p:nvGrpSpPr>
+        <p:cNvPr id="1" name="">
+          <a:extLst>
+            <a:ext uri="{FF2B5EF4-FFF2-40B4-BE49-F238E27FC236}">
+              <a16:creationId xmlns:a16="http://schemas.microsoft.com/office/drawing/2014/main" id="{DC4FD0F2-A450-4AE4-79A9-FCD7644D3687}"/>
+            </a:ext>
+          </a:extLst>
+        </p:cNvPr>
+        <p:cNvGrpSpPr/>
+        <p:nvPr/>
+      </p:nvGrpSpPr>
+      <p:grpSpPr>
+        <a:xfrm>
+          <a:off x="0" y="0"/>
+          <a:ext cx="0" cy="0"/>
+          <a:chOff x="0" y="0"/>
+          <a:chExt cx="0" cy="0"/>
+        </a:xfrm>
+      </p:grpSpPr>
+      <p:sp>
+        <p:nvSpPr>
+          <p:cNvPr id="2" name="スライド イメージ プレースホルダー 1">
+            <a:extLst>
+              <a:ext uri="{FF2B5EF4-FFF2-40B4-BE49-F238E27FC236}">
+                <a16:creationId xmlns:a16="http://schemas.microsoft.com/office/drawing/2014/main" id="{B40C58B1-C30C-A67D-0662-5ACB4CE4964A}"/>
+              </a:ext>
+            </a:extLst>
+          </p:cNvPr>
+          <p:cNvSpPr>
+            <a:spLocks noGrp="1" noRot="1" noChangeAspect="1"/>
+          </p:cNvSpPr>
+          <p:nvPr>
+            <p:ph type="sldImg"/>
+          </p:nvPr>
+        </p:nvSpPr>
+        <p:spPr/>
+      </p:sp>
+      <p:sp>
+        <p:nvSpPr>
+          <p:cNvPr id="3" name="ノート プレースホルダー 2">
+            <a:extLst>
+              <a:ext uri="{FF2B5EF4-FFF2-40B4-BE49-F238E27FC236}">
+                <a16:creationId xmlns:a16="http://schemas.microsoft.com/office/drawing/2014/main" id="{EA14676E-FF42-B6DB-36CB-308B57BDECB2}"/>
+              </a:ext>
+            </a:extLst>
+          </p:cNvPr>
+          <p:cNvSpPr>
+            <a:spLocks noGrp="1"/>
+          </p:cNvSpPr>
+          <p:nvPr>
+            <p:ph type="body" idx="1"/>
+          </p:nvPr>
+        </p:nvSpPr>
+        <p:spPr/>
+        <p:txBody>
+          <a:bodyPr/>
+          <a:lstStyle/>
+          <a:p>
+            <a:endParaRPr kumimoji="1" lang="ja-JP" altLang="en-US" dirty="0"/>
+          </a:p>
+        </p:txBody>
+      </p:sp>
+      <p:sp>
+        <p:nvSpPr>
+          <p:cNvPr id="4" name="スライド番号プレースホルダー 3">
+            <a:extLst>
+              <a:ext uri="{FF2B5EF4-FFF2-40B4-BE49-F238E27FC236}">
+                <a16:creationId xmlns:a16="http://schemas.microsoft.com/office/drawing/2014/main" id="{E0BD08AF-04F4-1B44-1E7B-862ECAF47392}"/>
+              </a:ext>
+            </a:extLst>
+          </p:cNvPr>
+          <p:cNvSpPr>
+            <a:spLocks noGrp="1"/>
+          </p:cNvSpPr>
+          <p:nvPr>
+            <p:ph type="sldNum" sz="quarter" idx="5"/>
+          </p:nvPr>
+        </p:nvSpPr>
+        <p:spPr/>
+        <p:txBody>
+          <a:bodyPr/>
+          <a:lstStyle/>
+          <a:p>
+            <a:fld id="{C7F483CF-092A-4979-9034-FFC6E09450F1}" type="slidenum">
+              <a:rPr kumimoji="1" lang="ja-JP" altLang="en-US" smtClean="0"/>
+              <a:t>44</a:t>
+            </a:fld>
+            <a:endParaRPr kumimoji="1" lang="ja-JP" altLang="en-US"/>
+          </a:p>
+        </p:txBody>
+      </p:sp>
+    </p:spTree>
+    <p:extLst>
+      <p:ext uri="{BB962C8B-B14F-4D97-AF65-F5344CB8AC3E}">
+        <p14:creationId xmlns:p14="http://schemas.microsoft.com/office/powerpoint/2010/main" val="1727664746"/>
+      </p:ext>
+    </p:extLst>
+  </p:cSld>
+  <p:clrMapOvr>
+    <a:masterClrMapping/>
+  </p:clrMapOvr>
+</p:notes>
+</file>
+
+<file path=ppt/notesSlides/notesSlide29.xml><?xml version="1.0" encoding="utf-8"?>
+<p:notes xmlns:a="http://schemas.openxmlformats.org/drawingml/2006/main" xmlns:r="http://schemas.openxmlformats.org/officeDocument/2006/relationships" xmlns:p="http://schemas.openxmlformats.org/presentationml/2006/main">
+  <p:cSld>
+    <p:spTree>
+      <p:nvGrpSpPr>
+        <p:cNvPr id="1" name="">
+          <a:extLst>
+            <a:ext uri="{FF2B5EF4-FFF2-40B4-BE49-F238E27FC236}">
+              <a16:creationId xmlns:a16="http://schemas.microsoft.com/office/drawing/2014/main" id="{14B9FC0D-0A99-4556-3257-9F46791A4715}"/>
+            </a:ext>
+          </a:extLst>
+        </p:cNvPr>
+        <p:cNvGrpSpPr/>
+        <p:nvPr/>
+      </p:nvGrpSpPr>
+      <p:grpSpPr>
+        <a:xfrm>
+          <a:off x="0" y="0"/>
+          <a:ext cx="0" cy="0"/>
+          <a:chOff x="0" y="0"/>
+          <a:chExt cx="0" cy="0"/>
+        </a:xfrm>
+      </p:grpSpPr>
+      <p:sp>
+        <p:nvSpPr>
+          <p:cNvPr id="2" name="スライド イメージ プレースホルダー 1">
+            <a:extLst>
+              <a:ext uri="{FF2B5EF4-FFF2-40B4-BE49-F238E27FC236}">
+                <a16:creationId xmlns:a16="http://schemas.microsoft.com/office/drawing/2014/main" id="{D635AD24-07BB-E54B-1DF2-0D4E90C4B78D}"/>
+              </a:ext>
+            </a:extLst>
+          </p:cNvPr>
+          <p:cNvSpPr>
+            <a:spLocks noGrp="1" noRot="1" noChangeAspect="1"/>
+          </p:cNvSpPr>
+          <p:nvPr>
+            <p:ph type="sldImg"/>
+          </p:nvPr>
+        </p:nvSpPr>
+        <p:spPr/>
+      </p:sp>
+      <p:sp>
+        <p:nvSpPr>
+          <p:cNvPr id="3" name="ノート プレースホルダー 2">
+            <a:extLst>
+              <a:ext uri="{FF2B5EF4-FFF2-40B4-BE49-F238E27FC236}">
+                <a16:creationId xmlns:a16="http://schemas.microsoft.com/office/drawing/2014/main" id="{07C281DE-C6CE-892C-FE5D-0962F10A0F29}"/>
+              </a:ext>
+            </a:extLst>
+          </p:cNvPr>
+          <p:cNvSpPr>
+            <a:spLocks noGrp="1"/>
+          </p:cNvSpPr>
+          <p:nvPr>
+            <p:ph type="body" idx="1"/>
+          </p:nvPr>
+        </p:nvSpPr>
+        <p:spPr/>
+        <p:txBody>
+          <a:bodyPr/>
+          <a:lstStyle/>
+          <a:p>
+            <a:endParaRPr kumimoji="1" lang="ja-JP" altLang="en-US" dirty="0"/>
+          </a:p>
+        </p:txBody>
+      </p:sp>
+      <p:sp>
+        <p:nvSpPr>
+          <p:cNvPr id="4" name="スライド番号プレースホルダー 3">
+            <a:extLst>
+              <a:ext uri="{FF2B5EF4-FFF2-40B4-BE49-F238E27FC236}">
+                <a16:creationId xmlns:a16="http://schemas.microsoft.com/office/drawing/2014/main" id="{D3900033-F54D-4CB5-38D6-5DCDCB643036}"/>
+              </a:ext>
+            </a:extLst>
+          </p:cNvPr>
+          <p:cNvSpPr>
+            <a:spLocks noGrp="1"/>
+          </p:cNvSpPr>
+          <p:nvPr>
+            <p:ph type="sldNum" sz="quarter" idx="5"/>
+          </p:nvPr>
+        </p:nvSpPr>
+        <p:spPr/>
+        <p:txBody>
+          <a:bodyPr/>
+          <a:lstStyle/>
+          <a:p>
+            <a:fld id="{C7F483CF-092A-4979-9034-FFC6E09450F1}" type="slidenum">
+              <a:rPr kumimoji="1" lang="ja-JP" altLang="en-US" smtClean="0"/>
+              <a:t>45</a:t>
+            </a:fld>
+            <a:endParaRPr kumimoji="1" lang="ja-JP" altLang="en-US"/>
+          </a:p>
+        </p:txBody>
+      </p:sp>
+    </p:spTree>
+    <p:extLst>
+      <p:ext uri="{BB962C8B-B14F-4D97-AF65-F5344CB8AC3E}">
+        <p14:creationId xmlns:p14="http://schemas.microsoft.com/office/powerpoint/2010/main" val="2784585606"/>
+      </p:ext>
+    </p:extLst>
+  </p:cSld>
+  <p:clrMapOvr>
+    <a:masterClrMapping/>
+  </p:clrMapOvr>
+</p:notes>
+</file>
+
 <file path=ppt/notesSlides/notesSlide3.xml><?xml version="1.0" encoding="utf-8"?>
 <p:notes xmlns:a="http://schemas.openxmlformats.org/drawingml/2006/main" xmlns:r="http://schemas.openxmlformats.org/officeDocument/2006/relationships" xmlns:p="http://schemas.openxmlformats.org/presentationml/2006/main">
   <p:cSld>
@@ -2532,6 +3191,546 @@
     <p:extLst>
       <p:ext uri="{BB962C8B-B14F-4D97-AF65-F5344CB8AC3E}">
         <p14:creationId xmlns:p14="http://schemas.microsoft.com/office/powerpoint/2010/main" val="1757383127"/>
+      </p:ext>
+    </p:extLst>
+  </p:cSld>
+  <p:clrMapOvr>
+    <a:masterClrMapping/>
+  </p:clrMapOvr>
+</p:notes>
+</file>
+
+<file path=ppt/notesSlides/notesSlide30.xml><?xml version="1.0" encoding="utf-8"?>
+<p:notes xmlns:a="http://schemas.openxmlformats.org/drawingml/2006/main" xmlns:r="http://schemas.openxmlformats.org/officeDocument/2006/relationships" xmlns:p="http://schemas.openxmlformats.org/presentationml/2006/main">
+  <p:cSld>
+    <p:spTree>
+      <p:nvGrpSpPr>
+        <p:cNvPr id="1" name="">
+          <a:extLst>
+            <a:ext uri="{FF2B5EF4-FFF2-40B4-BE49-F238E27FC236}">
+              <a16:creationId xmlns:a16="http://schemas.microsoft.com/office/drawing/2014/main" id="{8C8561FD-8D04-C4F6-8627-8D2F52B00890}"/>
+            </a:ext>
+          </a:extLst>
+        </p:cNvPr>
+        <p:cNvGrpSpPr/>
+        <p:nvPr/>
+      </p:nvGrpSpPr>
+      <p:grpSpPr>
+        <a:xfrm>
+          <a:off x="0" y="0"/>
+          <a:ext cx="0" cy="0"/>
+          <a:chOff x="0" y="0"/>
+          <a:chExt cx="0" cy="0"/>
+        </a:xfrm>
+      </p:grpSpPr>
+      <p:sp>
+        <p:nvSpPr>
+          <p:cNvPr id="2" name="スライド イメージ プレースホルダー 1">
+            <a:extLst>
+              <a:ext uri="{FF2B5EF4-FFF2-40B4-BE49-F238E27FC236}">
+                <a16:creationId xmlns:a16="http://schemas.microsoft.com/office/drawing/2014/main" id="{C8A0CBFD-29FB-37EE-541E-019510A24426}"/>
+              </a:ext>
+            </a:extLst>
+          </p:cNvPr>
+          <p:cNvSpPr>
+            <a:spLocks noGrp="1" noRot="1" noChangeAspect="1"/>
+          </p:cNvSpPr>
+          <p:nvPr>
+            <p:ph type="sldImg"/>
+          </p:nvPr>
+        </p:nvSpPr>
+        <p:spPr/>
+      </p:sp>
+      <p:sp>
+        <p:nvSpPr>
+          <p:cNvPr id="3" name="ノート プレースホルダー 2">
+            <a:extLst>
+              <a:ext uri="{FF2B5EF4-FFF2-40B4-BE49-F238E27FC236}">
+                <a16:creationId xmlns:a16="http://schemas.microsoft.com/office/drawing/2014/main" id="{65B15F98-AB5B-4863-4630-E670CE92EA5D}"/>
+              </a:ext>
+            </a:extLst>
+          </p:cNvPr>
+          <p:cNvSpPr>
+            <a:spLocks noGrp="1"/>
+          </p:cNvSpPr>
+          <p:nvPr>
+            <p:ph type="body" idx="1"/>
+          </p:nvPr>
+        </p:nvSpPr>
+        <p:spPr/>
+        <p:txBody>
+          <a:bodyPr/>
+          <a:lstStyle/>
+          <a:p>
+            <a:endParaRPr kumimoji="1" lang="ja-JP" altLang="en-US" dirty="0"/>
+          </a:p>
+        </p:txBody>
+      </p:sp>
+      <p:sp>
+        <p:nvSpPr>
+          <p:cNvPr id="4" name="スライド番号プレースホルダー 3">
+            <a:extLst>
+              <a:ext uri="{FF2B5EF4-FFF2-40B4-BE49-F238E27FC236}">
+                <a16:creationId xmlns:a16="http://schemas.microsoft.com/office/drawing/2014/main" id="{E22E5056-017E-D3EA-59A8-102DCE466965}"/>
+              </a:ext>
+            </a:extLst>
+          </p:cNvPr>
+          <p:cNvSpPr>
+            <a:spLocks noGrp="1"/>
+          </p:cNvSpPr>
+          <p:nvPr>
+            <p:ph type="sldNum" sz="quarter" idx="5"/>
+          </p:nvPr>
+        </p:nvSpPr>
+        <p:spPr/>
+        <p:txBody>
+          <a:bodyPr/>
+          <a:lstStyle/>
+          <a:p>
+            <a:fld id="{C7F483CF-092A-4979-9034-FFC6E09450F1}" type="slidenum">
+              <a:rPr kumimoji="1" lang="ja-JP" altLang="en-US" smtClean="0"/>
+              <a:t>46</a:t>
+            </a:fld>
+            <a:endParaRPr kumimoji="1" lang="ja-JP" altLang="en-US"/>
+          </a:p>
+        </p:txBody>
+      </p:sp>
+    </p:spTree>
+    <p:extLst>
+      <p:ext uri="{BB962C8B-B14F-4D97-AF65-F5344CB8AC3E}">
+        <p14:creationId xmlns:p14="http://schemas.microsoft.com/office/powerpoint/2010/main" val="938489655"/>
+      </p:ext>
+    </p:extLst>
+  </p:cSld>
+  <p:clrMapOvr>
+    <a:masterClrMapping/>
+  </p:clrMapOvr>
+</p:notes>
+</file>
+
+<file path=ppt/notesSlides/notesSlide31.xml><?xml version="1.0" encoding="utf-8"?>
+<p:notes xmlns:a="http://schemas.openxmlformats.org/drawingml/2006/main" xmlns:r="http://schemas.openxmlformats.org/officeDocument/2006/relationships" xmlns:p="http://schemas.openxmlformats.org/presentationml/2006/main">
+  <p:cSld>
+    <p:spTree>
+      <p:nvGrpSpPr>
+        <p:cNvPr id="1" name="">
+          <a:extLst>
+            <a:ext uri="{FF2B5EF4-FFF2-40B4-BE49-F238E27FC236}">
+              <a16:creationId xmlns:a16="http://schemas.microsoft.com/office/drawing/2014/main" id="{9D766284-5D44-76E4-370E-9126E643EBA2}"/>
+            </a:ext>
+          </a:extLst>
+        </p:cNvPr>
+        <p:cNvGrpSpPr/>
+        <p:nvPr/>
+      </p:nvGrpSpPr>
+      <p:grpSpPr>
+        <a:xfrm>
+          <a:off x="0" y="0"/>
+          <a:ext cx="0" cy="0"/>
+          <a:chOff x="0" y="0"/>
+          <a:chExt cx="0" cy="0"/>
+        </a:xfrm>
+      </p:grpSpPr>
+      <p:sp>
+        <p:nvSpPr>
+          <p:cNvPr id="2" name="スライド イメージ プレースホルダー 1">
+            <a:extLst>
+              <a:ext uri="{FF2B5EF4-FFF2-40B4-BE49-F238E27FC236}">
+                <a16:creationId xmlns:a16="http://schemas.microsoft.com/office/drawing/2014/main" id="{55969CA9-C7EF-7FC0-39A7-BC70603242D8}"/>
+              </a:ext>
+            </a:extLst>
+          </p:cNvPr>
+          <p:cNvSpPr>
+            <a:spLocks noGrp="1" noRot="1" noChangeAspect="1"/>
+          </p:cNvSpPr>
+          <p:nvPr>
+            <p:ph type="sldImg"/>
+          </p:nvPr>
+        </p:nvSpPr>
+        <p:spPr/>
+      </p:sp>
+      <p:sp>
+        <p:nvSpPr>
+          <p:cNvPr id="3" name="ノート プレースホルダー 2">
+            <a:extLst>
+              <a:ext uri="{FF2B5EF4-FFF2-40B4-BE49-F238E27FC236}">
+                <a16:creationId xmlns:a16="http://schemas.microsoft.com/office/drawing/2014/main" id="{CD51CA5A-F7FC-1056-9483-F1A40335C793}"/>
+              </a:ext>
+            </a:extLst>
+          </p:cNvPr>
+          <p:cNvSpPr>
+            <a:spLocks noGrp="1"/>
+          </p:cNvSpPr>
+          <p:nvPr>
+            <p:ph type="body" idx="1"/>
+          </p:nvPr>
+        </p:nvSpPr>
+        <p:spPr/>
+        <p:txBody>
+          <a:bodyPr/>
+          <a:lstStyle/>
+          <a:p>
+            <a:endParaRPr kumimoji="1" lang="ja-JP" altLang="en-US" dirty="0"/>
+          </a:p>
+        </p:txBody>
+      </p:sp>
+      <p:sp>
+        <p:nvSpPr>
+          <p:cNvPr id="4" name="スライド番号プレースホルダー 3">
+            <a:extLst>
+              <a:ext uri="{FF2B5EF4-FFF2-40B4-BE49-F238E27FC236}">
+                <a16:creationId xmlns:a16="http://schemas.microsoft.com/office/drawing/2014/main" id="{840D1743-9721-FEEF-571F-1490EE404141}"/>
+              </a:ext>
+            </a:extLst>
+          </p:cNvPr>
+          <p:cNvSpPr>
+            <a:spLocks noGrp="1"/>
+          </p:cNvSpPr>
+          <p:nvPr>
+            <p:ph type="sldNum" sz="quarter" idx="5"/>
+          </p:nvPr>
+        </p:nvSpPr>
+        <p:spPr/>
+        <p:txBody>
+          <a:bodyPr/>
+          <a:lstStyle/>
+          <a:p>
+            <a:fld id="{C7F483CF-092A-4979-9034-FFC6E09450F1}" type="slidenum">
+              <a:rPr kumimoji="1" lang="ja-JP" altLang="en-US" smtClean="0"/>
+              <a:t>47</a:t>
+            </a:fld>
+            <a:endParaRPr kumimoji="1" lang="ja-JP" altLang="en-US"/>
+          </a:p>
+        </p:txBody>
+      </p:sp>
+    </p:spTree>
+    <p:extLst>
+      <p:ext uri="{BB962C8B-B14F-4D97-AF65-F5344CB8AC3E}">
+        <p14:creationId xmlns:p14="http://schemas.microsoft.com/office/powerpoint/2010/main" val="1328169690"/>
+      </p:ext>
+    </p:extLst>
+  </p:cSld>
+  <p:clrMapOvr>
+    <a:masterClrMapping/>
+  </p:clrMapOvr>
+</p:notes>
+</file>
+
+<file path=ppt/notesSlides/notesSlide32.xml><?xml version="1.0" encoding="utf-8"?>
+<p:notes xmlns:a="http://schemas.openxmlformats.org/drawingml/2006/main" xmlns:r="http://schemas.openxmlformats.org/officeDocument/2006/relationships" xmlns:p="http://schemas.openxmlformats.org/presentationml/2006/main">
+  <p:cSld>
+    <p:spTree>
+      <p:nvGrpSpPr>
+        <p:cNvPr id="1" name="">
+          <a:extLst>
+            <a:ext uri="{FF2B5EF4-FFF2-40B4-BE49-F238E27FC236}">
+              <a16:creationId xmlns:a16="http://schemas.microsoft.com/office/drawing/2014/main" id="{A80FD4B0-BBEF-147D-5E16-9EF4D702AADB}"/>
+            </a:ext>
+          </a:extLst>
+        </p:cNvPr>
+        <p:cNvGrpSpPr/>
+        <p:nvPr/>
+      </p:nvGrpSpPr>
+      <p:grpSpPr>
+        <a:xfrm>
+          <a:off x="0" y="0"/>
+          <a:ext cx="0" cy="0"/>
+          <a:chOff x="0" y="0"/>
+          <a:chExt cx="0" cy="0"/>
+        </a:xfrm>
+      </p:grpSpPr>
+      <p:sp>
+        <p:nvSpPr>
+          <p:cNvPr id="2" name="スライド イメージ プレースホルダー 1">
+            <a:extLst>
+              <a:ext uri="{FF2B5EF4-FFF2-40B4-BE49-F238E27FC236}">
+                <a16:creationId xmlns:a16="http://schemas.microsoft.com/office/drawing/2014/main" id="{42B70143-92C2-1807-8817-4501985E0EFE}"/>
+              </a:ext>
+            </a:extLst>
+          </p:cNvPr>
+          <p:cNvSpPr>
+            <a:spLocks noGrp="1" noRot="1" noChangeAspect="1"/>
+          </p:cNvSpPr>
+          <p:nvPr>
+            <p:ph type="sldImg"/>
+          </p:nvPr>
+        </p:nvSpPr>
+        <p:spPr/>
+      </p:sp>
+      <p:sp>
+        <p:nvSpPr>
+          <p:cNvPr id="3" name="ノート プレースホルダー 2">
+            <a:extLst>
+              <a:ext uri="{FF2B5EF4-FFF2-40B4-BE49-F238E27FC236}">
+                <a16:creationId xmlns:a16="http://schemas.microsoft.com/office/drawing/2014/main" id="{6553AE75-B5D4-7774-C026-07BABD32AF12}"/>
+              </a:ext>
+            </a:extLst>
+          </p:cNvPr>
+          <p:cNvSpPr>
+            <a:spLocks noGrp="1"/>
+          </p:cNvSpPr>
+          <p:nvPr>
+            <p:ph type="body" idx="1"/>
+          </p:nvPr>
+        </p:nvSpPr>
+        <p:spPr/>
+        <p:txBody>
+          <a:bodyPr/>
+          <a:lstStyle/>
+          <a:p>
+            <a:endParaRPr kumimoji="1" lang="ja-JP" altLang="en-US" dirty="0"/>
+          </a:p>
+        </p:txBody>
+      </p:sp>
+      <p:sp>
+        <p:nvSpPr>
+          <p:cNvPr id="4" name="スライド番号プレースホルダー 3">
+            <a:extLst>
+              <a:ext uri="{FF2B5EF4-FFF2-40B4-BE49-F238E27FC236}">
+                <a16:creationId xmlns:a16="http://schemas.microsoft.com/office/drawing/2014/main" id="{8E38532E-BDF0-BC0F-71FC-9773E973AD1A}"/>
+              </a:ext>
+            </a:extLst>
+          </p:cNvPr>
+          <p:cNvSpPr>
+            <a:spLocks noGrp="1"/>
+          </p:cNvSpPr>
+          <p:nvPr>
+            <p:ph type="sldNum" sz="quarter" idx="5"/>
+          </p:nvPr>
+        </p:nvSpPr>
+        <p:spPr/>
+        <p:txBody>
+          <a:bodyPr/>
+          <a:lstStyle/>
+          <a:p>
+            <a:fld id="{C7F483CF-092A-4979-9034-FFC6E09450F1}" type="slidenum">
+              <a:rPr kumimoji="1" lang="ja-JP" altLang="en-US" smtClean="0"/>
+              <a:t>48</a:t>
+            </a:fld>
+            <a:endParaRPr kumimoji="1" lang="ja-JP" altLang="en-US"/>
+          </a:p>
+        </p:txBody>
+      </p:sp>
+    </p:spTree>
+    <p:extLst>
+      <p:ext uri="{BB962C8B-B14F-4D97-AF65-F5344CB8AC3E}">
+        <p14:creationId xmlns:p14="http://schemas.microsoft.com/office/powerpoint/2010/main" val="3645701981"/>
+      </p:ext>
+    </p:extLst>
+  </p:cSld>
+  <p:clrMapOvr>
+    <a:masterClrMapping/>
+  </p:clrMapOvr>
+</p:notes>
+</file>
+
+<file path=ppt/notesSlides/notesSlide33.xml><?xml version="1.0" encoding="utf-8"?>
+<p:notes xmlns:a="http://schemas.openxmlformats.org/drawingml/2006/main" xmlns:r="http://schemas.openxmlformats.org/officeDocument/2006/relationships" xmlns:p="http://schemas.openxmlformats.org/presentationml/2006/main">
+  <p:cSld>
+    <p:spTree>
+      <p:nvGrpSpPr>
+        <p:cNvPr id="1" name="">
+          <a:extLst>
+            <a:ext uri="{FF2B5EF4-FFF2-40B4-BE49-F238E27FC236}">
+              <a16:creationId xmlns:a16="http://schemas.microsoft.com/office/drawing/2014/main" id="{74A0B4B3-62B3-BE03-B3A6-F3A7B23600F8}"/>
+            </a:ext>
+          </a:extLst>
+        </p:cNvPr>
+        <p:cNvGrpSpPr/>
+        <p:nvPr/>
+      </p:nvGrpSpPr>
+      <p:grpSpPr>
+        <a:xfrm>
+          <a:off x="0" y="0"/>
+          <a:ext cx="0" cy="0"/>
+          <a:chOff x="0" y="0"/>
+          <a:chExt cx="0" cy="0"/>
+        </a:xfrm>
+      </p:grpSpPr>
+      <p:sp>
+        <p:nvSpPr>
+          <p:cNvPr id="2" name="スライド イメージ プレースホルダー 1">
+            <a:extLst>
+              <a:ext uri="{FF2B5EF4-FFF2-40B4-BE49-F238E27FC236}">
+                <a16:creationId xmlns:a16="http://schemas.microsoft.com/office/drawing/2014/main" id="{80CD8C71-D101-773B-D954-5D06032BE914}"/>
+              </a:ext>
+            </a:extLst>
+          </p:cNvPr>
+          <p:cNvSpPr>
+            <a:spLocks noGrp="1" noRot="1" noChangeAspect="1"/>
+          </p:cNvSpPr>
+          <p:nvPr>
+            <p:ph type="sldImg"/>
+          </p:nvPr>
+        </p:nvSpPr>
+        <p:spPr/>
+      </p:sp>
+      <p:sp>
+        <p:nvSpPr>
+          <p:cNvPr id="3" name="ノート プレースホルダー 2">
+            <a:extLst>
+              <a:ext uri="{FF2B5EF4-FFF2-40B4-BE49-F238E27FC236}">
+                <a16:creationId xmlns:a16="http://schemas.microsoft.com/office/drawing/2014/main" id="{C40000E2-C8A4-DEC0-726A-99006836789B}"/>
+              </a:ext>
+            </a:extLst>
+          </p:cNvPr>
+          <p:cNvSpPr>
+            <a:spLocks noGrp="1"/>
+          </p:cNvSpPr>
+          <p:nvPr>
+            <p:ph type="body" idx="1"/>
+          </p:nvPr>
+        </p:nvSpPr>
+        <p:spPr/>
+        <p:txBody>
+          <a:bodyPr/>
+          <a:lstStyle/>
+          <a:p>
+            <a:endParaRPr kumimoji="1" lang="ja-JP" altLang="en-US" dirty="0"/>
+          </a:p>
+        </p:txBody>
+      </p:sp>
+      <p:sp>
+        <p:nvSpPr>
+          <p:cNvPr id="4" name="スライド番号プレースホルダー 3">
+            <a:extLst>
+              <a:ext uri="{FF2B5EF4-FFF2-40B4-BE49-F238E27FC236}">
+                <a16:creationId xmlns:a16="http://schemas.microsoft.com/office/drawing/2014/main" id="{16B7BEC4-711D-E925-835C-F18DA204D529}"/>
+              </a:ext>
+            </a:extLst>
+          </p:cNvPr>
+          <p:cNvSpPr>
+            <a:spLocks noGrp="1"/>
+          </p:cNvSpPr>
+          <p:nvPr>
+            <p:ph type="sldNum" sz="quarter" idx="5"/>
+          </p:nvPr>
+        </p:nvSpPr>
+        <p:spPr/>
+        <p:txBody>
+          <a:bodyPr/>
+          <a:lstStyle/>
+          <a:p>
+            <a:fld id="{C7F483CF-092A-4979-9034-FFC6E09450F1}" type="slidenum">
+              <a:rPr kumimoji="1" lang="ja-JP" altLang="en-US" smtClean="0"/>
+              <a:t>49</a:t>
+            </a:fld>
+            <a:endParaRPr kumimoji="1" lang="ja-JP" altLang="en-US"/>
+          </a:p>
+        </p:txBody>
+      </p:sp>
+    </p:spTree>
+    <p:extLst>
+      <p:ext uri="{BB962C8B-B14F-4D97-AF65-F5344CB8AC3E}">
+        <p14:creationId xmlns:p14="http://schemas.microsoft.com/office/powerpoint/2010/main" val="594522306"/>
+      </p:ext>
+    </p:extLst>
+  </p:cSld>
+  <p:clrMapOvr>
+    <a:masterClrMapping/>
+  </p:clrMapOvr>
+</p:notes>
+</file>
+
+<file path=ppt/notesSlides/notesSlide34.xml><?xml version="1.0" encoding="utf-8"?>
+<p:notes xmlns:a="http://schemas.openxmlformats.org/drawingml/2006/main" xmlns:r="http://schemas.openxmlformats.org/officeDocument/2006/relationships" xmlns:p="http://schemas.openxmlformats.org/presentationml/2006/main">
+  <p:cSld>
+    <p:spTree>
+      <p:nvGrpSpPr>
+        <p:cNvPr id="1" name="">
+          <a:extLst>
+            <a:ext uri="{FF2B5EF4-FFF2-40B4-BE49-F238E27FC236}">
+              <a16:creationId xmlns:a16="http://schemas.microsoft.com/office/drawing/2014/main" id="{FB592BD0-5CA2-6567-7E17-84A491F65D05}"/>
+            </a:ext>
+          </a:extLst>
+        </p:cNvPr>
+        <p:cNvGrpSpPr/>
+        <p:nvPr/>
+      </p:nvGrpSpPr>
+      <p:grpSpPr>
+        <a:xfrm>
+          <a:off x="0" y="0"/>
+          <a:ext cx="0" cy="0"/>
+          <a:chOff x="0" y="0"/>
+          <a:chExt cx="0" cy="0"/>
+        </a:xfrm>
+      </p:grpSpPr>
+      <p:sp>
+        <p:nvSpPr>
+          <p:cNvPr id="2" name="スライド イメージ プレースホルダー 1">
+            <a:extLst>
+              <a:ext uri="{FF2B5EF4-FFF2-40B4-BE49-F238E27FC236}">
+                <a16:creationId xmlns:a16="http://schemas.microsoft.com/office/drawing/2014/main" id="{BB8C137D-3A92-9415-601C-25732AC068B9}"/>
+              </a:ext>
+            </a:extLst>
+          </p:cNvPr>
+          <p:cNvSpPr>
+            <a:spLocks noGrp="1" noRot="1" noChangeAspect="1"/>
+          </p:cNvSpPr>
+          <p:nvPr>
+            <p:ph type="sldImg"/>
+          </p:nvPr>
+        </p:nvSpPr>
+        <p:spPr/>
+      </p:sp>
+      <p:sp>
+        <p:nvSpPr>
+          <p:cNvPr id="3" name="ノート プレースホルダー 2">
+            <a:extLst>
+              <a:ext uri="{FF2B5EF4-FFF2-40B4-BE49-F238E27FC236}">
+                <a16:creationId xmlns:a16="http://schemas.microsoft.com/office/drawing/2014/main" id="{46DF8507-D9AF-134F-A324-72A67069689C}"/>
+              </a:ext>
+            </a:extLst>
+          </p:cNvPr>
+          <p:cNvSpPr>
+            <a:spLocks noGrp="1"/>
+          </p:cNvSpPr>
+          <p:nvPr>
+            <p:ph type="body" idx="1"/>
+          </p:nvPr>
+        </p:nvSpPr>
+        <p:spPr/>
+        <p:txBody>
+          <a:bodyPr/>
+          <a:lstStyle/>
+          <a:p>
+            <a:endParaRPr kumimoji="1" lang="ja-JP" altLang="en-US" dirty="0"/>
+          </a:p>
+        </p:txBody>
+      </p:sp>
+      <p:sp>
+        <p:nvSpPr>
+          <p:cNvPr id="4" name="スライド番号プレースホルダー 3">
+            <a:extLst>
+              <a:ext uri="{FF2B5EF4-FFF2-40B4-BE49-F238E27FC236}">
+                <a16:creationId xmlns:a16="http://schemas.microsoft.com/office/drawing/2014/main" id="{7BB9D103-7172-76E5-AC84-699F3A44AF1F}"/>
+              </a:ext>
+            </a:extLst>
+          </p:cNvPr>
+          <p:cNvSpPr>
+            <a:spLocks noGrp="1"/>
+          </p:cNvSpPr>
+          <p:nvPr>
+            <p:ph type="sldNum" sz="quarter" idx="5"/>
+          </p:nvPr>
+        </p:nvSpPr>
+        <p:spPr/>
+        <p:txBody>
+          <a:bodyPr/>
+          <a:lstStyle/>
+          <a:p>
+            <a:fld id="{C7F483CF-092A-4979-9034-FFC6E09450F1}" type="slidenum">
+              <a:rPr kumimoji="1" lang="ja-JP" altLang="en-US" smtClean="0"/>
+              <a:t>50</a:t>
+            </a:fld>
+            <a:endParaRPr kumimoji="1" lang="ja-JP" altLang="en-US"/>
+          </a:p>
+        </p:txBody>
+      </p:sp>
+    </p:spTree>
+    <p:extLst>
+      <p:ext uri="{BB962C8B-B14F-4D97-AF65-F5344CB8AC3E}">
+        <p14:creationId xmlns:p14="http://schemas.microsoft.com/office/powerpoint/2010/main" val="2742927653"/>
       </p:ext>
     </p:extLst>
   </p:cSld>
@@ -3580,7 +4779,7 @@
           <a:p>
             <a:fld id="{E8CAF464-15F3-4BB4-BD7F-4E96634389B9}" type="datetime1">
               <a:rPr kumimoji="1" lang="ja-JP" altLang="en-US" smtClean="0"/>
-              <a:t>2024/11/30</a:t>
+              <a:t>2024/12/6</a:t>
             </a:fld>
             <a:endParaRPr kumimoji="1" lang="ja-JP" altLang="en-US"/>
           </a:p>
@@ -4355,7 +5554,7 @@
           <a:p>
             <a:fld id="{B4C738A0-993E-4FF2-A9D3-F8A25E5BED3D}" type="datetime1">
               <a:rPr kumimoji="1" lang="ja-JP" altLang="en-US" smtClean="0"/>
-              <a:t>2024/11/30</a:t>
+              <a:t>2024/12/6</a:t>
             </a:fld>
             <a:endParaRPr kumimoji="1" lang="ja-JP" altLang="en-US"/>
           </a:p>
@@ -4675,7 +5874,7 @@
           <a:p>
             <a:fld id="{6F43E0D6-D44E-4BB9-A41C-4EBA4BB1D0AA}" type="datetime1">
               <a:rPr kumimoji="1" lang="ja-JP" altLang="en-US" smtClean="0"/>
-              <a:t>2024/11/30</a:t>
+              <a:t>2024/12/6</a:t>
             </a:fld>
             <a:endParaRPr kumimoji="1" lang="ja-JP" altLang="en-US"/>
           </a:p>
@@ -5142,7 +6341,7 @@
           <a:p>
             <a:fld id="{80FBE12C-66DD-425F-87DA-45FA71D4B14C}" type="datetime1">
               <a:rPr kumimoji="1" lang="ja-JP" altLang="en-US" smtClean="0"/>
-              <a:t>2024/11/30</a:t>
+              <a:t>2024/12/6</a:t>
             </a:fld>
             <a:endParaRPr kumimoji="1" lang="ja-JP" altLang="en-US"/>
           </a:p>
@@ -5274,7 +6473,7 @@
           <a:p>
             <a:fld id="{5D337AB5-68CF-4C9A-84F0-CEB8B3F3804F}" type="datetime1">
               <a:rPr kumimoji="1" lang="ja-JP" altLang="en-US" smtClean="0"/>
-              <a:t>2024/11/30</a:t>
+              <a:t>2024/12/6</a:t>
             </a:fld>
             <a:endParaRPr kumimoji="1" lang="ja-JP" altLang="en-US"/>
           </a:p>
@@ -5378,7 +6577,7 @@
           <a:p>
             <a:fld id="{0224F364-07F3-46C8-84AA-302D169C9924}" type="datetime1">
               <a:rPr kumimoji="1" lang="ja-JP" altLang="en-US" smtClean="0"/>
-              <a:t>2024/11/30</a:t>
+              <a:t>2024/12/6</a:t>
             </a:fld>
             <a:endParaRPr kumimoji="1" lang="ja-JP" altLang="en-US"/>
           </a:p>
@@ -5712,7 +6911,7 @@
           <a:p>
             <a:fld id="{C98F773C-6196-4130-BAF3-BF8645CB42FA}" type="datetime1">
               <a:rPr kumimoji="1" lang="ja-JP" altLang="en-US" smtClean="0"/>
-              <a:t>2024/11/30</a:t>
+              <a:t>2024/12/6</a:t>
             </a:fld>
             <a:endParaRPr kumimoji="1" lang="ja-JP" altLang="en-US"/>
           </a:p>
@@ -5991,7 +7190,7 @@
           <a:p>
             <a:fld id="{E4883AD5-0DE6-4DC7-9375-A23AA371A5C4}" type="datetime1">
               <a:rPr kumimoji="1" lang="ja-JP" altLang="en-US" smtClean="0"/>
-              <a:t>2024/11/30</a:t>
+              <a:t>2024/12/6</a:t>
             </a:fld>
             <a:endParaRPr kumimoji="1" lang="ja-JP" altLang="en-US"/>
           </a:p>
@@ -11406,7 +12605,7 @@
           <a:p>
             <a:r>
               <a:rPr kumimoji="1" lang="en-US" altLang="ja-JP" dirty="0"/>
-              <a:t>23.3 </a:t>
+              <a:t>23.4 </a:t>
             </a:r>
             <a:r>
               <a:rPr lang="ja-JP" altLang="en-US" dirty="0"/>
@@ -11607,7 +12806,7 @@
           <a:p>
             <a:r>
               <a:rPr kumimoji="1" lang="en-US" altLang="ja-JP" dirty="0"/>
-              <a:t>23.3 </a:t>
+              <a:t>23.4 </a:t>
             </a:r>
             <a:r>
               <a:rPr lang="ja-JP" altLang="en-US" dirty="0"/>
@@ -11873,7 +13072,7 @@
           <a:p>
             <a:r>
               <a:rPr kumimoji="1" lang="en-US" altLang="ja-JP" dirty="0"/>
-              <a:t>23.3 </a:t>
+              <a:t>23.4 </a:t>
             </a:r>
             <a:r>
               <a:rPr lang="ja-JP" altLang="en-US" dirty="0"/>
@@ -12094,7 +13293,7 @@
           <a:p>
             <a:r>
               <a:rPr kumimoji="1" lang="en-US" altLang="ja-JP" dirty="0"/>
-              <a:t>23.3 </a:t>
+              <a:t>23.4 </a:t>
             </a:r>
             <a:r>
               <a:rPr lang="ja-JP" altLang="en-US" dirty="0"/>
@@ -12314,7 +13513,7 @@
           <a:p>
             <a:r>
               <a:rPr kumimoji="1" lang="en-US" altLang="ja-JP" dirty="0"/>
-              <a:t>23.3 </a:t>
+              <a:t>23.4 </a:t>
             </a:r>
             <a:r>
               <a:rPr lang="ja-JP" altLang="en-US" dirty="0"/>
@@ -12636,7 +13835,7 @@
           <a:p>
             <a:r>
               <a:rPr kumimoji="1" lang="en-US" altLang="ja-JP" dirty="0"/>
-              <a:t>23.3 </a:t>
+              <a:t>23.4 </a:t>
             </a:r>
             <a:r>
               <a:rPr lang="ja-JP" altLang="en-US" dirty="0"/>
@@ -13442,7 +14641,7 @@
           <a:p>
             <a:r>
               <a:rPr kumimoji="1" lang="en-US" altLang="ja-JP" dirty="0"/>
-              <a:t>23.3 </a:t>
+              <a:t>23.4 </a:t>
             </a:r>
             <a:r>
               <a:rPr lang="ja-JP" altLang="en-US" dirty="0"/>
@@ -13867,7 +15066,7 @@
           <a:p>
             <a:r>
               <a:rPr kumimoji="1" lang="en-US" altLang="ja-JP" dirty="0"/>
-              <a:t>23.3 </a:t>
+              <a:t>23.4 </a:t>
             </a:r>
             <a:r>
               <a:rPr lang="ja-JP" altLang="en-US" dirty="0"/>
@@ -14146,7 +15345,7 @@
           <a:p>
             <a:r>
               <a:rPr kumimoji="1" lang="en-US" altLang="ja-JP" dirty="0"/>
-              <a:t>23.3 </a:t>
+              <a:t>23.4 </a:t>
             </a:r>
             <a:r>
               <a:rPr lang="ja-JP" altLang="en-US" dirty="0"/>
@@ -14370,7 +15569,7 @@
           <a:p>
             <a:r>
               <a:rPr kumimoji="1" lang="en-US" altLang="ja-JP" dirty="0"/>
-              <a:t>23.3 </a:t>
+              <a:t>23.4 </a:t>
             </a:r>
             <a:r>
               <a:rPr lang="ja-JP" altLang="en-US" dirty="0"/>
@@ -14757,7 +15956,7 @@
           <a:p>
             <a:r>
               <a:rPr kumimoji="1" lang="en-US" altLang="ja-JP" dirty="0"/>
-              <a:t>23.3 </a:t>
+              <a:t>23.4 </a:t>
             </a:r>
             <a:r>
               <a:rPr lang="ja-JP" altLang="en-US" dirty="0"/>
@@ -15150,7 +16349,7 @@
           <a:p>
             <a:r>
               <a:rPr kumimoji="1" lang="en-US" altLang="ja-JP" dirty="0"/>
-              <a:t>23.3 </a:t>
+              <a:t>23.4 </a:t>
             </a:r>
             <a:r>
               <a:rPr lang="ja-JP" altLang="en-US" dirty="0"/>
@@ -15198,11 +16397,6 @@
               </a:rPr>
               <a:t>23.4.2 Exercise </a:t>
             </a:r>
-          </a:p>
-          <a:p>
-            <a:pPr marL="0" indent="0">
-              <a:buNone/>
-            </a:pPr>
             <a:endParaRPr lang="en-US" altLang="ja-JP" sz="800" dirty="0">
               <a:latin typeface="Source Sans Pro SemiBold" panose="020B0603030403020204" pitchFamily="34" charset="0"/>
               <a:ea typeface="Source Sans Pro SemiBold" panose="020B0603030403020204" pitchFamily="34" charset="0"/>
@@ -15290,7 +16484,7 @@
               <a:t>List Y  </a:t>
             </a:r>
             <a:r>
-              <a:rPr lang="ja-JP" altLang="en-US" dirty="0">
+              <a:rPr lang="ja-JP" altLang="en-US" sz="2400" dirty="0">
                 <a:latin typeface="Source Sans Pro SemiBold" panose="020B0603030403020204" pitchFamily="34" charset="0"/>
                 <a:ea typeface="Source Sans Pro SemiBold" panose="020B0603030403020204" pitchFamily="34" charset="0"/>
               </a:rPr>
@@ -15373,11 +16567,18 @@
               <a:buNone/>
             </a:pPr>
             <a:r>
-              <a:rPr lang="en-US" altLang="ja-JP" sz="2400" dirty="0">
+              <a:rPr lang="ja-JP" altLang="en-US" sz="2400" dirty="0">
                 <a:latin typeface="+mj-ea"/>
                 <a:ea typeface="+mj-ea"/>
               </a:rPr>
-              <a:t>	</a:t>
+              <a:t>　　</a:t>
+            </a:r>
+            <a:r>
+              <a:rPr lang="en-US" altLang="ja-JP" sz="2400" dirty="0">
+                <a:latin typeface="+mj-ea"/>
+                <a:ea typeface="+mj-ea"/>
+              </a:rPr>
+              <a:t>*	</a:t>
             </a:r>
             <a:r>
               <a:rPr lang="en-US" altLang="ja-JP" sz="2400" dirty="0">
@@ -15426,6 +16627,20 @@
             <a:pPr marL="0" indent="0">
               <a:buNone/>
             </a:pPr>
+            <a:r>
+              <a:rPr lang="ja-JP" altLang="en-US" sz="2000" dirty="0">
+                <a:latin typeface="Source Sans Pro SemiBold" panose="020B0603030403020204" pitchFamily="34" charset="0"/>
+                <a:ea typeface="+mj-ea"/>
+              </a:rPr>
+              <a:t>　   </a:t>
+            </a:r>
+            <a:r>
+              <a:rPr lang="ja-JP" altLang="en-US" sz="2400" dirty="0">
+                <a:latin typeface="Source Sans Pro SemiBold" panose="020B0603030403020204" pitchFamily="34" charset="0"/>
+                <a:ea typeface="+mj-ea"/>
+              </a:rPr>
+              <a:t>＊</a:t>
+            </a:r>
             <a:r>
               <a:rPr lang="en-US" altLang="ja-JP" sz="2400" dirty="0">
                 <a:latin typeface="Source Sans Pro SemiBold" panose="020B0603030403020204" pitchFamily="34" charset="0"/>
@@ -15767,7 +16982,7 @@
           <a:p>
             <a:r>
               <a:rPr kumimoji="1" lang="en-US" altLang="ja-JP" dirty="0"/>
-              <a:t>23.3 </a:t>
+              <a:t>23.4 </a:t>
             </a:r>
             <a:r>
               <a:rPr lang="ja-JP" altLang="en-US" dirty="0"/>
@@ -15886,7 +17101,7 @@
           <a:p>
             <a:r>
               <a:rPr kumimoji="1" lang="en-US" altLang="ja-JP" dirty="0"/>
-              <a:t>23.3 </a:t>
+              <a:t>23.4 </a:t>
             </a:r>
             <a:r>
               <a:rPr lang="ja-JP" altLang="en-US" dirty="0"/>
@@ -16117,7 +17332,7 @@
           <a:p>
             <a:r>
               <a:rPr kumimoji="1" lang="en-US" altLang="ja-JP" dirty="0"/>
-              <a:t>23.3 </a:t>
+              <a:t>23.4 </a:t>
             </a:r>
             <a:r>
               <a:rPr lang="ja-JP" altLang="en-US" dirty="0"/>
@@ -16728,7 +17943,7 @@
           <a:p>
             <a:r>
               <a:rPr kumimoji="1" lang="en-US" altLang="ja-JP" dirty="0"/>
-              <a:t>23.3 </a:t>
+              <a:t>23.4 </a:t>
             </a:r>
             <a:r>
               <a:rPr lang="ja-JP" altLang="en-US" dirty="0"/>
@@ -17484,6 +18699,4103 @@
 </p:sld>
 </file>
 
+<file path=ppt/slides/slide40.xml><?xml version="1.0" encoding="utf-8"?>
+<p:sld xmlns:a="http://schemas.openxmlformats.org/drawingml/2006/main" xmlns:r="http://schemas.openxmlformats.org/officeDocument/2006/relationships" xmlns:p="http://schemas.openxmlformats.org/presentationml/2006/main">
+  <p:cSld>
+    <p:spTree>
+      <p:nvGrpSpPr>
+        <p:cNvPr id="1" name="">
+          <a:extLst>
+            <a:ext uri="{FF2B5EF4-FFF2-40B4-BE49-F238E27FC236}">
+              <a16:creationId xmlns:a16="http://schemas.microsoft.com/office/drawing/2014/main" id="{E61E16B4-64E5-7871-9916-231FD7A67625}"/>
+            </a:ext>
+          </a:extLst>
+        </p:cNvPr>
+        <p:cNvGrpSpPr/>
+        <p:nvPr/>
+      </p:nvGrpSpPr>
+      <p:grpSpPr>
+        <a:xfrm>
+          <a:off x="0" y="0"/>
+          <a:ext cx="0" cy="0"/>
+          <a:chOff x="0" y="0"/>
+          <a:chExt cx="0" cy="0"/>
+        </a:xfrm>
+      </p:grpSpPr>
+      <p:sp>
+        <p:nvSpPr>
+          <p:cNvPr id="2" name="タイトル 1">
+            <a:extLst>
+              <a:ext uri="{FF2B5EF4-FFF2-40B4-BE49-F238E27FC236}">
+                <a16:creationId xmlns:a16="http://schemas.microsoft.com/office/drawing/2014/main" id="{816710DB-AB53-D492-B8A1-3756ECABD204}"/>
+              </a:ext>
+            </a:extLst>
+          </p:cNvPr>
+          <p:cNvSpPr>
+            <a:spLocks noGrp="1"/>
+          </p:cNvSpPr>
+          <p:nvPr>
+            <p:ph type="title"/>
+          </p:nvPr>
+        </p:nvSpPr>
+        <p:spPr/>
+        <p:txBody>
+          <a:bodyPr/>
+          <a:lstStyle/>
+          <a:p>
+            <a:r>
+              <a:rPr kumimoji="1" lang="en-US" altLang="ja-JP" dirty="0"/>
+              <a:t>23.4 </a:t>
+            </a:r>
+            <a:r>
+              <a:rPr lang="ja-JP" altLang="en-US" dirty="0"/>
+              <a:t>例</a:t>
+            </a:r>
+            <a:endParaRPr kumimoji="1" lang="ja-JP" altLang="en-US" dirty="0"/>
+          </a:p>
+        </p:txBody>
+      </p:sp>
+      <p:sp>
+        <p:nvSpPr>
+          <p:cNvPr id="3" name="コンテンツ プレースホルダー 2">
+            <a:extLst>
+              <a:ext uri="{FF2B5EF4-FFF2-40B4-BE49-F238E27FC236}">
+                <a16:creationId xmlns:a16="http://schemas.microsoft.com/office/drawing/2014/main" id="{80014641-A651-0FCB-96AD-A14026B551E5}"/>
+              </a:ext>
+            </a:extLst>
+          </p:cNvPr>
+          <p:cNvSpPr>
+            <a:spLocks noGrp="1"/>
+          </p:cNvSpPr>
+          <p:nvPr>
+            <p:ph idx="1"/>
+          </p:nvPr>
+        </p:nvSpPr>
+        <p:spPr>
+          <a:xfrm>
+            <a:off x="259194" y="1099789"/>
+            <a:ext cx="8625610" cy="5481485"/>
+          </a:xfrm>
+        </p:spPr>
+        <p:txBody>
+          <a:bodyPr>
+            <a:noAutofit/>
+          </a:bodyPr>
+          <a:lstStyle/>
+          <a:p>
+            <a:pPr marL="0" indent="0">
+              <a:buNone/>
+            </a:pPr>
+            <a:r>
+              <a:rPr lang="en-US" altLang="ja-JP" dirty="0">
+                <a:latin typeface="+mn-lt"/>
+                <a:ea typeface="Source Sans Pro SemiBold" panose="020B0603030403020204" pitchFamily="34" charset="0"/>
+              </a:rPr>
+              <a:t>Church Encodings</a:t>
+            </a:r>
+            <a:endParaRPr lang="en-US" altLang="ja-JP" sz="800" dirty="0">
+              <a:latin typeface="+mn-ea"/>
+              <a:ea typeface="+mn-ea"/>
+            </a:endParaRPr>
+          </a:p>
+          <a:p>
+            <a:pPr marL="0" indent="0">
+              <a:buNone/>
+            </a:pPr>
+            <a:r>
+              <a:rPr lang="en-US" altLang="ja-JP" sz="2400" dirty="0">
+                <a:latin typeface="+mn-lt"/>
+                <a:ea typeface="+mn-ea"/>
+              </a:rPr>
+              <a:t>Church Encodings </a:t>
+            </a:r>
+            <a:r>
+              <a:rPr lang="ja-JP" altLang="en-US" sz="2400" dirty="0">
+                <a:latin typeface="+mn-ea"/>
+                <a:ea typeface="+mn-ea"/>
+              </a:rPr>
+              <a:t>が</a:t>
+            </a:r>
+            <a:r>
+              <a:rPr lang="ja-JP" altLang="en-US" sz="2400" dirty="0">
+                <a:ea typeface="+mn-ea"/>
+              </a:rPr>
+              <a:t> </a:t>
+            </a:r>
+            <a:r>
+              <a:rPr lang="en-US" altLang="ja-JP" sz="2400" i="1" dirty="0">
+                <a:ea typeface="+mn-ea"/>
+              </a:rPr>
+              <a:t>System F</a:t>
+            </a:r>
+            <a:r>
+              <a:rPr lang="en-US" altLang="ja-JP" sz="2400" dirty="0">
+                <a:ea typeface="+mn-ea"/>
+              </a:rPr>
+              <a:t> </a:t>
+            </a:r>
+            <a:r>
+              <a:rPr lang="ja-JP" altLang="en-US" sz="2400" dirty="0">
+                <a:ea typeface="+mn-ea"/>
+              </a:rPr>
+              <a:t>でも実現可能であることを確認する．</a:t>
+            </a:r>
+            <a:endParaRPr lang="en-US" altLang="ja-JP" sz="2400" dirty="0">
+              <a:ea typeface="+mn-ea"/>
+            </a:endParaRPr>
+          </a:p>
+          <a:p>
+            <a:pPr marL="0" indent="0">
+              <a:buNone/>
+            </a:pPr>
+            <a:endParaRPr lang="en-US" altLang="ja-JP" sz="800" dirty="0">
+              <a:ea typeface="+mn-ea"/>
+            </a:endParaRPr>
+          </a:p>
+          <a:p>
+            <a:pPr marL="0" indent="0">
+              <a:buNone/>
+            </a:pPr>
+            <a:r>
+              <a:rPr lang="en-US" altLang="ja-JP" sz="2400" dirty="0">
+                <a:latin typeface="Source Sans Pro SemiBold" panose="020B0603030403020204" pitchFamily="34" charset="0"/>
+                <a:ea typeface="Source Sans Pro SemiBold" panose="020B0603030403020204" pitchFamily="34" charset="0"/>
+              </a:rPr>
+              <a:t>[λ</a:t>
+            </a:r>
+            <a:r>
+              <a:rPr lang="ja-JP" altLang="en-US" sz="2400" baseline="-25000" dirty="0">
+                <a:latin typeface="Source Sans Pro SemiBold" panose="020B0603030403020204" pitchFamily="34" charset="0"/>
+                <a:ea typeface="+mn-ea"/>
+              </a:rPr>
+              <a:t>→</a:t>
+            </a:r>
+            <a:r>
+              <a:rPr lang="en-US" altLang="ja-JP" sz="2400" dirty="0">
+                <a:latin typeface="Source Sans Pro SemiBold" panose="020B0603030403020204" pitchFamily="34" charset="0"/>
+                <a:ea typeface="Source Sans Pro SemiBold" panose="020B0603030403020204" pitchFamily="34" charset="0"/>
+              </a:rPr>
+              <a:t>]	</a:t>
+            </a:r>
+            <a:r>
+              <a:rPr lang="en-US" altLang="ja-JP" sz="2400" dirty="0" err="1">
+                <a:latin typeface="Source Sans Pro SemiBold" panose="020B0603030403020204" pitchFamily="34" charset="0"/>
+                <a:ea typeface="Source Sans Pro SemiBold" panose="020B0603030403020204" pitchFamily="34" charset="0"/>
+              </a:rPr>
+              <a:t>tru</a:t>
+            </a:r>
+            <a:r>
+              <a:rPr lang="en-US" altLang="ja-JP" sz="2400" dirty="0">
+                <a:latin typeface="Source Sans Pro SemiBold" panose="020B0603030403020204" pitchFamily="34" charset="0"/>
+                <a:ea typeface="Source Sans Pro SemiBold" panose="020B0603030403020204" pitchFamily="34" charset="0"/>
+              </a:rPr>
+              <a:t> = </a:t>
+            </a:r>
+            <a:r>
+              <a:rPr lang="en-US" altLang="ja-JP" sz="2400" dirty="0" err="1">
+                <a:latin typeface="Source Sans Pro SemiBold" panose="020B0603030403020204" pitchFamily="34" charset="0"/>
+                <a:ea typeface="Source Sans Pro SemiBold" panose="020B0603030403020204" pitchFamily="34" charset="0"/>
+              </a:rPr>
+              <a:t>λt</a:t>
+            </a:r>
+            <a:r>
+              <a:rPr lang="en-US" altLang="ja-JP" sz="2400" dirty="0">
+                <a:latin typeface="Source Sans Pro SemiBold" panose="020B0603030403020204" pitchFamily="34" charset="0"/>
+                <a:ea typeface="Source Sans Pro SemiBold" panose="020B0603030403020204" pitchFamily="34" charset="0"/>
+              </a:rPr>
+              <a:t>. </a:t>
+            </a:r>
+            <a:r>
+              <a:rPr lang="en-US" altLang="ja-JP" sz="2400" dirty="0" err="1">
+                <a:latin typeface="Source Sans Pro SemiBold" panose="020B0603030403020204" pitchFamily="34" charset="0"/>
+                <a:ea typeface="Source Sans Pro SemiBold" panose="020B0603030403020204" pitchFamily="34" charset="0"/>
+              </a:rPr>
+              <a:t>λf</a:t>
+            </a:r>
+            <a:r>
+              <a:rPr lang="en-US" altLang="ja-JP" sz="2400" dirty="0">
+                <a:latin typeface="Source Sans Pro SemiBold" panose="020B0603030403020204" pitchFamily="34" charset="0"/>
+                <a:ea typeface="Source Sans Pro SemiBold" panose="020B0603030403020204" pitchFamily="34" charset="0"/>
+              </a:rPr>
+              <a:t>. t</a:t>
+            </a:r>
+          </a:p>
+          <a:p>
+            <a:pPr marL="0" indent="0">
+              <a:buNone/>
+            </a:pPr>
+            <a:r>
+              <a:rPr lang="en-US" altLang="ja-JP" sz="2400" dirty="0">
+                <a:latin typeface="Source Sans Pro SemiBold" panose="020B0603030403020204" pitchFamily="34" charset="0"/>
+                <a:ea typeface="Source Sans Pro SemiBold" panose="020B0603030403020204" pitchFamily="34" charset="0"/>
+              </a:rPr>
+              <a:t>	</a:t>
+            </a:r>
+            <a:r>
+              <a:rPr lang="en-US" altLang="ja-JP" sz="2400" dirty="0" err="1">
+                <a:latin typeface="Source Sans Pro SemiBold" panose="020B0603030403020204" pitchFamily="34" charset="0"/>
+                <a:ea typeface="Source Sans Pro SemiBold" panose="020B0603030403020204" pitchFamily="34" charset="0"/>
+              </a:rPr>
+              <a:t>fls</a:t>
+            </a:r>
+            <a:r>
+              <a:rPr lang="en-US" altLang="ja-JP" sz="2400" dirty="0">
+                <a:latin typeface="Source Sans Pro SemiBold" panose="020B0603030403020204" pitchFamily="34" charset="0"/>
+                <a:ea typeface="Source Sans Pro SemiBold" panose="020B0603030403020204" pitchFamily="34" charset="0"/>
+              </a:rPr>
+              <a:t> = </a:t>
+            </a:r>
+            <a:r>
+              <a:rPr lang="en-US" altLang="ja-JP" sz="2400" dirty="0" err="1">
+                <a:latin typeface="Source Sans Pro SemiBold" panose="020B0603030403020204" pitchFamily="34" charset="0"/>
+                <a:ea typeface="Source Sans Pro SemiBold" panose="020B0603030403020204" pitchFamily="34" charset="0"/>
+              </a:rPr>
+              <a:t>λt</a:t>
+            </a:r>
+            <a:r>
+              <a:rPr lang="en-US" altLang="ja-JP" sz="2400" dirty="0">
+                <a:latin typeface="Source Sans Pro SemiBold" panose="020B0603030403020204" pitchFamily="34" charset="0"/>
+                <a:ea typeface="Source Sans Pro SemiBold" panose="020B0603030403020204" pitchFamily="34" charset="0"/>
+              </a:rPr>
+              <a:t>. </a:t>
+            </a:r>
+            <a:r>
+              <a:rPr lang="en-US" altLang="ja-JP" sz="2400" dirty="0" err="1">
+                <a:latin typeface="Source Sans Pro SemiBold" panose="020B0603030403020204" pitchFamily="34" charset="0"/>
+                <a:ea typeface="Source Sans Pro SemiBold" panose="020B0603030403020204" pitchFamily="34" charset="0"/>
+              </a:rPr>
+              <a:t>λf</a:t>
+            </a:r>
+            <a:r>
+              <a:rPr lang="en-US" altLang="ja-JP" sz="2400" dirty="0">
+                <a:latin typeface="Source Sans Pro SemiBold" panose="020B0603030403020204" pitchFamily="34" charset="0"/>
+                <a:ea typeface="Source Sans Pro SemiBold" panose="020B0603030403020204" pitchFamily="34" charset="0"/>
+              </a:rPr>
+              <a:t>. f</a:t>
+            </a:r>
+          </a:p>
+          <a:p>
+            <a:pPr marL="0" indent="0">
+              <a:buNone/>
+            </a:pPr>
+            <a:endParaRPr lang="en-US" altLang="ja-JP" sz="800" dirty="0">
+              <a:latin typeface="Source Sans Pro SemiBold" panose="020B0603030403020204" pitchFamily="34" charset="0"/>
+              <a:ea typeface="Source Sans Pro SemiBold" panose="020B0603030403020204" pitchFamily="34" charset="0"/>
+            </a:endParaRPr>
+          </a:p>
+          <a:p>
+            <a:pPr marL="0" indent="0">
+              <a:buNone/>
+            </a:pPr>
+            <a:r>
+              <a:rPr lang="en-US" altLang="ja-JP" sz="2400" dirty="0">
+                <a:latin typeface="Source Sans Pro SemiBold" panose="020B0603030403020204" pitchFamily="34" charset="0"/>
+                <a:ea typeface="Source Sans Pro SemiBold" panose="020B0603030403020204" pitchFamily="34" charset="0"/>
+              </a:rPr>
+              <a:t>[System F]         </a:t>
+            </a:r>
+          </a:p>
+          <a:p>
+            <a:pPr marL="0" indent="0">
+              <a:buNone/>
+            </a:pPr>
+            <a:r>
+              <a:rPr lang="en-US" altLang="ja-JP" sz="2400" dirty="0">
+                <a:latin typeface="Source Sans Pro SemiBold" panose="020B0603030403020204" pitchFamily="34" charset="0"/>
+                <a:ea typeface="Source Sans Pro SemiBold" panose="020B0603030403020204" pitchFamily="34" charset="0"/>
+              </a:rPr>
+              <a:t>	</a:t>
+            </a:r>
+            <a:r>
+              <a:rPr lang="en-US" altLang="ja-JP" sz="2400" dirty="0" err="1">
+                <a:latin typeface="Source Sans Pro SemiBold" panose="020B0603030403020204" pitchFamily="34" charset="0"/>
+                <a:ea typeface="Source Sans Pro SemiBold" panose="020B0603030403020204" pitchFamily="34" charset="0"/>
+              </a:rPr>
+              <a:t>Cbool</a:t>
+            </a:r>
+            <a:r>
+              <a:rPr lang="en-US" altLang="ja-JP" sz="2400" dirty="0">
+                <a:latin typeface="Source Sans Pro SemiBold" panose="020B0603030403020204" pitchFamily="34" charset="0"/>
+                <a:ea typeface="Source Sans Pro SemiBold" panose="020B0603030403020204" pitchFamily="34" charset="0"/>
+              </a:rPr>
+              <a:t> : </a:t>
+            </a:r>
+            <a:r>
+              <a:rPr lang="ja-JP" altLang="en-US" sz="2400" dirty="0">
+                <a:latin typeface="Source Sans Pro SemiBold" panose="020B0603030403020204" pitchFamily="34" charset="0"/>
+                <a:ea typeface="Source Sans Pro SemiBold" panose="020B0603030403020204" pitchFamily="34" charset="0"/>
+              </a:rPr>
+              <a:t>∀</a:t>
+            </a:r>
+            <a:r>
+              <a:rPr lang="en-US" altLang="ja-JP" sz="2400" dirty="0">
+                <a:latin typeface="Source Sans Pro SemiBold" panose="020B0603030403020204" pitchFamily="34" charset="0"/>
+                <a:ea typeface="Source Sans Pro SemiBold" panose="020B0603030403020204" pitchFamily="34" charset="0"/>
+              </a:rPr>
+              <a:t>X. X </a:t>
+            </a:r>
+            <a:r>
+              <a:rPr lang="ja-JP" altLang="en-US" sz="2400" dirty="0">
+                <a:latin typeface="Source Sans Pro SemiBold" panose="020B0603030403020204" pitchFamily="34" charset="0"/>
+                <a:ea typeface="Source Sans Pro SemiBold" panose="020B0603030403020204" pitchFamily="34" charset="0"/>
+              </a:rPr>
+              <a:t>→ </a:t>
+            </a:r>
+            <a:r>
+              <a:rPr lang="en-US" altLang="ja-JP" sz="2400" dirty="0">
+                <a:latin typeface="Source Sans Pro SemiBold" panose="020B0603030403020204" pitchFamily="34" charset="0"/>
+                <a:ea typeface="Source Sans Pro SemiBold" panose="020B0603030403020204" pitchFamily="34" charset="0"/>
+              </a:rPr>
+              <a:t>X </a:t>
+            </a:r>
+            <a:r>
+              <a:rPr lang="ja-JP" altLang="en-US" sz="2400" dirty="0">
+                <a:latin typeface="Source Sans Pro SemiBold" panose="020B0603030403020204" pitchFamily="34" charset="0"/>
+                <a:ea typeface="Source Sans Pro SemiBold" panose="020B0603030403020204" pitchFamily="34" charset="0"/>
+              </a:rPr>
+              <a:t>→ </a:t>
+            </a:r>
+            <a:r>
+              <a:rPr lang="en-US" altLang="ja-JP" sz="2400" dirty="0">
+                <a:latin typeface="Source Sans Pro SemiBold" panose="020B0603030403020204" pitchFamily="34" charset="0"/>
+                <a:ea typeface="Source Sans Pro SemiBold" panose="020B0603030403020204" pitchFamily="34" charset="0"/>
+              </a:rPr>
+              <a:t>X</a:t>
+            </a:r>
+          </a:p>
+          <a:p>
+            <a:pPr marL="0" indent="0">
+              <a:buNone/>
+            </a:pPr>
+            <a:endParaRPr lang="en-US" altLang="ja-JP" sz="800" dirty="0">
+              <a:latin typeface="Source Sans Pro SemiBold" panose="020B0603030403020204" pitchFamily="34" charset="0"/>
+              <a:ea typeface="Source Sans Pro SemiBold" panose="020B0603030403020204" pitchFamily="34" charset="0"/>
+            </a:endParaRPr>
+          </a:p>
+          <a:p>
+            <a:pPr marL="0" indent="0">
+              <a:buNone/>
+            </a:pPr>
+            <a:r>
+              <a:rPr lang="en-US" altLang="ja-JP" sz="2400" dirty="0">
+                <a:latin typeface="Source Sans Pro SemiBold" panose="020B0603030403020204" pitchFamily="34" charset="0"/>
+                <a:ea typeface="Source Sans Pro SemiBold" panose="020B0603030403020204" pitchFamily="34" charset="0"/>
+              </a:rPr>
+              <a:t>	</a:t>
+            </a:r>
+            <a:r>
+              <a:rPr lang="en-US" altLang="ja-JP" sz="2400" dirty="0" err="1">
+                <a:latin typeface="Source Sans Pro SemiBold" panose="020B0603030403020204" pitchFamily="34" charset="0"/>
+                <a:ea typeface="Source Sans Pro SemiBold" panose="020B0603030403020204" pitchFamily="34" charset="0"/>
+              </a:rPr>
+              <a:t>tru</a:t>
+            </a:r>
+            <a:r>
+              <a:rPr lang="en-US" altLang="ja-JP" sz="2400" dirty="0">
+                <a:latin typeface="Source Sans Pro SemiBold" panose="020B0603030403020204" pitchFamily="34" charset="0"/>
+                <a:ea typeface="Source Sans Pro SemiBold" panose="020B0603030403020204" pitchFamily="34" charset="0"/>
+              </a:rPr>
+              <a:t> : </a:t>
+            </a:r>
+            <a:r>
+              <a:rPr lang="en-US" altLang="ja-JP" sz="2400" dirty="0" err="1">
+                <a:latin typeface="Source Sans Pro SemiBold" panose="020B0603030403020204" pitchFamily="34" charset="0"/>
+                <a:ea typeface="Source Sans Pro SemiBold" panose="020B0603030403020204" pitchFamily="34" charset="0"/>
+              </a:rPr>
+              <a:t>CBool</a:t>
+            </a:r>
+            <a:r>
+              <a:rPr lang="en-US" altLang="ja-JP" sz="2400" dirty="0">
+                <a:latin typeface="Source Sans Pro SemiBold" panose="020B0603030403020204" pitchFamily="34" charset="0"/>
+                <a:ea typeface="Source Sans Pro SemiBold" panose="020B0603030403020204" pitchFamily="34" charset="0"/>
+              </a:rPr>
+              <a:t> = </a:t>
+            </a:r>
+            <a:r>
+              <a:rPr lang="en-US" altLang="ja-JP" sz="2400" dirty="0" err="1">
+                <a:latin typeface="Source Sans Pro SemiBold" panose="020B0603030403020204" pitchFamily="34" charset="0"/>
+                <a:ea typeface="Source Sans Pro SemiBold" panose="020B0603030403020204" pitchFamily="34" charset="0"/>
+              </a:rPr>
+              <a:t>λX</a:t>
+            </a:r>
+            <a:r>
+              <a:rPr lang="en-US" altLang="ja-JP" sz="2400" dirty="0">
+                <a:latin typeface="Source Sans Pro SemiBold" panose="020B0603030403020204" pitchFamily="34" charset="0"/>
+                <a:ea typeface="Source Sans Pro SemiBold" panose="020B0603030403020204" pitchFamily="34" charset="0"/>
+              </a:rPr>
+              <a:t>.  </a:t>
+            </a:r>
+            <a:r>
+              <a:rPr lang="en-US" altLang="ja-JP" sz="2400" dirty="0" err="1">
+                <a:latin typeface="Source Sans Pro SemiBold" panose="020B0603030403020204" pitchFamily="34" charset="0"/>
+                <a:ea typeface="Source Sans Pro SemiBold" panose="020B0603030403020204" pitchFamily="34" charset="0"/>
+              </a:rPr>
+              <a:t>λt</a:t>
+            </a:r>
+            <a:r>
+              <a:rPr lang="en-US" altLang="ja-JP" sz="2400" dirty="0">
+                <a:latin typeface="Source Sans Pro SemiBold" panose="020B0603030403020204" pitchFamily="34" charset="0"/>
+                <a:ea typeface="Source Sans Pro SemiBold" panose="020B0603030403020204" pitchFamily="34" charset="0"/>
+              </a:rPr>
+              <a:t> : X.  </a:t>
+            </a:r>
+            <a:r>
+              <a:rPr lang="en-US" altLang="ja-JP" sz="2400" dirty="0" err="1">
+                <a:latin typeface="Source Sans Pro SemiBold" panose="020B0603030403020204" pitchFamily="34" charset="0"/>
+                <a:ea typeface="Source Sans Pro SemiBold" panose="020B0603030403020204" pitchFamily="34" charset="0"/>
+              </a:rPr>
+              <a:t>λf</a:t>
+            </a:r>
+            <a:r>
+              <a:rPr lang="en-US" altLang="ja-JP" sz="2400" dirty="0">
+                <a:latin typeface="Source Sans Pro SemiBold" panose="020B0603030403020204" pitchFamily="34" charset="0"/>
+                <a:ea typeface="Source Sans Pro SemiBold" panose="020B0603030403020204" pitchFamily="34" charset="0"/>
+              </a:rPr>
+              <a:t> : X.  t</a:t>
+            </a:r>
+          </a:p>
+          <a:p>
+            <a:pPr marL="0" indent="0">
+              <a:buNone/>
+            </a:pPr>
+            <a:r>
+              <a:rPr lang="en-US" altLang="ja-JP" sz="2400" dirty="0">
+                <a:latin typeface="Source Sans Pro SemiBold" panose="020B0603030403020204" pitchFamily="34" charset="0"/>
+                <a:ea typeface="Source Sans Pro SemiBold" panose="020B0603030403020204" pitchFamily="34" charset="0"/>
+              </a:rPr>
+              <a:t>	</a:t>
+            </a:r>
+            <a:r>
+              <a:rPr lang="en-US" altLang="ja-JP" sz="2400" dirty="0" err="1">
+                <a:latin typeface="Source Sans Pro SemiBold" panose="020B0603030403020204" pitchFamily="34" charset="0"/>
+                <a:ea typeface="Source Sans Pro SemiBold" panose="020B0603030403020204" pitchFamily="34" charset="0"/>
+              </a:rPr>
+              <a:t>fls</a:t>
+            </a:r>
+            <a:r>
+              <a:rPr lang="en-US" altLang="ja-JP" sz="2400" dirty="0">
+                <a:latin typeface="Source Sans Pro SemiBold" panose="020B0603030403020204" pitchFamily="34" charset="0"/>
+                <a:ea typeface="Source Sans Pro SemiBold" panose="020B0603030403020204" pitchFamily="34" charset="0"/>
+              </a:rPr>
+              <a:t> : </a:t>
+            </a:r>
+            <a:r>
+              <a:rPr lang="en-US" altLang="ja-JP" sz="2400" dirty="0" err="1">
+                <a:latin typeface="Source Sans Pro SemiBold" panose="020B0603030403020204" pitchFamily="34" charset="0"/>
+                <a:ea typeface="Source Sans Pro SemiBold" panose="020B0603030403020204" pitchFamily="34" charset="0"/>
+              </a:rPr>
+              <a:t>CBool</a:t>
+            </a:r>
+            <a:r>
+              <a:rPr lang="en-US" altLang="ja-JP" sz="2400" dirty="0">
+                <a:latin typeface="Source Sans Pro SemiBold" panose="020B0603030403020204" pitchFamily="34" charset="0"/>
+                <a:ea typeface="Source Sans Pro SemiBold" panose="020B0603030403020204" pitchFamily="34" charset="0"/>
+              </a:rPr>
+              <a:t> = </a:t>
+            </a:r>
+            <a:r>
+              <a:rPr lang="en-US" altLang="ja-JP" sz="2400" dirty="0" err="1">
+                <a:latin typeface="Source Sans Pro SemiBold" panose="020B0603030403020204" pitchFamily="34" charset="0"/>
+                <a:ea typeface="Source Sans Pro SemiBold" panose="020B0603030403020204" pitchFamily="34" charset="0"/>
+              </a:rPr>
+              <a:t>λX</a:t>
+            </a:r>
+            <a:r>
+              <a:rPr lang="en-US" altLang="ja-JP" sz="2400" dirty="0">
+                <a:latin typeface="Source Sans Pro SemiBold" panose="020B0603030403020204" pitchFamily="34" charset="0"/>
+                <a:ea typeface="Source Sans Pro SemiBold" panose="020B0603030403020204" pitchFamily="34" charset="0"/>
+              </a:rPr>
+              <a:t>.  </a:t>
+            </a:r>
+            <a:r>
+              <a:rPr lang="en-US" altLang="ja-JP" sz="2400" dirty="0" err="1">
+                <a:latin typeface="Source Sans Pro SemiBold" panose="020B0603030403020204" pitchFamily="34" charset="0"/>
+                <a:ea typeface="Source Sans Pro SemiBold" panose="020B0603030403020204" pitchFamily="34" charset="0"/>
+              </a:rPr>
+              <a:t>λt</a:t>
+            </a:r>
+            <a:r>
+              <a:rPr lang="en-US" altLang="ja-JP" sz="2400" dirty="0">
+                <a:latin typeface="Source Sans Pro SemiBold" panose="020B0603030403020204" pitchFamily="34" charset="0"/>
+                <a:ea typeface="Source Sans Pro SemiBold" panose="020B0603030403020204" pitchFamily="34" charset="0"/>
+              </a:rPr>
+              <a:t> : X.  </a:t>
+            </a:r>
+            <a:r>
+              <a:rPr lang="en-US" altLang="ja-JP" sz="2400" dirty="0" err="1">
+                <a:latin typeface="Source Sans Pro SemiBold" panose="020B0603030403020204" pitchFamily="34" charset="0"/>
+                <a:ea typeface="Source Sans Pro SemiBold" panose="020B0603030403020204" pitchFamily="34" charset="0"/>
+              </a:rPr>
+              <a:t>λf</a:t>
+            </a:r>
+            <a:r>
+              <a:rPr lang="en-US" altLang="ja-JP" sz="2400" dirty="0">
+                <a:latin typeface="Source Sans Pro SemiBold" panose="020B0603030403020204" pitchFamily="34" charset="0"/>
+                <a:ea typeface="Source Sans Pro SemiBold" panose="020B0603030403020204" pitchFamily="34" charset="0"/>
+              </a:rPr>
+              <a:t> : X.  f</a:t>
+            </a:r>
+          </a:p>
+          <a:p>
+            <a:pPr marL="0" indent="0">
+              <a:buNone/>
+            </a:pPr>
+            <a:endParaRPr lang="en-US" altLang="ja-JP" sz="800" dirty="0">
+              <a:latin typeface="Source Sans Pro SemiBold" panose="020B0603030403020204" pitchFamily="34" charset="0"/>
+              <a:ea typeface="Source Sans Pro SemiBold" panose="020B0603030403020204" pitchFamily="34" charset="0"/>
+            </a:endParaRPr>
+          </a:p>
+          <a:p>
+            <a:pPr marL="0" indent="0">
+              <a:buNone/>
+            </a:pPr>
+            <a:r>
+              <a:rPr lang="en-US" altLang="ja-JP" sz="2400" dirty="0">
+                <a:latin typeface="Source Sans Pro SemiBold" panose="020B0603030403020204" pitchFamily="34" charset="0"/>
+                <a:ea typeface="Source Sans Pro SemiBold" panose="020B0603030403020204" pitchFamily="34" charset="0"/>
+              </a:rPr>
+              <a:t>	not = </a:t>
+            </a:r>
+            <a:r>
+              <a:rPr lang="en-US" altLang="ja-JP" sz="2400" dirty="0" err="1">
+                <a:latin typeface="Source Sans Pro SemiBold" panose="020B0603030403020204" pitchFamily="34" charset="0"/>
+                <a:ea typeface="Source Sans Pro SemiBold" panose="020B0603030403020204" pitchFamily="34" charset="0"/>
+              </a:rPr>
+              <a:t>λb</a:t>
+            </a:r>
+            <a:r>
+              <a:rPr lang="en-US" altLang="ja-JP" sz="2400" dirty="0">
+                <a:latin typeface="Source Sans Pro SemiBold" panose="020B0603030403020204" pitchFamily="34" charset="0"/>
+                <a:ea typeface="Source Sans Pro SemiBold" panose="020B0603030403020204" pitchFamily="34" charset="0"/>
+              </a:rPr>
+              <a:t> : </a:t>
+            </a:r>
+            <a:r>
+              <a:rPr lang="en-US" altLang="ja-JP" sz="2400" dirty="0" err="1">
+                <a:latin typeface="Source Sans Pro SemiBold" panose="020B0603030403020204" pitchFamily="34" charset="0"/>
+                <a:ea typeface="Source Sans Pro SemiBold" panose="020B0603030403020204" pitchFamily="34" charset="0"/>
+              </a:rPr>
+              <a:t>Cbool</a:t>
+            </a:r>
+            <a:r>
+              <a:rPr lang="en-US" altLang="ja-JP" sz="2400" dirty="0">
+                <a:latin typeface="Source Sans Pro SemiBold" panose="020B0603030403020204" pitchFamily="34" charset="0"/>
+                <a:ea typeface="Source Sans Pro SemiBold" panose="020B0603030403020204" pitchFamily="34" charset="0"/>
+              </a:rPr>
+              <a:t>.  </a:t>
+            </a:r>
+            <a:r>
+              <a:rPr lang="en-US" altLang="ja-JP" sz="2400" dirty="0" err="1">
+                <a:latin typeface="Source Sans Pro SemiBold" panose="020B0603030403020204" pitchFamily="34" charset="0"/>
+                <a:ea typeface="Source Sans Pro SemiBold" panose="020B0603030403020204" pitchFamily="34" charset="0"/>
+              </a:rPr>
+              <a:t>λX</a:t>
+            </a:r>
+            <a:r>
+              <a:rPr lang="en-US" altLang="ja-JP" sz="2400" dirty="0">
+                <a:latin typeface="Source Sans Pro SemiBold" panose="020B0603030403020204" pitchFamily="34" charset="0"/>
+                <a:ea typeface="Source Sans Pro SemiBold" panose="020B0603030403020204" pitchFamily="34" charset="0"/>
+              </a:rPr>
+              <a:t>.  </a:t>
+            </a:r>
+            <a:r>
+              <a:rPr lang="en-US" altLang="ja-JP" sz="2400" dirty="0" err="1">
+                <a:latin typeface="Source Sans Pro SemiBold" panose="020B0603030403020204" pitchFamily="34" charset="0"/>
+                <a:ea typeface="Source Sans Pro SemiBold" panose="020B0603030403020204" pitchFamily="34" charset="0"/>
+              </a:rPr>
+              <a:t>λt</a:t>
+            </a:r>
+            <a:r>
+              <a:rPr lang="en-US" altLang="ja-JP" sz="2400" dirty="0">
+                <a:latin typeface="Source Sans Pro SemiBold" panose="020B0603030403020204" pitchFamily="34" charset="0"/>
+                <a:ea typeface="Source Sans Pro SemiBold" panose="020B0603030403020204" pitchFamily="34" charset="0"/>
+              </a:rPr>
+              <a:t> : X.  </a:t>
+            </a:r>
+            <a:r>
+              <a:rPr lang="en-US" altLang="ja-JP" sz="2400" dirty="0" err="1">
+                <a:latin typeface="Source Sans Pro SemiBold" panose="020B0603030403020204" pitchFamily="34" charset="0"/>
+                <a:ea typeface="Source Sans Pro SemiBold" panose="020B0603030403020204" pitchFamily="34" charset="0"/>
+              </a:rPr>
+              <a:t>λf</a:t>
+            </a:r>
+            <a:r>
+              <a:rPr lang="en-US" altLang="ja-JP" sz="2400" dirty="0">
+                <a:latin typeface="Source Sans Pro SemiBold" panose="020B0603030403020204" pitchFamily="34" charset="0"/>
+                <a:ea typeface="Source Sans Pro SemiBold" panose="020B0603030403020204" pitchFamily="34" charset="0"/>
+              </a:rPr>
+              <a:t> : X.  b [X] f t</a:t>
+            </a:r>
+          </a:p>
+          <a:p>
+            <a:pPr marL="0" indent="0">
+              <a:buNone/>
+            </a:pPr>
+            <a:r>
+              <a:rPr lang="en-US" altLang="ja-JP" sz="2400" dirty="0">
+                <a:latin typeface="Source Sans Pro SemiBold" panose="020B0603030403020204" pitchFamily="34" charset="0"/>
+                <a:ea typeface="Source Sans Pro SemiBold" panose="020B0603030403020204" pitchFamily="34" charset="0"/>
+              </a:rPr>
+              <a:t>	# not : </a:t>
+            </a:r>
+            <a:r>
+              <a:rPr lang="en-US" altLang="ja-JP" sz="2400" dirty="0" err="1">
+                <a:latin typeface="Source Sans Pro SemiBold" panose="020B0603030403020204" pitchFamily="34" charset="0"/>
+                <a:ea typeface="Source Sans Pro SemiBold" panose="020B0603030403020204" pitchFamily="34" charset="0"/>
+              </a:rPr>
+              <a:t>CBool</a:t>
+            </a:r>
+            <a:r>
+              <a:rPr lang="en-US" altLang="ja-JP" sz="2400" dirty="0">
+                <a:latin typeface="Source Sans Pro SemiBold" panose="020B0603030403020204" pitchFamily="34" charset="0"/>
+                <a:ea typeface="Source Sans Pro SemiBold" panose="020B0603030403020204" pitchFamily="34" charset="0"/>
+              </a:rPr>
+              <a:t> </a:t>
+            </a:r>
+            <a:r>
+              <a:rPr lang="ja-JP" altLang="en-US" sz="2400" dirty="0">
+                <a:latin typeface="Source Sans Pro SemiBold" panose="020B0603030403020204" pitchFamily="34" charset="0"/>
+                <a:ea typeface="Source Sans Pro SemiBold" panose="020B0603030403020204" pitchFamily="34" charset="0"/>
+              </a:rPr>
+              <a:t>→ </a:t>
+            </a:r>
+            <a:r>
+              <a:rPr lang="en-US" altLang="ja-JP" sz="2400" dirty="0" err="1">
+                <a:latin typeface="Source Sans Pro SemiBold" panose="020B0603030403020204" pitchFamily="34" charset="0"/>
+                <a:ea typeface="Source Sans Pro SemiBold" panose="020B0603030403020204" pitchFamily="34" charset="0"/>
+              </a:rPr>
+              <a:t>CBool</a:t>
+            </a:r>
+            <a:endParaRPr lang="en-US" altLang="ja-JP" sz="2400" dirty="0">
+              <a:latin typeface="Source Sans Pro SemiBold" panose="020B0603030403020204" pitchFamily="34" charset="0"/>
+              <a:ea typeface="Source Sans Pro SemiBold" panose="020B0603030403020204" pitchFamily="34" charset="0"/>
+            </a:endParaRPr>
+          </a:p>
+        </p:txBody>
+      </p:sp>
+    </p:spTree>
+    <p:extLst>
+      <p:ext uri="{BB962C8B-B14F-4D97-AF65-F5344CB8AC3E}">
+        <p14:creationId xmlns:p14="http://schemas.microsoft.com/office/powerpoint/2010/main" val="187216652"/>
+      </p:ext>
+    </p:extLst>
+  </p:cSld>
+  <p:clrMapOvr>
+    <a:masterClrMapping/>
+  </p:clrMapOvr>
+</p:sld>
+</file>
+
+<file path=ppt/slides/slide41.xml><?xml version="1.0" encoding="utf-8"?>
+<p:sld xmlns:a="http://schemas.openxmlformats.org/drawingml/2006/main" xmlns:r="http://schemas.openxmlformats.org/officeDocument/2006/relationships" xmlns:p="http://schemas.openxmlformats.org/presentationml/2006/main">
+  <p:cSld>
+    <p:spTree>
+      <p:nvGrpSpPr>
+        <p:cNvPr id="1" name="">
+          <a:extLst>
+            <a:ext uri="{FF2B5EF4-FFF2-40B4-BE49-F238E27FC236}">
+              <a16:creationId xmlns:a16="http://schemas.microsoft.com/office/drawing/2014/main" id="{9F388EE5-DCB8-9874-0302-1BEB7200A4BF}"/>
+            </a:ext>
+          </a:extLst>
+        </p:cNvPr>
+        <p:cNvGrpSpPr/>
+        <p:nvPr/>
+      </p:nvGrpSpPr>
+      <p:grpSpPr>
+        <a:xfrm>
+          <a:off x="0" y="0"/>
+          <a:ext cx="0" cy="0"/>
+          <a:chOff x="0" y="0"/>
+          <a:chExt cx="0" cy="0"/>
+        </a:xfrm>
+      </p:grpSpPr>
+      <p:sp>
+        <p:nvSpPr>
+          <p:cNvPr id="2" name="タイトル 1">
+            <a:extLst>
+              <a:ext uri="{FF2B5EF4-FFF2-40B4-BE49-F238E27FC236}">
+                <a16:creationId xmlns:a16="http://schemas.microsoft.com/office/drawing/2014/main" id="{D57E904E-AA06-F760-D9F5-84DF708C10F9}"/>
+              </a:ext>
+            </a:extLst>
+          </p:cNvPr>
+          <p:cNvSpPr>
+            <a:spLocks noGrp="1"/>
+          </p:cNvSpPr>
+          <p:nvPr>
+            <p:ph type="title"/>
+          </p:nvPr>
+        </p:nvSpPr>
+        <p:spPr/>
+        <p:txBody>
+          <a:bodyPr/>
+          <a:lstStyle/>
+          <a:p>
+            <a:r>
+              <a:rPr kumimoji="1" lang="en-US" altLang="ja-JP" dirty="0"/>
+              <a:t>23.4 </a:t>
+            </a:r>
+            <a:r>
+              <a:rPr lang="ja-JP" altLang="en-US" dirty="0"/>
+              <a:t>例</a:t>
+            </a:r>
+            <a:endParaRPr kumimoji="1" lang="ja-JP" altLang="en-US" dirty="0"/>
+          </a:p>
+        </p:txBody>
+      </p:sp>
+      <p:sp>
+        <p:nvSpPr>
+          <p:cNvPr id="3" name="コンテンツ プレースホルダー 2">
+            <a:extLst>
+              <a:ext uri="{FF2B5EF4-FFF2-40B4-BE49-F238E27FC236}">
+                <a16:creationId xmlns:a16="http://schemas.microsoft.com/office/drawing/2014/main" id="{143C802B-EDF2-CE2F-3397-52523525879A}"/>
+              </a:ext>
+            </a:extLst>
+          </p:cNvPr>
+          <p:cNvSpPr>
+            <a:spLocks noGrp="1"/>
+          </p:cNvSpPr>
+          <p:nvPr>
+            <p:ph idx="1"/>
+          </p:nvPr>
+        </p:nvSpPr>
+        <p:spPr>
+          <a:xfrm>
+            <a:off x="259194" y="1099789"/>
+            <a:ext cx="8625610" cy="5481485"/>
+          </a:xfrm>
+        </p:spPr>
+        <p:txBody>
+          <a:bodyPr>
+            <a:noAutofit/>
+          </a:bodyPr>
+          <a:lstStyle/>
+          <a:p>
+            <a:pPr marL="0" indent="0">
+              <a:buNone/>
+            </a:pPr>
+            <a:r>
+              <a:rPr lang="en-US" altLang="ja-JP" dirty="0">
+                <a:latin typeface="+mn-lt"/>
+                <a:ea typeface="Source Sans Pro SemiBold" panose="020B0603030403020204" pitchFamily="34" charset="0"/>
+              </a:rPr>
+              <a:t>23.4.5 Exercise [Recommended]</a:t>
+            </a:r>
+            <a:endParaRPr lang="en-US" altLang="ja-JP" sz="2400" dirty="0">
+              <a:latin typeface="Source Sans Pro SemiBold" panose="020B0603030403020204" pitchFamily="34" charset="0"/>
+              <a:ea typeface="Source Sans Pro SemiBold" panose="020B0603030403020204" pitchFamily="34" charset="0"/>
+            </a:endParaRPr>
+          </a:p>
+        </p:txBody>
+      </p:sp>
+    </p:spTree>
+    <p:extLst>
+      <p:ext uri="{BB962C8B-B14F-4D97-AF65-F5344CB8AC3E}">
+        <p14:creationId xmlns:p14="http://schemas.microsoft.com/office/powerpoint/2010/main" val="2831852938"/>
+      </p:ext>
+    </p:extLst>
+  </p:cSld>
+  <p:clrMapOvr>
+    <a:masterClrMapping/>
+  </p:clrMapOvr>
+</p:sld>
+</file>
+
+<file path=ppt/slides/slide42.xml><?xml version="1.0" encoding="utf-8"?>
+<p:sld xmlns:a="http://schemas.openxmlformats.org/drawingml/2006/main" xmlns:r="http://schemas.openxmlformats.org/officeDocument/2006/relationships" xmlns:p="http://schemas.openxmlformats.org/presentationml/2006/main">
+  <p:cSld>
+    <p:spTree>
+      <p:nvGrpSpPr>
+        <p:cNvPr id="1" name="">
+          <a:extLst>
+            <a:ext uri="{FF2B5EF4-FFF2-40B4-BE49-F238E27FC236}">
+              <a16:creationId xmlns:a16="http://schemas.microsoft.com/office/drawing/2014/main" id="{BB0D9F7A-92C4-923D-D99A-39607D650770}"/>
+            </a:ext>
+          </a:extLst>
+        </p:cNvPr>
+        <p:cNvGrpSpPr/>
+        <p:nvPr/>
+      </p:nvGrpSpPr>
+      <p:grpSpPr>
+        <a:xfrm>
+          <a:off x="0" y="0"/>
+          <a:ext cx="0" cy="0"/>
+          <a:chOff x="0" y="0"/>
+          <a:chExt cx="0" cy="0"/>
+        </a:xfrm>
+      </p:grpSpPr>
+      <p:sp>
+        <p:nvSpPr>
+          <p:cNvPr id="2" name="タイトル 1">
+            <a:extLst>
+              <a:ext uri="{FF2B5EF4-FFF2-40B4-BE49-F238E27FC236}">
+                <a16:creationId xmlns:a16="http://schemas.microsoft.com/office/drawing/2014/main" id="{C129DFDA-D7E5-5CBF-ABC7-B8A1C5F69F83}"/>
+              </a:ext>
+            </a:extLst>
+          </p:cNvPr>
+          <p:cNvSpPr>
+            <a:spLocks noGrp="1"/>
+          </p:cNvSpPr>
+          <p:nvPr>
+            <p:ph type="title"/>
+          </p:nvPr>
+        </p:nvSpPr>
+        <p:spPr/>
+        <p:txBody>
+          <a:bodyPr/>
+          <a:lstStyle/>
+          <a:p>
+            <a:r>
+              <a:rPr kumimoji="1" lang="en-US" altLang="ja-JP" dirty="0"/>
+              <a:t>23.4 </a:t>
+            </a:r>
+            <a:r>
+              <a:rPr lang="ja-JP" altLang="en-US" dirty="0"/>
+              <a:t>例</a:t>
+            </a:r>
+            <a:endParaRPr kumimoji="1" lang="ja-JP" altLang="en-US" dirty="0"/>
+          </a:p>
+        </p:txBody>
+      </p:sp>
+      <p:sp>
+        <p:nvSpPr>
+          <p:cNvPr id="3" name="コンテンツ プレースホルダー 2">
+            <a:extLst>
+              <a:ext uri="{FF2B5EF4-FFF2-40B4-BE49-F238E27FC236}">
+                <a16:creationId xmlns:a16="http://schemas.microsoft.com/office/drawing/2014/main" id="{98172326-BBB2-93AC-20C5-CDAF8B5EA94E}"/>
+              </a:ext>
+            </a:extLst>
+          </p:cNvPr>
+          <p:cNvSpPr>
+            <a:spLocks noGrp="1"/>
+          </p:cNvSpPr>
+          <p:nvPr>
+            <p:ph idx="1"/>
+          </p:nvPr>
+        </p:nvSpPr>
+        <p:spPr>
+          <a:xfrm>
+            <a:off x="259194" y="1099789"/>
+            <a:ext cx="8625610" cy="5481485"/>
+          </a:xfrm>
+        </p:spPr>
+        <p:txBody>
+          <a:bodyPr>
+            <a:noAutofit/>
+          </a:bodyPr>
+          <a:lstStyle/>
+          <a:p>
+            <a:pPr marL="0" indent="0">
+              <a:buNone/>
+            </a:pPr>
+            <a:r>
+              <a:rPr lang="en-US" altLang="ja-JP" dirty="0">
+                <a:latin typeface="+mn-lt"/>
+                <a:ea typeface="Source Sans Pro SemiBold" panose="020B0603030403020204" pitchFamily="34" charset="0"/>
+              </a:rPr>
+              <a:t>Church Encodings</a:t>
+            </a:r>
+            <a:endParaRPr lang="en-US" altLang="ja-JP" sz="2400" dirty="0">
+              <a:ea typeface="+mn-ea"/>
+            </a:endParaRPr>
+          </a:p>
+          <a:p>
+            <a:pPr marL="0" indent="0">
+              <a:buNone/>
+            </a:pPr>
+            <a:endParaRPr lang="en-US" altLang="ja-JP" sz="800" dirty="0">
+              <a:ea typeface="+mn-ea"/>
+            </a:endParaRPr>
+          </a:p>
+          <a:p>
+            <a:pPr marL="0" indent="0">
+              <a:buNone/>
+            </a:pPr>
+            <a:r>
+              <a:rPr lang="en-US" altLang="ja-JP" sz="2400" dirty="0">
+                <a:latin typeface="Source Sans Pro SemiBold" panose="020B0603030403020204" pitchFamily="34" charset="0"/>
+                <a:ea typeface="Source Sans Pro SemiBold" panose="020B0603030403020204" pitchFamily="34" charset="0"/>
+              </a:rPr>
+              <a:t>[λ</a:t>
+            </a:r>
+            <a:r>
+              <a:rPr lang="ja-JP" altLang="en-US" sz="2400" baseline="-25000" dirty="0">
+                <a:latin typeface="Source Sans Pro SemiBold" panose="020B0603030403020204" pitchFamily="34" charset="0"/>
+                <a:ea typeface="+mn-ea"/>
+              </a:rPr>
+              <a:t>→</a:t>
+            </a:r>
+            <a:r>
+              <a:rPr lang="en-US" altLang="ja-JP" sz="2400" dirty="0">
+                <a:latin typeface="Source Sans Pro SemiBold" panose="020B0603030403020204" pitchFamily="34" charset="0"/>
+                <a:ea typeface="Source Sans Pro SemiBold" panose="020B0603030403020204" pitchFamily="34" charset="0"/>
+              </a:rPr>
+              <a:t>]	c</a:t>
+            </a:r>
+            <a:r>
+              <a:rPr lang="ja-JP" altLang="en-US" sz="2400" dirty="0">
+                <a:latin typeface="Source Sans Pro SemiBold" panose="020B0603030403020204" pitchFamily="34" charset="0"/>
+                <a:ea typeface="Source Sans Pro SemiBold" panose="020B0603030403020204" pitchFamily="34" charset="0"/>
+              </a:rPr>
+              <a:t>₀ </a:t>
+            </a:r>
+            <a:r>
+              <a:rPr lang="en-US" altLang="ja-JP" sz="2400" dirty="0">
+                <a:latin typeface="Source Sans Pro SemiBold" panose="020B0603030403020204" pitchFamily="34" charset="0"/>
+                <a:ea typeface="Source Sans Pro SemiBold" panose="020B0603030403020204" pitchFamily="34" charset="0"/>
+              </a:rPr>
+              <a:t>= </a:t>
+            </a:r>
+            <a:r>
+              <a:rPr lang="en-US" altLang="ja-JP" sz="2400" dirty="0" err="1">
+                <a:latin typeface="Source Sans Pro SemiBold" panose="020B0603030403020204" pitchFamily="34" charset="0"/>
+                <a:ea typeface="Source Sans Pro SemiBold" panose="020B0603030403020204" pitchFamily="34" charset="0"/>
+              </a:rPr>
+              <a:t>λs</a:t>
+            </a:r>
+            <a:r>
+              <a:rPr lang="en-US" altLang="ja-JP" sz="2400" dirty="0">
+                <a:latin typeface="Source Sans Pro SemiBold" panose="020B0603030403020204" pitchFamily="34" charset="0"/>
+                <a:ea typeface="Source Sans Pro SemiBold" panose="020B0603030403020204" pitchFamily="34" charset="0"/>
+              </a:rPr>
+              <a:t>. </a:t>
+            </a:r>
+            <a:r>
+              <a:rPr lang="en-US" altLang="ja-JP" sz="2400" dirty="0" err="1">
+                <a:latin typeface="Source Sans Pro SemiBold" panose="020B0603030403020204" pitchFamily="34" charset="0"/>
+                <a:ea typeface="Source Sans Pro SemiBold" panose="020B0603030403020204" pitchFamily="34" charset="0"/>
+              </a:rPr>
+              <a:t>λz</a:t>
+            </a:r>
+            <a:r>
+              <a:rPr lang="en-US" altLang="ja-JP" sz="2400" dirty="0">
+                <a:latin typeface="Source Sans Pro SemiBold" panose="020B0603030403020204" pitchFamily="34" charset="0"/>
+                <a:ea typeface="Source Sans Pro SemiBold" panose="020B0603030403020204" pitchFamily="34" charset="0"/>
+              </a:rPr>
+              <a:t>. z</a:t>
+            </a:r>
+          </a:p>
+          <a:p>
+            <a:pPr marL="0" indent="0">
+              <a:buNone/>
+            </a:pPr>
+            <a:r>
+              <a:rPr lang="en-US" altLang="ja-JP" sz="2400" dirty="0">
+                <a:latin typeface="Source Sans Pro SemiBold" panose="020B0603030403020204" pitchFamily="34" charset="0"/>
+                <a:ea typeface="Source Sans Pro SemiBold" panose="020B0603030403020204" pitchFamily="34" charset="0"/>
+              </a:rPr>
+              <a:t>	c</a:t>
+            </a:r>
+            <a:r>
+              <a:rPr lang="ja-JP" altLang="en-US" sz="2400" dirty="0">
+                <a:latin typeface="Source Sans Pro SemiBold" panose="020B0603030403020204" pitchFamily="34" charset="0"/>
+                <a:ea typeface="Source Sans Pro SemiBold" panose="020B0603030403020204" pitchFamily="34" charset="0"/>
+              </a:rPr>
+              <a:t>₁ </a:t>
+            </a:r>
+            <a:r>
+              <a:rPr lang="en-US" altLang="ja-JP" sz="2400" dirty="0">
+                <a:latin typeface="Source Sans Pro SemiBold" panose="020B0603030403020204" pitchFamily="34" charset="0"/>
+                <a:ea typeface="Source Sans Pro SemiBold" panose="020B0603030403020204" pitchFamily="34" charset="0"/>
+              </a:rPr>
+              <a:t>= </a:t>
+            </a:r>
+            <a:r>
+              <a:rPr lang="en-US" altLang="ja-JP" sz="2400" dirty="0" err="1">
+                <a:latin typeface="Source Sans Pro SemiBold" panose="020B0603030403020204" pitchFamily="34" charset="0"/>
+                <a:ea typeface="Source Sans Pro SemiBold" panose="020B0603030403020204" pitchFamily="34" charset="0"/>
+              </a:rPr>
+              <a:t>λs</a:t>
+            </a:r>
+            <a:r>
+              <a:rPr lang="en-US" altLang="ja-JP" sz="2400" dirty="0">
+                <a:latin typeface="Source Sans Pro SemiBold" panose="020B0603030403020204" pitchFamily="34" charset="0"/>
+                <a:ea typeface="Source Sans Pro SemiBold" panose="020B0603030403020204" pitchFamily="34" charset="0"/>
+              </a:rPr>
+              <a:t>. </a:t>
+            </a:r>
+            <a:r>
+              <a:rPr lang="en-US" altLang="ja-JP" sz="2400" dirty="0" err="1">
+                <a:latin typeface="Source Sans Pro SemiBold" panose="020B0603030403020204" pitchFamily="34" charset="0"/>
+                <a:ea typeface="Source Sans Pro SemiBold" panose="020B0603030403020204" pitchFamily="34" charset="0"/>
+              </a:rPr>
+              <a:t>λz</a:t>
+            </a:r>
+            <a:r>
+              <a:rPr lang="en-US" altLang="ja-JP" sz="2400" dirty="0">
+                <a:latin typeface="Source Sans Pro SemiBold" panose="020B0603030403020204" pitchFamily="34" charset="0"/>
+                <a:ea typeface="Source Sans Pro SemiBold" panose="020B0603030403020204" pitchFamily="34" charset="0"/>
+              </a:rPr>
+              <a:t>. s z</a:t>
+            </a:r>
+          </a:p>
+          <a:p>
+            <a:pPr marL="0" indent="0">
+              <a:buNone/>
+            </a:pPr>
+            <a:r>
+              <a:rPr lang="en-US" altLang="ja-JP" sz="2400" dirty="0">
+                <a:latin typeface="Source Sans Pro SemiBold" panose="020B0603030403020204" pitchFamily="34" charset="0"/>
+                <a:ea typeface="Source Sans Pro SemiBold" panose="020B0603030403020204" pitchFamily="34" charset="0"/>
+              </a:rPr>
+              <a:t>	c</a:t>
+            </a:r>
+            <a:r>
+              <a:rPr lang="ja-JP" altLang="en-US" sz="2400" dirty="0">
+                <a:latin typeface="Source Sans Pro SemiBold" panose="020B0603030403020204" pitchFamily="34" charset="0"/>
+                <a:ea typeface="Source Sans Pro SemiBold" panose="020B0603030403020204" pitchFamily="34" charset="0"/>
+              </a:rPr>
+              <a:t>₂ </a:t>
+            </a:r>
+            <a:r>
+              <a:rPr lang="en-US" altLang="ja-JP" sz="2400" dirty="0">
+                <a:latin typeface="Source Sans Pro SemiBold" panose="020B0603030403020204" pitchFamily="34" charset="0"/>
+                <a:ea typeface="Source Sans Pro SemiBold" panose="020B0603030403020204" pitchFamily="34" charset="0"/>
+              </a:rPr>
+              <a:t>= </a:t>
+            </a:r>
+            <a:r>
+              <a:rPr lang="en-US" altLang="ja-JP" sz="2400" dirty="0" err="1">
+                <a:latin typeface="Source Sans Pro SemiBold" panose="020B0603030403020204" pitchFamily="34" charset="0"/>
+                <a:ea typeface="Source Sans Pro SemiBold" panose="020B0603030403020204" pitchFamily="34" charset="0"/>
+              </a:rPr>
+              <a:t>λs</a:t>
+            </a:r>
+            <a:r>
+              <a:rPr lang="en-US" altLang="ja-JP" sz="2400" dirty="0">
+                <a:latin typeface="Source Sans Pro SemiBold" panose="020B0603030403020204" pitchFamily="34" charset="0"/>
+                <a:ea typeface="Source Sans Pro SemiBold" panose="020B0603030403020204" pitchFamily="34" charset="0"/>
+              </a:rPr>
+              <a:t>. </a:t>
+            </a:r>
+            <a:r>
+              <a:rPr lang="en-US" altLang="ja-JP" sz="2400" dirty="0" err="1">
+                <a:latin typeface="Source Sans Pro SemiBold" panose="020B0603030403020204" pitchFamily="34" charset="0"/>
+                <a:ea typeface="Source Sans Pro SemiBold" panose="020B0603030403020204" pitchFamily="34" charset="0"/>
+              </a:rPr>
+              <a:t>λz</a:t>
+            </a:r>
+            <a:r>
+              <a:rPr lang="en-US" altLang="ja-JP" sz="2400" dirty="0">
+                <a:latin typeface="Source Sans Pro SemiBold" panose="020B0603030403020204" pitchFamily="34" charset="0"/>
+                <a:ea typeface="Source Sans Pro SemiBold" panose="020B0603030403020204" pitchFamily="34" charset="0"/>
+              </a:rPr>
+              <a:t>. s (s z)</a:t>
+            </a:r>
+          </a:p>
+          <a:p>
+            <a:pPr marL="0" indent="0">
+              <a:buNone/>
+            </a:pPr>
+            <a:endParaRPr lang="en-US" altLang="ja-JP" sz="800" dirty="0">
+              <a:latin typeface="Source Sans Pro SemiBold" panose="020B0603030403020204" pitchFamily="34" charset="0"/>
+              <a:ea typeface="Source Sans Pro SemiBold" panose="020B0603030403020204" pitchFamily="34" charset="0"/>
+            </a:endParaRPr>
+          </a:p>
+          <a:p>
+            <a:pPr marL="0" indent="0">
+              <a:buNone/>
+            </a:pPr>
+            <a:r>
+              <a:rPr lang="en-US" altLang="ja-JP" sz="2400" dirty="0">
+                <a:latin typeface="Source Sans Pro SemiBold" panose="020B0603030403020204" pitchFamily="34" charset="0"/>
+                <a:ea typeface="Source Sans Pro SemiBold" panose="020B0603030403020204" pitchFamily="34" charset="0"/>
+              </a:rPr>
+              <a:t>[System F]         </a:t>
+            </a:r>
+          </a:p>
+          <a:p>
+            <a:pPr marL="0" indent="0">
+              <a:buNone/>
+            </a:pPr>
+            <a:r>
+              <a:rPr lang="en-US" altLang="ja-JP" sz="2400" dirty="0">
+                <a:latin typeface="Source Sans Pro SemiBold" panose="020B0603030403020204" pitchFamily="34" charset="0"/>
+                <a:ea typeface="Source Sans Pro SemiBold" panose="020B0603030403020204" pitchFamily="34" charset="0"/>
+              </a:rPr>
+              <a:t>	</a:t>
+            </a:r>
+            <a:r>
+              <a:rPr lang="en-US" altLang="ja-JP" sz="2400" dirty="0" err="1">
+                <a:latin typeface="Source Sans Pro SemiBold" panose="020B0603030403020204" pitchFamily="34" charset="0"/>
+                <a:ea typeface="Source Sans Pro SemiBold" panose="020B0603030403020204" pitchFamily="34" charset="0"/>
+              </a:rPr>
+              <a:t>CNat</a:t>
+            </a:r>
+            <a:r>
+              <a:rPr lang="en-US" altLang="ja-JP" sz="2400" dirty="0">
+                <a:latin typeface="Source Sans Pro SemiBold" panose="020B0603030403020204" pitchFamily="34" charset="0"/>
+                <a:ea typeface="Source Sans Pro SemiBold" panose="020B0603030403020204" pitchFamily="34" charset="0"/>
+              </a:rPr>
+              <a:t> : </a:t>
+            </a:r>
+            <a:r>
+              <a:rPr lang="ja-JP" altLang="en-US" sz="2400" dirty="0">
+                <a:latin typeface="Source Sans Pro SemiBold" panose="020B0603030403020204" pitchFamily="34" charset="0"/>
+                <a:ea typeface="Source Sans Pro SemiBold" panose="020B0603030403020204" pitchFamily="34" charset="0"/>
+              </a:rPr>
+              <a:t>∀</a:t>
+            </a:r>
+            <a:r>
+              <a:rPr lang="en-US" altLang="ja-JP" sz="2400" dirty="0">
+                <a:latin typeface="Source Sans Pro SemiBold" panose="020B0603030403020204" pitchFamily="34" charset="0"/>
+                <a:ea typeface="Source Sans Pro SemiBold" panose="020B0603030403020204" pitchFamily="34" charset="0"/>
+              </a:rPr>
+              <a:t>X. (X </a:t>
+            </a:r>
+            <a:r>
+              <a:rPr lang="ja-JP" altLang="en-US" sz="2400" dirty="0">
+                <a:latin typeface="Source Sans Pro SemiBold" panose="020B0603030403020204" pitchFamily="34" charset="0"/>
+                <a:ea typeface="Source Sans Pro SemiBold" panose="020B0603030403020204" pitchFamily="34" charset="0"/>
+              </a:rPr>
+              <a:t>→ </a:t>
+            </a:r>
+            <a:r>
+              <a:rPr lang="en-US" altLang="ja-JP" sz="2400" dirty="0">
+                <a:latin typeface="Source Sans Pro SemiBold" panose="020B0603030403020204" pitchFamily="34" charset="0"/>
+                <a:ea typeface="Source Sans Pro SemiBold" panose="020B0603030403020204" pitchFamily="34" charset="0"/>
+              </a:rPr>
+              <a:t>X) </a:t>
+            </a:r>
+            <a:r>
+              <a:rPr lang="ja-JP" altLang="en-US" sz="2400" dirty="0">
+                <a:latin typeface="Source Sans Pro SemiBold" panose="020B0603030403020204" pitchFamily="34" charset="0"/>
+                <a:ea typeface="Source Sans Pro SemiBold" panose="020B0603030403020204" pitchFamily="34" charset="0"/>
+              </a:rPr>
+              <a:t>→ </a:t>
+            </a:r>
+            <a:r>
+              <a:rPr lang="en-US" altLang="ja-JP" sz="2400" dirty="0">
+                <a:latin typeface="Source Sans Pro SemiBold" panose="020B0603030403020204" pitchFamily="34" charset="0"/>
+                <a:ea typeface="Source Sans Pro SemiBold" panose="020B0603030403020204" pitchFamily="34" charset="0"/>
+              </a:rPr>
+              <a:t>X </a:t>
+            </a:r>
+            <a:r>
+              <a:rPr lang="ja-JP" altLang="en-US" sz="2400" dirty="0">
+                <a:latin typeface="Source Sans Pro SemiBold" panose="020B0603030403020204" pitchFamily="34" charset="0"/>
+                <a:ea typeface="Source Sans Pro SemiBold" panose="020B0603030403020204" pitchFamily="34" charset="0"/>
+              </a:rPr>
+              <a:t>→ </a:t>
+            </a:r>
+            <a:r>
+              <a:rPr lang="en-US" altLang="ja-JP" sz="2400" dirty="0">
+                <a:latin typeface="Source Sans Pro SemiBold" panose="020B0603030403020204" pitchFamily="34" charset="0"/>
+                <a:ea typeface="Source Sans Pro SemiBold" panose="020B0603030403020204" pitchFamily="34" charset="0"/>
+              </a:rPr>
+              <a:t>X</a:t>
+            </a:r>
+          </a:p>
+          <a:p>
+            <a:pPr marL="0" indent="0">
+              <a:buNone/>
+            </a:pPr>
+            <a:endParaRPr lang="en-US" altLang="ja-JP" sz="800" dirty="0">
+              <a:latin typeface="Source Sans Pro SemiBold" panose="020B0603030403020204" pitchFamily="34" charset="0"/>
+              <a:ea typeface="Source Sans Pro SemiBold" panose="020B0603030403020204" pitchFamily="34" charset="0"/>
+            </a:endParaRPr>
+          </a:p>
+          <a:p>
+            <a:pPr marL="0" indent="0">
+              <a:buNone/>
+            </a:pPr>
+            <a:r>
+              <a:rPr lang="en-US" altLang="ja-JP" sz="2400" dirty="0">
+                <a:latin typeface="Source Sans Pro SemiBold" panose="020B0603030403020204" pitchFamily="34" charset="0"/>
+                <a:ea typeface="Source Sans Pro SemiBold" panose="020B0603030403020204" pitchFamily="34" charset="0"/>
+              </a:rPr>
+              <a:t>	c</a:t>
+            </a:r>
+            <a:r>
+              <a:rPr lang="ja-JP" altLang="en-US" sz="2400" dirty="0">
+                <a:latin typeface="Source Sans Pro SemiBold" panose="020B0603030403020204" pitchFamily="34" charset="0"/>
+                <a:ea typeface="Source Sans Pro SemiBold" panose="020B0603030403020204" pitchFamily="34" charset="0"/>
+              </a:rPr>
+              <a:t>₀ </a:t>
+            </a:r>
+            <a:r>
+              <a:rPr lang="en-US" altLang="ja-JP" sz="2400" dirty="0">
+                <a:latin typeface="Source Sans Pro SemiBold" panose="020B0603030403020204" pitchFamily="34" charset="0"/>
+                <a:ea typeface="Source Sans Pro SemiBold" panose="020B0603030403020204" pitchFamily="34" charset="0"/>
+              </a:rPr>
+              <a:t>: </a:t>
+            </a:r>
+            <a:r>
+              <a:rPr lang="en-US" altLang="ja-JP" sz="2400" dirty="0" err="1">
+                <a:latin typeface="Source Sans Pro SemiBold" panose="020B0603030403020204" pitchFamily="34" charset="0"/>
+                <a:ea typeface="Source Sans Pro SemiBold" panose="020B0603030403020204" pitchFamily="34" charset="0"/>
+              </a:rPr>
+              <a:t>CNat</a:t>
+            </a:r>
+            <a:r>
+              <a:rPr lang="en-US" altLang="ja-JP" sz="2400" dirty="0">
+                <a:latin typeface="Source Sans Pro SemiBold" panose="020B0603030403020204" pitchFamily="34" charset="0"/>
+                <a:ea typeface="Source Sans Pro SemiBold" panose="020B0603030403020204" pitchFamily="34" charset="0"/>
+              </a:rPr>
+              <a:t> = </a:t>
+            </a:r>
+            <a:r>
+              <a:rPr lang="en-US" altLang="ja-JP" sz="2400" dirty="0" err="1">
+                <a:latin typeface="Source Sans Pro SemiBold" panose="020B0603030403020204" pitchFamily="34" charset="0"/>
+                <a:ea typeface="Source Sans Pro SemiBold" panose="020B0603030403020204" pitchFamily="34" charset="0"/>
+              </a:rPr>
+              <a:t>λX</a:t>
+            </a:r>
+            <a:r>
+              <a:rPr lang="en-US" altLang="ja-JP" sz="2400" dirty="0">
+                <a:latin typeface="Source Sans Pro SemiBold" panose="020B0603030403020204" pitchFamily="34" charset="0"/>
+                <a:ea typeface="Source Sans Pro SemiBold" panose="020B0603030403020204" pitchFamily="34" charset="0"/>
+              </a:rPr>
+              <a:t>.  </a:t>
+            </a:r>
+            <a:r>
+              <a:rPr lang="en-US" altLang="ja-JP" sz="2400" dirty="0" err="1">
+                <a:latin typeface="Source Sans Pro SemiBold" panose="020B0603030403020204" pitchFamily="34" charset="0"/>
+                <a:ea typeface="Source Sans Pro SemiBold" panose="020B0603030403020204" pitchFamily="34" charset="0"/>
+              </a:rPr>
+              <a:t>λs</a:t>
+            </a:r>
+            <a:r>
+              <a:rPr lang="en-US" altLang="ja-JP" sz="2400" dirty="0">
+                <a:latin typeface="Source Sans Pro SemiBold" panose="020B0603030403020204" pitchFamily="34" charset="0"/>
+                <a:ea typeface="Source Sans Pro SemiBold" panose="020B0603030403020204" pitchFamily="34" charset="0"/>
+              </a:rPr>
+              <a:t> : X </a:t>
+            </a:r>
+            <a:r>
+              <a:rPr lang="ja-JP" altLang="en-US" sz="2400" dirty="0">
+                <a:latin typeface="Source Sans Pro SemiBold" panose="020B0603030403020204" pitchFamily="34" charset="0"/>
+                <a:ea typeface="Source Sans Pro SemiBold" panose="020B0603030403020204" pitchFamily="34" charset="0"/>
+              </a:rPr>
+              <a:t>→ </a:t>
+            </a:r>
+            <a:r>
+              <a:rPr lang="en-US" altLang="ja-JP" sz="2400" dirty="0">
+                <a:latin typeface="Source Sans Pro SemiBold" panose="020B0603030403020204" pitchFamily="34" charset="0"/>
+                <a:ea typeface="Source Sans Pro SemiBold" panose="020B0603030403020204" pitchFamily="34" charset="0"/>
+              </a:rPr>
+              <a:t>X.  </a:t>
+            </a:r>
+            <a:r>
+              <a:rPr lang="en-US" altLang="ja-JP" sz="2400" dirty="0" err="1">
+                <a:latin typeface="Source Sans Pro SemiBold" panose="020B0603030403020204" pitchFamily="34" charset="0"/>
+                <a:ea typeface="Source Sans Pro SemiBold" panose="020B0603030403020204" pitchFamily="34" charset="0"/>
+              </a:rPr>
+              <a:t>λz</a:t>
+            </a:r>
+            <a:r>
+              <a:rPr lang="en-US" altLang="ja-JP" sz="2400" dirty="0">
+                <a:latin typeface="Source Sans Pro SemiBold" panose="020B0603030403020204" pitchFamily="34" charset="0"/>
+                <a:ea typeface="Source Sans Pro SemiBold" panose="020B0603030403020204" pitchFamily="34" charset="0"/>
+              </a:rPr>
+              <a:t> : X.  z </a:t>
+            </a:r>
+          </a:p>
+          <a:p>
+            <a:pPr marL="0" indent="0">
+              <a:buNone/>
+            </a:pPr>
+            <a:r>
+              <a:rPr lang="en-US" altLang="ja-JP" sz="2400" dirty="0">
+                <a:latin typeface="Source Sans Pro SemiBold" panose="020B0603030403020204" pitchFamily="34" charset="0"/>
+                <a:ea typeface="Source Sans Pro SemiBold" panose="020B0603030403020204" pitchFamily="34" charset="0"/>
+              </a:rPr>
+              <a:t>	c</a:t>
+            </a:r>
+            <a:r>
+              <a:rPr lang="ja-JP" altLang="en-US" sz="2400" dirty="0">
+                <a:latin typeface="Source Sans Pro SemiBold" panose="020B0603030403020204" pitchFamily="34" charset="0"/>
+                <a:ea typeface="Source Sans Pro SemiBold" panose="020B0603030403020204" pitchFamily="34" charset="0"/>
+              </a:rPr>
+              <a:t>₁ </a:t>
+            </a:r>
+            <a:r>
+              <a:rPr lang="en-US" altLang="ja-JP" sz="2400" dirty="0">
+                <a:latin typeface="Source Sans Pro SemiBold" panose="020B0603030403020204" pitchFamily="34" charset="0"/>
+                <a:ea typeface="Source Sans Pro SemiBold" panose="020B0603030403020204" pitchFamily="34" charset="0"/>
+              </a:rPr>
+              <a:t>: </a:t>
+            </a:r>
+            <a:r>
+              <a:rPr lang="en-US" altLang="ja-JP" sz="2400" dirty="0" err="1">
+                <a:latin typeface="Source Sans Pro SemiBold" panose="020B0603030403020204" pitchFamily="34" charset="0"/>
+                <a:ea typeface="Source Sans Pro SemiBold" panose="020B0603030403020204" pitchFamily="34" charset="0"/>
+              </a:rPr>
+              <a:t>CNat</a:t>
+            </a:r>
+            <a:r>
+              <a:rPr lang="en-US" altLang="ja-JP" sz="2400" dirty="0">
+                <a:latin typeface="Source Sans Pro SemiBold" panose="020B0603030403020204" pitchFamily="34" charset="0"/>
+                <a:ea typeface="Source Sans Pro SemiBold" panose="020B0603030403020204" pitchFamily="34" charset="0"/>
+              </a:rPr>
+              <a:t> = </a:t>
+            </a:r>
+            <a:r>
+              <a:rPr lang="en-US" altLang="ja-JP" sz="2400" dirty="0" err="1">
+                <a:latin typeface="Source Sans Pro SemiBold" panose="020B0603030403020204" pitchFamily="34" charset="0"/>
+                <a:ea typeface="Source Sans Pro SemiBold" panose="020B0603030403020204" pitchFamily="34" charset="0"/>
+              </a:rPr>
+              <a:t>λX</a:t>
+            </a:r>
+            <a:r>
+              <a:rPr lang="en-US" altLang="ja-JP" sz="2400" dirty="0">
+                <a:latin typeface="Source Sans Pro SemiBold" panose="020B0603030403020204" pitchFamily="34" charset="0"/>
+                <a:ea typeface="Source Sans Pro SemiBold" panose="020B0603030403020204" pitchFamily="34" charset="0"/>
+              </a:rPr>
+              <a:t>.  </a:t>
+            </a:r>
+            <a:r>
+              <a:rPr lang="en-US" altLang="ja-JP" sz="2400" dirty="0" err="1">
+                <a:latin typeface="Source Sans Pro SemiBold" panose="020B0603030403020204" pitchFamily="34" charset="0"/>
+                <a:ea typeface="Source Sans Pro SemiBold" panose="020B0603030403020204" pitchFamily="34" charset="0"/>
+              </a:rPr>
+              <a:t>λs</a:t>
+            </a:r>
+            <a:r>
+              <a:rPr lang="en-US" altLang="ja-JP" sz="2400" dirty="0">
+                <a:latin typeface="Source Sans Pro SemiBold" panose="020B0603030403020204" pitchFamily="34" charset="0"/>
+                <a:ea typeface="Source Sans Pro SemiBold" panose="020B0603030403020204" pitchFamily="34" charset="0"/>
+              </a:rPr>
+              <a:t> : X </a:t>
+            </a:r>
+            <a:r>
+              <a:rPr lang="ja-JP" altLang="en-US" sz="2400" dirty="0">
+                <a:latin typeface="Source Sans Pro SemiBold" panose="020B0603030403020204" pitchFamily="34" charset="0"/>
+                <a:ea typeface="Source Sans Pro SemiBold" panose="020B0603030403020204" pitchFamily="34" charset="0"/>
+              </a:rPr>
+              <a:t>→ </a:t>
+            </a:r>
+            <a:r>
+              <a:rPr lang="en-US" altLang="ja-JP" sz="2400" dirty="0">
+                <a:latin typeface="Source Sans Pro SemiBold" panose="020B0603030403020204" pitchFamily="34" charset="0"/>
+                <a:ea typeface="Source Sans Pro SemiBold" panose="020B0603030403020204" pitchFamily="34" charset="0"/>
+              </a:rPr>
+              <a:t>X.  </a:t>
+            </a:r>
+            <a:r>
+              <a:rPr lang="en-US" altLang="ja-JP" sz="2400" dirty="0" err="1">
+                <a:latin typeface="Source Sans Pro SemiBold" panose="020B0603030403020204" pitchFamily="34" charset="0"/>
+                <a:ea typeface="Source Sans Pro SemiBold" panose="020B0603030403020204" pitchFamily="34" charset="0"/>
+              </a:rPr>
+              <a:t>λz</a:t>
+            </a:r>
+            <a:r>
+              <a:rPr lang="en-US" altLang="ja-JP" sz="2400" dirty="0">
+                <a:latin typeface="Source Sans Pro SemiBold" panose="020B0603030403020204" pitchFamily="34" charset="0"/>
+                <a:ea typeface="Source Sans Pro SemiBold" panose="020B0603030403020204" pitchFamily="34" charset="0"/>
+              </a:rPr>
+              <a:t> : X.  s z</a:t>
+            </a:r>
+          </a:p>
+          <a:p>
+            <a:pPr marL="0" indent="0">
+              <a:buNone/>
+            </a:pPr>
+            <a:r>
+              <a:rPr lang="en-US" altLang="ja-JP" sz="2400" dirty="0">
+                <a:latin typeface="Source Sans Pro SemiBold" panose="020B0603030403020204" pitchFamily="34" charset="0"/>
+                <a:ea typeface="Source Sans Pro SemiBold" panose="020B0603030403020204" pitchFamily="34" charset="0"/>
+              </a:rPr>
+              <a:t>	c</a:t>
+            </a:r>
+            <a:r>
+              <a:rPr lang="ja-JP" altLang="en-US" sz="2400" dirty="0">
+                <a:latin typeface="Source Sans Pro SemiBold" panose="020B0603030403020204" pitchFamily="34" charset="0"/>
+                <a:ea typeface="Source Sans Pro SemiBold" panose="020B0603030403020204" pitchFamily="34" charset="0"/>
+              </a:rPr>
+              <a:t>₂ </a:t>
+            </a:r>
+            <a:r>
+              <a:rPr lang="en-US" altLang="ja-JP" sz="2400" dirty="0">
+                <a:latin typeface="Source Sans Pro SemiBold" panose="020B0603030403020204" pitchFamily="34" charset="0"/>
+                <a:ea typeface="Source Sans Pro SemiBold" panose="020B0603030403020204" pitchFamily="34" charset="0"/>
+              </a:rPr>
+              <a:t>: </a:t>
+            </a:r>
+            <a:r>
+              <a:rPr lang="en-US" altLang="ja-JP" sz="2400" dirty="0" err="1">
+                <a:latin typeface="Source Sans Pro SemiBold" panose="020B0603030403020204" pitchFamily="34" charset="0"/>
+                <a:ea typeface="Source Sans Pro SemiBold" panose="020B0603030403020204" pitchFamily="34" charset="0"/>
+              </a:rPr>
+              <a:t>CNat</a:t>
+            </a:r>
+            <a:r>
+              <a:rPr lang="en-US" altLang="ja-JP" sz="2400" dirty="0">
+                <a:latin typeface="Source Sans Pro SemiBold" panose="020B0603030403020204" pitchFamily="34" charset="0"/>
+                <a:ea typeface="Source Sans Pro SemiBold" panose="020B0603030403020204" pitchFamily="34" charset="0"/>
+              </a:rPr>
+              <a:t> = </a:t>
+            </a:r>
+            <a:r>
+              <a:rPr lang="en-US" altLang="ja-JP" sz="2400" dirty="0" err="1">
+                <a:latin typeface="Source Sans Pro SemiBold" panose="020B0603030403020204" pitchFamily="34" charset="0"/>
+                <a:ea typeface="Source Sans Pro SemiBold" panose="020B0603030403020204" pitchFamily="34" charset="0"/>
+              </a:rPr>
+              <a:t>λX</a:t>
+            </a:r>
+            <a:r>
+              <a:rPr lang="en-US" altLang="ja-JP" sz="2400" dirty="0">
+                <a:latin typeface="Source Sans Pro SemiBold" panose="020B0603030403020204" pitchFamily="34" charset="0"/>
+                <a:ea typeface="Source Sans Pro SemiBold" panose="020B0603030403020204" pitchFamily="34" charset="0"/>
+              </a:rPr>
+              <a:t>.  </a:t>
+            </a:r>
+            <a:r>
+              <a:rPr lang="en-US" altLang="ja-JP" sz="2400" dirty="0" err="1">
+                <a:latin typeface="Source Sans Pro SemiBold" panose="020B0603030403020204" pitchFamily="34" charset="0"/>
+                <a:ea typeface="Source Sans Pro SemiBold" panose="020B0603030403020204" pitchFamily="34" charset="0"/>
+              </a:rPr>
+              <a:t>λs</a:t>
+            </a:r>
+            <a:r>
+              <a:rPr lang="en-US" altLang="ja-JP" sz="2400" dirty="0">
+                <a:latin typeface="Source Sans Pro SemiBold" panose="020B0603030403020204" pitchFamily="34" charset="0"/>
+                <a:ea typeface="Source Sans Pro SemiBold" panose="020B0603030403020204" pitchFamily="34" charset="0"/>
+              </a:rPr>
+              <a:t> : X </a:t>
+            </a:r>
+            <a:r>
+              <a:rPr lang="ja-JP" altLang="en-US" sz="2400" dirty="0">
+                <a:latin typeface="Source Sans Pro SemiBold" panose="020B0603030403020204" pitchFamily="34" charset="0"/>
+                <a:ea typeface="Source Sans Pro SemiBold" panose="020B0603030403020204" pitchFamily="34" charset="0"/>
+              </a:rPr>
+              <a:t>→ </a:t>
+            </a:r>
+            <a:r>
+              <a:rPr lang="en-US" altLang="ja-JP" sz="2400" dirty="0">
+                <a:latin typeface="Source Sans Pro SemiBold" panose="020B0603030403020204" pitchFamily="34" charset="0"/>
+                <a:ea typeface="Source Sans Pro SemiBold" panose="020B0603030403020204" pitchFamily="34" charset="0"/>
+              </a:rPr>
+              <a:t>X.  </a:t>
+            </a:r>
+            <a:r>
+              <a:rPr lang="en-US" altLang="ja-JP" sz="2400" dirty="0" err="1">
+                <a:latin typeface="Source Sans Pro SemiBold" panose="020B0603030403020204" pitchFamily="34" charset="0"/>
+                <a:ea typeface="Source Sans Pro SemiBold" panose="020B0603030403020204" pitchFamily="34" charset="0"/>
+              </a:rPr>
+              <a:t>λz</a:t>
+            </a:r>
+            <a:r>
+              <a:rPr lang="en-US" altLang="ja-JP" sz="2400" dirty="0">
+                <a:latin typeface="Source Sans Pro SemiBold" panose="020B0603030403020204" pitchFamily="34" charset="0"/>
+                <a:ea typeface="Source Sans Pro SemiBold" panose="020B0603030403020204" pitchFamily="34" charset="0"/>
+              </a:rPr>
+              <a:t> : X.  s (s z) </a:t>
+            </a:r>
+          </a:p>
+        </p:txBody>
+      </p:sp>
+    </p:spTree>
+    <p:extLst>
+      <p:ext uri="{BB962C8B-B14F-4D97-AF65-F5344CB8AC3E}">
+        <p14:creationId xmlns:p14="http://schemas.microsoft.com/office/powerpoint/2010/main" val="3652693929"/>
+      </p:ext>
+    </p:extLst>
+  </p:cSld>
+  <p:clrMapOvr>
+    <a:masterClrMapping/>
+  </p:clrMapOvr>
+</p:sld>
+</file>
+
+<file path=ppt/slides/slide43.xml><?xml version="1.0" encoding="utf-8"?>
+<p:sld xmlns:a="http://schemas.openxmlformats.org/drawingml/2006/main" xmlns:r="http://schemas.openxmlformats.org/officeDocument/2006/relationships" xmlns:p="http://schemas.openxmlformats.org/presentationml/2006/main">
+  <p:cSld>
+    <p:spTree>
+      <p:nvGrpSpPr>
+        <p:cNvPr id="1" name="">
+          <a:extLst>
+            <a:ext uri="{FF2B5EF4-FFF2-40B4-BE49-F238E27FC236}">
+              <a16:creationId xmlns:a16="http://schemas.microsoft.com/office/drawing/2014/main" id="{B4D2B2B4-595C-414E-4B45-84C7588C7A88}"/>
+            </a:ext>
+          </a:extLst>
+        </p:cNvPr>
+        <p:cNvGrpSpPr/>
+        <p:nvPr/>
+      </p:nvGrpSpPr>
+      <p:grpSpPr>
+        <a:xfrm>
+          <a:off x="0" y="0"/>
+          <a:ext cx="0" cy="0"/>
+          <a:chOff x="0" y="0"/>
+          <a:chExt cx="0" cy="0"/>
+        </a:xfrm>
+      </p:grpSpPr>
+      <p:sp>
+        <p:nvSpPr>
+          <p:cNvPr id="2" name="タイトル 1">
+            <a:extLst>
+              <a:ext uri="{FF2B5EF4-FFF2-40B4-BE49-F238E27FC236}">
+                <a16:creationId xmlns:a16="http://schemas.microsoft.com/office/drawing/2014/main" id="{A93C775D-E7FA-FF8F-1C5A-9E1CAEFFF7E5}"/>
+              </a:ext>
+            </a:extLst>
+          </p:cNvPr>
+          <p:cNvSpPr>
+            <a:spLocks noGrp="1"/>
+          </p:cNvSpPr>
+          <p:nvPr>
+            <p:ph type="title"/>
+          </p:nvPr>
+        </p:nvSpPr>
+        <p:spPr/>
+        <p:txBody>
+          <a:bodyPr/>
+          <a:lstStyle/>
+          <a:p>
+            <a:r>
+              <a:rPr kumimoji="1" lang="en-US" altLang="ja-JP" dirty="0"/>
+              <a:t>23.4 </a:t>
+            </a:r>
+            <a:r>
+              <a:rPr lang="ja-JP" altLang="en-US" dirty="0"/>
+              <a:t>例</a:t>
+            </a:r>
+            <a:endParaRPr kumimoji="1" lang="ja-JP" altLang="en-US" dirty="0"/>
+          </a:p>
+        </p:txBody>
+      </p:sp>
+      <p:sp>
+        <p:nvSpPr>
+          <p:cNvPr id="3" name="コンテンツ プレースホルダー 2">
+            <a:extLst>
+              <a:ext uri="{FF2B5EF4-FFF2-40B4-BE49-F238E27FC236}">
+                <a16:creationId xmlns:a16="http://schemas.microsoft.com/office/drawing/2014/main" id="{FC409976-A278-613B-71C0-03B002AC342A}"/>
+              </a:ext>
+            </a:extLst>
+          </p:cNvPr>
+          <p:cNvSpPr>
+            <a:spLocks noGrp="1"/>
+          </p:cNvSpPr>
+          <p:nvPr>
+            <p:ph idx="1"/>
+          </p:nvPr>
+        </p:nvSpPr>
+        <p:spPr>
+          <a:xfrm>
+            <a:off x="259194" y="1099789"/>
+            <a:ext cx="8625610" cy="5481485"/>
+          </a:xfrm>
+        </p:spPr>
+        <p:txBody>
+          <a:bodyPr>
+            <a:noAutofit/>
+          </a:bodyPr>
+          <a:lstStyle/>
+          <a:p>
+            <a:pPr marL="0" indent="0">
+              <a:buNone/>
+            </a:pPr>
+            <a:r>
+              <a:rPr lang="en-US" altLang="ja-JP" dirty="0">
+                <a:latin typeface="+mn-lt"/>
+                <a:ea typeface="Source Sans Pro SemiBold" panose="020B0603030403020204" pitchFamily="34" charset="0"/>
+              </a:rPr>
+              <a:t>Church Encodings</a:t>
+            </a:r>
+            <a:endParaRPr lang="en-US" altLang="ja-JP" sz="2400" dirty="0">
+              <a:ea typeface="+mn-ea"/>
+            </a:endParaRPr>
+          </a:p>
+          <a:p>
+            <a:pPr marL="0" indent="0">
+              <a:buNone/>
+            </a:pPr>
+            <a:endParaRPr lang="en-US" altLang="ja-JP" sz="800" dirty="0">
+              <a:latin typeface="Source Sans Pro SemiBold" panose="020B0603030403020204" pitchFamily="34" charset="0"/>
+              <a:ea typeface="Source Sans Pro SemiBold" panose="020B0603030403020204" pitchFamily="34" charset="0"/>
+            </a:endParaRPr>
+          </a:p>
+          <a:p>
+            <a:pPr marL="0" indent="0">
+              <a:buNone/>
+            </a:pPr>
+            <a:r>
+              <a:rPr lang="en-US" altLang="ja-JP" sz="2400" dirty="0">
+                <a:latin typeface="Source Sans Pro SemiBold" panose="020B0603030403020204" pitchFamily="34" charset="0"/>
+                <a:ea typeface="Source Sans Pro SemiBold" panose="020B0603030403020204" pitchFamily="34" charset="0"/>
+              </a:rPr>
+              <a:t>[System F]         </a:t>
+            </a:r>
+          </a:p>
+          <a:p>
+            <a:pPr marL="0" indent="0">
+              <a:buNone/>
+            </a:pPr>
+            <a:r>
+              <a:rPr lang="en-US" altLang="ja-JP" sz="2400" dirty="0">
+                <a:latin typeface="Source Sans Pro SemiBold" panose="020B0603030403020204" pitchFamily="34" charset="0"/>
+                <a:ea typeface="Source Sans Pro SemiBold" panose="020B0603030403020204" pitchFamily="34" charset="0"/>
+              </a:rPr>
+              <a:t>	</a:t>
+            </a:r>
+            <a:r>
+              <a:rPr lang="en-US" altLang="ja-JP" sz="2400" dirty="0" err="1">
+                <a:latin typeface="Source Sans Pro SemiBold" panose="020B0603030403020204" pitchFamily="34" charset="0"/>
+                <a:ea typeface="Source Sans Pro SemiBold" panose="020B0603030403020204" pitchFamily="34" charset="0"/>
+              </a:rPr>
+              <a:t>csucc</a:t>
+            </a:r>
+            <a:r>
+              <a:rPr lang="en-US" altLang="ja-JP" sz="2400" dirty="0">
+                <a:latin typeface="Source Sans Pro SemiBold" panose="020B0603030403020204" pitchFamily="34" charset="0"/>
+                <a:ea typeface="Source Sans Pro SemiBold" panose="020B0603030403020204" pitchFamily="34" charset="0"/>
+              </a:rPr>
+              <a:t> = </a:t>
+            </a:r>
+            <a:r>
+              <a:rPr lang="en-US" altLang="ja-JP" sz="2400" dirty="0" err="1">
+                <a:latin typeface="Source Sans Pro SemiBold" panose="020B0603030403020204" pitchFamily="34" charset="0"/>
+                <a:ea typeface="Source Sans Pro SemiBold" panose="020B0603030403020204" pitchFamily="34" charset="0"/>
+              </a:rPr>
+              <a:t>λn</a:t>
+            </a:r>
+            <a:r>
+              <a:rPr lang="en-US" altLang="ja-JP" sz="2400" dirty="0">
+                <a:latin typeface="Source Sans Pro SemiBold" panose="020B0603030403020204" pitchFamily="34" charset="0"/>
+                <a:ea typeface="Source Sans Pro SemiBold" panose="020B0603030403020204" pitchFamily="34" charset="0"/>
+              </a:rPr>
+              <a:t> : </a:t>
+            </a:r>
+            <a:r>
+              <a:rPr lang="en-US" altLang="ja-JP" sz="2400" dirty="0" err="1">
+                <a:latin typeface="Source Sans Pro SemiBold" panose="020B0603030403020204" pitchFamily="34" charset="0"/>
+                <a:ea typeface="Source Sans Pro SemiBold" panose="020B0603030403020204" pitchFamily="34" charset="0"/>
+              </a:rPr>
+              <a:t>CNat</a:t>
+            </a:r>
+            <a:r>
+              <a:rPr lang="en-US" altLang="ja-JP" sz="2400" dirty="0">
+                <a:latin typeface="Source Sans Pro SemiBold" panose="020B0603030403020204" pitchFamily="34" charset="0"/>
+                <a:ea typeface="Source Sans Pro SemiBold" panose="020B0603030403020204" pitchFamily="34" charset="0"/>
+              </a:rPr>
+              <a:t>.  </a:t>
+            </a:r>
+            <a:r>
+              <a:rPr lang="en-US" altLang="ja-JP" sz="2400" dirty="0" err="1">
+                <a:latin typeface="Source Sans Pro SemiBold" panose="020B0603030403020204" pitchFamily="34" charset="0"/>
+                <a:ea typeface="Source Sans Pro SemiBold" panose="020B0603030403020204" pitchFamily="34" charset="0"/>
+              </a:rPr>
+              <a:t>λX</a:t>
+            </a:r>
+            <a:r>
+              <a:rPr lang="en-US" altLang="ja-JP" sz="2400" dirty="0">
+                <a:latin typeface="Source Sans Pro SemiBold" panose="020B0603030403020204" pitchFamily="34" charset="0"/>
+                <a:ea typeface="Source Sans Pro SemiBold" panose="020B0603030403020204" pitchFamily="34" charset="0"/>
+              </a:rPr>
+              <a:t>.  </a:t>
+            </a:r>
+            <a:r>
+              <a:rPr lang="en-US" altLang="ja-JP" sz="2400" dirty="0" err="1">
+                <a:latin typeface="Source Sans Pro SemiBold" panose="020B0603030403020204" pitchFamily="34" charset="0"/>
+                <a:ea typeface="Source Sans Pro SemiBold" panose="020B0603030403020204" pitchFamily="34" charset="0"/>
+              </a:rPr>
+              <a:t>λs</a:t>
+            </a:r>
+            <a:r>
+              <a:rPr lang="en-US" altLang="ja-JP" sz="2400" dirty="0">
+                <a:latin typeface="Source Sans Pro SemiBold" panose="020B0603030403020204" pitchFamily="34" charset="0"/>
+                <a:ea typeface="Source Sans Pro SemiBold" panose="020B0603030403020204" pitchFamily="34" charset="0"/>
+              </a:rPr>
+              <a:t> : X </a:t>
+            </a:r>
+            <a:r>
+              <a:rPr lang="ja-JP" altLang="en-US" sz="2400" dirty="0">
+                <a:latin typeface="Source Sans Pro SemiBold" panose="020B0603030403020204" pitchFamily="34" charset="0"/>
+                <a:ea typeface="Source Sans Pro SemiBold" panose="020B0603030403020204" pitchFamily="34" charset="0"/>
+              </a:rPr>
+              <a:t>→ </a:t>
+            </a:r>
+            <a:r>
+              <a:rPr lang="en-US" altLang="ja-JP" sz="2400" dirty="0">
+                <a:latin typeface="Source Sans Pro SemiBold" panose="020B0603030403020204" pitchFamily="34" charset="0"/>
+                <a:ea typeface="Source Sans Pro SemiBold" panose="020B0603030403020204" pitchFamily="34" charset="0"/>
+              </a:rPr>
+              <a:t>X.  </a:t>
+            </a:r>
+            <a:r>
+              <a:rPr lang="en-US" altLang="ja-JP" sz="2400" dirty="0" err="1">
+                <a:latin typeface="Source Sans Pro SemiBold" panose="020B0603030403020204" pitchFamily="34" charset="0"/>
+                <a:ea typeface="Source Sans Pro SemiBold" panose="020B0603030403020204" pitchFamily="34" charset="0"/>
+              </a:rPr>
+              <a:t>λz</a:t>
+            </a:r>
+            <a:r>
+              <a:rPr lang="en-US" altLang="ja-JP" sz="2400" dirty="0">
+                <a:latin typeface="Source Sans Pro SemiBold" panose="020B0603030403020204" pitchFamily="34" charset="0"/>
+                <a:ea typeface="Source Sans Pro SemiBold" panose="020B0603030403020204" pitchFamily="34" charset="0"/>
+              </a:rPr>
+              <a:t> : X.  s (n [X] s z)</a:t>
+            </a:r>
+          </a:p>
+          <a:p>
+            <a:pPr marL="0" indent="0">
+              <a:buNone/>
+            </a:pPr>
+            <a:r>
+              <a:rPr lang="en-US" altLang="ja-JP" sz="2400" dirty="0">
+                <a:latin typeface="Source Sans Pro SemiBold" panose="020B0603030403020204" pitchFamily="34" charset="0"/>
+                <a:ea typeface="Source Sans Pro SemiBold" panose="020B0603030403020204" pitchFamily="34" charset="0"/>
+              </a:rPr>
+              <a:t>	# </a:t>
+            </a:r>
+            <a:r>
+              <a:rPr lang="en-US" altLang="ja-JP" sz="2400" dirty="0" err="1">
+                <a:latin typeface="Source Sans Pro SemiBold" panose="020B0603030403020204" pitchFamily="34" charset="0"/>
+                <a:ea typeface="Source Sans Pro SemiBold" panose="020B0603030403020204" pitchFamily="34" charset="0"/>
+              </a:rPr>
+              <a:t>csucc</a:t>
+            </a:r>
+            <a:r>
+              <a:rPr lang="en-US" altLang="ja-JP" sz="2400" dirty="0">
+                <a:latin typeface="Source Sans Pro SemiBold" panose="020B0603030403020204" pitchFamily="34" charset="0"/>
+                <a:ea typeface="Source Sans Pro SemiBold" panose="020B0603030403020204" pitchFamily="34" charset="0"/>
+              </a:rPr>
+              <a:t> : </a:t>
+            </a:r>
+            <a:r>
+              <a:rPr lang="en-US" altLang="ja-JP" sz="2400" dirty="0" err="1">
+                <a:latin typeface="Source Sans Pro SemiBold" panose="020B0603030403020204" pitchFamily="34" charset="0"/>
+                <a:ea typeface="Source Sans Pro SemiBold" panose="020B0603030403020204" pitchFamily="34" charset="0"/>
+              </a:rPr>
+              <a:t>CNat</a:t>
+            </a:r>
+            <a:r>
+              <a:rPr lang="en-US" altLang="ja-JP" sz="2400" dirty="0">
+                <a:latin typeface="Source Sans Pro SemiBold" panose="020B0603030403020204" pitchFamily="34" charset="0"/>
+                <a:ea typeface="Source Sans Pro SemiBold" panose="020B0603030403020204" pitchFamily="34" charset="0"/>
+              </a:rPr>
+              <a:t> </a:t>
+            </a:r>
+            <a:r>
+              <a:rPr lang="ja-JP" altLang="en-US" sz="2400" dirty="0">
+                <a:latin typeface="Source Sans Pro SemiBold" panose="020B0603030403020204" pitchFamily="34" charset="0"/>
+                <a:ea typeface="Source Sans Pro SemiBold" panose="020B0603030403020204" pitchFamily="34" charset="0"/>
+              </a:rPr>
+              <a:t>→ </a:t>
+            </a:r>
+            <a:r>
+              <a:rPr lang="en-US" altLang="ja-JP" sz="2400" dirty="0" err="1">
+                <a:latin typeface="Source Sans Pro SemiBold" panose="020B0603030403020204" pitchFamily="34" charset="0"/>
+                <a:ea typeface="Source Sans Pro SemiBold" panose="020B0603030403020204" pitchFamily="34" charset="0"/>
+              </a:rPr>
+              <a:t>CNat</a:t>
+            </a:r>
+            <a:endParaRPr lang="en-US" altLang="ja-JP" sz="2400" dirty="0">
+              <a:latin typeface="Source Sans Pro SemiBold" panose="020B0603030403020204" pitchFamily="34" charset="0"/>
+              <a:ea typeface="Source Sans Pro SemiBold" panose="020B0603030403020204" pitchFamily="34" charset="0"/>
+            </a:endParaRPr>
+          </a:p>
+          <a:p>
+            <a:pPr marL="0" indent="0">
+              <a:buNone/>
+            </a:pPr>
+            <a:endParaRPr lang="en-US" altLang="ja-JP" sz="800" dirty="0">
+              <a:latin typeface="Source Sans Pro SemiBold" panose="020B0603030403020204" pitchFamily="34" charset="0"/>
+              <a:ea typeface="Source Sans Pro SemiBold" panose="020B0603030403020204" pitchFamily="34" charset="0"/>
+            </a:endParaRPr>
+          </a:p>
+          <a:p>
+            <a:pPr marL="0" indent="0">
+              <a:buNone/>
+            </a:pPr>
+            <a:r>
+              <a:rPr lang="en-US" altLang="ja-JP" sz="2400" dirty="0">
+                <a:latin typeface="Source Sans Pro SemiBold" panose="020B0603030403020204" pitchFamily="34" charset="0"/>
+                <a:ea typeface="Source Sans Pro SemiBold" panose="020B0603030403020204" pitchFamily="34" charset="0"/>
+              </a:rPr>
+              <a:t>	</a:t>
+            </a:r>
+            <a:r>
+              <a:rPr lang="en-US" altLang="ja-JP" sz="2400" dirty="0" err="1">
+                <a:latin typeface="Source Sans Pro SemiBold" panose="020B0603030403020204" pitchFamily="34" charset="0"/>
+                <a:ea typeface="Source Sans Pro SemiBold" panose="020B0603030403020204" pitchFamily="34" charset="0"/>
+              </a:rPr>
+              <a:t>cplus</a:t>
+            </a:r>
+            <a:r>
+              <a:rPr lang="en-US" altLang="ja-JP" sz="2400" dirty="0">
+                <a:latin typeface="Source Sans Pro SemiBold" panose="020B0603030403020204" pitchFamily="34" charset="0"/>
+                <a:ea typeface="Source Sans Pro SemiBold" panose="020B0603030403020204" pitchFamily="34" charset="0"/>
+              </a:rPr>
+              <a:t> = </a:t>
+            </a:r>
+            <a:r>
+              <a:rPr lang="en-US" altLang="ja-JP" sz="2400" dirty="0" err="1">
+                <a:latin typeface="Source Sans Pro SemiBold" panose="020B0603030403020204" pitchFamily="34" charset="0"/>
+                <a:ea typeface="Source Sans Pro SemiBold" panose="020B0603030403020204" pitchFamily="34" charset="0"/>
+              </a:rPr>
+              <a:t>λm</a:t>
+            </a:r>
+            <a:r>
+              <a:rPr lang="en-US" altLang="ja-JP" sz="2400" dirty="0">
+                <a:latin typeface="Source Sans Pro SemiBold" panose="020B0603030403020204" pitchFamily="34" charset="0"/>
+                <a:ea typeface="Source Sans Pro SemiBold" panose="020B0603030403020204" pitchFamily="34" charset="0"/>
+              </a:rPr>
+              <a:t> : </a:t>
+            </a:r>
+            <a:r>
+              <a:rPr lang="en-US" altLang="ja-JP" sz="2400" dirty="0" err="1">
+                <a:latin typeface="Source Sans Pro SemiBold" panose="020B0603030403020204" pitchFamily="34" charset="0"/>
+                <a:ea typeface="Source Sans Pro SemiBold" panose="020B0603030403020204" pitchFamily="34" charset="0"/>
+              </a:rPr>
+              <a:t>CNat</a:t>
+            </a:r>
+            <a:r>
+              <a:rPr lang="en-US" altLang="ja-JP" sz="2400" dirty="0">
+                <a:latin typeface="Source Sans Pro SemiBold" panose="020B0603030403020204" pitchFamily="34" charset="0"/>
+                <a:ea typeface="Source Sans Pro SemiBold" panose="020B0603030403020204" pitchFamily="34" charset="0"/>
+              </a:rPr>
+              <a:t>.  </a:t>
+            </a:r>
+            <a:r>
+              <a:rPr lang="en-US" altLang="ja-JP" sz="2400" dirty="0" err="1">
+                <a:latin typeface="Source Sans Pro SemiBold" panose="020B0603030403020204" pitchFamily="34" charset="0"/>
+                <a:ea typeface="Source Sans Pro SemiBold" panose="020B0603030403020204" pitchFamily="34" charset="0"/>
+              </a:rPr>
+              <a:t>λn</a:t>
+            </a:r>
+            <a:r>
+              <a:rPr lang="en-US" altLang="ja-JP" sz="2400" dirty="0">
+                <a:latin typeface="Source Sans Pro SemiBold" panose="020B0603030403020204" pitchFamily="34" charset="0"/>
+                <a:ea typeface="Source Sans Pro SemiBold" panose="020B0603030403020204" pitchFamily="34" charset="0"/>
+              </a:rPr>
+              <a:t> : </a:t>
+            </a:r>
+            <a:r>
+              <a:rPr lang="en-US" altLang="ja-JP" sz="2400" dirty="0" err="1">
+                <a:latin typeface="Source Sans Pro SemiBold" panose="020B0603030403020204" pitchFamily="34" charset="0"/>
+                <a:ea typeface="Source Sans Pro SemiBold" panose="020B0603030403020204" pitchFamily="34" charset="0"/>
+              </a:rPr>
+              <a:t>CNat</a:t>
+            </a:r>
+            <a:r>
+              <a:rPr lang="en-US" altLang="ja-JP" sz="2400" dirty="0">
+                <a:latin typeface="Source Sans Pro SemiBold" panose="020B0603030403020204" pitchFamily="34" charset="0"/>
+                <a:ea typeface="Source Sans Pro SemiBold" panose="020B0603030403020204" pitchFamily="34" charset="0"/>
+              </a:rPr>
+              <a:t>.  m [</a:t>
+            </a:r>
+            <a:r>
+              <a:rPr lang="en-US" altLang="ja-JP" sz="2400" dirty="0" err="1">
+                <a:latin typeface="Source Sans Pro SemiBold" panose="020B0603030403020204" pitchFamily="34" charset="0"/>
+                <a:ea typeface="Source Sans Pro SemiBold" panose="020B0603030403020204" pitchFamily="34" charset="0"/>
+              </a:rPr>
+              <a:t>CNat</a:t>
+            </a:r>
+            <a:r>
+              <a:rPr lang="en-US" altLang="ja-JP" sz="2400" dirty="0">
+                <a:latin typeface="Source Sans Pro SemiBold" panose="020B0603030403020204" pitchFamily="34" charset="0"/>
+                <a:ea typeface="Source Sans Pro SemiBold" panose="020B0603030403020204" pitchFamily="34" charset="0"/>
+              </a:rPr>
+              <a:t>] </a:t>
+            </a:r>
+            <a:r>
+              <a:rPr lang="en-US" altLang="ja-JP" sz="2400" dirty="0" err="1">
+                <a:latin typeface="Source Sans Pro SemiBold" panose="020B0603030403020204" pitchFamily="34" charset="0"/>
+                <a:ea typeface="Source Sans Pro SemiBold" panose="020B0603030403020204" pitchFamily="34" charset="0"/>
+              </a:rPr>
+              <a:t>csucc</a:t>
+            </a:r>
+            <a:r>
+              <a:rPr lang="en-US" altLang="ja-JP" sz="2400" dirty="0">
+                <a:latin typeface="Source Sans Pro SemiBold" panose="020B0603030403020204" pitchFamily="34" charset="0"/>
+                <a:ea typeface="Source Sans Pro SemiBold" panose="020B0603030403020204" pitchFamily="34" charset="0"/>
+              </a:rPr>
+              <a:t> n</a:t>
+            </a:r>
+          </a:p>
+          <a:p>
+            <a:pPr marL="0" indent="0">
+              <a:buNone/>
+            </a:pPr>
+            <a:r>
+              <a:rPr lang="en-US" altLang="ja-JP" sz="2400" dirty="0">
+                <a:latin typeface="Source Sans Pro SemiBold" panose="020B0603030403020204" pitchFamily="34" charset="0"/>
+                <a:ea typeface="Source Sans Pro SemiBold" panose="020B0603030403020204" pitchFamily="34" charset="0"/>
+              </a:rPr>
+              <a:t>	# </a:t>
+            </a:r>
+            <a:r>
+              <a:rPr lang="en-US" altLang="ja-JP" sz="2400" dirty="0" err="1">
+                <a:latin typeface="Source Sans Pro SemiBold" panose="020B0603030403020204" pitchFamily="34" charset="0"/>
+                <a:ea typeface="Source Sans Pro SemiBold" panose="020B0603030403020204" pitchFamily="34" charset="0"/>
+              </a:rPr>
+              <a:t>cplus</a:t>
+            </a:r>
+            <a:r>
+              <a:rPr lang="en-US" altLang="ja-JP" sz="2400" dirty="0">
+                <a:latin typeface="Source Sans Pro SemiBold" panose="020B0603030403020204" pitchFamily="34" charset="0"/>
+                <a:ea typeface="Source Sans Pro SemiBold" panose="020B0603030403020204" pitchFamily="34" charset="0"/>
+              </a:rPr>
+              <a:t> : </a:t>
+            </a:r>
+            <a:r>
+              <a:rPr lang="en-US" altLang="ja-JP" sz="2400" dirty="0" err="1">
+                <a:latin typeface="Source Sans Pro SemiBold" panose="020B0603030403020204" pitchFamily="34" charset="0"/>
+                <a:ea typeface="Source Sans Pro SemiBold" panose="020B0603030403020204" pitchFamily="34" charset="0"/>
+              </a:rPr>
+              <a:t>CNat</a:t>
+            </a:r>
+            <a:r>
+              <a:rPr lang="en-US" altLang="ja-JP" sz="2400" dirty="0">
+                <a:latin typeface="Source Sans Pro SemiBold" panose="020B0603030403020204" pitchFamily="34" charset="0"/>
+                <a:ea typeface="Source Sans Pro SemiBold" panose="020B0603030403020204" pitchFamily="34" charset="0"/>
+              </a:rPr>
+              <a:t> </a:t>
+            </a:r>
+            <a:r>
+              <a:rPr lang="ja-JP" altLang="en-US" sz="2400" dirty="0">
+                <a:latin typeface="Source Sans Pro SemiBold" panose="020B0603030403020204" pitchFamily="34" charset="0"/>
+                <a:ea typeface="Source Sans Pro SemiBold" panose="020B0603030403020204" pitchFamily="34" charset="0"/>
+              </a:rPr>
+              <a:t>→ </a:t>
+            </a:r>
+            <a:r>
+              <a:rPr lang="en-US" altLang="ja-JP" sz="2400" dirty="0" err="1">
+                <a:latin typeface="Source Sans Pro SemiBold" panose="020B0603030403020204" pitchFamily="34" charset="0"/>
+                <a:ea typeface="Source Sans Pro SemiBold" panose="020B0603030403020204" pitchFamily="34" charset="0"/>
+              </a:rPr>
+              <a:t>CNat</a:t>
+            </a:r>
+            <a:r>
+              <a:rPr lang="en-US" altLang="ja-JP" sz="2400" dirty="0">
+                <a:latin typeface="Source Sans Pro SemiBold" panose="020B0603030403020204" pitchFamily="34" charset="0"/>
+                <a:ea typeface="Source Sans Pro SemiBold" panose="020B0603030403020204" pitchFamily="34" charset="0"/>
+              </a:rPr>
+              <a:t> </a:t>
+            </a:r>
+            <a:r>
+              <a:rPr lang="ja-JP" altLang="en-US" sz="2400" dirty="0">
+                <a:latin typeface="Source Sans Pro SemiBold" panose="020B0603030403020204" pitchFamily="34" charset="0"/>
+                <a:ea typeface="Source Sans Pro SemiBold" panose="020B0603030403020204" pitchFamily="34" charset="0"/>
+              </a:rPr>
+              <a:t>→ </a:t>
+            </a:r>
+            <a:r>
+              <a:rPr lang="en-US" altLang="ja-JP" sz="2400" dirty="0" err="1">
+                <a:latin typeface="Source Sans Pro SemiBold" panose="020B0603030403020204" pitchFamily="34" charset="0"/>
+                <a:ea typeface="Source Sans Pro SemiBold" panose="020B0603030403020204" pitchFamily="34" charset="0"/>
+              </a:rPr>
+              <a:t>CNat</a:t>
+            </a:r>
+            <a:endParaRPr lang="en-US" altLang="ja-JP" sz="2400" dirty="0">
+              <a:latin typeface="Source Sans Pro SemiBold" panose="020B0603030403020204" pitchFamily="34" charset="0"/>
+              <a:ea typeface="Source Sans Pro SemiBold" panose="020B0603030403020204" pitchFamily="34" charset="0"/>
+            </a:endParaRPr>
+          </a:p>
+          <a:p>
+            <a:pPr marL="0" indent="0">
+              <a:buNone/>
+            </a:pPr>
+            <a:endParaRPr lang="en-US" altLang="ja-JP" sz="800" dirty="0">
+              <a:latin typeface="Source Sans Pro SemiBold" panose="020B0603030403020204" pitchFamily="34" charset="0"/>
+              <a:ea typeface="Source Sans Pro SemiBold" panose="020B0603030403020204" pitchFamily="34" charset="0"/>
+            </a:endParaRPr>
+          </a:p>
+          <a:p>
+            <a:pPr marL="0" indent="0">
+              <a:buNone/>
+            </a:pPr>
+            <a:r>
+              <a:rPr lang="en-US" altLang="ja-JP" sz="2400" dirty="0">
+                <a:latin typeface="Source Sans Pro SemiBold" panose="020B0603030403020204" pitchFamily="34" charset="0"/>
+                <a:ea typeface="Source Sans Pro SemiBold" panose="020B0603030403020204" pitchFamily="34" charset="0"/>
+              </a:rPr>
+              <a:t>	cnat2nat = </a:t>
+            </a:r>
+            <a:r>
+              <a:rPr lang="en-US" altLang="ja-JP" sz="2400" dirty="0" err="1">
+                <a:latin typeface="Source Sans Pro SemiBold" panose="020B0603030403020204" pitchFamily="34" charset="0"/>
+                <a:ea typeface="Source Sans Pro SemiBold" panose="020B0603030403020204" pitchFamily="34" charset="0"/>
+              </a:rPr>
+              <a:t>λm</a:t>
+            </a:r>
+            <a:r>
+              <a:rPr lang="en-US" altLang="ja-JP" sz="2400" dirty="0">
+                <a:latin typeface="Source Sans Pro SemiBold" panose="020B0603030403020204" pitchFamily="34" charset="0"/>
+                <a:ea typeface="Source Sans Pro SemiBold" panose="020B0603030403020204" pitchFamily="34" charset="0"/>
+              </a:rPr>
+              <a:t> : </a:t>
+            </a:r>
+            <a:r>
+              <a:rPr lang="en-US" altLang="ja-JP" sz="2400" dirty="0" err="1">
+                <a:latin typeface="Source Sans Pro SemiBold" panose="020B0603030403020204" pitchFamily="34" charset="0"/>
+                <a:ea typeface="Source Sans Pro SemiBold" panose="020B0603030403020204" pitchFamily="34" charset="0"/>
+              </a:rPr>
+              <a:t>CNat</a:t>
+            </a:r>
+            <a:r>
+              <a:rPr lang="en-US" altLang="ja-JP" sz="2400" dirty="0">
+                <a:latin typeface="Source Sans Pro SemiBold" panose="020B0603030403020204" pitchFamily="34" charset="0"/>
+                <a:ea typeface="Source Sans Pro SemiBold" panose="020B0603030403020204" pitchFamily="34" charset="0"/>
+              </a:rPr>
+              <a:t>.  m [Nat] (</a:t>
+            </a:r>
+            <a:r>
+              <a:rPr lang="en-US" altLang="ja-JP" sz="2400" dirty="0" err="1">
+                <a:latin typeface="Source Sans Pro SemiBold" panose="020B0603030403020204" pitchFamily="34" charset="0"/>
+                <a:ea typeface="Source Sans Pro SemiBold" panose="020B0603030403020204" pitchFamily="34" charset="0"/>
+              </a:rPr>
+              <a:t>λx</a:t>
+            </a:r>
+            <a:r>
+              <a:rPr lang="en-US" altLang="ja-JP" sz="2400" dirty="0">
+                <a:latin typeface="Source Sans Pro SemiBold" panose="020B0603030403020204" pitchFamily="34" charset="0"/>
+                <a:ea typeface="Source Sans Pro SemiBold" panose="020B0603030403020204" pitchFamily="34" charset="0"/>
+              </a:rPr>
+              <a:t> : Nat.  </a:t>
+            </a:r>
+            <a:r>
+              <a:rPr lang="en-US" altLang="ja-JP" sz="2400" dirty="0" err="1">
+                <a:latin typeface="Source Sans Pro SemiBold" panose="020B0603030403020204" pitchFamily="34" charset="0"/>
+                <a:ea typeface="Source Sans Pro SemiBold" panose="020B0603030403020204" pitchFamily="34" charset="0"/>
+              </a:rPr>
+              <a:t>succ</a:t>
+            </a:r>
+            <a:r>
+              <a:rPr lang="en-US" altLang="ja-JP" sz="2400" dirty="0">
+                <a:latin typeface="Source Sans Pro SemiBold" panose="020B0603030403020204" pitchFamily="34" charset="0"/>
+                <a:ea typeface="Source Sans Pro SemiBold" panose="020B0603030403020204" pitchFamily="34" charset="0"/>
+              </a:rPr>
+              <a:t>(x)) 0</a:t>
+            </a:r>
+          </a:p>
+          <a:p>
+            <a:pPr marL="0" indent="0">
+              <a:buNone/>
+            </a:pPr>
+            <a:r>
+              <a:rPr lang="en-US" altLang="ja-JP" sz="2400" dirty="0">
+                <a:latin typeface="Source Sans Pro SemiBold" panose="020B0603030403020204" pitchFamily="34" charset="0"/>
+                <a:ea typeface="Source Sans Pro SemiBold" panose="020B0603030403020204" pitchFamily="34" charset="0"/>
+              </a:rPr>
+              <a:t>	# cnat2nat : </a:t>
+            </a:r>
+            <a:r>
+              <a:rPr lang="en-US" altLang="ja-JP" sz="2400" dirty="0" err="1">
+                <a:latin typeface="Source Sans Pro SemiBold" panose="020B0603030403020204" pitchFamily="34" charset="0"/>
+                <a:ea typeface="Source Sans Pro SemiBold" panose="020B0603030403020204" pitchFamily="34" charset="0"/>
+              </a:rPr>
+              <a:t>CNat</a:t>
+            </a:r>
+            <a:r>
+              <a:rPr lang="en-US" altLang="ja-JP" sz="2400" dirty="0">
+                <a:latin typeface="Source Sans Pro SemiBold" panose="020B0603030403020204" pitchFamily="34" charset="0"/>
+                <a:ea typeface="Source Sans Pro SemiBold" panose="020B0603030403020204" pitchFamily="34" charset="0"/>
+              </a:rPr>
+              <a:t> </a:t>
+            </a:r>
+            <a:r>
+              <a:rPr lang="ja-JP" altLang="en-US" sz="2400" dirty="0">
+                <a:latin typeface="Source Sans Pro SemiBold" panose="020B0603030403020204" pitchFamily="34" charset="0"/>
+                <a:ea typeface="Source Sans Pro SemiBold" panose="020B0603030403020204" pitchFamily="34" charset="0"/>
+              </a:rPr>
+              <a:t>→ </a:t>
+            </a:r>
+            <a:r>
+              <a:rPr lang="en-US" altLang="ja-JP" sz="2400" dirty="0">
+                <a:latin typeface="Source Sans Pro SemiBold" panose="020B0603030403020204" pitchFamily="34" charset="0"/>
+                <a:ea typeface="Source Sans Pro SemiBold" panose="020B0603030403020204" pitchFamily="34" charset="0"/>
+              </a:rPr>
+              <a:t>Nat</a:t>
+            </a:r>
+          </a:p>
+          <a:p>
+            <a:pPr marL="0" indent="0">
+              <a:buNone/>
+            </a:pPr>
+            <a:endParaRPr lang="en-US" altLang="ja-JP" sz="800" dirty="0">
+              <a:latin typeface="Source Sans Pro SemiBold" panose="020B0603030403020204" pitchFamily="34" charset="0"/>
+              <a:ea typeface="Source Sans Pro SemiBold" panose="020B0603030403020204" pitchFamily="34" charset="0"/>
+            </a:endParaRPr>
+          </a:p>
+          <a:p>
+            <a:pPr marL="0" indent="0">
+              <a:buNone/>
+            </a:pPr>
+            <a:r>
+              <a:rPr lang="en-US" altLang="ja-JP" sz="2400" dirty="0">
+                <a:latin typeface="Source Sans Pro SemiBold" panose="020B0603030403020204" pitchFamily="34" charset="0"/>
+                <a:ea typeface="Source Sans Pro SemiBold" panose="020B0603030403020204" pitchFamily="34" charset="0"/>
+              </a:rPr>
+              <a:t>	cnat2nat (</a:t>
+            </a:r>
+            <a:r>
+              <a:rPr lang="en-US" altLang="ja-JP" sz="2400" dirty="0" err="1">
+                <a:latin typeface="Source Sans Pro SemiBold" panose="020B0603030403020204" pitchFamily="34" charset="0"/>
+                <a:ea typeface="Source Sans Pro SemiBold" panose="020B0603030403020204" pitchFamily="34" charset="0"/>
+              </a:rPr>
+              <a:t>cplus</a:t>
+            </a:r>
+            <a:r>
+              <a:rPr lang="en-US" altLang="ja-JP" sz="2400" dirty="0">
+                <a:latin typeface="Source Sans Pro SemiBold" panose="020B0603030403020204" pitchFamily="34" charset="0"/>
+                <a:ea typeface="Source Sans Pro SemiBold" panose="020B0603030403020204" pitchFamily="34" charset="0"/>
+              </a:rPr>
+              <a:t> (</a:t>
+            </a:r>
+            <a:r>
+              <a:rPr lang="en-US" altLang="ja-JP" sz="2400" dirty="0" err="1">
+                <a:latin typeface="Source Sans Pro SemiBold" panose="020B0603030403020204" pitchFamily="34" charset="0"/>
+                <a:ea typeface="Source Sans Pro SemiBold" panose="020B0603030403020204" pitchFamily="34" charset="0"/>
+              </a:rPr>
+              <a:t>csucc</a:t>
+            </a:r>
+            <a:r>
+              <a:rPr lang="en-US" altLang="ja-JP" sz="2400" dirty="0">
+                <a:latin typeface="Source Sans Pro SemiBold" panose="020B0603030403020204" pitchFamily="34" charset="0"/>
+                <a:ea typeface="Source Sans Pro SemiBold" panose="020B0603030403020204" pitchFamily="34" charset="0"/>
+              </a:rPr>
+              <a:t> c</a:t>
+            </a:r>
+            <a:r>
+              <a:rPr lang="ja-JP" altLang="en-US" sz="2400" dirty="0">
+                <a:latin typeface="Source Sans Pro SemiBold" panose="020B0603030403020204" pitchFamily="34" charset="0"/>
+                <a:ea typeface="Source Sans Pro SemiBold" panose="020B0603030403020204" pitchFamily="34" charset="0"/>
+              </a:rPr>
+              <a:t>₀</a:t>
+            </a:r>
+            <a:r>
+              <a:rPr lang="en-US" altLang="ja-JP" sz="2400" dirty="0">
+                <a:latin typeface="Source Sans Pro SemiBold" panose="020B0603030403020204" pitchFamily="34" charset="0"/>
+                <a:ea typeface="Source Sans Pro SemiBold" panose="020B0603030403020204" pitchFamily="34" charset="0"/>
+              </a:rPr>
+              <a:t>) (</a:t>
+            </a:r>
+            <a:r>
+              <a:rPr lang="en-US" altLang="ja-JP" sz="2400" dirty="0" err="1">
+                <a:latin typeface="Source Sans Pro SemiBold" panose="020B0603030403020204" pitchFamily="34" charset="0"/>
+                <a:ea typeface="Source Sans Pro SemiBold" panose="020B0603030403020204" pitchFamily="34" charset="0"/>
+              </a:rPr>
+              <a:t>csucc</a:t>
+            </a:r>
+            <a:r>
+              <a:rPr lang="en-US" altLang="ja-JP" sz="2400" dirty="0">
+                <a:latin typeface="Source Sans Pro SemiBold" panose="020B0603030403020204" pitchFamily="34" charset="0"/>
+                <a:ea typeface="Source Sans Pro SemiBold" panose="020B0603030403020204" pitchFamily="34" charset="0"/>
+              </a:rPr>
+              <a:t> (</a:t>
+            </a:r>
+            <a:r>
+              <a:rPr lang="en-US" altLang="ja-JP" sz="2400" dirty="0" err="1">
+                <a:latin typeface="Source Sans Pro SemiBold" panose="020B0603030403020204" pitchFamily="34" charset="0"/>
+                <a:ea typeface="Source Sans Pro SemiBold" panose="020B0603030403020204" pitchFamily="34" charset="0"/>
+              </a:rPr>
+              <a:t>csucc</a:t>
+            </a:r>
+            <a:r>
+              <a:rPr lang="en-US" altLang="ja-JP" sz="2400" dirty="0">
+                <a:latin typeface="Source Sans Pro SemiBold" panose="020B0603030403020204" pitchFamily="34" charset="0"/>
+                <a:ea typeface="Source Sans Pro SemiBold" panose="020B0603030403020204" pitchFamily="34" charset="0"/>
+              </a:rPr>
+              <a:t> c</a:t>
+            </a:r>
+            <a:r>
+              <a:rPr lang="ja-JP" altLang="en-US" sz="2400" dirty="0">
+                <a:latin typeface="Source Sans Pro SemiBold" panose="020B0603030403020204" pitchFamily="34" charset="0"/>
+                <a:ea typeface="Source Sans Pro SemiBold" panose="020B0603030403020204" pitchFamily="34" charset="0"/>
+              </a:rPr>
+              <a:t>₀</a:t>
+            </a:r>
+            <a:r>
+              <a:rPr lang="en-US" altLang="ja-JP" sz="2400" dirty="0">
+                <a:latin typeface="Source Sans Pro SemiBold" panose="020B0603030403020204" pitchFamily="34" charset="0"/>
+                <a:ea typeface="Source Sans Pro SemiBold" panose="020B0603030403020204" pitchFamily="34" charset="0"/>
+              </a:rPr>
+              <a:t>)))</a:t>
+            </a:r>
+          </a:p>
+          <a:p>
+            <a:pPr marL="0" indent="0">
+              <a:buNone/>
+            </a:pPr>
+            <a:r>
+              <a:rPr lang="en-US" altLang="ja-JP" sz="2400" dirty="0">
+                <a:latin typeface="Source Sans Pro SemiBold" panose="020B0603030403020204" pitchFamily="34" charset="0"/>
+                <a:ea typeface="Source Sans Pro SemiBold" panose="020B0603030403020204" pitchFamily="34" charset="0"/>
+              </a:rPr>
+              <a:t>	# 3 : Nat</a:t>
+            </a:r>
+          </a:p>
+        </p:txBody>
+      </p:sp>
+    </p:spTree>
+    <p:extLst>
+      <p:ext uri="{BB962C8B-B14F-4D97-AF65-F5344CB8AC3E}">
+        <p14:creationId xmlns:p14="http://schemas.microsoft.com/office/powerpoint/2010/main" val="3680570652"/>
+      </p:ext>
+    </p:extLst>
+  </p:cSld>
+  <p:clrMapOvr>
+    <a:masterClrMapping/>
+  </p:clrMapOvr>
+</p:sld>
+</file>
+
+<file path=ppt/slides/slide44.xml><?xml version="1.0" encoding="utf-8"?>
+<p:sld xmlns:a="http://schemas.openxmlformats.org/drawingml/2006/main" xmlns:r="http://schemas.openxmlformats.org/officeDocument/2006/relationships" xmlns:p="http://schemas.openxmlformats.org/presentationml/2006/main">
+  <p:cSld>
+    <p:spTree>
+      <p:nvGrpSpPr>
+        <p:cNvPr id="1" name="">
+          <a:extLst>
+            <a:ext uri="{FF2B5EF4-FFF2-40B4-BE49-F238E27FC236}">
+              <a16:creationId xmlns:a16="http://schemas.microsoft.com/office/drawing/2014/main" id="{C9143B41-131E-0F57-18DF-C32DEEBF16A6}"/>
+            </a:ext>
+          </a:extLst>
+        </p:cNvPr>
+        <p:cNvGrpSpPr/>
+        <p:nvPr/>
+      </p:nvGrpSpPr>
+      <p:grpSpPr>
+        <a:xfrm>
+          <a:off x="0" y="0"/>
+          <a:ext cx="0" cy="0"/>
+          <a:chOff x="0" y="0"/>
+          <a:chExt cx="0" cy="0"/>
+        </a:xfrm>
+      </p:grpSpPr>
+      <p:sp>
+        <p:nvSpPr>
+          <p:cNvPr id="2" name="タイトル 1">
+            <a:extLst>
+              <a:ext uri="{FF2B5EF4-FFF2-40B4-BE49-F238E27FC236}">
+                <a16:creationId xmlns:a16="http://schemas.microsoft.com/office/drawing/2014/main" id="{FACD4968-A57E-DB96-EE41-E1FB04C04ED4}"/>
+              </a:ext>
+            </a:extLst>
+          </p:cNvPr>
+          <p:cNvSpPr>
+            <a:spLocks noGrp="1"/>
+          </p:cNvSpPr>
+          <p:nvPr>
+            <p:ph type="title"/>
+          </p:nvPr>
+        </p:nvSpPr>
+        <p:spPr/>
+        <p:txBody>
+          <a:bodyPr/>
+          <a:lstStyle/>
+          <a:p>
+            <a:r>
+              <a:rPr kumimoji="1" lang="en-US" altLang="ja-JP" dirty="0"/>
+              <a:t>23.4 </a:t>
+            </a:r>
+            <a:r>
+              <a:rPr lang="ja-JP" altLang="en-US" dirty="0"/>
+              <a:t>例</a:t>
+            </a:r>
+            <a:endParaRPr kumimoji="1" lang="ja-JP" altLang="en-US" dirty="0"/>
+          </a:p>
+        </p:txBody>
+      </p:sp>
+      <p:sp>
+        <p:nvSpPr>
+          <p:cNvPr id="3" name="コンテンツ プレースホルダー 2">
+            <a:extLst>
+              <a:ext uri="{FF2B5EF4-FFF2-40B4-BE49-F238E27FC236}">
+                <a16:creationId xmlns:a16="http://schemas.microsoft.com/office/drawing/2014/main" id="{AD91E740-5663-51A6-B985-1D8D1AC81A1F}"/>
+              </a:ext>
+            </a:extLst>
+          </p:cNvPr>
+          <p:cNvSpPr>
+            <a:spLocks noGrp="1"/>
+          </p:cNvSpPr>
+          <p:nvPr>
+            <p:ph idx="1"/>
+          </p:nvPr>
+        </p:nvSpPr>
+        <p:spPr>
+          <a:xfrm>
+            <a:off x="259194" y="1099789"/>
+            <a:ext cx="8625610" cy="5481485"/>
+          </a:xfrm>
+        </p:spPr>
+        <p:txBody>
+          <a:bodyPr>
+            <a:noAutofit/>
+          </a:bodyPr>
+          <a:lstStyle/>
+          <a:p>
+            <a:pPr marL="0" indent="0">
+              <a:buNone/>
+            </a:pPr>
+            <a:r>
+              <a:rPr lang="en-US" altLang="ja-JP" dirty="0">
+                <a:latin typeface="+mn-lt"/>
+                <a:ea typeface="Source Sans Pro SemiBold" panose="020B0603030403020204" pitchFamily="34" charset="0"/>
+              </a:rPr>
+              <a:t>23.4.6 Exercise [Recommended]</a:t>
+            </a:r>
+            <a:endParaRPr lang="en-US" altLang="ja-JP" sz="2400" dirty="0">
+              <a:latin typeface="Source Sans Pro SemiBold" panose="020B0603030403020204" pitchFamily="34" charset="0"/>
+              <a:ea typeface="Source Sans Pro SemiBold" panose="020B0603030403020204" pitchFamily="34" charset="0"/>
+            </a:endParaRPr>
+          </a:p>
+        </p:txBody>
+      </p:sp>
+    </p:spTree>
+    <p:extLst>
+      <p:ext uri="{BB962C8B-B14F-4D97-AF65-F5344CB8AC3E}">
+        <p14:creationId xmlns:p14="http://schemas.microsoft.com/office/powerpoint/2010/main" val="2575286119"/>
+      </p:ext>
+    </p:extLst>
+  </p:cSld>
+  <p:clrMapOvr>
+    <a:masterClrMapping/>
+  </p:clrMapOvr>
+</p:sld>
+</file>
+
+<file path=ppt/slides/slide45.xml><?xml version="1.0" encoding="utf-8"?>
+<p:sld xmlns:a="http://schemas.openxmlformats.org/drawingml/2006/main" xmlns:r="http://schemas.openxmlformats.org/officeDocument/2006/relationships" xmlns:p="http://schemas.openxmlformats.org/presentationml/2006/main">
+  <p:cSld>
+    <p:spTree>
+      <p:nvGrpSpPr>
+        <p:cNvPr id="1" name="">
+          <a:extLst>
+            <a:ext uri="{FF2B5EF4-FFF2-40B4-BE49-F238E27FC236}">
+              <a16:creationId xmlns:a16="http://schemas.microsoft.com/office/drawing/2014/main" id="{E56CBCDA-FE9C-052E-2B27-E5EB5317FCC5}"/>
+            </a:ext>
+          </a:extLst>
+        </p:cNvPr>
+        <p:cNvGrpSpPr/>
+        <p:nvPr/>
+      </p:nvGrpSpPr>
+      <p:grpSpPr>
+        <a:xfrm>
+          <a:off x="0" y="0"/>
+          <a:ext cx="0" cy="0"/>
+          <a:chOff x="0" y="0"/>
+          <a:chExt cx="0" cy="0"/>
+        </a:xfrm>
+      </p:grpSpPr>
+      <p:sp>
+        <p:nvSpPr>
+          <p:cNvPr id="2" name="タイトル 1">
+            <a:extLst>
+              <a:ext uri="{FF2B5EF4-FFF2-40B4-BE49-F238E27FC236}">
+                <a16:creationId xmlns:a16="http://schemas.microsoft.com/office/drawing/2014/main" id="{9893F81D-24AC-CAEE-A638-1C6BD2F3A8DB}"/>
+              </a:ext>
+            </a:extLst>
+          </p:cNvPr>
+          <p:cNvSpPr>
+            <a:spLocks noGrp="1"/>
+          </p:cNvSpPr>
+          <p:nvPr>
+            <p:ph type="title"/>
+          </p:nvPr>
+        </p:nvSpPr>
+        <p:spPr/>
+        <p:txBody>
+          <a:bodyPr/>
+          <a:lstStyle/>
+          <a:p>
+            <a:r>
+              <a:rPr kumimoji="1" lang="en-US" altLang="ja-JP" dirty="0"/>
+              <a:t>23.4 </a:t>
+            </a:r>
+            <a:r>
+              <a:rPr lang="ja-JP" altLang="en-US" dirty="0"/>
+              <a:t>例</a:t>
+            </a:r>
+            <a:endParaRPr kumimoji="1" lang="ja-JP" altLang="en-US" dirty="0"/>
+          </a:p>
+        </p:txBody>
+      </p:sp>
+      <p:sp>
+        <p:nvSpPr>
+          <p:cNvPr id="3" name="コンテンツ プレースホルダー 2">
+            <a:extLst>
+              <a:ext uri="{FF2B5EF4-FFF2-40B4-BE49-F238E27FC236}">
+                <a16:creationId xmlns:a16="http://schemas.microsoft.com/office/drawing/2014/main" id="{A554A123-35A9-DA06-C3DB-D645A182E7D7}"/>
+              </a:ext>
+            </a:extLst>
+          </p:cNvPr>
+          <p:cNvSpPr>
+            <a:spLocks noGrp="1"/>
+          </p:cNvSpPr>
+          <p:nvPr>
+            <p:ph idx="1"/>
+          </p:nvPr>
+        </p:nvSpPr>
+        <p:spPr>
+          <a:xfrm>
+            <a:off x="259194" y="1099789"/>
+            <a:ext cx="8625610" cy="5481485"/>
+          </a:xfrm>
+        </p:spPr>
+        <p:txBody>
+          <a:bodyPr>
+            <a:noAutofit/>
+          </a:bodyPr>
+          <a:lstStyle/>
+          <a:p>
+            <a:pPr marL="0" indent="0">
+              <a:buNone/>
+            </a:pPr>
+            <a:r>
+              <a:rPr lang="en-US" altLang="ja-JP" dirty="0">
+                <a:latin typeface="+mn-lt"/>
+                <a:ea typeface="Source Sans Pro SemiBold" panose="020B0603030403020204" pitchFamily="34" charset="0"/>
+              </a:rPr>
+              <a:t>23.4.7 Exercise</a:t>
+            </a:r>
+          </a:p>
+          <a:p>
+            <a:pPr marL="0" indent="0">
+              <a:buNone/>
+            </a:pPr>
+            <a:endParaRPr lang="en-US" altLang="ja-JP" sz="800" dirty="0">
+              <a:latin typeface="+mn-lt"/>
+              <a:ea typeface="Source Sans Pro SemiBold" panose="020B0603030403020204" pitchFamily="34" charset="0"/>
+            </a:endParaRPr>
+          </a:p>
+          <a:p>
+            <a:pPr marL="0" indent="0">
+              <a:buNone/>
+            </a:pPr>
+            <a:r>
+              <a:rPr lang="en-US" altLang="ja-JP" sz="2400" dirty="0" err="1">
+                <a:latin typeface="Source Sans Pro SemiBold" panose="020B0603030403020204" pitchFamily="34" charset="0"/>
+                <a:ea typeface="Source Sans Pro SemiBold" panose="020B0603030403020204" pitchFamily="34" charset="0"/>
+              </a:rPr>
+              <a:t>ctimes</a:t>
+            </a:r>
+            <a:r>
+              <a:rPr lang="en-US" altLang="ja-JP" sz="2400" dirty="0">
+                <a:latin typeface="Source Sans Pro SemiBold" panose="020B0603030403020204" pitchFamily="34" charset="0"/>
+                <a:ea typeface="Source Sans Pro SemiBold" panose="020B0603030403020204" pitchFamily="34" charset="0"/>
+              </a:rPr>
+              <a:t> = </a:t>
+            </a:r>
+            <a:r>
+              <a:rPr lang="en-US" altLang="ja-JP" sz="2400" dirty="0" err="1">
+                <a:latin typeface="Source Sans Pro SemiBold" panose="020B0603030403020204" pitchFamily="34" charset="0"/>
+                <a:ea typeface="Source Sans Pro SemiBold" panose="020B0603030403020204" pitchFamily="34" charset="0"/>
+              </a:rPr>
+              <a:t>λm</a:t>
+            </a:r>
+            <a:r>
+              <a:rPr lang="en-US" altLang="ja-JP" sz="2400" dirty="0">
+                <a:latin typeface="Source Sans Pro SemiBold" panose="020B0603030403020204" pitchFamily="34" charset="0"/>
+                <a:ea typeface="Source Sans Pro SemiBold" panose="020B0603030403020204" pitchFamily="34" charset="0"/>
+              </a:rPr>
+              <a:t> : </a:t>
+            </a:r>
+            <a:r>
+              <a:rPr lang="en-US" altLang="ja-JP" sz="2400" dirty="0" err="1">
+                <a:latin typeface="Source Sans Pro SemiBold" panose="020B0603030403020204" pitchFamily="34" charset="0"/>
+                <a:ea typeface="Source Sans Pro SemiBold" panose="020B0603030403020204" pitchFamily="34" charset="0"/>
+              </a:rPr>
+              <a:t>CNat</a:t>
+            </a:r>
+            <a:r>
+              <a:rPr lang="en-US" altLang="ja-JP" sz="2400" dirty="0">
+                <a:latin typeface="Source Sans Pro SemiBold" panose="020B0603030403020204" pitchFamily="34" charset="0"/>
+                <a:ea typeface="Source Sans Pro SemiBold" panose="020B0603030403020204" pitchFamily="34" charset="0"/>
+              </a:rPr>
+              <a:t>.  </a:t>
+            </a:r>
+            <a:r>
+              <a:rPr lang="en-US" altLang="ja-JP" sz="2400" dirty="0" err="1">
+                <a:latin typeface="Source Sans Pro SemiBold" panose="020B0603030403020204" pitchFamily="34" charset="0"/>
+                <a:ea typeface="Source Sans Pro SemiBold" panose="020B0603030403020204" pitchFamily="34" charset="0"/>
+              </a:rPr>
+              <a:t>λn</a:t>
+            </a:r>
+            <a:r>
+              <a:rPr lang="en-US" altLang="ja-JP" sz="2400" dirty="0">
+                <a:latin typeface="Source Sans Pro SemiBold" panose="020B0603030403020204" pitchFamily="34" charset="0"/>
+                <a:ea typeface="Source Sans Pro SemiBold" panose="020B0603030403020204" pitchFamily="34" charset="0"/>
+              </a:rPr>
+              <a:t> : </a:t>
+            </a:r>
+            <a:r>
+              <a:rPr lang="en-US" altLang="ja-JP" sz="2400" dirty="0" err="1">
+                <a:latin typeface="Source Sans Pro SemiBold" panose="020B0603030403020204" pitchFamily="34" charset="0"/>
+                <a:ea typeface="Source Sans Pro SemiBold" panose="020B0603030403020204" pitchFamily="34" charset="0"/>
+              </a:rPr>
+              <a:t>CNat</a:t>
+            </a:r>
+            <a:r>
+              <a:rPr lang="en-US" altLang="ja-JP" sz="2400" dirty="0">
+                <a:latin typeface="Source Sans Pro SemiBold" panose="020B0603030403020204" pitchFamily="34" charset="0"/>
+                <a:ea typeface="Source Sans Pro SemiBold" panose="020B0603030403020204" pitchFamily="34" charset="0"/>
+              </a:rPr>
+              <a:t>.  </a:t>
+            </a:r>
+            <a:r>
+              <a:rPr lang="en-US" altLang="ja-JP" sz="2400" dirty="0" err="1">
+                <a:latin typeface="Source Sans Pro SemiBold" panose="020B0603030403020204" pitchFamily="34" charset="0"/>
+                <a:ea typeface="Source Sans Pro SemiBold" panose="020B0603030403020204" pitchFamily="34" charset="0"/>
+              </a:rPr>
+              <a:t>λX</a:t>
+            </a:r>
+            <a:r>
+              <a:rPr lang="en-US" altLang="ja-JP" sz="2400" dirty="0">
+                <a:latin typeface="Source Sans Pro SemiBold" panose="020B0603030403020204" pitchFamily="34" charset="0"/>
+                <a:ea typeface="Source Sans Pro SemiBold" panose="020B0603030403020204" pitchFamily="34" charset="0"/>
+              </a:rPr>
+              <a:t>.  </a:t>
+            </a:r>
+            <a:r>
+              <a:rPr lang="en-US" altLang="ja-JP" sz="2400" dirty="0" err="1">
+                <a:latin typeface="Source Sans Pro SemiBold" panose="020B0603030403020204" pitchFamily="34" charset="0"/>
+                <a:ea typeface="Source Sans Pro SemiBold" panose="020B0603030403020204" pitchFamily="34" charset="0"/>
+              </a:rPr>
+              <a:t>λs</a:t>
+            </a:r>
+            <a:r>
+              <a:rPr lang="en-US" altLang="ja-JP" sz="2400" dirty="0">
+                <a:latin typeface="Source Sans Pro SemiBold" panose="020B0603030403020204" pitchFamily="34" charset="0"/>
+                <a:ea typeface="Source Sans Pro SemiBold" panose="020B0603030403020204" pitchFamily="34" charset="0"/>
+              </a:rPr>
+              <a:t> : X </a:t>
+            </a:r>
+            <a:r>
+              <a:rPr lang="ja-JP" altLang="en-US" sz="2400" dirty="0">
+                <a:latin typeface="Source Sans Pro SemiBold" panose="020B0603030403020204" pitchFamily="34" charset="0"/>
+                <a:ea typeface="Source Sans Pro SemiBold" panose="020B0603030403020204" pitchFamily="34" charset="0"/>
+              </a:rPr>
+              <a:t>→ </a:t>
+            </a:r>
+            <a:r>
+              <a:rPr lang="en-US" altLang="ja-JP" sz="2400" dirty="0">
+                <a:latin typeface="Source Sans Pro SemiBold" panose="020B0603030403020204" pitchFamily="34" charset="0"/>
+                <a:ea typeface="Source Sans Pro SemiBold" panose="020B0603030403020204" pitchFamily="34" charset="0"/>
+              </a:rPr>
+              <a:t>X. n [X] (m [X] s)</a:t>
+            </a:r>
+          </a:p>
+          <a:p>
+            <a:pPr marL="0" indent="0">
+              <a:buNone/>
+            </a:pPr>
+            <a:r>
+              <a:rPr lang="en-US" altLang="ja-JP" sz="2400" dirty="0" err="1">
+                <a:latin typeface="Source Sans Pro SemiBold" panose="020B0603030403020204" pitchFamily="34" charset="0"/>
+                <a:ea typeface="Source Sans Pro SemiBold" panose="020B0603030403020204" pitchFamily="34" charset="0"/>
+              </a:rPr>
+              <a:t>cexp</a:t>
+            </a:r>
+            <a:r>
+              <a:rPr lang="en-US" altLang="ja-JP" sz="2400" dirty="0">
+                <a:latin typeface="Source Sans Pro SemiBold" panose="020B0603030403020204" pitchFamily="34" charset="0"/>
+                <a:ea typeface="Source Sans Pro SemiBold" panose="020B0603030403020204" pitchFamily="34" charset="0"/>
+              </a:rPr>
+              <a:t> = </a:t>
+            </a:r>
+            <a:r>
+              <a:rPr lang="en-US" altLang="ja-JP" sz="2400" dirty="0" err="1">
+                <a:latin typeface="Source Sans Pro SemiBold" panose="020B0603030403020204" pitchFamily="34" charset="0"/>
+                <a:ea typeface="Source Sans Pro SemiBold" panose="020B0603030403020204" pitchFamily="34" charset="0"/>
+              </a:rPr>
+              <a:t>λm</a:t>
+            </a:r>
+            <a:r>
+              <a:rPr lang="en-US" altLang="ja-JP" sz="2400" dirty="0">
+                <a:latin typeface="Source Sans Pro SemiBold" panose="020B0603030403020204" pitchFamily="34" charset="0"/>
+                <a:ea typeface="Source Sans Pro SemiBold" panose="020B0603030403020204" pitchFamily="34" charset="0"/>
+              </a:rPr>
+              <a:t> : </a:t>
+            </a:r>
+            <a:r>
+              <a:rPr lang="en-US" altLang="ja-JP" sz="2400" dirty="0" err="1">
+                <a:latin typeface="Source Sans Pro SemiBold" panose="020B0603030403020204" pitchFamily="34" charset="0"/>
+                <a:ea typeface="Source Sans Pro SemiBold" panose="020B0603030403020204" pitchFamily="34" charset="0"/>
+              </a:rPr>
+              <a:t>CNat</a:t>
+            </a:r>
+            <a:r>
+              <a:rPr lang="en-US" altLang="ja-JP" sz="2400" dirty="0">
+                <a:latin typeface="Source Sans Pro SemiBold" panose="020B0603030403020204" pitchFamily="34" charset="0"/>
+                <a:ea typeface="Source Sans Pro SemiBold" panose="020B0603030403020204" pitchFamily="34" charset="0"/>
+              </a:rPr>
+              <a:t>.  </a:t>
+            </a:r>
+            <a:r>
+              <a:rPr lang="en-US" altLang="ja-JP" sz="2400" dirty="0" err="1">
+                <a:latin typeface="Source Sans Pro SemiBold" panose="020B0603030403020204" pitchFamily="34" charset="0"/>
+                <a:ea typeface="Source Sans Pro SemiBold" panose="020B0603030403020204" pitchFamily="34" charset="0"/>
+              </a:rPr>
+              <a:t>λn</a:t>
+            </a:r>
+            <a:r>
+              <a:rPr lang="en-US" altLang="ja-JP" sz="2400" dirty="0">
+                <a:latin typeface="Source Sans Pro SemiBold" panose="020B0603030403020204" pitchFamily="34" charset="0"/>
+                <a:ea typeface="Source Sans Pro SemiBold" panose="020B0603030403020204" pitchFamily="34" charset="0"/>
+              </a:rPr>
+              <a:t> : </a:t>
+            </a:r>
+            <a:r>
+              <a:rPr lang="en-US" altLang="ja-JP" sz="2400" dirty="0" err="1">
+                <a:latin typeface="Source Sans Pro SemiBold" panose="020B0603030403020204" pitchFamily="34" charset="0"/>
+                <a:ea typeface="Source Sans Pro SemiBold" panose="020B0603030403020204" pitchFamily="34" charset="0"/>
+              </a:rPr>
+              <a:t>CNat</a:t>
+            </a:r>
+            <a:r>
+              <a:rPr lang="en-US" altLang="ja-JP" sz="2400" dirty="0">
+                <a:latin typeface="Source Sans Pro SemiBold" panose="020B0603030403020204" pitchFamily="34" charset="0"/>
+                <a:ea typeface="Source Sans Pro SemiBold" panose="020B0603030403020204" pitchFamily="34" charset="0"/>
+              </a:rPr>
+              <a:t>.  </a:t>
+            </a:r>
+            <a:r>
+              <a:rPr lang="en-US" altLang="ja-JP" sz="2400" dirty="0" err="1">
+                <a:latin typeface="Source Sans Pro SemiBold" panose="020B0603030403020204" pitchFamily="34" charset="0"/>
+                <a:ea typeface="Source Sans Pro SemiBold" panose="020B0603030403020204" pitchFamily="34" charset="0"/>
+              </a:rPr>
+              <a:t>λX</a:t>
+            </a:r>
+            <a:r>
+              <a:rPr lang="en-US" altLang="ja-JP" sz="2400" dirty="0">
+                <a:latin typeface="Source Sans Pro SemiBold" panose="020B0603030403020204" pitchFamily="34" charset="0"/>
+                <a:ea typeface="Source Sans Pro SemiBold" panose="020B0603030403020204" pitchFamily="34" charset="0"/>
+              </a:rPr>
+              <a:t>.  n [X </a:t>
+            </a:r>
+            <a:r>
+              <a:rPr lang="ja-JP" altLang="en-US" sz="2400" dirty="0">
+                <a:latin typeface="Source Sans Pro SemiBold" panose="020B0603030403020204" pitchFamily="34" charset="0"/>
+                <a:ea typeface="Source Sans Pro SemiBold" panose="020B0603030403020204" pitchFamily="34" charset="0"/>
+              </a:rPr>
+              <a:t>→ </a:t>
+            </a:r>
+            <a:r>
+              <a:rPr lang="en-US" altLang="ja-JP" sz="2400" dirty="0">
+                <a:latin typeface="Source Sans Pro SemiBold" panose="020B0603030403020204" pitchFamily="34" charset="0"/>
+                <a:ea typeface="Source Sans Pro SemiBold" panose="020B0603030403020204" pitchFamily="34" charset="0"/>
+              </a:rPr>
+              <a:t>X] (m [X])</a:t>
+            </a:r>
+          </a:p>
+          <a:p>
+            <a:pPr marL="0" indent="0">
+              <a:buNone/>
+            </a:pPr>
+            <a:endParaRPr lang="en-US" altLang="ja-JP" sz="800" dirty="0">
+              <a:latin typeface="Source Sans Pro SemiBold" panose="020B0603030403020204" pitchFamily="34" charset="0"/>
+              <a:ea typeface="Source Sans Pro SemiBold" panose="020B0603030403020204" pitchFamily="34" charset="0"/>
+            </a:endParaRPr>
+          </a:p>
+          <a:p>
+            <a:pPr marL="0" indent="0">
+              <a:buNone/>
+            </a:pPr>
+            <a:r>
+              <a:rPr lang="ja-JP" altLang="en-US" sz="2400" dirty="0">
+                <a:latin typeface="+mj-ea"/>
+                <a:ea typeface="+mj-ea"/>
+              </a:rPr>
+              <a:t>これらの項が，</a:t>
+            </a:r>
+            <a:endParaRPr lang="en-US" altLang="ja-JP" sz="2400" dirty="0">
+              <a:latin typeface="+mj-ea"/>
+              <a:ea typeface="+mj-ea"/>
+            </a:endParaRPr>
+          </a:p>
+          <a:p>
+            <a:pPr marL="0" indent="0">
+              <a:buNone/>
+            </a:pPr>
+            <a:r>
+              <a:rPr lang="en-US" altLang="ja-JP" sz="2400" dirty="0">
+                <a:latin typeface="Source Sans Pro SemiBold" panose="020B0603030403020204" pitchFamily="34" charset="0"/>
+                <a:ea typeface="Source Sans Pro SemiBold" panose="020B0603030403020204" pitchFamily="34" charset="0"/>
+              </a:rPr>
+              <a:t># </a:t>
+            </a:r>
+            <a:r>
+              <a:rPr lang="en-US" altLang="ja-JP" sz="2400" dirty="0" err="1">
+                <a:latin typeface="Source Sans Pro SemiBold" panose="020B0603030403020204" pitchFamily="34" charset="0"/>
+                <a:ea typeface="Source Sans Pro SemiBold" panose="020B0603030403020204" pitchFamily="34" charset="0"/>
+              </a:rPr>
+              <a:t>ctimes</a:t>
+            </a:r>
+            <a:r>
+              <a:rPr lang="en-US" altLang="ja-JP" sz="2400" dirty="0">
+                <a:latin typeface="Source Sans Pro SemiBold" panose="020B0603030403020204" pitchFamily="34" charset="0"/>
+                <a:ea typeface="Source Sans Pro SemiBold" panose="020B0603030403020204" pitchFamily="34" charset="0"/>
+              </a:rPr>
+              <a:t> : </a:t>
+            </a:r>
+            <a:r>
+              <a:rPr lang="en-US" altLang="ja-JP" sz="2400" dirty="0" err="1">
+                <a:latin typeface="Source Sans Pro SemiBold" panose="020B0603030403020204" pitchFamily="34" charset="0"/>
+                <a:ea typeface="Source Sans Pro SemiBold" panose="020B0603030403020204" pitchFamily="34" charset="0"/>
+              </a:rPr>
+              <a:t>CNat</a:t>
+            </a:r>
+            <a:r>
+              <a:rPr lang="en-US" altLang="ja-JP" sz="2400" dirty="0">
+                <a:latin typeface="Source Sans Pro SemiBold" panose="020B0603030403020204" pitchFamily="34" charset="0"/>
+                <a:ea typeface="Source Sans Pro SemiBold" panose="020B0603030403020204" pitchFamily="34" charset="0"/>
+              </a:rPr>
+              <a:t> </a:t>
+            </a:r>
+            <a:r>
+              <a:rPr lang="ja-JP" altLang="en-US" sz="2400" dirty="0">
+                <a:latin typeface="Source Sans Pro SemiBold" panose="020B0603030403020204" pitchFamily="34" charset="0"/>
+                <a:ea typeface="Source Sans Pro SemiBold" panose="020B0603030403020204" pitchFamily="34" charset="0"/>
+              </a:rPr>
+              <a:t>→ </a:t>
+            </a:r>
+            <a:r>
+              <a:rPr lang="en-US" altLang="ja-JP" sz="2400" dirty="0" err="1">
+                <a:latin typeface="Source Sans Pro SemiBold" panose="020B0603030403020204" pitchFamily="34" charset="0"/>
+                <a:ea typeface="Source Sans Pro SemiBold" panose="020B0603030403020204" pitchFamily="34" charset="0"/>
+              </a:rPr>
+              <a:t>CNat</a:t>
+            </a:r>
+            <a:r>
+              <a:rPr lang="en-US" altLang="ja-JP" sz="2400" dirty="0">
+                <a:latin typeface="Source Sans Pro SemiBold" panose="020B0603030403020204" pitchFamily="34" charset="0"/>
+                <a:ea typeface="Source Sans Pro SemiBold" panose="020B0603030403020204" pitchFamily="34" charset="0"/>
+              </a:rPr>
+              <a:t> </a:t>
+            </a:r>
+            <a:r>
+              <a:rPr lang="ja-JP" altLang="en-US" sz="2400" dirty="0">
+                <a:latin typeface="Source Sans Pro SemiBold" panose="020B0603030403020204" pitchFamily="34" charset="0"/>
+                <a:ea typeface="Source Sans Pro SemiBold" panose="020B0603030403020204" pitchFamily="34" charset="0"/>
+              </a:rPr>
+              <a:t>→ </a:t>
+            </a:r>
+            <a:r>
+              <a:rPr lang="en-US" altLang="ja-JP" sz="2400" dirty="0" err="1">
+                <a:latin typeface="Source Sans Pro SemiBold" panose="020B0603030403020204" pitchFamily="34" charset="0"/>
+                <a:ea typeface="Source Sans Pro SemiBold" panose="020B0603030403020204" pitchFamily="34" charset="0"/>
+              </a:rPr>
+              <a:t>CNat</a:t>
+            </a:r>
+            <a:endParaRPr lang="en-US" altLang="ja-JP" sz="2400" dirty="0">
+              <a:latin typeface="Source Sans Pro SemiBold" panose="020B0603030403020204" pitchFamily="34" charset="0"/>
+              <a:ea typeface="Source Sans Pro SemiBold" panose="020B0603030403020204" pitchFamily="34" charset="0"/>
+            </a:endParaRPr>
+          </a:p>
+          <a:p>
+            <a:pPr marL="0" indent="0">
+              <a:buNone/>
+            </a:pPr>
+            <a:r>
+              <a:rPr lang="en-US" altLang="ja-JP" sz="2400" dirty="0">
+                <a:latin typeface="Source Sans Pro SemiBold" panose="020B0603030403020204" pitchFamily="34" charset="0"/>
+                <a:ea typeface="Source Sans Pro SemiBold" panose="020B0603030403020204" pitchFamily="34" charset="0"/>
+              </a:rPr>
+              <a:t># </a:t>
+            </a:r>
+            <a:r>
+              <a:rPr lang="en-US" altLang="ja-JP" sz="2400" dirty="0" err="1">
+                <a:latin typeface="Source Sans Pro SemiBold" panose="020B0603030403020204" pitchFamily="34" charset="0"/>
+                <a:ea typeface="Source Sans Pro SemiBold" panose="020B0603030403020204" pitchFamily="34" charset="0"/>
+              </a:rPr>
+              <a:t>cexp</a:t>
+            </a:r>
+            <a:r>
+              <a:rPr lang="en-US" altLang="ja-JP" sz="2400" dirty="0">
+                <a:latin typeface="Source Sans Pro SemiBold" panose="020B0603030403020204" pitchFamily="34" charset="0"/>
+                <a:ea typeface="Source Sans Pro SemiBold" panose="020B0603030403020204" pitchFamily="34" charset="0"/>
+              </a:rPr>
+              <a:t> : </a:t>
+            </a:r>
+            <a:r>
+              <a:rPr lang="en-US" altLang="ja-JP" sz="2400" dirty="0" err="1">
+                <a:latin typeface="Source Sans Pro SemiBold" panose="020B0603030403020204" pitchFamily="34" charset="0"/>
+                <a:ea typeface="Source Sans Pro SemiBold" panose="020B0603030403020204" pitchFamily="34" charset="0"/>
+              </a:rPr>
+              <a:t>CNat</a:t>
+            </a:r>
+            <a:r>
+              <a:rPr lang="en-US" altLang="ja-JP" sz="2400" dirty="0">
+                <a:latin typeface="Source Sans Pro SemiBold" panose="020B0603030403020204" pitchFamily="34" charset="0"/>
+                <a:ea typeface="Source Sans Pro SemiBold" panose="020B0603030403020204" pitchFamily="34" charset="0"/>
+              </a:rPr>
+              <a:t> </a:t>
+            </a:r>
+            <a:r>
+              <a:rPr lang="ja-JP" altLang="en-US" sz="2400" dirty="0">
+                <a:latin typeface="Source Sans Pro SemiBold" panose="020B0603030403020204" pitchFamily="34" charset="0"/>
+                <a:ea typeface="Source Sans Pro SemiBold" panose="020B0603030403020204" pitchFamily="34" charset="0"/>
+              </a:rPr>
+              <a:t>→ </a:t>
+            </a:r>
+            <a:r>
+              <a:rPr lang="en-US" altLang="ja-JP" sz="2400" dirty="0" err="1">
+                <a:latin typeface="Source Sans Pro SemiBold" panose="020B0603030403020204" pitchFamily="34" charset="0"/>
+                <a:ea typeface="Source Sans Pro SemiBold" panose="020B0603030403020204" pitchFamily="34" charset="0"/>
+              </a:rPr>
+              <a:t>CNat</a:t>
+            </a:r>
+            <a:r>
+              <a:rPr lang="en-US" altLang="ja-JP" sz="2400" dirty="0">
+                <a:latin typeface="Source Sans Pro SemiBold" panose="020B0603030403020204" pitchFamily="34" charset="0"/>
+                <a:ea typeface="Source Sans Pro SemiBold" panose="020B0603030403020204" pitchFamily="34" charset="0"/>
+              </a:rPr>
+              <a:t> </a:t>
+            </a:r>
+            <a:r>
+              <a:rPr lang="ja-JP" altLang="en-US" sz="2400" dirty="0">
+                <a:latin typeface="Source Sans Pro SemiBold" panose="020B0603030403020204" pitchFamily="34" charset="0"/>
+                <a:ea typeface="Source Sans Pro SemiBold" panose="020B0603030403020204" pitchFamily="34" charset="0"/>
+              </a:rPr>
+              <a:t>→ </a:t>
+            </a:r>
+            <a:r>
+              <a:rPr lang="en-US" altLang="ja-JP" sz="2400" dirty="0" err="1">
+                <a:latin typeface="Source Sans Pro SemiBold" panose="020B0603030403020204" pitchFamily="34" charset="0"/>
+                <a:ea typeface="Source Sans Pro SemiBold" panose="020B0603030403020204" pitchFamily="34" charset="0"/>
+              </a:rPr>
+              <a:t>CNat</a:t>
+            </a:r>
+            <a:endParaRPr lang="en-US" altLang="ja-JP" sz="2400" dirty="0">
+              <a:latin typeface="Source Sans Pro SemiBold" panose="020B0603030403020204" pitchFamily="34" charset="0"/>
+              <a:ea typeface="Source Sans Pro SemiBold" panose="020B0603030403020204" pitchFamily="34" charset="0"/>
+            </a:endParaRPr>
+          </a:p>
+          <a:p>
+            <a:pPr marL="0" indent="0">
+              <a:buNone/>
+            </a:pPr>
+            <a:r>
+              <a:rPr lang="ja-JP" altLang="en-US" sz="2400" dirty="0">
+                <a:latin typeface="+mj-ea"/>
+                <a:ea typeface="+mj-ea"/>
+              </a:rPr>
+              <a:t>の型を持つことを検証し，これらが乗算関数・べき乗関数になっていることを </a:t>
+            </a:r>
+            <a:r>
+              <a:rPr lang="en-US" altLang="ja-JP" sz="2400" dirty="0">
+                <a:latin typeface="+mn-lt"/>
+                <a:ea typeface="+mj-ea"/>
+              </a:rPr>
+              <a:t>informal</a:t>
+            </a:r>
+            <a:r>
+              <a:rPr lang="en-US" altLang="ja-JP" sz="2400" dirty="0">
+                <a:latin typeface="+mj-ea"/>
+                <a:ea typeface="+mj-ea"/>
+              </a:rPr>
+              <a:t> </a:t>
+            </a:r>
+            <a:r>
+              <a:rPr lang="ja-JP" altLang="en-US" sz="2400" dirty="0">
+                <a:latin typeface="+mj-ea"/>
+                <a:ea typeface="+mj-ea"/>
+              </a:rPr>
+              <a:t>に確認する．</a:t>
+            </a:r>
+            <a:endParaRPr lang="en-US" altLang="ja-JP" sz="2400" dirty="0">
+              <a:latin typeface="+mj-ea"/>
+              <a:ea typeface="+mj-ea"/>
+            </a:endParaRPr>
+          </a:p>
+          <a:p>
+            <a:pPr marL="0" indent="0">
+              <a:buNone/>
+            </a:pPr>
+            <a:endParaRPr lang="en-US" altLang="ja-JP" sz="2400" dirty="0">
+              <a:latin typeface="Source Sans Pro SemiBold" panose="020B0603030403020204" pitchFamily="34" charset="0"/>
+              <a:ea typeface="Source Sans Pro SemiBold" panose="020B0603030403020204" pitchFamily="34" charset="0"/>
+            </a:endParaRPr>
+          </a:p>
+        </p:txBody>
+      </p:sp>
+    </p:spTree>
+    <p:extLst>
+      <p:ext uri="{BB962C8B-B14F-4D97-AF65-F5344CB8AC3E}">
+        <p14:creationId xmlns:p14="http://schemas.microsoft.com/office/powerpoint/2010/main" val="1096494843"/>
+      </p:ext>
+    </p:extLst>
+  </p:cSld>
+  <p:clrMapOvr>
+    <a:masterClrMapping/>
+  </p:clrMapOvr>
+</p:sld>
+</file>
+
+<file path=ppt/slides/slide46.xml><?xml version="1.0" encoding="utf-8"?>
+<p:sld xmlns:a="http://schemas.openxmlformats.org/drawingml/2006/main" xmlns:r="http://schemas.openxmlformats.org/officeDocument/2006/relationships" xmlns:p="http://schemas.openxmlformats.org/presentationml/2006/main">
+  <p:cSld>
+    <p:spTree>
+      <p:nvGrpSpPr>
+        <p:cNvPr id="1" name="">
+          <a:extLst>
+            <a:ext uri="{FF2B5EF4-FFF2-40B4-BE49-F238E27FC236}">
+              <a16:creationId xmlns:a16="http://schemas.microsoft.com/office/drawing/2014/main" id="{16CD6DF1-AF50-2815-3336-775A97074652}"/>
+            </a:ext>
+          </a:extLst>
+        </p:cNvPr>
+        <p:cNvGrpSpPr/>
+        <p:nvPr/>
+      </p:nvGrpSpPr>
+      <p:grpSpPr>
+        <a:xfrm>
+          <a:off x="0" y="0"/>
+          <a:ext cx="0" cy="0"/>
+          <a:chOff x="0" y="0"/>
+          <a:chExt cx="0" cy="0"/>
+        </a:xfrm>
+      </p:grpSpPr>
+      <p:sp>
+        <p:nvSpPr>
+          <p:cNvPr id="2" name="タイトル 1">
+            <a:extLst>
+              <a:ext uri="{FF2B5EF4-FFF2-40B4-BE49-F238E27FC236}">
+                <a16:creationId xmlns:a16="http://schemas.microsoft.com/office/drawing/2014/main" id="{DD128255-B9CF-2262-BE42-673B9D82C866}"/>
+              </a:ext>
+            </a:extLst>
+          </p:cNvPr>
+          <p:cNvSpPr>
+            <a:spLocks noGrp="1"/>
+          </p:cNvSpPr>
+          <p:nvPr>
+            <p:ph type="title"/>
+          </p:nvPr>
+        </p:nvSpPr>
+        <p:spPr/>
+        <p:txBody>
+          <a:bodyPr/>
+          <a:lstStyle/>
+          <a:p>
+            <a:r>
+              <a:rPr kumimoji="1" lang="en-US" altLang="ja-JP" dirty="0"/>
+              <a:t>23.4 </a:t>
+            </a:r>
+            <a:r>
+              <a:rPr lang="ja-JP" altLang="en-US" dirty="0"/>
+              <a:t>例</a:t>
+            </a:r>
+            <a:endParaRPr kumimoji="1" lang="ja-JP" altLang="en-US" dirty="0"/>
+          </a:p>
+        </p:txBody>
+      </p:sp>
+      <p:sp>
+        <p:nvSpPr>
+          <p:cNvPr id="3" name="コンテンツ プレースホルダー 2">
+            <a:extLst>
+              <a:ext uri="{FF2B5EF4-FFF2-40B4-BE49-F238E27FC236}">
+                <a16:creationId xmlns:a16="http://schemas.microsoft.com/office/drawing/2014/main" id="{48092062-0153-AEF8-0423-26FEB5B299AA}"/>
+              </a:ext>
+            </a:extLst>
+          </p:cNvPr>
+          <p:cNvSpPr>
+            <a:spLocks noGrp="1"/>
+          </p:cNvSpPr>
+          <p:nvPr>
+            <p:ph idx="1"/>
+          </p:nvPr>
+        </p:nvSpPr>
+        <p:spPr>
+          <a:xfrm>
+            <a:off x="259194" y="1099789"/>
+            <a:ext cx="8625610" cy="5481485"/>
+          </a:xfrm>
+        </p:spPr>
+        <p:txBody>
+          <a:bodyPr>
+            <a:noAutofit/>
+          </a:bodyPr>
+          <a:lstStyle/>
+          <a:p>
+            <a:pPr marL="0" indent="0">
+              <a:buNone/>
+            </a:pPr>
+            <a:r>
+              <a:rPr lang="en-US" altLang="ja-JP" dirty="0">
+                <a:latin typeface="+mn-lt"/>
+                <a:ea typeface="Source Sans Pro SemiBold" panose="020B0603030403020204" pitchFamily="34" charset="0"/>
+              </a:rPr>
+              <a:t>23.4.7 Exercise</a:t>
+            </a:r>
+          </a:p>
+          <a:p>
+            <a:pPr marL="0" indent="0">
+              <a:buNone/>
+            </a:pPr>
+            <a:endParaRPr lang="en-US" altLang="ja-JP" sz="800" dirty="0">
+              <a:latin typeface="+mn-lt"/>
+              <a:ea typeface="Source Sans Pro SemiBold" panose="020B0603030403020204" pitchFamily="34" charset="0"/>
+            </a:endParaRPr>
+          </a:p>
+          <a:p>
+            <a:pPr marL="0" indent="0">
+              <a:buNone/>
+            </a:pPr>
+            <a:r>
+              <a:rPr lang="en-US" altLang="ja-JP" sz="2400" dirty="0" err="1">
+                <a:latin typeface="Source Sans Pro SemiBold" panose="020B0603030403020204" pitchFamily="34" charset="0"/>
+                <a:ea typeface="Source Sans Pro SemiBold" panose="020B0603030403020204" pitchFamily="34" charset="0"/>
+              </a:rPr>
+              <a:t>ctimes</a:t>
+            </a:r>
+            <a:r>
+              <a:rPr lang="en-US" altLang="ja-JP" sz="2400" dirty="0">
+                <a:latin typeface="Source Sans Pro SemiBold" panose="020B0603030403020204" pitchFamily="34" charset="0"/>
+                <a:ea typeface="Source Sans Pro SemiBold" panose="020B0603030403020204" pitchFamily="34" charset="0"/>
+              </a:rPr>
+              <a:t> = </a:t>
+            </a:r>
+            <a:r>
+              <a:rPr lang="en-US" altLang="ja-JP" sz="2400" dirty="0" err="1">
+                <a:latin typeface="Source Sans Pro SemiBold" panose="020B0603030403020204" pitchFamily="34" charset="0"/>
+                <a:ea typeface="Source Sans Pro SemiBold" panose="020B0603030403020204" pitchFamily="34" charset="0"/>
+              </a:rPr>
+              <a:t>λm</a:t>
+            </a:r>
+            <a:r>
+              <a:rPr lang="en-US" altLang="ja-JP" sz="2400" dirty="0">
+                <a:latin typeface="Source Sans Pro SemiBold" panose="020B0603030403020204" pitchFamily="34" charset="0"/>
+                <a:ea typeface="Source Sans Pro SemiBold" panose="020B0603030403020204" pitchFamily="34" charset="0"/>
+              </a:rPr>
+              <a:t> : </a:t>
+            </a:r>
+            <a:r>
+              <a:rPr lang="en-US" altLang="ja-JP" sz="2400" dirty="0" err="1">
+                <a:latin typeface="Source Sans Pro SemiBold" panose="020B0603030403020204" pitchFamily="34" charset="0"/>
+                <a:ea typeface="Source Sans Pro SemiBold" panose="020B0603030403020204" pitchFamily="34" charset="0"/>
+              </a:rPr>
+              <a:t>CNat</a:t>
+            </a:r>
+            <a:r>
+              <a:rPr lang="en-US" altLang="ja-JP" sz="2400" dirty="0">
+                <a:latin typeface="Source Sans Pro SemiBold" panose="020B0603030403020204" pitchFamily="34" charset="0"/>
+                <a:ea typeface="Source Sans Pro SemiBold" panose="020B0603030403020204" pitchFamily="34" charset="0"/>
+              </a:rPr>
+              <a:t>.  </a:t>
+            </a:r>
+            <a:r>
+              <a:rPr lang="en-US" altLang="ja-JP" sz="2400" dirty="0" err="1">
+                <a:latin typeface="Source Sans Pro SemiBold" panose="020B0603030403020204" pitchFamily="34" charset="0"/>
+                <a:ea typeface="Source Sans Pro SemiBold" panose="020B0603030403020204" pitchFamily="34" charset="0"/>
+              </a:rPr>
+              <a:t>λn</a:t>
+            </a:r>
+            <a:r>
+              <a:rPr lang="en-US" altLang="ja-JP" sz="2400" dirty="0">
+                <a:latin typeface="Source Sans Pro SemiBold" panose="020B0603030403020204" pitchFamily="34" charset="0"/>
+                <a:ea typeface="Source Sans Pro SemiBold" panose="020B0603030403020204" pitchFamily="34" charset="0"/>
+              </a:rPr>
+              <a:t> : </a:t>
+            </a:r>
+            <a:r>
+              <a:rPr lang="en-US" altLang="ja-JP" sz="2400" dirty="0" err="1">
+                <a:latin typeface="Source Sans Pro SemiBold" panose="020B0603030403020204" pitchFamily="34" charset="0"/>
+                <a:ea typeface="Source Sans Pro SemiBold" panose="020B0603030403020204" pitchFamily="34" charset="0"/>
+              </a:rPr>
+              <a:t>CNat</a:t>
+            </a:r>
+            <a:r>
+              <a:rPr lang="en-US" altLang="ja-JP" sz="2400" dirty="0">
+                <a:latin typeface="Source Sans Pro SemiBold" panose="020B0603030403020204" pitchFamily="34" charset="0"/>
+                <a:ea typeface="Source Sans Pro SemiBold" panose="020B0603030403020204" pitchFamily="34" charset="0"/>
+              </a:rPr>
+              <a:t>.  </a:t>
+            </a:r>
+            <a:r>
+              <a:rPr lang="en-US" altLang="ja-JP" sz="2400" dirty="0" err="1">
+                <a:latin typeface="Source Sans Pro SemiBold" panose="020B0603030403020204" pitchFamily="34" charset="0"/>
+                <a:ea typeface="Source Sans Pro SemiBold" panose="020B0603030403020204" pitchFamily="34" charset="0"/>
+              </a:rPr>
+              <a:t>λX</a:t>
+            </a:r>
+            <a:r>
+              <a:rPr lang="en-US" altLang="ja-JP" sz="2400" dirty="0">
+                <a:latin typeface="Source Sans Pro SemiBold" panose="020B0603030403020204" pitchFamily="34" charset="0"/>
+                <a:ea typeface="Source Sans Pro SemiBold" panose="020B0603030403020204" pitchFamily="34" charset="0"/>
+              </a:rPr>
+              <a:t>.  </a:t>
+            </a:r>
+            <a:r>
+              <a:rPr lang="en-US" altLang="ja-JP" sz="2400" dirty="0" err="1">
+                <a:latin typeface="Source Sans Pro SemiBold" panose="020B0603030403020204" pitchFamily="34" charset="0"/>
+                <a:ea typeface="Source Sans Pro SemiBold" panose="020B0603030403020204" pitchFamily="34" charset="0"/>
+              </a:rPr>
+              <a:t>λs</a:t>
+            </a:r>
+            <a:r>
+              <a:rPr lang="en-US" altLang="ja-JP" sz="2400" dirty="0">
+                <a:latin typeface="Source Sans Pro SemiBold" panose="020B0603030403020204" pitchFamily="34" charset="0"/>
+                <a:ea typeface="Source Sans Pro SemiBold" panose="020B0603030403020204" pitchFamily="34" charset="0"/>
+              </a:rPr>
+              <a:t> : X </a:t>
+            </a:r>
+            <a:r>
+              <a:rPr lang="ja-JP" altLang="en-US" sz="2400" dirty="0">
+                <a:latin typeface="Source Sans Pro SemiBold" panose="020B0603030403020204" pitchFamily="34" charset="0"/>
+                <a:ea typeface="Source Sans Pro SemiBold" panose="020B0603030403020204" pitchFamily="34" charset="0"/>
+              </a:rPr>
+              <a:t>→ </a:t>
+            </a:r>
+            <a:r>
+              <a:rPr lang="en-US" altLang="ja-JP" sz="2400" dirty="0">
+                <a:latin typeface="Source Sans Pro SemiBold" panose="020B0603030403020204" pitchFamily="34" charset="0"/>
+                <a:ea typeface="Source Sans Pro SemiBold" panose="020B0603030403020204" pitchFamily="34" charset="0"/>
+              </a:rPr>
+              <a:t>X. n [X] (m [X] s)</a:t>
+            </a:r>
+          </a:p>
+          <a:p>
+            <a:pPr marL="0" indent="0">
+              <a:buNone/>
+            </a:pPr>
+            <a:r>
+              <a:rPr lang="en-US" altLang="ja-JP" sz="2400" dirty="0">
+                <a:latin typeface="Source Sans Pro SemiBold" panose="020B0603030403020204" pitchFamily="34" charset="0"/>
+                <a:ea typeface="Source Sans Pro SemiBold" panose="020B0603030403020204" pitchFamily="34" charset="0"/>
+              </a:rPr>
+              <a:t># </a:t>
+            </a:r>
+            <a:r>
+              <a:rPr lang="en-US" altLang="ja-JP" sz="2400" dirty="0" err="1">
+                <a:latin typeface="Source Sans Pro SemiBold" panose="020B0603030403020204" pitchFamily="34" charset="0"/>
+                <a:ea typeface="Source Sans Pro SemiBold" panose="020B0603030403020204" pitchFamily="34" charset="0"/>
+              </a:rPr>
+              <a:t>ctimes</a:t>
+            </a:r>
+            <a:r>
+              <a:rPr lang="en-US" altLang="ja-JP" sz="2400" dirty="0">
+                <a:latin typeface="Source Sans Pro SemiBold" panose="020B0603030403020204" pitchFamily="34" charset="0"/>
+                <a:ea typeface="Source Sans Pro SemiBold" panose="020B0603030403020204" pitchFamily="34" charset="0"/>
+              </a:rPr>
+              <a:t> : </a:t>
+            </a:r>
+            <a:r>
+              <a:rPr lang="en-US" altLang="ja-JP" sz="2400" dirty="0" err="1">
+                <a:latin typeface="Source Sans Pro SemiBold" panose="020B0603030403020204" pitchFamily="34" charset="0"/>
+                <a:ea typeface="Source Sans Pro SemiBold" panose="020B0603030403020204" pitchFamily="34" charset="0"/>
+              </a:rPr>
+              <a:t>CNat</a:t>
+            </a:r>
+            <a:r>
+              <a:rPr lang="en-US" altLang="ja-JP" sz="2400" dirty="0">
+                <a:latin typeface="Source Sans Pro SemiBold" panose="020B0603030403020204" pitchFamily="34" charset="0"/>
+                <a:ea typeface="Source Sans Pro SemiBold" panose="020B0603030403020204" pitchFamily="34" charset="0"/>
+              </a:rPr>
+              <a:t> </a:t>
+            </a:r>
+            <a:r>
+              <a:rPr lang="ja-JP" altLang="en-US" sz="2400" dirty="0">
+                <a:latin typeface="Source Sans Pro SemiBold" panose="020B0603030403020204" pitchFamily="34" charset="0"/>
+                <a:ea typeface="Source Sans Pro SemiBold" panose="020B0603030403020204" pitchFamily="34" charset="0"/>
+              </a:rPr>
+              <a:t>→ </a:t>
+            </a:r>
+            <a:r>
+              <a:rPr lang="en-US" altLang="ja-JP" sz="2400" dirty="0" err="1">
+                <a:latin typeface="Source Sans Pro SemiBold" panose="020B0603030403020204" pitchFamily="34" charset="0"/>
+                <a:ea typeface="Source Sans Pro SemiBold" panose="020B0603030403020204" pitchFamily="34" charset="0"/>
+              </a:rPr>
+              <a:t>CNat</a:t>
+            </a:r>
+            <a:r>
+              <a:rPr lang="en-US" altLang="ja-JP" sz="2400" dirty="0">
+                <a:latin typeface="Source Sans Pro SemiBold" panose="020B0603030403020204" pitchFamily="34" charset="0"/>
+                <a:ea typeface="Source Sans Pro SemiBold" panose="020B0603030403020204" pitchFamily="34" charset="0"/>
+              </a:rPr>
+              <a:t> </a:t>
+            </a:r>
+            <a:r>
+              <a:rPr lang="ja-JP" altLang="en-US" sz="2400" dirty="0">
+                <a:latin typeface="Source Sans Pro SemiBold" panose="020B0603030403020204" pitchFamily="34" charset="0"/>
+                <a:ea typeface="Source Sans Pro SemiBold" panose="020B0603030403020204" pitchFamily="34" charset="0"/>
+              </a:rPr>
+              <a:t>→ </a:t>
+            </a:r>
+            <a:r>
+              <a:rPr lang="en-US" altLang="ja-JP" sz="2400" dirty="0" err="1">
+                <a:latin typeface="Source Sans Pro SemiBold" panose="020B0603030403020204" pitchFamily="34" charset="0"/>
+                <a:ea typeface="Source Sans Pro SemiBold" panose="020B0603030403020204" pitchFamily="34" charset="0"/>
+              </a:rPr>
+              <a:t>CNat</a:t>
+            </a:r>
+            <a:endParaRPr lang="en-US" altLang="ja-JP" sz="2400" dirty="0">
+              <a:latin typeface="Source Sans Pro SemiBold" panose="020B0603030403020204" pitchFamily="34" charset="0"/>
+              <a:ea typeface="Source Sans Pro SemiBold" panose="020B0603030403020204" pitchFamily="34" charset="0"/>
+            </a:endParaRPr>
+          </a:p>
+          <a:p>
+            <a:pPr marL="0" indent="0">
+              <a:buNone/>
+            </a:pPr>
+            <a:endParaRPr lang="en-US" altLang="ja-JP" sz="2400" dirty="0">
+              <a:latin typeface="Source Sans Pro SemiBold" panose="020B0603030403020204" pitchFamily="34" charset="0"/>
+              <a:ea typeface="Source Sans Pro SemiBold" panose="020B0603030403020204" pitchFamily="34" charset="0"/>
+            </a:endParaRPr>
+          </a:p>
+        </p:txBody>
+      </p:sp>
+    </p:spTree>
+    <p:extLst>
+      <p:ext uri="{BB962C8B-B14F-4D97-AF65-F5344CB8AC3E}">
+        <p14:creationId xmlns:p14="http://schemas.microsoft.com/office/powerpoint/2010/main" val="3920775602"/>
+      </p:ext>
+    </p:extLst>
+  </p:cSld>
+  <p:clrMapOvr>
+    <a:masterClrMapping/>
+  </p:clrMapOvr>
+</p:sld>
+</file>
+
+<file path=ppt/slides/slide47.xml><?xml version="1.0" encoding="utf-8"?>
+<p:sld xmlns:a="http://schemas.openxmlformats.org/drawingml/2006/main" xmlns:r="http://schemas.openxmlformats.org/officeDocument/2006/relationships" xmlns:p="http://schemas.openxmlformats.org/presentationml/2006/main">
+  <p:cSld>
+    <p:spTree>
+      <p:nvGrpSpPr>
+        <p:cNvPr id="1" name="">
+          <a:extLst>
+            <a:ext uri="{FF2B5EF4-FFF2-40B4-BE49-F238E27FC236}">
+              <a16:creationId xmlns:a16="http://schemas.microsoft.com/office/drawing/2014/main" id="{652D8282-9B4D-B2CF-2D52-833D43F1962A}"/>
+            </a:ext>
+          </a:extLst>
+        </p:cNvPr>
+        <p:cNvGrpSpPr/>
+        <p:nvPr/>
+      </p:nvGrpSpPr>
+      <p:grpSpPr>
+        <a:xfrm>
+          <a:off x="0" y="0"/>
+          <a:ext cx="0" cy="0"/>
+          <a:chOff x="0" y="0"/>
+          <a:chExt cx="0" cy="0"/>
+        </a:xfrm>
+      </p:grpSpPr>
+      <p:sp>
+        <p:nvSpPr>
+          <p:cNvPr id="2" name="タイトル 1">
+            <a:extLst>
+              <a:ext uri="{FF2B5EF4-FFF2-40B4-BE49-F238E27FC236}">
+                <a16:creationId xmlns:a16="http://schemas.microsoft.com/office/drawing/2014/main" id="{5F69723E-CCC8-95DC-D295-83FA13C1A566}"/>
+              </a:ext>
+            </a:extLst>
+          </p:cNvPr>
+          <p:cNvSpPr>
+            <a:spLocks noGrp="1"/>
+          </p:cNvSpPr>
+          <p:nvPr>
+            <p:ph type="title"/>
+          </p:nvPr>
+        </p:nvSpPr>
+        <p:spPr/>
+        <p:txBody>
+          <a:bodyPr/>
+          <a:lstStyle/>
+          <a:p>
+            <a:r>
+              <a:rPr kumimoji="1" lang="en-US" altLang="ja-JP" dirty="0"/>
+              <a:t>23.4 </a:t>
+            </a:r>
+            <a:r>
+              <a:rPr lang="ja-JP" altLang="en-US" dirty="0"/>
+              <a:t>例</a:t>
+            </a:r>
+            <a:endParaRPr kumimoji="1" lang="ja-JP" altLang="en-US" dirty="0"/>
+          </a:p>
+        </p:txBody>
+      </p:sp>
+      <p:sp>
+        <p:nvSpPr>
+          <p:cNvPr id="3" name="コンテンツ プレースホルダー 2">
+            <a:extLst>
+              <a:ext uri="{FF2B5EF4-FFF2-40B4-BE49-F238E27FC236}">
+                <a16:creationId xmlns:a16="http://schemas.microsoft.com/office/drawing/2014/main" id="{EA3EA21C-86A7-BBA6-2476-1E549532E0DE}"/>
+              </a:ext>
+            </a:extLst>
+          </p:cNvPr>
+          <p:cNvSpPr>
+            <a:spLocks noGrp="1"/>
+          </p:cNvSpPr>
+          <p:nvPr>
+            <p:ph idx="1"/>
+          </p:nvPr>
+        </p:nvSpPr>
+        <p:spPr>
+          <a:xfrm>
+            <a:off x="259194" y="1099789"/>
+            <a:ext cx="8625610" cy="5481485"/>
+          </a:xfrm>
+        </p:spPr>
+        <p:txBody>
+          <a:bodyPr>
+            <a:noAutofit/>
+          </a:bodyPr>
+          <a:lstStyle/>
+          <a:p>
+            <a:pPr marL="0" indent="0">
+              <a:buNone/>
+            </a:pPr>
+            <a:r>
+              <a:rPr lang="en-US" altLang="ja-JP" dirty="0">
+                <a:latin typeface="+mn-lt"/>
+                <a:ea typeface="Source Sans Pro SemiBold" panose="020B0603030403020204" pitchFamily="34" charset="0"/>
+              </a:rPr>
+              <a:t>23.4.7 Exercise</a:t>
+            </a:r>
+          </a:p>
+          <a:p>
+            <a:pPr marL="0" indent="0">
+              <a:buNone/>
+            </a:pPr>
+            <a:endParaRPr lang="en-US" altLang="ja-JP" sz="800" dirty="0">
+              <a:latin typeface="+mn-lt"/>
+              <a:ea typeface="Source Sans Pro SemiBold" panose="020B0603030403020204" pitchFamily="34" charset="0"/>
+            </a:endParaRPr>
+          </a:p>
+          <a:p>
+            <a:pPr marL="0" indent="0">
+              <a:buNone/>
+            </a:pPr>
+            <a:r>
+              <a:rPr lang="en-US" altLang="ja-JP" sz="2400" dirty="0" err="1">
+                <a:latin typeface="Source Sans Pro SemiBold" panose="020B0603030403020204" pitchFamily="34" charset="0"/>
+                <a:ea typeface="Source Sans Pro SemiBold" panose="020B0603030403020204" pitchFamily="34" charset="0"/>
+              </a:rPr>
+              <a:t>cexp</a:t>
+            </a:r>
+            <a:r>
+              <a:rPr lang="en-US" altLang="ja-JP" sz="2400" dirty="0">
+                <a:latin typeface="Source Sans Pro SemiBold" panose="020B0603030403020204" pitchFamily="34" charset="0"/>
+                <a:ea typeface="Source Sans Pro SemiBold" panose="020B0603030403020204" pitchFamily="34" charset="0"/>
+              </a:rPr>
+              <a:t> = </a:t>
+            </a:r>
+            <a:r>
+              <a:rPr lang="en-US" altLang="ja-JP" sz="2400" dirty="0" err="1">
+                <a:latin typeface="Source Sans Pro SemiBold" panose="020B0603030403020204" pitchFamily="34" charset="0"/>
+                <a:ea typeface="Source Sans Pro SemiBold" panose="020B0603030403020204" pitchFamily="34" charset="0"/>
+              </a:rPr>
+              <a:t>λm</a:t>
+            </a:r>
+            <a:r>
+              <a:rPr lang="en-US" altLang="ja-JP" sz="2400" dirty="0">
+                <a:latin typeface="Source Sans Pro SemiBold" panose="020B0603030403020204" pitchFamily="34" charset="0"/>
+                <a:ea typeface="Source Sans Pro SemiBold" panose="020B0603030403020204" pitchFamily="34" charset="0"/>
+              </a:rPr>
+              <a:t> : </a:t>
+            </a:r>
+            <a:r>
+              <a:rPr lang="en-US" altLang="ja-JP" sz="2400" dirty="0" err="1">
+                <a:latin typeface="Source Sans Pro SemiBold" panose="020B0603030403020204" pitchFamily="34" charset="0"/>
+                <a:ea typeface="Source Sans Pro SemiBold" panose="020B0603030403020204" pitchFamily="34" charset="0"/>
+              </a:rPr>
+              <a:t>CNat</a:t>
+            </a:r>
+            <a:r>
+              <a:rPr lang="en-US" altLang="ja-JP" sz="2400" dirty="0">
+                <a:latin typeface="Source Sans Pro SemiBold" panose="020B0603030403020204" pitchFamily="34" charset="0"/>
+                <a:ea typeface="Source Sans Pro SemiBold" panose="020B0603030403020204" pitchFamily="34" charset="0"/>
+              </a:rPr>
+              <a:t>.  </a:t>
+            </a:r>
+            <a:r>
+              <a:rPr lang="en-US" altLang="ja-JP" sz="2400" dirty="0" err="1">
+                <a:latin typeface="Source Sans Pro SemiBold" panose="020B0603030403020204" pitchFamily="34" charset="0"/>
+                <a:ea typeface="Source Sans Pro SemiBold" panose="020B0603030403020204" pitchFamily="34" charset="0"/>
+              </a:rPr>
+              <a:t>λn</a:t>
+            </a:r>
+            <a:r>
+              <a:rPr lang="en-US" altLang="ja-JP" sz="2400" dirty="0">
+                <a:latin typeface="Source Sans Pro SemiBold" panose="020B0603030403020204" pitchFamily="34" charset="0"/>
+                <a:ea typeface="Source Sans Pro SemiBold" panose="020B0603030403020204" pitchFamily="34" charset="0"/>
+              </a:rPr>
+              <a:t> : </a:t>
+            </a:r>
+            <a:r>
+              <a:rPr lang="en-US" altLang="ja-JP" sz="2400" dirty="0" err="1">
+                <a:latin typeface="Source Sans Pro SemiBold" panose="020B0603030403020204" pitchFamily="34" charset="0"/>
+                <a:ea typeface="Source Sans Pro SemiBold" panose="020B0603030403020204" pitchFamily="34" charset="0"/>
+              </a:rPr>
+              <a:t>CNat</a:t>
+            </a:r>
+            <a:r>
+              <a:rPr lang="en-US" altLang="ja-JP" sz="2400" dirty="0">
+                <a:latin typeface="Source Sans Pro SemiBold" panose="020B0603030403020204" pitchFamily="34" charset="0"/>
+                <a:ea typeface="Source Sans Pro SemiBold" panose="020B0603030403020204" pitchFamily="34" charset="0"/>
+              </a:rPr>
+              <a:t>.  </a:t>
+            </a:r>
+            <a:r>
+              <a:rPr lang="en-US" altLang="ja-JP" sz="2400" dirty="0" err="1">
+                <a:latin typeface="Source Sans Pro SemiBold" panose="020B0603030403020204" pitchFamily="34" charset="0"/>
+                <a:ea typeface="Source Sans Pro SemiBold" panose="020B0603030403020204" pitchFamily="34" charset="0"/>
+              </a:rPr>
+              <a:t>λX</a:t>
+            </a:r>
+            <a:r>
+              <a:rPr lang="en-US" altLang="ja-JP" sz="2400" dirty="0">
+                <a:latin typeface="Source Sans Pro SemiBold" panose="020B0603030403020204" pitchFamily="34" charset="0"/>
+                <a:ea typeface="Source Sans Pro SemiBold" panose="020B0603030403020204" pitchFamily="34" charset="0"/>
+              </a:rPr>
+              <a:t>.  n [X </a:t>
+            </a:r>
+            <a:r>
+              <a:rPr lang="ja-JP" altLang="en-US" sz="2400" dirty="0">
+                <a:latin typeface="Source Sans Pro SemiBold" panose="020B0603030403020204" pitchFamily="34" charset="0"/>
+                <a:ea typeface="Source Sans Pro SemiBold" panose="020B0603030403020204" pitchFamily="34" charset="0"/>
+              </a:rPr>
+              <a:t>→ </a:t>
+            </a:r>
+            <a:r>
+              <a:rPr lang="en-US" altLang="ja-JP" sz="2400" dirty="0">
+                <a:latin typeface="Source Sans Pro SemiBold" panose="020B0603030403020204" pitchFamily="34" charset="0"/>
+                <a:ea typeface="Source Sans Pro SemiBold" panose="020B0603030403020204" pitchFamily="34" charset="0"/>
+              </a:rPr>
+              <a:t>X] (m [X])</a:t>
+            </a:r>
+          </a:p>
+          <a:p>
+            <a:pPr marL="0" indent="0">
+              <a:buNone/>
+            </a:pPr>
+            <a:r>
+              <a:rPr lang="en-US" altLang="ja-JP" sz="2400" dirty="0">
+                <a:latin typeface="Source Sans Pro SemiBold" panose="020B0603030403020204" pitchFamily="34" charset="0"/>
+                <a:ea typeface="Source Sans Pro SemiBold" panose="020B0603030403020204" pitchFamily="34" charset="0"/>
+              </a:rPr>
+              <a:t># </a:t>
+            </a:r>
+            <a:r>
+              <a:rPr lang="en-US" altLang="ja-JP" sz="2400" dirty="0" err="1">
+                <a:latin typeface="Source Sans Pro SemiBold" panose="020B0603030403020204" pitchFamily="34" charset="0"/>
+                <a:ea typeface="Source Sans Pro SemiBold" panose="020B0603030403020204" pitchFamily="34" charset="0"/>
+              </a:rPr>
+              <a:t>cexp</a:t>
+            </a:r>
+            <a:r>
+              <a:rPr lang="en-US" altLang="ja-JP" sz="2400" dirty="0">
+                <a:latin typeface="Source Sans Pro SemiBold" panose="020B0603030403020204" pitchFamily="34" charset="0"/>
+                <a:ea typeface="Source Sans Pro SemiBold" panose="020B0603030403020204" pitchFamily="34" charset="0"/>
+              </a:rPr>
+              <a:t> : </a:t>
+            </a:r>
+            <a:r>
+              <a:rPr lang="en-US" altLang="ja-JP" sz="2400" dirty="0" err="1">
+                <a:latin typeface="Source Sans Pro SemiBold" panose="020B0603030403020204" pitchFamily="34" charset="0"/>
+                <a:ea typeface="Source Sans Pro SemiBold" panose="020B0603030403020204" pitchFamily="34" charset="0"/>
+              </a:rPr>
+              <a:t>CNat</a:t>
+            </a:r>
+            <a:r>
+              <a:rPr lang="en-US" altLang="ja-JP" sz="2400" dirty="0">
+                <a:latin typeface="Source Sans Pro SemiBold" panose="020B0603030403020204" pitchFamily="34" charset="0"/>
+                <a:ea typeface="Source Sans Pro SemiBold" panose="020B0603030403020204" pitchFamily="34" charset="0"/>
+              </a:rPr>
+              <a:t> </a:t>
+            </a:r>
+            <a:r>
+              <a:rPr lang="ja-JP" altLang="en-US" sz="2400" dirty="0">
+                <a:latin typeface="Source Sans Pro SemiBold" panose="020B0603030403020204" pitchFamily="34" charset="0"/>
+                <a:ea typeface="Source Sans Pro SemiBold" panose="020B0603030403020204" pitchFamily="34" charset="0"/>
+              </a:rPr>
+              <a:t>→ </a:t>
+            </a:r>
+            <a:r>
+              <a:rPr lang="en-US" altLang="ja-JP" sz="2400" dirty="0" err="1">
+                <a:latin typeface="Source Sans Pro SemiBold" panose="020B0603030403020204" pitchFamily="34" charset="0"/>
+                <a:ea typeface="Source Sans Pro SemiBold" panose="020B0603030403020204" pitchFamily="34" charset="0"/>
+              </a:rPr>
+              <a:t>CNat</a:t>
+            </a:r>
+            <a:r>
+              <a:rPr lang="en-US" altLang="ja-JP" sz="2400" dirty="0">
+                <a:latin typeface="Source Sans Pro SemiBold" panose="020B0603030403020204" pitchFamily="34" charset="0"/>
+                <a:ea typeface="Source Sans Pro SemiBold" panose="020B0603030403020204" pitchFamily="34" charset="0"/>
+              </a:rPr>
+              <a:t> </a:t>
+            </a:r>
+            <a:r>
+              <a:rPr lang="ja-JP" altLang="en-US" sz="2400" dirty="0">
+                <a:latin typeface="Source Sans Pro SemiBold" panose="020B0603030403020204" pitchFamily="34" charset="0"/>
+                <a:ea typeface="Source Sans Pro SemiBold" panose="020B0603030403020204" pitchFamily="34" charset="0"/>
+              </a:rPr>
+              <a:t>→ </a:t>
+            </a:r>
+            <a:r>
+              <a:rPr lang="en-US" altLang="ja-JP" sz="2400" dirty="0" err="1">
+                <a:latin typeface="Source Sans Pro SemiBold" panose="020B0603030403020204" pitchFamily="34" charset="0"/>
+                <a:ea typeface="Source Sans Pro SemiBold" panose="020B0603030403020204" pitchFamily="34" charset="0"/>
+              </a:rPr>
+              <a:t>CNat</a:t>
+            </a:r>
+            <a:endParaRPr lang="en-US" altLang="ja-JP" sz="2400" dirty="0">
+              <a:latin typeface="Source Sans Pro SemiBold" panose="020B0603030403020204" pitchFamily="34" charset="0"/>
+              <a:ea typeface="Source Sans Pro SemiBold" panose="020B0603030403020204" pitchFamily="34" charset="0"/>
+            </a:endParaRPr>
+          </a:p>
+          <a:p>
+            <a:pPr marL="0" indent="0">
+              <a:buNone/>
+            </a:pPr>
+            <a:endParaRPr lang="en-US" altLang="ja-JP" sz="2400" dirty="0">
+              <a:latin typeface="Source Sans Pro SemiBold" panose="020B0603030403020204" pitchFamily="34" charset="0"/>
+              <a:ea typeface="Source Sans Pro SemiBold" panose="020B0603030403020204" pitchFamily="34" charset="0"/>
+            </a:endParaRPr>
+          </a:p>
+        </p:txBody>
+      </p:sp>
+    </p:spTree>
+    <p:extLst>
+      <p:ext uri="{BB962C8B-B14F-4D97-AF65-F5344CB8AC3E}">
+        <p14:creationId xmlns:p14="http://schemas.microsoft.com/office/powerpoint/2010/main" val="410871428"/>
+      </p:ext>
+    </p:extLst>
+  </p:cSld>
+  <p:clrMapOvr>
+    <a:masterClrMapping/>
+  </p:clrMapOvr>
+</p:sld>
+</file>
+
+<file path=ppt/slides/slide48.xml><?xml version="1.0" encoding="utf-8"?>
+<p:sld xmlns:a="http://schemas.openxmlformats.org/drawingml/2006/main" xmlns:r="http://schemas.openxmlformats.org/officeDocument/2006/relationships" xmlns:p="http://schemas.openxmlformats.org/presentationml/2006/main">
+  <p:cSld>
+    <p:spTree>
+      <p:nvGrpSpPr>
+        <p:cNvPr id="1" name="">
+          <a:extLst>
+            <a:ext uri="{FF2B5EF4-FFF2-40B4-BE49-F238E27FC236}">
+              <a16:creationId xmlns:a16="http://schemas.microsoft.com/office/drawing/2014/main" id="{C26412A8-28CF-BBAE-BB02-0E9569CB477D}"/>
+            </a:ext>
+          </a:extLst>
+        </p:cNvPr>
+        <p:cNvGrpSpPr/>
+        <p:nvPr/>
+      </p:nvGrpSpPr>
+      <p:grpSpPr>
+        <a:xfrm>
+          <a:off x="0" y="0"/>
+          <a:ext cx="0" cy="0"/>
+          <a:chOff x="0" y="0"/>
+          <a:chExt cx="0" cy="0"/>
+        </a:xfrm>
+      </p:grpSpPr>
+      <p:sp>
+        <p:nvSpPr>
+          <p:cNvPr id="2" name="タイトル 1">
+            <a:extLst>
+              <a:ext uri="{FF2B5EF4-FFF2-40B4-BE49-F238E27FC236}">
+                <a16:creationId xmlns:a16="http://schemas.microsoft.com/office/drawing/2014/main" id="{42FF1326-8E75-0D9C-3ED7-A2172619DBDB}"/>
+              </a:ext>
+            </a:extLst>
+          </p:cNvPr>
+          <p:cNvSpPr>
+            <a:spLocks noGrp="1"/>
+          </p:cNvSpPr>
+          <p:nvPr>
+            <p:ph type="title"/>
+          </p:nvPr>
+        </p:nvSpPr>
+        <p:spPr/>
+        <p:txBody>
+          <a:bodyPr/>
+          <a:lstStyle/>
+          <a:p>
+            <a:r>
+              <a:rPr kumimoji="1" lang="en-US" altLang="ja-JP" dirty="0"/>
+              <a:t>23.4 </a:t>
+            </a:r>
+            <a:r>
+              <a:rPr lang="ja-JP" altLang="en-US" dirty="0"/>
+              <a:t>例</a:t>
+            </a:r>
+            <a:endParaRPr kumimoji="1" lang="ja-JP" altLang="en-US" dirty="0"/>
+          </a:p>
+        </p:txBody>
+      </p:sp>
+      <p:sp>
+        <p:nvSpPr>
+          <p:cNvPr id="3" name="コンテンツ プレースホルダー 2">
+            <a:extLst>
+              <a:ext uri="{FF2B5EF4-FFF2-40B4-BE49-F238E27FC236}">
+                <a16:creationId xmlns:a16="http://schemas.microsoft.com/office/drawing/2014/main" id="{7F64DBEF-435A-6C68-EED9-15827BB7E7AC}"/>
+              </a:ext>
+            </a:extLst>
+          </p:cNvPr>
+          <p:cNvSpPr>
+            <a:spLocks noGrp="1"/>
+          </p:cNvSpPr>
+          <p:nvPr>
+            <p:ph idx="1"/>
+          </p:nvPr>
+        </p:nvSpPr>
+        <p:spPr>
+          <a:xfrm>
+            <a:off x="259194" y="1099789"/>
+            <a:ext cx="8625610" cy="5481485"/>
+          </a:xfrm>
+        </p:spPr>
+        <p:txBody>
+          <a:bodyPr>
+            <a:noAutofit/>
+          </a:bodyPr>
+          <a:lstStyle/>
+          <a:p>
+            <a:pPr marL="0" indent="0">
+              <a:buNone/>
+            </a:pPr>
+            <a:r>
+              <a:rPr lang="en-US" altLang="ja-JP" dirty="0">
+                <a:latin typeface="+mn-lt"/>
+                <a:ea typeface="Source Sans Pro SemiBold" panose="020B0603030403020204" pitchFamily="34" charset="0"/>
+              </a:rPr>
+              <a:t>23.4.8 Exercise [Recommended]</a:t>
+            </a:r>
+          </a:p>
+          <a:p>
+            <a:pPr marL="0" indent="0">
+              <a:buNone/>
+            </a:pPr>
+            <a:endParaRPr lang="en-US" altLang="ja-JP" sz="2400" dirty="0">
+              <a:latin typeface="+mn-lt"/>
+              <a:ea typeface="Source Sans Pro SemiBold" panose="020B0603030403020204" pitchFamily="34" charset="0"/>
+            </a:endParaRPr>
+          </a:p>
+          <a:p>
+            <a:pPr marL="0" indent="0">
+              <a:buNone/>
+            </a:pPr>
+            <a:r>
+              <a:rPr lang="en-US" altLang="ja-JP" dirty="0">
+                <a:latin typeface="+mn-lt"/>
+                <a:ea typeface="Source Sans Pro SemiBold" panose="020B0603030403020204" pitchFamily="34" charset="0"/>
+              </a:rPr>
+              <a:t>23.4.9 Exercise [Recommended]</a:t>
+            </a:r>
+            <a:endParaRPr lang="en-US" altLang="ja-JP" sz="2400" dirty="0">
+              <a:latin typeface="Source Sans Pro SemiBold" panose="020B0603030403020204" pitchFamily="34" charset="0"/>
+              <a:ea typeface="Source Sans Pro SemiBold" panose="020B0603030403020204" pitchFamily="34" charset="0"/>
+            </a:endParaRPr>
+          </a:p>
+        </p:txBody>
+      </p:sp>
+    </p:spTree>
+    <p:extLst>
+      <p:ext uri="{BB962C8B-B14F-4D97-AF65-F5344CB8AC3E}">
+        <p14:creationId xmlns:p14="http://schemas.microsoft.com/office/powerpoint/2010/main" val="732710066"/>
+      </p:ext>
+    </p:extLst>
+  </p:cSld>
+  <p:clrMapOvr>
+    <a:masterClrMapping/>
+  </p:clrMapOvr>
+</p:sld>
+</file>
+
+<file path=ppt/slides/slide49.xml><?xml version="1.0" encoding="utf-8"?>
+<p:sld xmlns:a="http://schemas.openxmlformats.org/drawingml/2006/main" xmlns:r="http://schemas.openxmlformats.org/officeDocument/2006/relationships" xmlns:p="http://schemas.openxmlformats.org/presentationml/2006/main">
+  <p:cSld>
+    <p:spTree>
+      <p:nvGrpSpPr>
+        <p:cNvPr id="1" name="">
+          <a:extLst>
+            <a:ext uri="{FF2B5EF4-FFF2-40B4-BE49-F238E27FC236}">
+              <a16:creationId xmlns:a16="http://schemas.microsoft.com/office/drawing/2014/main" id="{99133497-521B-A632-793E-3253ECA8DE2E}"/>
+            </a:ext>
+          </a:extLst>
+        </p:cNvPr>
+        <p:cNvGrpSpPr/>
+        <p:nvPr/>
+      </p:nvGrpSpPr>
+      <p:grpSpPr>
+        <a:xfrm>
+          <a:off x="0" y="0"/>
+          <a:ext cx="0" cy="0"/>
+          <a:chOff x="0" y="0"/>
+          <a:chExt cx="0" cy="0"/>
+        </a:xfrm>
+      </p:grpSpPr>
+      <p:sp>
+        <p:nvSpPr>
+          <p:cNvPr id="2" name="タイトル 1">
+            <a:extLst>
+              <a:ext uri="{FF2B5EF4-FFF2-40B4-BE49-F238E27FC236}">
+                <a16:creationId xmlns:a16="http://schemas.microsoft.com/office/drawing/2014/main" id="{90306BB5-9E4D-483B-84FB-12F3EA53CA3E}"/>
+              </a:ext>
+            </a:extLst>
+          </p:cNvPr>
+          <p:cNvSpPr>
+            <a:spLocks noGrp="1"/>
+          </p:cNvSpPr>
+          <p:nvPr>
+            <p:ph type="title"/>
+          </p:nvPr>
+        </p:nvSpPr>
+        <p:spPr/>
+        <p:txBody>
+          <a:bodyPr/>
+          <a:lstStyle/>
+          <a:p>
+            <a:r>
+              <a:rPr kumimoji="1" lang="en-US" altLang="ja-JP" dirty="0"/>
+              <a:t>23.4 </a:t>
+            </a:r>
+            <a:r>
+              <a:rPr lang="ja-JP" altLang="en-US" dirty="0"/>
+              <a:t>例</a:t>
+            </a:r>
+            <a:endParaRPr kumimoji="1" lang="ja-JP" altLang="en-US" dirty="0"/>
+          </a:p>
+        </p:txBody>
+      </p:sp>
+      <p:sp>
+        <p:nvSpPr>
+          <p:cNvPr id="3" name="コンテンツ プレースホルダー 2">
+            <a:extLst>
+              <a:ext uri="{FF2B5EF4-FFF2-40B4-BE49-F238E27FC236}">
+                <a16:creationId xmlns:a16="http://schemas.microsoft.com/office/drawing/2014/main" id="{5DDCA09E-5517-99B5-685A-C62C65859E46}"/>
+              </a:ext>
+            </a:extLst>
+          </p:cNvPr>
+          <p:cNvSpPr>
+            <a:spLocks noGrp="1"/>
+          </p:cNvSpPr>
+          <p:nvPr>
+            <p:ph idx="1"/>
+          </p:nvPr>
+        </p:nvSpPr>
+        <p:spPr>
+          <a:xfrm>
+            <a:off x="259194" y="1099789"/>
+            <a:ext cx="8625610" cy="5481485"/>
+          </a:xfrm>
+        </p:spPr>
+        <p:txBody>
+          <a:bodyPr>
+            <a:noAutofit/>
+          </a:bodyPr>
+          <a:lstStyle/>
+          <a:p>
+            <a:pPr marL="0" indent="0">
+              <a:buNone/>
+            </a:pPr>
+            <a:r>
+              <a:rPr lang="en-US" altLang="ja-JP" dirty="0">
+                <a:latin typeface="+mn-lt"/>
+                <a:ea typeface="Source Sans Pro SemiBold" panose="020B0603030403020204" pitchFamily="34" charset="0"/>
+              </a:rPr>
+              <a:t>23.4.10 Exercise</a:t>
+            </a:r>
+          </a:p>
+          <a:p>
+            <a:pPr marL="0" indent="0">
+              <a:buNone/>
+            </a:pPr>
+            <a:r>
+              <a:rPr lang="en-US" altLang="ja-JP" sz="2400" dirty="0">
+                <a:latin typeface="Source Sans Pro SemiBold" panose="020B0603030403020204" pitchFamily="34" charset="0"/>
+                <a:ea typeface="Source Sans Pro SemiBold" panose="020B0603030403020204" pitchFamily="34" charset="0"/>
+              </a:rPr>
+              <a:t>k = </a:t>
+            </a:r>
+            <a:r>
+              <a:rPr lang="en-US" altLang="ja-JP" sz="2400" dirty="0" err="1">
+                <a:latin typeface="Source Sans Pro SemiBold" panose="020B0603030403020204" pitchFamily="34" charset="0"/>
+                <a:ea typeface="Source Sans Pro SemiBold" panose="020B0603030403020204" pitchFamily="34" charset="0"/>
+              </a:rPr>
+              <a:t>λx</a:t>
+            </a:r>
+            <a:r>
+              <a:rPr lang="en-US" altLang="ja-JP" sz="2400" dirty="0">
+                <a:latin typeface="Source Sans Pro SemiBold" panose="020B0603030403020204" pitchFamily="34" charset="0"/>
+                <a:ea typeface="Source Sans Pro SemiBold" panose="020B0603030403020204" pitchFamily="34" charset="0"/>
+              </a:rPr>
+              <a:t>.  </a:t>
+            </a:r>
+            <a:r>
+              <a:rPr lang="en-US" altLang="ja-JP" sz="2400" dirty="0" err="1">
+                <a:latin typeface="Source Sans Pro SemiBold" panose="020B0603030403020204" pitchFamily="34" charset="0"/>
+                <a:ea typeface="Source Sans Pro SemiBold" panose="020B0603030403020204" pitchFamily="34" charset="0"/>
+              </a:rPr>
+              <a:t>λy</a:t>
+            </a:r>
+            <a:r>
+              <a:rPr lang="en-US" altLang="ja-JP" sz="2400" dirty="0">
+                <a:latin typeface="Source Sans Pro SemiBold" panose="020B0603030403020204" pitchFamily="34" charset="0"/>
+                <a:ea typeface="Source Sans Pro SemiBold" panose="020B0603030403020204" pitchFamily="34" charset="0"/>
+              </a:rPr>
+              <a:t>.  x  </a:t>
+            </a:r>
+            <a:r>
+              <a:rPr lang="ja-JP" altLang="en-US" sz="2400" dirty="0">
+                <a:latin typeface="+mj-ea"/>
+                <a:ea typeface="+mj-ea"/>
+              </a:rPr>
+              <a:t>および</a:t>
+            </a:r>
+            <a:r>
+              <a:rPr lang="ja-JP" altLang="en-US" sz="2400" dirty="0">
+                <a:latin typeface="+mn-lt"/>
+                <a:ea typeface="Source Sans Pro SemiBold" panose="020B0603030403020204" pitchFamily="34" charset="0"/>
+              </a:rPr>
+              <a:t>  </a:t>
+            </a:r>
+            <a:r>
+              <a:rPr lang="en-US" altLang="ja-JP" sz="2400" dirty="0" err="1">
+                <a:latin typeface="Source Sans Pro SemiBold" panose="020B0603030403020204" pitchFamily="34" charset="0"/>
+                <a:ea typeface="Source Sans Pro SemiBold" panose="020B0603030403020204" pitchFamily="34" charset="0"/>
+              </a:rPr>
+              <a:t>i</a:t>
+            </a:r>
+            <a:r>
+              <a:rPr lang="en-US" altLang="ja-JP" sz="2400" dirty="0">
+                <a:latin typeface="Source Sans Pro SemiBold" panose="020B0603030403020204" pitchFamily="34" charset="0"/>
+                <a:ea typeface="Source Sans Pro SemiBold" panose="020B0603030403020204" pitchFamily="34" charset="0"/>
+              </a:rPr>
+              <a:t> = </a:t>
+            </a:r>
+            <a:r>
+              <a:rPr lang="en-US" altLang="ja-JP" sz="2400" dirty="0" err="1">
+                <a:latin typeface="Source Sans Pro SemiBold" panose="020B0603030403020204" pitchFamily="34" charset="0"/>
+                <a:ea typeface="Source Sans Pro SemiBold" panose="020B0603030403020204" pitchFamily="34" charset="0"/>
+              </a:rPr>
+              <a:t>λx</a:t>
+            </a:r>
+            <a:r>
+              <a:rPr lang="en-US" altLang="ja-JP" sz="2400" dirty="0">
+                <a:latin typeface="Source Sans Pro SemiBold" panose="020B0603030403020204" pitchFamily="34" charset="0"/>
+                <a:ea typeface="Source Sans Pro SemiBold" panose="020B0603030403020204" pitchFamily="34" charset="0"/>
+              </a:rPr>
+              <a:t>.  x  </a:t>
+            </a:r>
+            <a:r>
+              <a:rPr lang="ja-JP" altLang="en-US" sz="2400" dirty="0">
+                <a:latin typeface="+mj-ea"/>
+                <a:ea typeface="+mj-ea"/>
+              </a:rPr>
+              <a:t>とすると，</a:t>
+            </a:r>
+            <a:endParaRPr lang="en-US" altLang="ja-JP" sz="2400" dirty="0">
+              <a:latin typeface="+mj-ea"/>
+              <a:ea typeface="+mj-ea"/>
+            </a:endParaRPr>
+          </a:p>
+          <a:p>
+            <a:pPr marL="0" indent="0">
+              <a:buNone/>
+            </a:pPr>
+            <a:endParaRPr lang="en-US" altLang="ja-JP" sz="800" dirty="0">
+              <a:latin typeface="+mj-ea"/>
+              <a:ea typeface="+mj-ea"/>
+            </a:endParaRPr>
+          </a:p>
+          <a:p>
+            <a:pPr marL="0" indent="0">
+              <a:buNone/>
+            </a:pPr>
+            <a:r>
+              <a:rPr lang="en-US" altLang="ja-JP" sz="2400" dirty="0">
+                <a:latin typeface="Source Sans Pro SemiBold" panose="020B0603030403020204" pitchFamily="34" charset="0"/>
+                <a:ea typeface="Source Sans Pro SemiBold" panose="020B0603030403020204" pitchFamily="34" charset="0"/>
+              </a:rPr>
+              <a:t>	</a:t>
+            </a:r>
+            <a:r>
+              <a:rPr lang="en-US" altLang="ja-JP" sz="2400" dirty="0" err="1">
+                <a:latin typeface="Source Sans Pro SemiBold" panose="020B0603030403020204" pitchFamily="34" charset="0"/>
+                <a:ea typeface="Source Sans Pro SemiBold" panose="020B0603030403020204" pitchFamily="34" charset="0"/>
+              </a:rPr>
+              <a:t>vpred</a:t>
+            </a:r>
+            <a:r>
+              <a:rPr lang="en-US" altLang="ja-JP" sz="2400" dirty="0">
+                <a:latin typeface="Source Sans Pro SemiBold" panose="020B0603030403020204" pitchFamily="34" charset="0"/>
+                <a:ea typeface="Source Sans Pro SemiBold" panose="020B0603030403020204" pitchFamily="34" charset="0"/>
+              </a:rPr>
+              <a:t> = </a:t>
+            </a:r>
+            <a:r>
+              <a:rPr lang="en-US" altLang="ja-JP" sz="2400" dirty="0" err="1">
+                <a:latin typeface="Source Sans Pro SemiBold" panose="020B0603030403020204" pitchFamily="34" charset="0"/>
+                <a:ea typeface="Source Sans Pro SemiBold" panose="020B0603030403020204" pitchFamily="34" charset="0"/>
+              </a:rPr>
+              <a:t>λn</a:t>
+            </a:r>
+            <a:r>
+              <a:rPr lang="en-US" altLang="ja-JP" sz="2400" dirty="0">
+                <a:latin typeface="Source Sans Pro SemiBold" panose="020B0603030403020204" pitchFamily="34" charset="0"/>
+                <a:ea typeface="Source Sans Pro SemiBold" panose="020B0603030403020204" pitchFamily="34" charset="0"/>
+              </a:rPr>
+              <a:t>.  </a:t>
+            </a:r>
+            <a:r>
+              <a:rPr lang="en-US" altLang="ja-JP" sz="2400" dirty="0" err="1">
+                <a:latin typeface="Source Sans Pro SemiBold" panose="020B0603030403020204" pitchFamily="34" charset="0"/>
+                <a:ea typeface="Source Sans Pro SemiBold" panose="020B0603030403020204" pitchFamily="34" charset="0"/>
+              </a:rPr>
+              <a:t>λs</a:t>
+            </a:r>
+            <a:r>
+              <a:rPr lang="en-US" altLang="ja-JP" sz="2400" dirty="0">
+                <a:latin typeface="Source Sans Pro SemiBold" panose="020B0603030403020204" pitchFamily="34" charset="0"/>
+                <a:ea typeface="Source Sans Pro SemiBold" panose="020B0603030403020204" pitchFamily="34" charset="0"/>
+              </a:rPr>
+              <a:t>.  </a:t>
+            </a:r>
+            <a:r>
+              <a:rPr lang="en-US" altLang="ja-JP" sz="2400" dirty="0" err="1">
+                <a:latin typeface="Source Sans Pro SemiBold" panose="020B0603030403020204" pitchFamily="34" charset="0"/>
+                <a:ea typeface="Source Sans Pro SemiBold" panose="020B0603030403020204" pitchFamily="34" charset="0"/>
+              </a:rPr>
+              <a:t>λz</a:t>
+            </a:r>
+            <a:r>
+              <a:rPr lang="en-US" altLang="ja-JP" sz="2400" dirty="0">
+                <a:latin typeface="Source Sans Pro SemiBold" panose="020B0603030403020204" pitchFamily="34" charset="0"/>
+                <a:ea typeface="Source Sans Pro SemiBold" panose="020B0603030403020204" pitchFamily="34" charset="0"/>
+              </a:rPr>
+              <a:t>.  n (</a:t>
+            </a:r>
+            <a:r>
+              <a:rPr lang="en-US" altLang="ja-JP" sz="2400" dirty="0" err="1">
+                <a:latin typeface="Source Sans Pro SemiBold" panose="020B0603030403020204" pitchFamily="34" charset="0"/>
+                <a:ea typeface="Source Sans Pro SemiBold" panose="020B0603030403020204" pitchFamily="34" charset="0"/>
+              </a:rPr>
+              <a:t>λp</a:t>
+            </a:r>
+            <a:r>
+              <a:rPr lang="en-US" altLang="ja-JP" sz="2400" dirty="0">
+                <a:latin typeface="Source Sans Pro SemiBold" panose="020B0603030403020204" pitchFamily="34" charset="0"/>
+                <a:ea typeface="Source Sans Pro SemiBold" panose="020B0603030403020204" pitchFamily="34" charset="0"/>
+              </a:rPr>
+              <a:t>.  </a:t>
+            </a:r>
+            <a:r>
+              <a:rPr lang="en-US" altLang="ja-JP" sz="2400" dirty="0" err="1">
+                <a:latin typeface="Source Sans Pro SemiBold" panose="020B0603030403020204" pitchFamily="34" charset="0"/>
+                <a:ea typeface="Source Sans Pro SemiBold" panose="020B0603030403020204" pitchFamily="34" charset="0"/>
+              </a:rPr>
+              <a:t>λq</a:t>
+            </a:r>
+            <a:r>
+              <a:rPr lang="en-US" altLang="ja-JP" sz="2400" dirty="0">
+                <a:latin typeface="Source Sans Pro SemiBold" panose="020B0603030403020204" pitchFamily="34" charset="0"/>
+                <a:ea typeface="Source Sans Pro SemiBold" panose="020B0603030403020204" pitchFamily="34" charset="0"/>
+              </a:rPr>
+              <a:t>.  q (p s))  (k z) </a:t>
+            </a:r>
+            <a:r>
+              <a:rPr lang="en-US" altLang="ja-JP" sz="2400" dirty="0" err="1">
+                <a:latin typeface="Source Sans Pro SemiBold" panose="020B0603030403020204" pitchFamily="34" charset="0"/>
+                <a:ea typeface="Source Sans Pro SemiBold" panose="020B0603030403020204" pitchFamily="34" charset="0"/>
+              </a:rPr>
+              <a:t>i</a:t>
+            </a:r>
+            <a:endParaRPr lang="en-US" altLang="ja-JP" sz="2400" dirty="0">
+              <a:latin typeface="Source Sans Pro SemiBold" panose="020B0603030403020204" pitchFamily="34" charset="0"/>
+              <a:ea typeface="Source Sans Pro SemiBold" panose="020B0603030403020204" pitchFamily="34" charset="0"/>
+            </a:endParaRPr>
+          </a:p>
+          <a:p>
+            <a:pPr marL="0" indent="0">
+              <a:buNone/>
+            </a:pPr>
+            <a:endParaRPr lang="en-US" altLang="ja-JP" sz="800" dirty="0">
+              <a:latin typeface="Source Sans Pro SemiBold" panose="020B0603030403020204" pitchFamily="34" charset="0"/>
+              <a:ea typeface="Source Sans Pro SemiBold" panose="020B0603030403020204" pitchFamily="34" charset="0"/>
+            </a:endParaRPr>
+          </a:p>
+          <a:p>
+            <a:pPr marL="0" indent="0">
+              <a:buNone/>
+            </a:pPr>
+            <a:r>
+              <a:rPr lang="ja-JP" altLang="en-US" sz="2400" dirty="0">
+                <a:latin typeface="+mn-lt"/>
+                <a:ea typeface="Source Sans Pro SemiBold" panose="020B0603030403020204" pitchFamily="34" charset="0"/>
+              </a:rPr>
+              <a:t>は，</a:t>
+            </a:r>
+            <a:r>
+              <a:rPr lang="en-US" altLang="ja-JP" sz="2400" dirty="0">
+                <a:latin typeface="+mn-lt"/>
+                <a:ea typeface="Source Sans Pro SemiBold" panose="020B0603030403020204" pitchFamily="34" charset="0"/>
+              </a:rPr>
+              <a:t>untyped Church numeral </a:t>
+            </a:r>
+            <a:r>
+              <a:rPr lang="ja-JP" altLang="en-US" sz="2400" dirty="0">
+                <a:latin typeface="+mj-ea"/>
+                <a:ea typeface="+mj-ea"/>
+              </a:rPr>
+              <a:t>における </a:t>
+            </a:r>
+            <a:r>
+              <a:rPr lang="en-US" altLang="ja-JP" sz="2400" dirty="0">
+                <a:latin typeface="+mn-lt"/>
+                <a:ea typeface="Source Sans Pro SemiBold" panose="020B0603030403020204" pitchFamily="34" charset="0"/>
+              </a:rPr>
+              <a:t>predecessor </a:t>
+            </a:r>
+            <a:r>
+              <a:rPr lang="ja-JP" altLang="en-US" sz="2400" dirty="0">
+                <a:latin typeface="+mj-ea"/>
+                <a:ea typeface="+mj-ea"/>
+              </a:rPr>
+              <a:t>である．</a:t>
+            </a:r>
+            <a:endParaRPr lang="en-US" altLang="ja-JP" sz="2400" dirty="0">
+              <a:latin typeface="+mj-ea"/>
+              <a:ea typeface="+mj-ea"/>
+            </a:endParaRPr>
+          </a:p>
+          <a:p>
+            <a:pPr marL="0" indent="0">
+              <a:buNone/>
+            </a:pPr>
+            <a:endParaRPr lang="en-US" altLang="ja-JP" sz="800" dirty="0">
+              <a:latin typeface="+mj-ea"/>
+              <a:ea typeface="+mj-ea"/>
+            </a:endParaRPr>
+          </a:p>
+          <a:p>
+            <a:pPr marL="0" indent="0">
+              <a:buNone/>
+            </a:pPr>
+            <a:r>
+              <a:rPr lang="ja-JP" altLang="en-US" sz="2400" dirty="0">
+                <a:latin typeface="+mj-ea"/>
+                <a:ea typeface="+mj-ea"/>
+              </a:rPr>
+              <a:t>適切な型抽象・型適用を追加することにより，これが </a:t>
+            </a:r>
+            <a:r>
+              <a:rPr lang="en-US" altLang="ja-JP" sz="2400" i="1" dirty="0">
+                <a:latin typeface="+mn-lt"/>
+                <a:ea typeface="+mj-ea"/>
+              </a:rPr>
+              <a:t>System F </a:t>
+            </a:r>
+            <a:r>
+              <a:rPr lang="ja-JP" altLang="en-US" sz="2400" dirty="0">
+                <a:latin typeface="+mj-ea"/>
+                <a:ea typeface="+mj-ea"/>
+              </a:rPr>
+              <a:t>により型付けされることを示し，これがどのように機能するか確認する．</a:t>
+            </a:r>
+            <a:r>
+              <a:rPr lang="en-US" altLang="ja-JP" sz="2400" dirty="0">
+                <a:latin typeface="+mj-ea"/>
+                <a:ea typeface="+mj-ea"/>
+              </a:rPr>
+              <a:t> </a:t>
+            </a:r>
+          </a:p>
+        </p:txBody>
+      </p:sp>
+    </p:spTree>
+    <p:extLst>
+      <p:ext uri="{BB962C8B-B14F-4D97-AF65-F5344CB8AC3E}">
+        <p14:creationId xmlns:p14="http://schemas.microsoft.com/office/powerpoint/2010/main" val="913357097"/>
+      </p:ext>
+    </p:extLst>
+  </p:cSld>
+  <p:clrMapOvr>
+    <a:masterClrMapping/>
+  </p:clrMapOvr>
+</p:sld>
+</file>
+
 <file path=ppt/slides/slide5.xml><?xml version="1.0" encoding="utf-8"?>
 <p:sld xmlns:a="http://schemas.openxmlformats.org/drawingml/2006/main" xmlns:r="http://schemas.openxmlformats.org/officeDocument/2006/relationships" xmlns:p="http://schemas.openxmlformats.org/presentationml/2006/main">
   <p:cSld>
@@ -17631,6 +22943,712 @@
     <p:extLst>
       <p:ext uri="{BB962C8B-B14F-4D97-AF65-F5344CB8AC3E}">
         <p14:creationId xmlns:p14="http://schemas.microsoft.com/office/powerpoint/2010/main" val="3042254067"/>
+      </p:ext>
+    </p:extLst>
+  </p:cSld>
+  <p:clrMapOvr>
+    <a:masterClrMapping/>
+  </p:clrMapOvr>
+</p:sld>
+</file>
+
+<file path=ppt/slides/slide50.xml><?xml version="1.0" encoding="utf-8"?>
+<p:sld xmlns:a="http://schemas.openxmlformats.org/drawingml/2006/main" xmlns:r="http://schemas.openxmlformats.org/officeDocument/2006/relationships" xmlns:p="http://schemas.openxmlformats.org/presentationml/2006/main">
+  <p:cSld>
+    <p:spTree>
+      <p:nvGrpSpPr>
+        <p:cNvPr id="1" name="">
+          <a:extLst>
+            <a:ext uri="{FF2B5EF4-FFF2-40B4-BE49-F238E27FC236}">
+              <a16:creationId xmlns:a16="http://schemas.microsoft.com/office/drawing/2014/main" id="{444E640D-0591-B907-0EE9-793297992D8D}"/>
+            </a:ext>
+          </a:extLst>
+        </p:cNvPr>
+        <p:cNvGrpSpPr/>
+        <p:nvPr/>
+      </p:nvGrpSpPr>
+      <p:grpSpPr>
+        <a:xfrm>
+          <a:off x="0" y="0"/>
+          <a:ext cx="0" cy="0"/>
+          <a:chOff x="0" y="0"/>
+          <a:chExt cx="0" cy="0"/>
+        </a:xfrm>
+      </p:grpSpPr>
+      <p:sp>
+        <p:nvSpPr>
+          <p:cNvPr id="2" name="タイトル 1">
+            <a:extLst>
+              <a:ext uri="{FF2B5EF4-FFF2-40B4-BE49-F238E27FC236}">
+                <a16:creationId xmlns:a16="http://schemas.microsoft.com/office/drawing/2014/main" id="{39AEE097-9940-BA5E-0644-6FE2EE4DE473}"/>
+              </a:ext>
+            </a:extLst>
+          </p:cNvPr>
+          <p:cNvSpPr>
+            <a:spLocks noGrp="1"/>
+          </p:cNvSpPr>
+          <p:nvPr>
+            <p:ph type="title"/>
+          </p:nvPr>
+        </p:nvSpPr>
+        <p:spPr/>
+        <p:txBody>
+          <a:bodyPr/>
+          <a:lstStyle/>
+          <a:p>
+            <a:r>
+              <a:rPr kumimoji="1" lang="en-US" altLang="ja-JP" dirty="0"/>
+              <a:t>23.4 </a:t>
+            </a:r>
+            <a:r>
+              <a:rPr lang="ja-JP" altLang="en-US" dirty="0"/>
+              <a:t>例</a:t>
+            </a:r>
+            <a:endParaRPr kumimoji="1" lang="ja-JP" altLang="en-US" dirty="0"/>
+          </a:p>
+        </p:txBody>
+      </p:sp>
+      <p:sp>
+        <p:nvSpPr>
+          <p:cNvPr id="3" name="コンテンツ プレースホルダー 2">
+            <a:extLst>
+              <a:ext uri="{FF2B5EF4-FFF2-40B4-BE49-F238E27FC236}">
+                <a16:creationId xmlns:a16="http://schemas.microsoft.com/office/drawing/2014/main" id="{D9B7D822-7F27-988D-A99E-0E7133386A0F}"/>
+              </a:ext>
+            </a:extLst>
+          </p:cNvPr>
+          <p:cNvSpPr>
+            <a:spLocks noGrp="1"/>
+          </p:cNvSpPr>
+          <p:nvPr>
+            <p:ph idx="1"/>
+          </p:nvPr>
+        </p:nvSpPr>
+        <p:spPr>
+          <a:xfrm>
+            <a:off x="259194" y="1099789"/>
+            <a:ext cx="8625610" cy="5481485"/>
+          </a:xfrm>
+        </p:spPr>
+        <p:txBody>
+          <a:bodyPr>
+            <a:noAutofit/>
+          </a:bodyPr>
+          <a:lstStyle/>
+          <a:p>
+            <a:pPr marL="0" indent="0">
+              <a:buNone/>
+            </a:pPr>
+            <a:r>
+              <a:rPr lang="en-US" altLang="ja-JP" dirty="0">
+                <a:latin typeface="+mn-lt"/>
+                <a:ea typeface="Source Sans Pro SemiBold" panose="020B0603030403020204" pitchFamily="34" charset="0"/>
+              </a:rPr>
+              <a:t>Encoding Lists</a:t>
+            </a:r>
+          </a:p>
+          <a:p>
+            <a:pPr marL="0" indent="0">
+              <a:buNone/>
+            </a:pPr>
+            <a:endParaRPr lang="en-US" altLang="ja-JP" sz="800" dirty="0">
+              <a:latin typeface="+mn-lt"/>
+              <a:ea typeface="Source Sans Pro SemiBold" panose="020B0603030403020204" pitchFamily="34" charset="0"/>
+            </a:endParaRPr>
+          </a:p>
+          <a:p>
+            <a:pPr marL="0" indent="0">
+              <a:buNone/>
+            </a:pPr>
+            <a:r>
+              <a:rPr lang="en-US" altLang="ja-JP" sz="2400" dirty="0">
+                <a:latin typeface="Source Sans Pro SemiBold" panose="020B0603030403020204" pitchFamily="34" charset="0"/>
+                <a:ea typeface="Source Sans Pro SemiBold" panose="020B0603030403020204" pitchFamily="34" charset="0"/>
+              </a:rPr>
+              <a:t>List X = </a:t>
+            </a:r>
+            <a:r>
+              <a:rPr lang="ja-JP" altLang="en-US" sz="2400" dirty="0">
+                <a:latin typeface="Source Sans Pro SemiBold" panose="020B0603030403020204" pitchFamily="34" charset="0"/>
+                <a:ea typeface="Source Sans Pro SemiBold" panose="020B0603030403020204" pitchFamily="34" charset="0"/>
+              </a:rPr>
+              <a:t>∀</a:t>
+            </a:r>
+            <a:r>
+              <a:rPr lang="en-US" altLang="ja-JP" sz="2400" dirty="0">
+                <a:latin typeface="Source Sans Pro SemiBold" panose="020B0603030403020204" pitchFamily="34" charset="0"/>
+                <a:ea typeface="Source Sans Pro SemiBold" panose="020B0603030403020204" pitchFamily="34" charset="0"/>
+              </a:rPr>
+              <a:t>R. (X </a:t>
+            </a:r>
+            <a:r>
+              <a:rPr lang="ja-JP" altLang="en-US" sz="2400" dirty="0">
+                <a:latin typeface="Source Sans Pro SemiBold" panose="020B0603030403020204" pitchFamily="34" charset="0"/>
+                <a:ea typeface="Source Sans Pro SemiBold" panose="020B0603030403020204" pitchFamily="34" charset="0"/>
+              </a:rPr>
+              <a:t>→ </a:t>
+            </a:r>
+            <a:r>
+              <a:rPr lang="en-US" altLang="ja-JP" sz="2400" dirty="0">
+                <a:latin typeface="Source Sans Pro SemiBold" panose="020B0603030403020204" pitchFamily="34" charset="0"/>
+                <a:ea typeface="Source Sans Pro SemiBold" panose="020B0603030403020204" pitchFamily="34" charset="0"/>
+              </a:rPr>
+              <a:t>R </a:t>
+            </a:r>
+            <a:r>
+              <a:rPr lang="ja-JP" altLang="en-US" sz="2400" dirty="0">
+                <a:latin typeface="Source Sans Pro SemiBold" panose="020B0603030403020204" pitchFamily="34" charset="0"/>
+                <a:ea typeface="Source Sans Pro SemiBold" panose="020B0603030403020204" pitchFamily="34" charset="0"/>
+              </a:rPr>
+              <a:t>→ </a:t>
+            </a:r>
+            <a:r>
+              <a:rPr lang="en-US" altLang="ja-JP" sz="2400" dirty="0">
+                <a:latin typeface="Source Sans Pro SemiBold" panose="020B0603030403020204" pitchFamily="34" charset="0"/>
+                <a:ea typeface="Source Sans Pro SemiBold" panose="020B0603030403020204" pitchFamily="34" charset="0"/>
+              </a:rPr>
+              <a:t>R) </a:t>
+            </a:r>
+            <a:r>
+              <a:rPr lang="ja-JP" altLang="en-US" sz="2400" dirty="0">
+                <a:latin typeface="Source Sans Pro SemiBold" panose="020B0603030403020204" pitchFamily="34" charset="0"/>
+                <a:ea typeface="Source Sans Pro SemiBold" panose="020B0603030403020204" pitchFamily="34" charset="0"/>
+              </a:rPr>
+              <a:t>→ </a:t>
+            </a:r>
+            <a:r>
+              <a:rPr lang="en-US" altLang="ja-JP" sz="2400" dirty="0">
+                <a:latin typeface="Source Sans Pro SemiBold" panose="020B0603030403020204" pitchFamily="34" charset="0"/>
+                <a:ea typeface="Source Sans Pro SemiBold" panose="020B0603030403020204" pitchFamily="34" charset="0"/>
+              </a:rPr>
+              <a:t>R </a:t>
+            </a:r>
+            <a:r>
+              <a:rPr lang="ja-JP" altLang="en-US" sz="2400" dirty="0">
+                <a:latin typeface="Source Sans Pro SemiBold" panose="020B0603030403020204" pitchFamily="34" charset="0"/>
+                <a:ea typeface="Source Sans Pro SemiBold" panose="020B0603030403020204" pitchFamily="34" charset="0"/>
+              </a:rPr>
+              <a:t>→ </a:t>
+            </a:r>
+            <a:r>
+              <a:rPr lang="en-US" altLang="ja-JP" sz="2400" dirty="0">
+                <a:latin typeface="Source Sans Pro SemiBold" panose="020B0603030403020204" pitchFamily="34" charset="0"/>
+                <a:ea typeface="Source Sans Pro SemiBold" panose="020B0603030403020204" pitchFamily="34" charset="0"/>
+              </a:rPr>
+              <a:t>R</a:t>
+            </a:r>
+          </a:p>
+          <a:p>
+            <a:pPr marL="0" indent="0">
+              <a:buNone/>
+            </a:pPr>
+            <a:endParaRPr lang="en-US" altLang="ja-JP" sz="800" dirty="0">
+              <a:latin typeface="Source Sans Pro SemiBold" panose="020B0603030403020204" pitchFamily="34" charset="0"/>
+              <a:ea typeface="Source Sans Pro SemiBold" panose="020B0603030403020204" pitchFamily="34" charset="0"/>
+            </a:endParaRPr>
+          </a:p>
+          <a:p>
+            <a:pPr marL="0" indent="0">
+              <a:buNone/>
+            </a:pPr>
+            <a:r>
+              <a:rPr lang="en-US" altLang="ja-JP" sz="2400" dirty="0">
+                <a:latin typeface="Source Sans Pro SemiBold" panose="020B0603030403020204" pitchFamily="34" charset="0"/>
+                <a:ea typeface="Source Sans Pro SemiBold" panose="020B0603030403020204" pitchFamily="34" charset="0"/>
+              </a:rPr>
+              <a:t>nil = </a:t>
+            </a:r>
+            <a:r>
+              <a:rPr lang="en-US" altLang="ja-JP" sz="2400" dirty="0" err="1">
+                <a:latin typeface="Source Sans Pro SemiBold" panose="020B0603030403020204" pitchFamily="34" charset="0"/>
+                <a:ea typeface="Source Sans Pro SemiBold" panose="020B0603030403020204" pitchFamily="34" charset="0"/>
+              </a:rPr>
+              <a:t>λX</a:t>
+            </a:r>
+            <a:r>
+              <a:rPr lang="en-US" altLang="ja-JP" sz="2400" dirty="0">
+                <a:latin typeface="Source Sans Pro SemiBold" panose="020B0603030403020204" pitchFamily="34" charset="0"/>
+                <a:ea typeface="Source Sans Pro SemiBold" panose="020B0603030403020204" pitchFamily="34" charset="0"/>
+              </a:rPr>
+              <a:t>.  (</a:t>
+            </a:r>
+            <a:r>
+              <a:rPr lang="en-US" altLang="ja-JP" sz="2400" dirty="0" err="1">
+                <a:latin typeface="Source Sans Pro SemiBold" panose="020B0603030403020204" pitchFamily="34" charset="0"/>
+                <a:ea typeface="Source Sans Pro SemiBold" panose="020B0603030403020204" pitchFamily="34" charset="0"/>
+              </a:rPr>
+              <a:t>λR</a:t>
+            </a:r>
+            <a:r>
+              <a:rPr lang="en-US" altLang="ja-JP" sz="2400" dirty="0">
+                <a:latin typeface="Source Sans Pro SemiBold" panose="020B0603030403020204" pitchFamily="34" charset="0"/>
+                <a:ea typeface="Source Sans Pro SemiBold" panose="020B0603030403020204" pitchFamily="34" charset="0"/>
+              </a:rPr>
+              <a:t>.  </a:t>
+            </a:r>
+            <a:r>
+              <a:rPr lang="en-US" altLang="ja-JP" sz="2400" dirty="0" err="1">
+                <a:latin typeface="Source Sans Pro SemiBold" panose="020B0603030403020204" pitchFamily="34" charset="0"/>
+                <a:ea typeface="Source Sans Pro SemiBold" panose="020B0603030403020204" pitchFamily="34" charset="0"/>
+              </a:rPr>
+              <a:t>λc</a:t>
+            </a:r>
+            <a:r>
+              <a:rPr lang="en-US" altLang="ja-JP" sz="2400" dirty="0">
+                <a:latin typeface="Source Sans Pro SemiBold" panose="020B0603030403020204" pitchFamily="34" charset="0"/>
+                <a:ea typeface="Source Sans Pro SemiBold" panose="020B0603030403020204" pitchFamily="34" charset="0"/>
+              </a:rPr>
+              <a:t> : X </a:t>
+            </a:r>
+            <a:r>
+              <a:rPr lang="ja-JP" altLang="en-US" sz="2400" dirty="0">
+                <a:latin typeface="Source Sans Pro SemiBold" panose="020B0603030403020204" pitchFamily="34" charset="0"/>
+                <a:ea typeface="Source Sans Pro SemiBold" panose="020B0603030403020204" pitchFamily="34" charset="0"/>
+              </a:rPr>
+              <a:t>→ </a:t>
+            </a:r>
+            <a:r>
+              <a:rPr lang="en-US" altLang="ja-JP" sz="2400" dirty="0">
+                <a:latin typeface="Source Sans Pro SemiBold" panose="020B0603030403020204" pitchFamily="34" charset="0"/>
+                <a:ea typeface="Source Sans Pro SemiBold" panose="020B0603030403020204" pitchFamily="34" charset="0"/>
+              </a:rPr>
+              <a:t>R </a:t>
+            </a:r>
+            <a:r>
+              <a:rPr lang="ja-JP" altLang="en-US" sz="2400" dirty="0">
+                <a:latin typeface="Source Sans Pro SemiBold" panose="020B0603030403020204" pitchFamily="34" charset="0"/>
+                <a:ea typeface="Source Sans Pro SemiBold" panose="020B0603030403020204" pitchFamily="34" charset="0"/>
+              </a:rPr>
+              <a:t>→ </a:t>
+            </a:r>
+            <a:r>
+              <a:rPr lang="en-US" altLang="ja-JP" sz="2400" dirty="0">
+                <a:latin typeface="Source Sans Pro SemiBold" panose="020B0603030403020204" pitchFamily="34" charset="0"/>
+                <a:ea typeface="Source Sans Pro SemiBold" panose="020B0603030403020204" pitchFamily="34" charset="0"/>
+              </a:rPr>
+              <a:t>R.  </a:t>
+            </a:r>
+            <a:r>
+              <a:rPr lang="en-US" altLang="ja-JP" sz="2400" dirty="0" err="1">
+                <a:latin typeface="Source Sans Pro SemiBold" panose="020B0603030403020204" pitchFamily="34" charset="0"/>
+                <a:ea typeface="Source Sans Pro SemiBold" panose="020B0603030403020204" pitchFamily="34" charset="0"/>
+              </a:rPr>
+              <a:t>λn</a:t>
+            </a:r>
+            <a:r>
+              <a:rPr lang="en-US" altLang="ja-JP" sz="2400" dirty="0">
+                <a:latin typeface="Source Sans Pro SemiBold" panose="020B0603030403020204" pitchFamily="34" charset="0"/>
+                <a:ea typeface="Source Sans Pro SemiBold" panose="020B0603030403020204" pitchFamily="34" charset="0"/>
+              </a:rPr>
+              <a:t> : R.  n) as List X</a:t>
+            </a:r>
+          </a:p>
+          <a:p>
+            <a:pPr marL="0" indent="0">
+              <a:buNone/>
+            </a:pPr>
+            <a:r>
+              <a:rPr lang="en-US" altLang="ja-JP" sz="2400" dirty="0">
+                <a:latin typeface="Source Sans Pro SemiBold" panose="020B0603030403020204" pitchFamily="34" charset="0"/>
+                <a:ea typeface="Source Sans Pro SemiBold" panose="020B0603030403020204" pitchFamily="34" charset="0"/>
+              </a:rPr>
+              <a:t># nil : </a:t>
+            </a:r>
+            <a:r>
+              <a:rPr lang="ja-JP" altLang="en-US" sz="2400" dirty="0">
+                <a:latin typeface="Source Sans Pro SemiBold" panose="020B0603030403020204" pitchFamily="34" charset="0"/>
+                <a:ea typeface="Source Sans Pro SemiBold" panose="020B0603030403020204" pitchFamily="34" charset="0"/>
+              </a:rPr>
+              <a:t>∀</a:t>
+            </a:r>
+            <a:r>
+              <a:rPr lang="en-US" altLang="ja-JP" sz="2400" dirty="0">
+                <a:latin typeface="Source Sans Pro SemiBold" panose="020B0603030403020204" pitchFamily="34" charset="0"/>
+                <a:ea typeface="Source Sans Pro SemiBold" panose="020B0603030403020204" pitchFamily="34" charset="0"/>
+              </a:rPr>
+              <a:t>X. List X</a:t>
+            </a:r>
+          </a:p>
+          <a:p>
+            <a:pPr marL="0" indent="0">
+              <a:buNone/>
+            </a:pPr>
+            <a:endParaRPr lang="en-US" altLang="ja-JP" sz="800" dirty="0">
+              <a:latin typeface="Source Sans Pro SemiBold" panose="020B0603030403020204" pitchFamily="34" charset="0"/>
+              <a:ea typeface="Source Sans Pro SemiBold" panose="020B0603030403020204" pitchFamily="34" charset="0"/>
+            </a:endParaRPr>
+          </a:p>
+          <a:p>
+            <a:pPr marL="0" indent="0">
+              <a:buNone/>
+            </a:pPr>
+            <a:r>
+              <a:rPr lang="en-US" altLang="ja-JP" sz="2400" dirty="0">
+                <a:latin typeface="Source Sans Pro SemiBold" panose="020B0603030403020204" pitchFamily="34" charset="0"/>
+                <a:ea typeface="Source Sans Pro SemiBold" panose="020B0603030403020204" pitchFamily="34" charset="0"/>
+              </a:rPr>
+              <a:t>cons = </a:t>
+            </a:r>
+            <a:r>
+              <a:rPr lang="en-US" altLang="ja-JP" sz="2400" dirty="0" err="1">
+                <a:latin typeface="Source Sans Pro SemiBold" panose="020B0603030403020204" pitchFamily="34" charset="0"/>
+                <a:ea typeface="Source Sans Pro SemiBold" panose="020B0603030403020204" pitchFamily="34" charset="0"/>
+              </a:rPr>
+              <a:t>λX</a:t>
+            </a:r>
+            <a:r>
+              <a:rPr lang="en-US" altLang="ja-JP" sz="2400" dirty="0">
+                <a:latin typeface="Source Sans Pro SemiBold" panose="020B0603030403020204" pitchFamily="34" charset="0"/>
+                <a:ea typeface="Source Sans Pro SemiBold" panose="020B0603030403020204" pitchFamily="34" charset="0"/>
+              </a:rPr>
+              <a:t>.  </a:t>
+            </a:r>
+            <a:r>
+              <a:rPr lang="en-US" altLang="ja-JP" sz="2400" dirty="0" err="1">
+                <a:latin typeface="Source Sans Pro SemiBold" panose="020B0603030403020204" pitchFamily="34" charset="0"/>
+                <a:ea typeface="Source Sans Pro SemiBold" panose="020B0603030403020204" pitchFamily="34" charset="0"/>
+              </a:rPr>
+              <a:t>λhd</a:t>
+            </a:r>
+            <a:r>
+              <a:rPr lang="en-US" altLang="ja-JP" sz="2400" dirty="0">
+                <a:latin typeface="Source Sans Pro SemiBold" panose="020B0603030403020204" pitchFamily="34" charset="0"/>
+                <a:ea typeface="Source Sans Pro SemiBold" panose="020B0603030403020204" pitchFamily="34" charset="0"/>
+              </a:rPr>
+              <a:t> : X.  </a:t>
+            </a:r>
+            <a:r>
+              <a:rPr lang="en-US" altLang="ja-JP" sz="2400" dirty="0" err="1">
+                <a:latin typeface="Source Sans Pro SemiBold" panose="020B0603030403020204" pitchFamily="34" charset="0"/>
+                <a:ea typeface="Source Sans Pro SemiBold" panose="020B0603030403020204" pitchFamily="34" charset="0"/>
+              </a:rPr>
+              <a:t>λtl</a:t>
+            </a:r>
+            <a:r>
+              <a:rPr lang="en-US" altLang="ja-JP" sz="2400" dirty="0">
+                <a:latin typeface="Source Sans Pro SemiBold" panose="020B0603030403020204" pitchFamily="34" charset="0"/>
+                <a:ea typeface="Source Sans Pro SemiBold" panose="020B0603030403020204" pitchFamily="34" charset="0"/>
+              </a:rPr>
+              <a:t> : List X.</a:t>
+            </a:r>
+          </a:p>
+          <a:p>
+            <a:pPr marL="0" indent="0">
+              <a:buNone/>
+            </a:pPr>
+            <a:r>
+              <a:rPr lang="en-US" altLang="ja-JP" sz="2400" dirty="0">
+                <a:latin typeface="Source Sans Pro SemiBold" panose="020B0603030403020204" pitchFamily="34" charset="0"/>
+                <a:ea typeface="Source Sans Pro SemiBold" panose="020B0603030403020204" pitchFamily="34" charset="0"/>
+              </a:rPr>
+              <a:t>	(</a:t>
+            </a:r>
+            <a:r>
+              <a:rPr lang="en-US" altLang="ja-JP" sz="2400" dirty="0" err="1">
+                <a:latin typeface="Source Sans Pro SemiBold" panose="020B0603030403020204" pitchFamily="34" charset="0"/>
+                <a:ea typeface="Source Sans Pro SemiBold" panose="020B0603030403020204" pitchFamily="34" charset="0"/>
+              </a:rPr>
+              <a:t>λR</a:t>
+            </a:r>
+            <a:r>
+              <a:rPr lang="en-US" altLang="ja-JP" sz="2400" dirty="0">
+                <a:latin typeface="Source Sans Pro SemiBold" panose="020B0603030403020204" pitchFamily="34" charset="0"/>
+                <a:ea typeface="Source Sans Pro SemiBold" panose="020B0603030403020204" pitchFamily="34" charset="0"/>
+              </a:rPr>
+              <a:t>.  </a:t>
+            </a:r>
+            <a:r>
+              <a:rPr lang="en-US" altLang="ja-JP" sz="2400" dirty="0" err="1">
+                <a:latin typeface="Source Sans Pro SemiBold" panose="020B0603030403020204" pitchFamily="34" charset="0"/>
+                <a:ea typeface="Source Sans Pro SemiBold" panose="020B0603030403020204" pitchFamily="34" charset="0"/>
+              </a:rPr>
+              <a:t>λc</a:t>
+            </a:r>
+            <a:r>
+              <a:rPr lang="en-US" altLang="ja-JP" sz="2400" dirty="0">
+                <a:latin typeface="Source Sans Pro SemiBold" panose="020B0603030403020204" pitchFamily="34" charset="0"/>
+                <a:ea typeface="Source Sans Pro SemiBold" panose="020B0603030403020204" pitchFamily="34" charset="0"/>
+              </a:rPr>
+              <a:t> : X </a:t>
+            </a:r>
+            <a:r>
+              <a:rPr lang="ja-JP" altLang="en-US" sz="2400" dirty="0">
+                <a:latin typeface="Source Sans Pro SemiBold" panose="020B0603030403020204" pitchFamily="34" charset="0"/>
+                <a:ea typeface="Source Sans Pro SemiBold" panose="020B0603030403020204" pitchFamily="34" charset="0"/>
+              </a:rPr>
+              <a:t>→ </a:t>
+            </a:r>
+            <a:r>
+              <a:rPr lang="en-US" altLang="ja-JP" sz="2400" dirty="0">
+                <a:latin typeface="Source Sans Pro SemiBold" panose="020B0603030403020204" pitchFamily="34" charset="0"/>
+                <a:ea typeface="Source Sans Pro SemiBold" panose="020B0603030403020204" pitchFamily="34" charset="0"/>
+              </a:rPr>
+              <a:t>R </a:t>
+            </a:r>
+            <a:r>
+              <a:rPr lang="ja-JP" altLang="en-US" sz="2400" dirty="0">
+                <a:latin typeface="Source Sans Pro SemiBold" panose="020B0603030403020204" pitchFamily="34" charset="0"/>
+                <a:ea typeface="Source Sans Pro SemiBold" panose="020B0603030403020204" pitchFamily="34" charset="0"/>
+              </a:rPr>
+              <a:t>→ </a:t>
+            </a:r>
+            <a:r>
+              <a:rPr lang="en-US" altLang="ja-JP" sz="2400" dirty="0">
+                <a:latin typeface="Source Sans Pro SemiBold" panose="020B0603030403020204" pitchFamily="34" charset="0"/>
+                <a:ea typeface="Source Sans Pro SemiBold" panose="020B0603030403020204" pitchFamily="34" charset="0"/>
+              </a:rPr>
+              <a:t>R.  </a:t>
+            </a:r>
+            <a:r>
+              <a:rPr lang="en-US" altLang="ja-JP" sz="2400" dirty="0" err="1">
+                <a:latin typeface="Source Sans Pro SemiBold" panose="020B0603030403020204" pitchFamily="34" charset="0"/>
+                <a:ea typeface="Source Sans Pro SemiBold" panose="020B0603030403020204" pitchFamily="34" charset="0"/>
+              </a:rPr>
+              <a:t>λn</a:t>
+            </a:r>
+            <a:r>
+              <a:rPr lang="en-US" altLang="ja-JP" sz="2400" dirty="0">
+                <a:latin typeface="Source Sans Pro SemiBold" panose="020B0603030403020204" pitchFamily="34" charset="0"/>
+                <a:ea typeface="Source Sans Pro SemiBold" panose="020B0603030403020204" pitchFamily="34" charset="0"/>
+              </a:rPr>
+              <a:t> : R.  c </a:t>
+            </a:r>
+            <a:r>
+              <a:rPr lang="en-US" altLang="ja-JP" sz="2400" dirty="0" err="1">
+                <a:latin typeface="Source Sans Pro SemiBold" panose="020B0603030403020204" pitchFamily="34" charset="0"/>
+                <a:ea typeface="Source Sans Pro SemiBold" panose="020B0603030403020204" pitchFamily="34" charset="0"/>
+              </a:rPr>
+              <a:t>hd</a:t>
+            </a:r>
+            <a:r>
+              <a:rPr lang="en-US" altLang="ja-JP" sz="2400" dirty="0">
+                <a:latin typeface="Source Sans Pro SemiBold" panose="020B0603030403020204" pitchFamily="34" charset="0"/>
+                <a:ea typeface="Source Sans Pro SemiBold" panose="020B0603030403020204" pitchFamily="34" charset="0"/>
+              </a:rPr>
+              <a:t> (</a:t>
+            </a:r>
+            <a:r>
+              <a:rPr lang="en-US" altLang="ja-JP" sz="2400" dirty="0" err="1">
+                <a:latin typeface="Source Sans Pro SemiBold" panose="020B0603030403020204" pitchFamily="34" charset="0"/>
+                <a:ea typeface="Source Sans Pro SemiBold" panose="020B0603030403020204" pitchFamily="34" charset="0"/>
+              </a:rPr>
+              <a:t>tl</a:t>
+            </a:r>
+            <a:r>
+              <a:rPr lang="en-US" altLang="ja-JP" sz="2400" dirty="0">
+                <a:latin typeface="Source Sans Pro SemiBold" panose="020B0603030403020204" pitchFamily="34" charset="0"/>
+                <a:ea typeface="Source Sans Pro SemiBold" panose="020B0603030403020204" pitchFamily="34" charset="0"/>
+              </a:rPr>
+              <a:t> [R] c n)) as List X</a:t>
+            </a:r>
+          </a:p>
+          <a:p>
+            <a:pPr marL="0" indent="0">
+              <a:buNone/>
+            </a:pPr>
+            <a:r>
+              <a:rPr lang="en-US" altLang="ja-JP" sz="2400" dirty="0">
+                <a:latin typeface="Source Sans Pro SemiBold" panose="020B0603030403020204" pitchFamily="34" charset="0"/>
+                <a:ea typeface="Source Sans Pro SemiBold" panose="020B0603030403020204" pitchFamily="34" charset="0"/>
+              </a:rPr>
+              <a:t># cons : </a:t>
+            </a:r>
+            <a:r>
+              <a:rPr lang="ja-JP" altLang="en-US" sz="2400" dirty="0">
+                <a:latin typeface="Source Sans Pro SemiBold" panose="020B0603030403020204" pitchFamily="34" charset="0"/>
+                <a:ea typeface="Source Sans Pro SemiBold" panose="020B0603030403020204" pitchFamily="34" charset="0"/>
+              </a:rPr>
+              <a:t>∀</a:t>
+            </a:r>
+            <a:r>
+              <a:rPr lang="en-US" altLang="ja-JP" sz="2400" dirty="0">
+                <a:latin typeface="Source Sans Pro SemiBold" panose="020B0603030403020204" pitchFamily="34" charset="0"/>
+                <a:ea typeface="Source Sans Pro SemiBold" panose="020B0603030403020204" pitchFamily="34" charset="0"/>
+              </a:rPr>
+              <a:t>X. X </a:t>
+            </a:r>
+            <a:r>
+              <a:rPr lang="ja-JP" altLang="en-US" sz="2400" dirty="0">
+                <a:latin typeface="Source Sans Pro SemiBold" panose="020B0603030403020204" pitchFamily="34" charset="0"/>
+                <a:ea typeface="Source Sans Pro SemiBold" panose="020B0603030403020204" pitchFamily="34" charset="0"/>
+              </a:rPr>
+              <a:t>→ </a:t>
+            </a:r>
+            <a:r>
+              <a:rPr lang="en-US" altLang="ja-JP" sz="2400" dirty="0">
+                <a:latin typeface="Source Sans Pro SemiBold" panose="020B0603030403020204" pitchFamily="34" charset="0"/>
+                <a:ea typeface="Source Sans Pro SemiBold" panose="020B0603030403020204" pitchFamily="34" charset="0"/>
+              </a:rPr>
+              <a:t>List X </a:t>
+            </a:r>
+            <a:r>
+              <a:rPr lang="ja-JP" altLang="en-US" sz="2400" dirty="0">
+                <a:latin typeface="Source Sans Pro SemiBold" panose="020B0603030403020204" pitchFamily="34" charset="0"/>
+                <a:ea typeface="Source Sans Pro SemiBold" panose="020B0603030403020204" pitchFamily="34" charset="0"/>
+              </a:rPr>
+              <a:t>→ </a:t>
+            </a:r>
+            <a:r>
+              <a:rPr lang="en-US" altLang="ja-JP" sz="2400" dirty="0">
+                <a:latin typeface="Source Sans Pro SemiBold" panose="020B0603030403020204" pitchFamily="34" charset="0"/>
+                <a:ea typeface="Source Sans Pro SemiBold" panose="020B0603030403020204" pitchFamily="34" charset="0"/>
+              </a:rPr>
+              <a:t>List X</a:t>
+            </a:r>
+          </a:p>
+          <a:p>
+            <a:pPr marL="0" indent="0">
+              <a:buNone/>
+            </a:pPr>
+            <a:endParaRPr lang="en-US" altLang="ja-JP" sz="800" dirty="0">
+              <a:latin typeface="Source Sans Pro SemiBold" panose="020B0603030403020204" pitchFamily="34" charset="0"/>
+              <a:ea typeface="Source Sans Pro SemiBold" panose="020B0603030403020204" pitchFamily="34" charset="0"/>
+            </a:endParaRPr>
+          </a:p>
+          <a:p>
+            <a:pPr marL="0" indent="0">
+              <a:buNone/>
+            </a:pPr>
+            <a:r>
+              <a:rPr lang="en-US" altLang="ja-JP" sz="2400" dirty="0" err="1">
+                <a:latin typeface="Source Sans Pro SemiBold" panose="020B0603030403020204" pitchFamily="34" charset="0"/>
+                <a:ea typeface="Source Sans Pro SemiBold" panose="020B0603030403020204" pitchFamily="34" charset="0"/>
+              </a:rPr>
+              <a:t>isnil</a:t>
+            </a:r>
+            <a:r>
+              <a:rPr lang="en-US" altLang="ja-JP" sz="2400" dirty="0">
+                <a:latin typeface="Source Sans Pro SemiBold" panose="020B0603030403020204" pitchFamily="34" charset="0"/>
+                <a:ea typeface="Source Sans Pro SemiBold" panose="020B0603030403020204" pitchFamily="34" charset="0"/>
+              </a:rPr>
+              <a:t> = </a:t>
+            </a:r>
+            <a:r>
+              <a:rPr lang="en-US" altLang="ja-JP" sz="2400" dirty="0" err="1">
+                <a:latin typeface="Source Sans Pro SemiBold" panose="020B0603030403020204" pitchFamily="34" charset="0"/>
+                <a:ea typeface="Source Sans Pro SemiBold" panose="020B0603030403020204" pitchFamily="34" charset="0"/>
+              </a:rPr>
+              <a:t>λX</a:t>
+            </a:r>
+            <a:r>
+              <a:rPr lang="en-US" altLang="ja-JP" sz="2400" dirty="0">
+                <a:latin typeface="Source Sans Pro SemiBold" panose="020B0603030403020204" pitchFamily="34" charset="0"/>
+                <a:ea typeface="Source Sans Pro SemiBold" panose="020B0603030403020204" pitchFamily="34" charset="0"/>
+              </a:rPr>
+              <a:t>.  </a:t>
+            </a:r>
+            <a:r>
+              <a:rPr lang="en-US" altLang="ja-JP" sz="2400" dirty="0" err="1">
+                <a:latin typeface="Source Sans Pro SemiBold" panose="020B0603030403020204" pitchFamily="34" charset="0"/>
+                <a:ea typeface="Source Sans Pro SemiBold" panose="020B0603030403020204" pitchFamily="34" charset="0"/>
+              </a:rPr>
+              <a:t>λl</a:t>
+            </a:r>
+            <a:r>
+              <a:rPr lang="en-US" altLang="ja-JP" sz="2400" dirty="0">
+                <a:latin typeface="Source Sans Pro SemiBold" panose="020B0603030403020204" pitchFamily="34" charset="0"/>
+                <a:ea typeface="Source Sans Pro SemiBold" panose="020B0603030403020204" pitchFamily="34" charset="0"/>
+              </a:rPr>
+              <a:t> : List X.  l [Bool] (</a:t>
+            </a:r>
+            <a:r>
+              <a:rPr lang="en-US" altLang="ja-JP" sz="2400" dirty="0" err="1">
+                <a:latin typeface="Source Sans Pro SemiBold" panose="020B0603030403020204" pitchFamily="34" charset="0"/>
+                <a:ea typeface="Source Sans Pro SemiBold" panose="020B0603030403020204" pitchFamily="34" charset="0"/>
+              </a:rPr>
+              <a:t>λhd</a:t>
+            </a:r>
+            <a:r>
+              <a:rPr lang="en-US" altLang="ja-JP" sz="2400" dirty="0">
+                <a:latin typeface="Source Sans Pro SemiBold" panose="020B0603030403020204" pitchFamily="34" charset="0"/>
+                <a:ea typeface="Source Sans Pro SemiBold" panose="020B0603030403020204" pitchFamily="34" charset="0"/>
+              </a:rPr>
+              <a:t> : X.  </a:t>
+            </a:r>
+            <a:r>
+              <a:rPr lang="en-US" altLang="ja-JP" sz="2400" dirty="0" err="1">
+                <a:latin typeface="Source Sans Pro SemiBold" panose="020B0603030403020204" pitchFamily="34" charset="0"/>
+                <a:ea typeface="Source Sans Pro SemiBold" panose="020B0603030403020204" pitchFamily="34" charset="0"/>
+              </a:rPr>
+              <a:t>λtl</a:t>
+            </a:r>
+            <a:r>
+              <a:rPr lang="en-US" altLang="ja-JP" sz="2400" dirty="0">
+                <a:latin typeface="Source Sans Pro SemiBold" panose="020B0603030403020204" pitchFamily="34" charset="0"/>
+                <a:ea typeface="Source Sans Pro SemiBold" panose="020B0603030403020204" pitchFamily="34" charset="0"/>
+              </a:rPr>
+              <a:t> : Bool.  false) true</a:t>
+            </a:r>
+          </a:p>
+          <a:p>
+            <a:pPr marL="0" indent="0">
+              <a:buNone/>
+            </a:pPr>
+            <a:r>
+              <a:rPr lang="en-US" altLang="ja-JP" sz="2400" dirty="0">
+                <a:latin typeface="Source Sans Pro SemiBold" panose="020B0603030403020204" pitchFamily="34" charset="0"/>
+                <a:ea typeface="Source Sans Pro SemiBold" panose="020B0603030403020204" pitchFamily="34" charset="0"/>
+              </a:rPr>
+              <a:t># </a:t>
+            </a:r>
+            <a:r>
+              <a:rPr lang="en-US" altLang="ja-JP" sz="2400" dirty="0" err="1">
+                <a:latin typeface="Source Sans Pro SemiBold" panose="020B0603030403020204" pitchFamily="34" charset="0"/>
+                <a:ea typeface="Source Sans Pro SemiBold" panose="020B0603030403020204" pitchFamily="34" charset="0"/>
+              </a:rPr>
+              <a:t>isnil</a:t>
+            </a:r>
+            <a:r>
+              <a:rPr lang="en-US" altLang="ja-JP" sz="2400" dirty="0">
+                <a:latin typeface="Source Sans Pro SemiBold" panose="020B0603030403020204" pitchFamily="34" charset="0"/>
+                <a:ea typeface="Source Sans Pro SemiBold" panose="020B0603030403020204" pitchFamily="34" charset="0"/>
+              </a:rPr>
+              <a:t> : </a:t>
+            </a:r>
+            <a:r>
+              <a:rPr lang="ja-JP" altLang="en-US" sz="2400" dirty="0">
+                <a:latin typeface="Source Sans Pro SemiBold" panose="020B0603030403020204" pitchFamily="34" charset="0"/>
+                <a:ea typeface="Source Sans Pro SemiBold" panose="020B0603030403020204" pitchFamily="34" charset="0"/>
+              </a:rPr>
+              <a:t>∀</a:t>
+            </a:r>
+            <a:r>
+              <a:rPr lang="en-US" altLang="ja-JP" sz="2400" dirty="0">
+                <a:latin typeface="Source Sans Pro SemiBold" panose="020B0603030403020204" pitchFamily="34" charset="0"/>
+                <a:ea typeface="Source Sans Pro SemiBold" panose="020B0603030403020204" pitchFamily="34" charset="0"/>
+              </a:rPr>
+              <a:t>X. List X </a:t>
+            </a:r>
+            <a:r>
+              <a:rPr lang="ja-JP" altLang="en-US" sz="2400" dirty="0">
+                <a:latin typeface="Source Sans Pro SemiBold" panose="020B0603030403020204" pitchFamily="34" charset="0"/>
+                <a:ea typeface="Source Sans Pro SemiBold" panose="020B0603030403020204" pitchFamily="34" charset="0"/>
+              </a:rPr>
+              <a:t>→ </a:t>
+            </a:r>
+            <a:r>
+              <a:rPr lang="en-US" altLang="ja-JP" sz="2400" dirty="0">
+                <a:latin typeface="Source Sans Pro SemiBold" panose="020B0603030403020204" pitchFamily="34" charset="0"/>
+                <a:ea typeface="Source Sans Pro SemiBold" panose="020B0603030403020204" pitchFamily="34" charset="0"/>
+              </a:rPr>
+              <a:t>Bool</a:t>
+            </a:r>
+          </a:p>
+          <a:p>
+            <a:pPr marL="0" indent="0">
+              <a:buNone/>
+            </a:pPr>
+            <a:endParaRPr lang="en-US" altLang="ja-JP" sz="2400" dirty="0">
+              <a:latin typeface="Source Sans Pro SemiBold" panose="020B0603030403020204" pitchFamily="34" charset="0"/>
+              <a:ea typeface="Source Sans Pro SemiBold" panose="020B0603030403020204" pitchFamily="34" charset="0"/>
+            </a:endParaRPr>
+          </a:p>
+        </p:txBody>
+      </p:sp>
+    </p:spTree>
+    <p:extLst>
+      <p:ext uri="{BB962C8B-B14F-4D97-AF65-F5344CB8AC3E}">
+        <p14:creationId xmlns:p14="http://schemas.microsoft.com/office/powerpoint/2010/main" val="2291749550"/>
       </p:ext>
     </p:extLst>
   </p:cSld>

--- a/研究室関連/TAPL/TAPL-23.pptx
+++ b/研究室関連/TAPL/TAPL-23.pptx
@@ -264,7 +264,7 @@
           <a:p>
             <a:fld id="{002B35ED-074F-4DA6-B0D2-0863611FB16F}" type="datetimeFigureOut">
               <a:rPr kumimoji="1" lang="ja-JP" altLang="en-US" smtClean="0"/>
-              <a:t>2024/12/6</a:t>
+              <a:t>2024/12/11</a:t>
             </a:fld>
             <a:endParaRPr kumimoji="1" lang="ja-JP" altLang="en-US"/>
           </a:p>
@@ -441,7 +441,7 @@
           <a:p>
             <a:fld id="{6DF0E2B0-78FD-4DED-8431-F478C5F5AC09}" type="datetimeFigureOut">
               <a:rPr kumimoji="1" lang="ja-JP" altLang="en-US" smtClean="0"/>
-              <a:t>2024/12/6</a:t>
+              <a:t>2024/12/11</a:t>
             </a:fld>
             <a:endParaRPr kumimoji="1" lang="ja-JP" altLang="en-US"/>
           </a:p>
@@ -4779,7 +4779,7 @@
           <a:p>
             <a:fld id="{E8CAF464-15F3-4BB4-BD7F-4E96634389B9}" type="datetime1">
               <a:rPr kumimoji="1" lang="ja-JP" altLang="en-US" smtClean="0"/>
-              <a:t>2024/12/6</a:t>
+              <a:t>2024/12/11</a:t>
             </a:fld>
             <a:endParaRPr kumimoji="1" lang="ja-JP" altLang="en-US"/>
           </a:p>
@@ -5554,7 +5554,7 @@
           <a:p>
             <a:fld id="{B4C738A0-993E-4FF2-A9D3-F8A25E5BED3D}" type="datetime1">
               <a:rPr kumimoji="1" lang="ja-JP" altLang="en-US" smtClean="0"/>
-              <a:t>2024/12/6</a:t>
+              <a:t>2024/12/11</a:t>
             </a:fld>
             <a:endParaRPr kumimoji="1" lang="ja-JP" altLang="en-US"/>
           </a:p>
@@ -5874,7 +5874,7 @@
           <a:p>
             <a:fld id="{6F43E0D6-D44E-4BB9-A41C-4EBA4BB1D0AA}" type="datetime1">
               <a:rPr kumimoji="1" lang="ja-JP" altLang="en-US" smtClean="0"/>
-              <a:t>2024/12/6</a:t>
+              <a:t>2024/12/11</a:t>
             </a:fld>
             <a:endParaRPr kumimoji="1" lang="ja-JP" altLang="en-US"/>
           </a:p>
@@ -6341,7 +6341,7 @@
           <a:p>
             <a:fld id="{80FBE12C-66DD-425F-87DA-45FA71D4B14C}" type="datetime1">
               <a:rPr kumimoji="1" lang="ja-JP" altLang="en-US" smtClean="0"/>
-              <a:t>2024/12/6</a:t>
+              <a:t>2024/12/11</a:t>
             </a:fld>
             <a:endParaRPr kumimoji="1" lang="ja-JP" altLang="en-US"/>
           </a:p>
@@ -6473,7 +6473,7 @@
           <a:p>
             <a:fld id="{5D337AB5-68CF-4C9A-84F0-CEB8B3F3804F}" type="datetime1">
               <a:rPr kumimoji="1" lang="ja-JP" altLang="en-US" smtClean="0"/>
-              <a:t>2024/12/6</a:t>
+              <a:t>2024/12/11</a:t>
             </a:fld>
             <a:endParaRPr kumimoji="1" lang="ja-JP" altLang="en-US"/>
           </a:p>
@@ -6577,7 +6577,7 @@
           <a:p>
             <a:fld id="{0224F364-07F3-46C8-84AA-302D169C9924}" type="datetime1">
               <a:rPr kumimoji="1" lang="ja-JP" altLang="en-US" smtClean="0"/>
-              <a:t>2024/12/6</a:t>
+              <a:t>2024/12/11</a:t>
             </a:fld>
             <a:endParaRPr kumimoji="1" lang="ja-JP" altLang="en-US"/>
           </a:p>
@@ -6911,7 +6911,7 @@
           <a:p>
             <a:fld id="{C98F773C-6196-4130-BAF3-BF8645CB42FA}" type="datetime1">
               <a:rPr kumimoji="1" lang="ja-JP" altLang="en-US" smtClean="0"/>
-              <a:t>2024/12/6</a:t>
+              <a:t>2024/12/11</a:t>
             </a:fld>
             <a:endParaRPr kumimoji="1" lang="ja-JP" altLang="en-US"/>
           </a:p>
@@ -7190,7 +7190,7 @@
           <a:p>
             <a:fld id="{E4883AD5-0DE6-4DC7-9375-A23AA371A5C4}" type="datetime1">
               <a:rPr kumimoji="1" lang="ja-JP" altLang="en-US" smtClean="0"/>
-              <a:t>2024/12/6</a:t>
+              <a:t>2024/12/11</a:t>
             </a:fld>
             <a:endParaRPr kumimoji="1" lang="ja-JP" altLang="en-US"/>
           </a:p>
@@ -7785,23 +7785,7 @@
           <a:p>
             <a:r>
               <a:rPr kumimoji="1" lang="ja-JP" altLang="en-US" dirty="0"/>
-              <a:t>住井・松田</a:t>
-            </a:r>
-            <a:r>
-              <a:rPr kumimoji="1" lang="en-US" altLang="ja-JP" dirty="0"/>
-              <a:t>(</a:t>
-            </a:r>
-            <a:r>
-              <a:rPr kumimoji="1" lang="ja-JP" altLang="en-US" dirty="0"/>
-              <a:t>一</a:t>
-            </a:r>
-            <a:r>
-              <a:rPr kumimoji="1" lang="en-US" altLang="ja-JP" dirty="0"/>
-              <a:t>)</a:t>
-            </a:r>
-            <a:r>
-              <a:rPr kumimoji="1" lang="ja-JP" altLang="en-US" dirty="0"/>
-              <a:t>研究室 </a:t>
+              <a:t>住井・松田研究室 </a:t>
             </a:r>
             <a:r>
               <a:rPr kumimoji="1" lang="en-US" altLang="ja-JP" dirty="0"/>
